--- a/Sprint_1_PRE.pptx
+++ b/Sprint_1_PRE.pptx
@@ -5,33 +5,32 @@
     <p:sldMasterId id="2147483648" r:id="rId1"/>
   </p:sldMasterIdLst>
   <p:notesMasterIdLst>
-    <p:notesMasterId r:id="rId15"/>
+    <p:notesMasterId r:id="rId4"/>
   </p:notesMasterIdLst>
   <p:sldIdLst>
-    <p:sldId id="256" r:id="rId2"/>
-    <p:sldId id="257" r:id="rId3"/>
-    <p:sldId id="258" r:id="rId4"/>
-    <p:sldId id="259" r:id="rId5"/>
+    <p:sldId id="256" r:id="rId3"/>
+    <p:sldId id="257" r:id="rId5"/>
     <p:sldId id="278" r:id="rId6"/>
     <p:sldId id="279" r:id="rId7"/>
     <p:sldId id="280" r:id="rId8"/>
-    <p:sldId id="281" r:id="rId9"/>
-    <p:sldId id="275" r:id="rId10"/>
-    <p:sldId id="286" r:id="rId11"/>
-    <p:sldId id="274" r:id="rId12"/>
-    <p:sldId id="287" r:id="rId13"/>
-    <p:sldId id="273" r:id="rId14"/>
+    <p:sldId id="258" r:id="rId9"/>
+    <p:sldId id="290" r:id="rId10"/>
+    <p:sldId id="275" r:id="rId11"/>
+    <p:sldId id="286" r:id="rId12"/>
+    <p:sldId id="274" r:id="rId13"/>
+    <p:sldId id="287" r:id="rId14"/>
+    <p:sldId id="273" r:id="rId15"/>
   </p:sldIdLst>
   <p:sldSz cx="9144000" cy="6858000" type="screen4x3"/>
   <p:notesSz cx="6858000" cy="9144000"/>
   <p:embeddedFontLst>
     <p:embeddedFont>
-      <p:font typeface="Lato" panose="020F0502020204030203" pitchFamily="34" charset="0"/>
-      <p:regular r:id="rId16"/>
+      <p:font typeface="Montserrat"/>
+      <p:regular r:id="rId19"/>
     </p:embeddedFont>
     <p:embeddedFont>
-      <p:font typeface="Montserrat" panose="00000500000000000000" pitchFamily="2" charset="0"/>
-      <p:regular r:id="rId17"/>
+      <p:font typeface="Lato"/>
+      <p:regular r:id="rId20"/>
     </p:embeddedFont>
   </p:embeddedFontLst>
   <p:defaultTextStyle>
@@ -483,9 +482,7 @@
               <a:defRPr sz="1100"/>
             </a:lvl9pPr>
           </a:lstStyle>
-          <a:p>
-            <a:endParaRPr/>
-          </a:p>
+          <a:p/>
         </p:txBody>
       </p:sp>
     </p:spTree>
@@ -724,7 +721,7 @@
 </file>
 
 <file path=ppt/notesSlides/notesSlide1.xml><?xml version="1.0" encoding="utf-8"?>
-<p:notes xmlns:a="http://schemas.openxmlformats.org/drawingml/2006/main" xmlns:r="http://schemas.openxmlformats.org/officeDocument/2006/relationships" xmlns:p="http://schemas.openxmlformats.org/presentationml/2006/main" showMasterSp="0" showMasterPhAnim="0">
+<p:notes xmlns:a="http://schemas.openxmlformats.org/drawingml/2006/main" xmlns:r="http://schemas.openxmlformats.org/officeDocument/2006/relationships" xmlns:p="http://schemas.openxmlformats.org/presentationml/2006/main" showMasterPhAnim="0" showMasterSp="0">
   <p:cSld>
     <p:spTree>
       <p:nvGrpSpPr>
@@ -774,7 +771,6 @@
               </a:spcAft>
               <a:buNone/>
             </a:pPr>
-            <a:endParaRPr/>
           </a:p>
         </p:txBody>
       </p:sp>
@@ -828,7 +824,7 @@
 </file>
 
 <file path=ppt/notesSlides/notesSlide10.xml><?xml version="1.0" encoding="utf-8"?>
-<p:notes xmlns:a="http://schemas.openxmlformats.org/drawingml/2006/main" xmlns:r="http://schemas.openxmlformats.org/officeDocument/2006/relationships" xmlns:p="http://schemas.openxmlformats.org/presentationml/2006/main" showMasterSp="0" showMasterPhAnim="0">
+<p:notes xmlns:a="http://schemas.openxmlformats.org/drawingml/2006/main" xmlns:r="http://schemas.openxmlformats.org/officeDocument/2006/relationships" xmlns:p="http://schemas.openxmlformats.org/presentationml/2006/main" showMasterPhAnim="0" showMasterSp="0">
   <p:cSld>
     <p:spTree>
       <p:nvGrpSpPr>
@@ -878,7 +874,6 @@
               </a:spcAft>
               <a:buNone/>
             </a:pPr>
-            <a:endParaRPr/>
           </a:p>
         </p:txBody>
       </p:sp>
@@ -932,7 +927,7 @@
 </file>
 
 <file path=ppt/notesSlides/notesSlide11.xml><?xml version="1.0" encoding="utf-8"?>
-<p:notes xmlns:a="http://schemas.openxmlformats.org/drawingml/2006/main" xmlns:r="http://schemas.openxmlformats.org/officeDocument/2006/relationships" xmlns:p="http://schemas.openxmlformats.org/presentationml/2006/main" showMasterSp="0" showMasterPhAnim="0">
+<p:notes xmlns:a="http://schemas.openxmlformats.org/drawingml/2006/main" xmlns:r="http://schemas.openxmlformats.org/officeDocument/2006/relationships" xmlns:p="http://schemas.openxmlformats.org/presentationml/2006/main" showMasterPhAnim="0" showMasterSp="0">
   <p:cSld>
     <p:spTree>
       <p:nvGrpSpPr>
@@ -982,111 +977,6 @@
               </a:spcAft>
               <a:buNone/>
             </a:pPr>
-            <a:endParaRPr/>
-          </a:p>
-        </p:txBody>
-      </p:sp>
-      <p:sp>
-        <p:nvSpPr>
-          <p:cNvPr id="156" name="Google Shape;156;p4:notes"/>
-          <p:cNvSpPr>
-            <a:spLocks noGrp="1" noRot="1" noChangeAspect="1"/>
-          </p:cNvSpPr>
-          <p:nvPr>
-            <p:ph type="sldImg" idx="2"/>
-          </p:nvPr>
-        </p:nvSpPr>
-        <p:spPr>
-          <a:xfrm>
-            <a:off x="1143000" y="685800"/>
-            <a:ext cx="4572000" cy="3429000"/>
-          </a:xfrm>
-          <a:custGeom>
-            <a:avLst/>
-            <a:gdLst/>
-            <a:ahLst/>
-            <a:cxnLst/>
-            <a:rect l="l" t="t" r="r" b="b"/>
-            <a:pathLst>
-              <a:path w="120000" h="120000" extrusionOk="0">
-                <a:moveTo>
-                  <a:pt x="0" y="0"/>
-                </a:moveTo>
-                <a:lnTo>
-                  <a:pt x="120000" y="0"/>
-                </a:lnTo>
-                <a:lnTo>
-                  <a:pt x="120000" y="120000"/>
-                </a:lnTo>
-                <a:lnTo>
-                  <a:pt x="0" y="120000"/>
-                </a:lnTo>
-                <a:close/>
-              </a:path>
-            </a:pathLst>
-          </a:custGeom>
-        </p:spPr>
-      </p:sp>
-    </p:spTree>
-  </p:cSld>
-  <p:clrMapOvr>
-    <a:masterClrMapping/>
-  </p:clrMapOvr>
-</p:notes>
-</file>
-
-<file path=ppt/notesSlides/notesSlide12.xml><?xml version="1.0" encoding="utf-8"?>
-<p:notes xmlns:a="http://schemas.openxmlformats.org/drawingml/2006/main" xmlns:r="http://schemas.openxmlformats.org/officeDocument/2006/relationships" xmlns:p="http://schemas.openxmlformats.org/presentationml/2006/main" showMasterSp="0" showMasterPhAnim="0">
-  <p:cSld>
-    <p:spTree>
-      <p:nvGrpSpPr>
-        <p:cNvPr id="1" name="Shape 154"/>
-        <p:cNvGrpSpPr/>
-        <p:nvPr/>
-      </p:nvGrpSpPr>
-      <p:grpSpPr>
-        <a:xfrm>
-          <a:off x="0" y="0"/>
-          <a:ext cx="0" cy="0"/>
-          <a:chOff x="0" y="0"/>
-          <a:chExt cx="0" cy="0"/>
-        </a:xfrm>
-      </p:grpSpPr>
-      <p:sp>
-        <p:nvSpPr>
-          <p:cNvPr id="155" name="Google Shape;155;p4:notes"/>
-          <p:cNvSpPr txBox="1">
-            <a:spLocks noGrp="1"/>
-          </p:cNvSpPr>
-          <p:nvPr>
-            <p:ph type="body" idx="1"/>
-          </p:nvPr>
-        </p:nvSpPr>
-        <p:spPr>
-          <a:xfrm>
-            <a:off x="685800" y="4343400"/>
-            <a:ext cx="5486400" cy="4114800"/>
-          </a:xfrm>
-          <a:prstGeom prst="rect">
-            <a:avLst/>
-          </a:prstGeom>
-        </p:spPr>
-        <p:txBody>
-          <a:bodyPr spcFirstLastPara="1" wrap="square" lIns="91425" tIns="91425" rIns="91425" bIns="91425" anchor="t" anchorCtr="0">
-            <a:noAutofit/>
-          </a:bodyPr>
-          <a:lstStyle/>
-          <a:p>
-            <a:pPr marL="0" lvl="0" indent="0" algn="l" rtl="0">
-              <a:spcBef>
-                <a:spcPts val="0"/>
-              </a:spcBef>
-              <a:spcAft>
-                <a:spcPts val="0"/>
-              </a:spcAft>
-              <a:buNone/>
-            </a:pPr>
-            <a:endParaRPr/>
           </a:p>
         </p:txBody>
       </p:sp>
@@ -1139,8 +1029,8 @@
 </p:notes>
 </file>
 
-<file path=ppt/notesSlides/notesSlide13.xml><?xml version="1.0" encoding="utf-8"?>
-<p:notes xmlns:a="http://schemas.openxmlformats.org/drawingml/2006/main" xmlns:r="http://schemas.openxmlformats.org/officeDocument/2006/relationships" xmlns:p="http://schemas.openxmlformats.org/presentationml/2006/main" showMasterSp="0" showMasterPhAnim="0">
+<file path=ppt/notesSlides/notesSlide12.xml><?xml version="1.0" encoding="utf-8"?>
+<p:notes xmlns:a="http://schemas.openxmlformats.org/drawingml/2006/main" xmlns:r="http://schemas.openxmlformats.org/officeDocument/2006/relationships" xmlns:p="http://schemas.openxmlformats.org/presentationml/2006/main" showMasterPhAnim="0" showMasterSp="0">
   <p:cSld>
     <p:spTree>
       <p:nvGrpSpPr>
@@ -1190,7 +1080,6 @@
               </a:spcAft>
               <a:buNone/>
             </a:pPr>
-            <a:endParaRPr/>
           </a:p>
         </p:txBody>
       </p:sp>
@@ -1244,7 +1133,7 @@
 </file>
 
 <file path=ppt/notesSlides/notesSlide2.xml><?xml version="1.0" encoding="utf-8"?>
-<p:notes xmlns:a="http://schemas.openxmlformats.org/drawingml/2006/main" xmlns:r="http://schemas.openxmlformats.org/officeDocument/2006/relationships" xmlns:p="http://schemas.openxmlformats.org/presentationml/2006/main" showMasterSp="0" showMasterPhAnim="0">
+<p:notes xmlns:a="http://schemas.openxmlformats.org/drawingml/2006/main" xmlns:r="http://schemas.openxmlformats.org/officeDocument/2006/relationships" xmlns:p="http://schemas.openxmlformats.org/presentationml/2006/main" showMasterPhAnim="0" showMasterSp="0">
   <p:cSld>
     <p:spTree>
       <p:nvGrpSpPr>
@@ -1294,7 +1183,6 @@
               </a:spcAft>
               <a:buNone/>
             </a:pPr>
-            <a:endParaRPr/>
           </a:p>
         </p:txBody>
       </p:sp>
@@ -1348,215 +1236,7 @@
 </file>
 
 <file path=ppt/notesSlides/notesSlide3.xml><?xml version="1.0" encoding="utf-8"?>
-<p:notes xmlns:a="http://schemas.openxmlformats.org/drawingml/2006/main" xmlns:r="http://schemas.openxmlformats.org/officeDocument/2006/relationships" xmlns:p="http://schemas.openxmlformats.org/presentationml/2006/main" showMasterSp="0" showMasterPhAnim="0">
-  <p:cSld>
-    <p:spTree>
-      <p:nvGrpSpPr>
-        <p:cNvPr id="1" name="Shape 148"/>
-        <p:cNvGrpSpPr/>
-        <p:nvPr/>
-      </p:nvGrpSpPr>
-      <p:grpSpPr>
-        <a:xfrm>
-          <a:off x="0" y="0"/>
-          <a:ext cx="0" cy="0"/>
-          <a:chOff x="0" y="0"/>
-          <a:chExt cx="0" cy="0"/>
-        </a:xfrm>
-      </p:grpSpPr>
-      <p:sp>
-        <p:nvSpPr>
-          <p:cNvPr id="149" name="Google Shape;149;p3:notes"/>
-          <p:cNvSpPr txBox="1">
-            <a:spLocks noGrp="1"/>
-          </p:cNvSpPr>
-          <p:nvPr>
-            <p:ph type="body" idx="1"/>
-          </p:nvPr>
-        </p:nvSpPr>
-        <p:spPr>
-          <a:xfrm>
-            <a:off x="685800" y="4343400"/>
-            <a:ext cx="5486400" cy="4114800"/>
-          </a:xfrm>
-          <a:prstGeom prst="rect">
-            <a:avLst/>
-          </a:prstGeom>
-        </p:spPr>
-        <p:txBody>
-          <a:bodyPr spcFirstLastPara="1" wrap="square" lIns="91425" tIns="91425" rIns="91425" bIns="91425" anchor="t" anchorCtr="0">
-            <a:noAutofit/>
-          </a:bodyPr>
-          <a:lstStyle/>
-          <a:p>
-            <a:pPr marL="0" lvl="0" indent="0" algn="l" rtl="0">
-              <a:spcBef>
-                <a:spcPts val="0"/>
-              </a:spcBef>
-              <a:spcAft>
-                <a:spcPts val="0"/>
-              </a:spcAft>
-              <a:buNone/>
-            </a:pPr>
-            <a:endParaRPr/>
-          </a:p>
-        </p:txBody>
-      </p:sp>
-      <p:sp>
-        <p:nvSpPr>
-          <p:cNvPr id="150" name="Google Shape;150;p3:notes"/>
-          <p:cNvSpPr>
-            <a:spLocks noGrp="1" noRot="1" noChangeAspect="1"/>
-          </p:cNvSpPr>
-          <p:nvPr>
-            <p:ph type="sldImg" idx="2"/>
-          </p:nvPr>
-        </p:nvSpPr>
-        <p:spPr>
-          <a:xfrm>
-            <a:off x="1143000" y="685800"/>
-            <a:ext cx="4572000" cy="3429000"/>
-          </a:xfrm>
-          <a:custGeom>
-            <a:avLst/>
-            <a:gdLst/>
-            <a:ahLst/>
-            <a:cxnLst/>
-            <a:rect l="l" t="t" r="r" b="b"/>
-            <a:pathLst>
-              <a:path w="120000" h="120000" extrusionOk="0">
-                <a:moveTo>
-                  <a:pt x="0" y="0"/>
-                </a:moveTo>
-                <a:lnTo>
-                  <a:pt x="120000" y="0"/>
-                </a:lnTo>
-                <a:lnTo>
-                  <a:pt x="120000" y="120000"/>
-                </a:lnTo>
-                <a:lnTo>
-                  <a:pt x="0" y="120000"/>
-                </a:lnTo>
-                <a:close/>
-              </a:path>
-            </a:pathLst>
-          </a:custGeom>
-        </p:spPr>
-      </p:sp>
-    </p:spTree>
-  </p:cSld>
-  <p:clrMapOvr>
-    <a:masterClrMapping/>
-  </p:clrMapOvr>
-</p:notes>
-</file>
-
-<file path=ppt/notesSlides/notesSlide4.xml><?xml version="1.0" encoding="utf-8"?>
-<p:notes xmlns:a="http://schemas.openxmlformats.org/drawingml/2006/main" xmlns:r="http://schemas.openxmlformats.org/officeDocument/2006/relationships" xmlns:p="http://schemas.openxmlformats.org/presentationml/2006/main" showMasterSp="0" showMasterPhAnim="0">
-  <p:cSld>
-    <p:spTree>
-      <p:nvGrpSpPr>
-        <p:cNvPr id="1" name="Shape 154"/>
-        <p:cNvGrpSpPr/>
-        <p:nvPr/>
-      </p:nvGrpSpPr>
-      <p:grpSpPr>
-        <a:xfrm>
-          <a:off x="0" y="0"/>
-          <a:ext cx="0" cy="0"/>
-          <a:chOff x="0" y="0"/>
-          <a:chExt cx="0" cy="0"/>
-        </a:xfrm>
-      </p:grpSpPr>
-      <p:sp>
-        <p:nvSpPr>
-          <p:cNvPr id="155" name="Google Shape;155;p4:notes"/>
-          <p:cNvSpPr txBox="1">
-            <a:spLocks noGrp="1"/>
-          </p:cNvSpPr>
-          <p:nvPr>
-            <p:ph type="body" idx="1"/>
-          </p:nvPr>
-        </p:nvSpPr>
-        <p:spPr>
-          <a:xfrm>
-            <a:off x="685800" y="4343400"/>
-            <a:ext cx="5486400" cy="4114800"/>
-          </a:xfrm>
-          <a:prstGeom prst="rect">
-            <a:avLst/>
-          </a:prstGeom>
-        </p:spPr>
-        <p:txBody>
-          <a:bodyPr spcFirstLastPara="1" wrap="square" lIns="91425" tIns="91425" rIns="91425" bIns="91425" anchor="t" anchorCtr="0">
-            <a:noAutofit/>
-          </a:bodyPr>
-          <a:lstStyle/>
-          <a:p>
-            <a:pPr marL="0" lvl="0" indent="0" algn="l" rtl="0">
-              <a:spcBef>
-                <a:spcPts val="0"/>
-              </a:spcBef>
-              <a:spcAft>
-                <a:spcPts val="0"/>
-              </a:spcAft>
-              <a:buNone/>
-            </a:pPr>
-            <a:endParaRPr/>
-          </a:p>
-        </p:txBody>
-      </p:sp>
-      <p:sp>
-        <p:nvSpPr>
-          <p:cNvPr id="156" name="Google Shape;156;p4:notes"/>
-          <p:cNvSpPr>
-            <a:spLocks noGrp="1" noRot="1" noChangeAspect="1"/>
-          </p:cNvSpPr>
-          <p:nvPr>
-            <p:ph type="sldImg" idx="2"/>
-          </p:nvPr>
-        </p:nvSpPr>
-        <p:spPr>
-          <a:xfrm>
-            <a:off x="1143225" y="685800"/>
-            <a:ext cx="4572225" cy="3429000"/>
-          </a:xfrm>
-          <a:custGeom>
-            <a:avLst/>
-            <a:gdLst/>
-            <a:ahLst/>
-            <a:cxnLst/>
-            <a:rect l="l" t="t" r="r" b="b"/>
-            <a:pathLst>
-              <a:path w="120000" h="120000" extrusionOk="0">
-                <a:moveTo>
-                  <a:pt x="0" y="0"/>
-                </a:moveTo>
-                <a:lnTo>
-                  <a:pt x="120000" y="0"/>
-                </a:lnTo>
-                <a:lnTo>
-                  <a:pt x="120000" y="120000"/>
-                </a:lnTo>
-                <a:lnTo>
-                  <a:pt x="0" y="120000"/>
-                </a:lnTo>
-                <a:close/>
-              </a:path>
-            </a:pathLst>
-          </a:custGeom>
-        </p:spPr>
-      </p:sp>
-    </p:spTree>
-  </p:cSld>
-  <p:clrMapOvr>
-    <a:masterClrMapping/>
-  </p:clrMapOvr>
-</p:notes>
-</file>
-
-<file path=ppt/notesSlides/notesSlide5.xml><?xml version="1.0" encoding="utf-8"?>
-<p:notes xmlns:a="http://schemas.openxmlformats.org/drawingml/2006/main" xmlns:r="http://schemas.openxmlformats.org/officeDocument/2006/relationships" xmlns:p="http://schemas.openxmlformats.org/presentationml/2006/main" showMasterSp="0" showMasterPhAnim="0">
+<p:notes xmlns:a="http://schemas.openxmlformats.org/drawingml/2006/main" xmlns:r="http://schemas.openxmlformats.org/officeDocument/2006/relationships" xmlns:p="http://schemas.openxmlformats.org/presentationml/2006/main" showMasterPhAnim="0" showMasterSp="0">
   <p:cSld>
     <p:spTree>
       <p:nvGrpSpPr>
@@ -1675,8 +1355,8 @@
 </p:notes>
 </file>
 
-<file path=ppt/notesSlides/notesSlide6.xml><?xml version="1.0" encoding="utf-8"?>
-<p:notes xmlns:a="http://schemas.openxmlformats.org/drawingml/2006/main" xmlns:r="http://schemas.openxmlformats.org/officeDocument/2006/relationships" xmlns:p="http://schemas.openxmlformats.org/presentationml/2006/main" showMasterSp="0" showMasterPhAnim="0">
+<file path=ppt/notesSlides/notesSlide4.xml><?xml version="1.0" encoding="utf-8"?>
+<p:notes xmlns:a="http://schemas.openxmlformats.org/drawingml/2006/main" xmlns:r="http://schemas.openxmlformats.org/officeDocument/2006/relationships" xmlns:p="http://schemas.openxmlformats.org/presentationml/2006/main" showMasterPhAnim="0" showMasterSp="0">
   <p:cSld>
     <p:spTree>
       <p:nvGrpSpPr>
@@ -1781,8 +1461,8 @@
 </p:notes>
 </file>
 
-<file path=ppt/notesSlides/notesSlide7.xml><?xml version="1.0" encoding="utf-8"?>
-<p:notes xmlns:a="http://schemas.openxmlformats.org/drawingml/2006/main" xmlns:r="http://schemas.openxmlformats.org/officeDocument/2006/relationships" xmlns:p="http://schemas.openxmlformats.org/presentationml/2006/main" showMasterSp="0" showMasterPhAnim="0">
+<file path=ppt/notesSlides/notesSlide5.xml><?xml version="1.0" encoding="utf-8"?>
+<p:notes xmlns:a="http://schemas.openxmlformats.org/drawingml/2006/main" xmlns:r="http://schemas.openxmlformats.org/officeDocument/2006/relationships" xmlns:p="http://schemas.openxmlformats.org/presentationml/2006/main" showMasterPhAnim="0" showMasterSp="0">
   <p:cSld>
     <p:spTree>
       <p:nvGrpSpPr>
@@ -1832,7 +1512,6 @@
               </a:spcAft>
               <a:buNone/>
             </a:pPr>
-            <a:endParaRPr/>
           </a:p>
         </p:txBody>
       </p:sp>
@@ -1885,8 +1564,8 @@
 </p:notes>
 </file>
 
-<file path=ppt/notesSlides/notesSlide8.xml><?xml version="1.0" encoding="utf-8"?>
-<p:notes xmlns:a="http://schemas.openxmlformats.org/drawingml/2006/main" xmlns:r="http://schemas.openxmlformats.org/officeDocument/2006/relationships" xmlns:p="http://schemas.openxmlformats.org/presentationml/2006/main" showMasterSp="0" showMasterPhAnim="0">
+<file path=ppt/notesSlides/notesSlide6.xml><?xml version="1.0" encoding="utf-8"?>
+<p:notes xmlns:a="http://schemas.openxmlformats.org/drawingml/2006/main" xmlns:r="http://schemas.openxmlformats.org/officeDocument/2006/relationships" xmlns:p="http://schemas.openxmlformats.org/presentationml/2006/main" showMasterPhAnim="0" showMasterSp="0">
   <p:cSld>
     <p:spTree>
       <p:nvGrpSpPr>
@@ -1936,7 +1615,6 @@
               </a:spcAft>
               <a:buNone/>
             </a:pPr>
-            <a:endParaRPr/>
           </a:p>
         </p:txBody>
       </p:sp>
@@ -1952,8 +1630,8 @@
         </p:nvSpPr>
         <p:spPr>
           <a:xfrm>
-            <a:off x="1143225" y="685800"/>
-            <a:ext cx="4572225" cy="3429000"/>
+            <a:off x="1143000" y="685800"/>
+            <a:ext cx="4572000" cy="3429000"/>
           </a:xfrm>
           <a:custGeom>
             <a:avLst/>
@@ -1989,8 +1667,8 @@
 </p:notes>
 </file>
 
-<file path=ppt/notesSlides/notesSlide9.xml><?xml version="1.0" encoding="utf-8"?>
-<p:notes xmlns:a="http://schemas.openxmlformats.org/drawingml/2006/main" xmlns:r="http://schemas.openxmlformats.org/officeDocument/2006/relationships" xmlns:p="http://schemas.openxmlformats.org/presentationml/2006/main" showMasterSp="0" showMasterPhAnim="0">
+<file path=ppt/notesSlides/notesSlide7.xml><?xml version="1.0" encoding="utf-8"?>
+<p:notes xmlns:a="http://schemas.openxmlformats.org/drawingml/2006/main" xmlns:r="http://schemas.openxmlformats.org/officeDocument/2006/relationships" xmlns:p="http://schemas.openxmlformats.org/presentationml/2006/main" showMasterPhAnim="0" showMasterSp="0">
   <p:cSld>
     <p:spTree>
       <p:nvGrpSpPr>
@@ -2040,7 +1718,212 @@
               </a:spcAft>
               <a:buNone/>
             </a:pPr>
-            <a:endParaRPr/>
+          </a:p>
+        </p:txBody>
+      </p:sp>
+      <p:sp>
+        <p:nvSpPr>
+          <p:cNvPr id="156" name="Google Shape;156;p4:notes"/>
+          <p:cNvSpPr>
+            <a:spLocks noGrp="1" noRot="1" noChangeAspect="1"/>
+          </p:cNvSpPr>
+          <p:nvPr>
+            <p:ph type="sldImg" idx="2"/>
+          </p:nvPr>
+        </p:nvSpPr>
+        <p:spPr>
+          <a:xfrm>
+            <a:off x="1143000" y="685800"/>
+            <a:ext cx="4572000" cy="3429000"/>
+          </a:xfrm>
+          <a:custGeom>
+            <a:avLst/>
+            <a:gdLst/>
+            <a:ahLst/>
+            <a:cxnLst/>
+            <a:rect l="l" t="t" r="r" b="b"/>
+            <a:pathLst>
+              <a:path w="120000" h="120000" extrusionOk="0">
+                <a:moveTo>
+                  <a:pt x="0" y="0"/>
+                </a:moveTo>
+                <a:lnTo>
+                  <a:pt x="120000" y="0"/>
+                </a:lnTo>
+                <a:lnTo>
+                  <a:pt x="120000" y="120000"/>
+                </a:lnTo>
+                <a:lnTo>
+                  <a:pt x="0" y="120000"/>
+                </a:lnTo>
+                <a:close/>
+              </a:path>
+            </a:pathLst>
+          </a:custGeom>
+        </p:spPr>
+      </p:sp>
+    </p:spTree>
+  </p:cSld>
+  <p:clrMapOvr>
+    <a:masterClrMapping/>
+  </p:clrMapOvr>
+</p:notes>
+</file>
+
+<file path=ppt/notesSlides/notesSlide8.xml><?xml version="1.0" encoding="utf-8"?>
+<p:notes xmlns:a="http://schemas.openxmlformats.org/drawingml/2006/main" xmlns:r="http://schemas.openxmlformats.org/officeDocument/2006/relationships" xmlns:p="http://schemas.openxmlformats.org/presentationml/2006/main" showMasterPhAnim="0" showMasterSp="0">
+  <p:cSld>
+    <p:spTree>
+      <p:nvGrpSpPr>
+        <p:cNvPr id="1" name="Shape 154"/>
+        <p:cNvGrpSpPr/>
+        <p:nvPr/>
+      </p:nvGrpSpPr>
+      <p:grpSpPr>
+        <a:xfrm>
+          <a:off x="0" y="0"/>
+          <a:ext cx="0" cy="0"/>
+          <a:chOff x="0" y="0"/>
+          <a:chExt cx="0" cy="0"/>
+        </a:xfrm>
+      </p:grpSpPr>
+      <p:sp>
+        <p:nvSpPr>
+          <p:cNvPr id="155" name="Google Shape;155;p4:notes"/>
+          <p:cNvSpPr txBox="1">
+            <a:spLocks noGrp="1"/>
+          </p:cNvSpPr>
+          <p:nvPr>
+            <p:ph type="body" idx="1"/>
+          </p:nvPr>
+        </p:nvSpPr>
+        <p:spPr>
+          <a:xfrm>
+            <a:off x="685800" y="4343400"/>
+            <a:ext cx="5486400" cy="4114800"/>
+          </a:xfrm>
+          <a:prstGeom prst="rect">
+            <a:avLst/>
+          </a:prstGeom>
+        </p:spPr>
+        <p:txBody>
+          <a:bodyPr spcFirstLastPara="1" wrap="square" lIns="91425" tIns="91425" rIns="91425" bIns="91425" anchor="t" anchorCtr="0">
+            <a:noAutofit/>
+          </a:bodyPr>
+          <a:lstStyle/>
+          <a:p>
+            <a:pPr marL="0" lvl="0" indent="0" algn="l" rtl="0">
+              <a:spcBef>
+                <a:spcPts val="0"/>
+              </a:spcBef>
+              <a:spcAft>
+                <a:spcPts val="0"/>
+              </a:spcAft>
+              <a:buNone/>
+            </a:pPr>
+          </a:p>
+        </p:txBody>
+      </p:sp>
+      <p:sp>
+        <p:nvSpPr>
+          <p:cNvPr id="156" name="Google Shape;156;p4:notes"/>
+          <p:cNvSpPr>
+            <a:spLocks noGrp="1" noRot="1" noChangeAspect="1"/>
+          </p:cNvSpPr>
+          <p:nvPr>
+            <p:ph type="sldImg" idx="2"/>
+          </p:nvPr>
+        </p:nvSpPr>
+        <p:spPr>
+          <a:xfrm>
+            <a:off x="1143000" y="685800"/>
+            <a:ext cx="4572000" cy="3429000"/>
+          </a:xfrm>
+          <a:custGeom>
+            <a:avLst/>
+            <a:gdLst/>
+            <a:ahLst/>
+            <a:cxnLst/>
+            <a:rect l="l" t="t" r="r" b="b"/>
+            <a:pathLst>
+              <a:path w="120000" h="120000" extrusionOk="0">
+                <a:moveTo>
+                  <a:pt x="0" y="0"/>
+                </a:moveTo>
+                <a:lnTo>
+                  <a:pt x="120000" y="0"/>
+                </a:lnTo>
+                <a:lnTo>
+                  <a:pt x="120000" y="120000"/>
+                </a:lnTo>
+                <a:lnTo>
+                  <a:pt x="0" y="120000"/>
+                </a:lnTo>
+                <a:close/>
+              </a:path>
+            </a:pathLst>
+          </a:custGeom>
+        </p:spPr>
+      </p:sp>
+    </p:spTree>
+  </p:cSld>
+  <p:clrMapOvr>
+    <a:masterClrMapping/>
+  </p:clrMapOvr>
+</p:notes>
+</file>
+
+<file path=ppt/notesSlides/notesSlide9.xml><?xml version="1.0" encoding="utf-8"?>
+<p:notes xmlns:a="http://schemas.openxmlformats.org/drawingml/2006/main" xmlns:r="http://schemas.openxmlformats.org/officeDocument/2006/relationships" xmlns:p="http://schemas.openxmlformats.org/presentationml/2006/main" showMasterPhAnim="0" showMasterSp="0">
+  <p:cSld>
+    <p:spTree>
+      <p:nvGrpSpPr>
+        <p:cNvPr id="1" name="Shape 154"/>
+        <p:cNvGrpSpPr/>
+        <p:nvPr/>
+      </p:nvGrpSpPr>
+      <p:grpSpPr>
+        <a:xfrm>
+          <a:off x="0" y="0"/>
+          <a:ext cx="0" cy="0"/>
+          <a:chOff x="0" y="0"/>
+          <a:chExt cx="0" cy="0"/>
+        </a:xfrm>
+      </p:grpSpPr>
+      <p:sp>
+        <p:nvSpPr>
+          <p:cNvPr id="155" name="Google Shape;155;p4:notes"/>
+          <p:cNvSpPr txBox="1">
+            <a:spLocks noGrp="1"/>
+          </p:cNvSpPr>
+          <p:nvPr>
+            <p:ph type="body" idx="1"/>
+          </p:nvPr>
+        </p:nvSpPr>
+        <p:spPr>
+          <a:xfrm>
+            <a:off x="685800" y="4343400"/>
+            <a:ext cx="5486400" cy="4114800"/>
+          </a:xfrm>
+          <a:prstGeom prst="rect">
+            <a:avLst/>
+          </a:prstGeom>
+        </p:spPr>
+        <p:txBody>
+          <a:bodyPr spcFirstLastPara="1" wrap="square" lIns="91425" tIns="91425" rIns="91425" bIns="91425" anchor="t" anchorCtr="0">
+            <a:noAutofit/>
+          </a:bodyPr>
+          <a:lstStyle/>
+          <a:p>
+            <a:pPr marL="0" lvl="0" indent="0" algn="l" rtl="0">
+              <a:spcBef>
+                <a:spcPts val="0"/>
+              </a:spcBef>
+              <a:spcAft>
+                <a:spcPts val="0"/>
+              </a:spcAft>
+              <a:buNone/>
+            </a:pPr>
           </a:p>
         </p:txBody>
       </p:sp>
@@ -2094,7 +1977,7 @@
 </file>
 
 <file path=ppt/slideLayouts/slideLayout1.xml><?xml version="1.0" encoding="utf-8"?>
-<p:sldLayout xmlns:a="http://schemas.openxmlformats.org/drawingml/2006/main" xmlns:r="http://schemas.openxmlformats.org/officeDocument/2006/relationships" xmlns:p="http://schemas.openxmlformats.org/presentationml/2006/main" matchingName="Title slide" type="title">
+<p:sldLayout xmlns:a="http://schemas.openxmlformats.org/drawingml/2006/main" xmlns:r="http://schemas.openxmlformats.org/officeDocument/2006/relationships" xmlns:p="http://schemas.openxmlformats.org/presentationml/2006/main" type="title" matchingName="Title slide">
   <p:cSld name="TITLE">
     <p:spTree>
       <p:nvGrpSpPr>
@@ -2150,7 +2033,6 @@
               </a:spcAft>
               <a:buNone/>
             </a:pPr>
-            <a:endParaRPr/>
           </a:p>
         </p:txBody>
       </p:sp>
@@ -2208,7 +2090,6 @@
                 </a:spcAft>
                 <a:buNone/>
               </a:pPr>
-              <a:endParaRPr/>
             </a:p>
           </p:txBody>
         </p:sp>
@@ -2252,7 +2133,6 @@
                 </a:spcAft>
                 <a:buNone/>
               </a:pPr>
-              <a:endParaRPr/>
             </a:p>
           </p:txBody>
         </p:sp>
@@ -2294,7 +2174,6 @@
                 </a:spcAft>
                 <a:buNone/>
               </a:pPr>
-              <a:endParaRPr/>
             </a:p>
           </p:txBody>
         </p:sp>
@@ -2336,7 +2215,6 @@
                 </a:spcAft>
                 <a:buNone/>
               </a:pPr>
-              <a:endParaRPr/>
             </a:p>
           </p:txBody>
         </p:sp>
@@ -2465,9 +2343,7 @@
               <a:defRPr sz="4000"/>
             </a:lvl9pPr>
           </a:lstStyle>
-          <a:p>
-            <a:endParaRPr/>
-          </a:p>
+          <a:p/>
         </p:txBody>
       </p:sp>
       <p:sp>
@@ -2621,9 +2497,7 @@
               <a:defRPr sz="1300"/>
             </a:lvl9pPr>
           </a:lstStyle>
-          <a:p>
-            <a:endParaRPr/>
-          </a:p>
+          <a:p/>
         </p:txBody>
       </p:sp>
       <p:sp>
@@ -2699,7 +2573,6 @@
             </a:pPr>
             <a:fld id="{00000000-1234-1234-1234-123412341234}" type="slidenum">
               <a:rPr lang="en-US"/>
-              <a:t>‹#›</a:t>
             </a:fld>
             <a:endParaRPr lang="en-US"/>
           </a:p>
@@ -2785,7 +2658,6 @@
                 </a:spcAft>
                 <a:buNone/>
               </a:pPr>
-              <a:endParaRPr/>
             </a:p>
           </p:txBody>
         </p:sp>
@@ -2829,7 +2701,6 @@
                 </a:spcAft>
                 <a:buNone/>
               </a:pPr>
-              <a:endParaRPr/>
             </a:p>
           </p:txBody>
         </p:sp>
@@ -2873,7 +2744,6 @@
                 </a:spcAft>
                 <a:buNone/>
               </a:pPr>
-              <a:endParaRPr/>
             </a:p>
           </p:txBody>
         </p:sp>
@@ -2917,7 +2787,6 @@
                 </a:spcAft>
                 <a:buNone/>
               </a:pPr>
-              <a:endParaRPr/>
             </a:p>
           </p:txBody>
         </p:sp>
@@ -2961,7 +2830,6 @@
                 </a:spcAft>
                 <a:buNone/>
               </a:pPr>
-              <a:endParaRPr/>
             </a:p>
           </p:txBody>
         </p:sp>
@@ -3005,7 +2873,6 @@
                 </a:spcAft>
                 <a:buNone/>
               </a:pPr>
-              <a:endParaRPr/>
             </a:p>
           </p:txBody>
         </p:sp>
@@ -3049,7 +2916,6 @@
                 </a:spcAft>
                 <a:buNone/>
               </a:pPr>
-              <a:endParaRPr/>
             </a:p>
           </p:txBody>
         </p:sp>
@@ -3091,7 +2957,6 @@
                 </a:spcAft>
                 <a:buNone/>
               </a:pPr>
-              <a:endParaRPr/>
             </a:p>
           </p:txBody>
         </p:sp>
@@ -3135,7 +3000,6 @@
                 </a:spcAft>
                 <a:buNone/>
               </a:pPr>
-              <a:endParaRPr/>
             </a:p>
           </p:txBody>
         </p:sp>
@@ -3179,7 +3043,6 @@
                 </a:spcAft>
                 <a:buNone/>
               </a:pPr>
-              <a:endParaRPr/>
             </a:p>
           </p:txBody>
         </p:sp>
@@ -3223,7 +3086,6 @@
                 </a:spcAft>
                 <a:buNone/>
               </a:pPr>
-              <a:endParaRPr/>
             </a:p>
           </p:txBody>
         </p:sp>
@@ -3267,7 +3129,6 @@
                 </a:spcAft>
                 <a:buNone/>
               </a:pPr>
-              <a:endParaRPr/>
             </a:p>
           </p:txBody>
         </p:sp>
@@ -3311,7 +3172,6 @@
                 </a:spcAft>
                 <a:buNone/>
               </a:pPr>
-              <a:endParaRPr/>
             </a:p>
           </p:txBody>
         </p:sp>
@@ -3353,7 +3213,6 @@
                 </a:spcAft>
                 <a:buNone/>
               </a:pPr>
-              <a:endParaRPr/>
             </a:p>
           </p:txBody>
         </p:sp>
@@ -3397,7 +3256,6 @@
                 </a:spcAft>
                 <a:buNone/>
               </a:pPr>
-              <a:endParaRPr/>
             </a:p>
           </p:txBody>
         </p:sp>
@@ -3441,7 +3299,6 @@
                 </a:spcAft>
                 <a:buNone/>
               </a:pPr>
-              <a:endParaRPr/>
             </a:p>
           </p:txBody>
         </p:sp>
@@ -3485,7 +3342,6 @@
                 </a:spcAft>
                 <a:buNone/>
               </a:pPr>
-              <a:endParaRPr/>
             </a:p>
           </p:txBody>
         </p:sp>
@@ -3529,7 +3385,6 @@
                 </a:spcAft>
                 <a:buNone/>
               </a:pPr>
-              <a:endParaRPr/>
             </a:p>
           </p:txBody>
         </p:sp>
@@ -3789,9 +3644,7 @@
               <a:defRPr/>
             </a:lvl9pPr>
           </a:lstStyle>
-          <a:p>
-            <a:endParaRPr/>
-          </a:p>
+          <a:p/>
         </p:txBody>
       </p:sp>
       <p:sp>
@@ -3867,7 +3720,6 @@
             </a:pPr>
             <a:fld id="{00000000-1234-1234-1234-123412341234}" type="slidenum">
               <a:rPr lang="en-US"/>
-              <a:t>‹#›</a:t>
             </a:fld>
             <a:endParaRPr lang="en-US"/>
           </a:p>
@@ -3883,7 +3735,7 @@
 </file>
 
 <file path=ppt/slideLayouts/slideLayout11.xml><?xml version="1.0" encoding="utf-8"?>
-<p:sldLayout xmlns:a="http://schemas.openxmlformats.org/drawingml/2006/main" xmlns:r="http://schemas.openxmlformats.org/officeDocument/2006/relationships" xmlns:p="http://schemas.openxmlformats.org/presentationml/2006/main" matchingName="Blank" type="blank">
+<p:sldLayout xmlns:a="http://schemas.openxmlformats.org/drawingml/2006/main" xmlns:r="http://schemas.openxmlformats.org/officeDocument/2006/relationships" xmlns:p="http://schemas.openxmlformats.org/presentationml/2006/main" type="blank" matchingName="Blank">
   <p:cSld name="BLANK">
     <p:spTree>
       <p:nvGrpSpPr>
@@ -3972,7 +3824,6 @@
             </a:pPr>
             <a:fld id="{00000000-1234-1234-1234-123412341234}" type="slidenum">
               <a:rPr lang="en-US"/>
-              <a:t>‹#›</a:t>
             </a:fld>
             <a:endParaRPr lang="en-US"/>
           </a:p>
@@ -3988,7 +3839,7 @@
 </file>
 
 <file path=ppt/slideLayouts/slideLayout12.xml><?xml version="1.0" encoding="utf-8"?>
-<p:sldLayout xmlns:a="http://schemas.openxmlformats.org/drawingml/2006/main" xmlns:r="http://schemas.openxmlformats.org/officeDocument/2006/relationships" xmlns:p="http://schemas.openxmlformats.org/presentationml/2006/main" matchingName="Title and Content" type="obj">
+<p:sldLayout xmlns:a="http://schemas.openxmlformats.org/drawingml/2006/main" xmlns:r="http://schemas.openxmlformats.org/officeDocument/2006/relationships" xmlns:p="http://schemas.openxmlformats.org/presentationml/2006/main" type="obj" matchingName="Title and Content">
   <p:cSld name="OBJECT">
     <p:spTree>
       <p:nvGrpSpPr>
@@ -4135,9 +3986,7 @@
               <a:defRPr/>
             </a:lvl9pPr>
           </a:lstStyle>
-          <a:p>
-            <a:endParaRPr/>
-          </a:p>
+          <a:p/>
         </p:txBody>
       </p:sp>
       <p:sp>
@@ -4295,9 +4144,7 @@
               <a:defRPr/>
             </a:lvl9pPr>
           </a:lstStyle>
-          <a:p>
-            <a:endParaRPr/>
-          </a:p>
+          <a:p/>
         </p:txBody>
       </p:sp>
       <p:sp>
@@ -4428,9 +4275,7 @@
               <a:defRPr/>
             </a:lvl9pPr>
           </a:lstStyle>
-          <a:p>
-            <a:endParaRPr/>
-          </a:p>
+          <a:p/>
         </p:txBody>
       </p:sp>
       <p:sp>
@@ -4561,9 +4406,7 @@
               <a:defRPr/>
             </a:lvl9pPr>
           </a:lstStyle>
-          <a:p>
-            <a:endParaRPr/>
-          </a:p>
+          <a:p/>
         </p:txBody>
       </p:sp>
       <p:sp>
@@ -4670,7 +4513,6 @@
             </a:pPr>
             <a:fld id="{00000000-1234-1234-1234-123412341234}" type="slidenum">
               <a:rPr lang="en-US"/>
-              <a:t>‹#›</a:t>
             </a:fld>
             <a:endParaRPr lang="en-US"/>
           </a:p>
@@ -4686,7 +4528,7 @@
 </file>
 
 <file path=ppt/slideLayouts/slideLayout2.xml><?xml version="1.0" encoding="utf-8"?>
-<p:sldLayout xmlns:a="http://schemas.openxmlformats.org/drawingml/2006/main" xmlns:r="http://schemas.openxmlformats.org/officeDocument/2006/relationships" xmlns:p="http://schemas.openxmlformats.org/presentationml/2006/main" matchingName="Section header" type="secHead">
+<p:sldLayout xmlns:a="http://schemas.openxmlformats.org/drawingml/2006/main" xmlns:r="http://schemas.openxmlformats.org/officeDocument/2006/relationships" xmlns:p="http://schemas.openxmlformats.org/presentationml/2006/main" type="secHead" matchingName="Section header">
   <p:cSld name="SECTION_HEADER">
     <p:spTree>
       <p:nvGrpSpPr>
@@ -4756,7 +4598,6 @@
                 </a:spcAft>
                 <a:buNone/>
               </a:pPr>
-              <a:endParaRPr/>
             </a:p>
           </p:txBody>
         </p:sp>
@@ -4800,7 +4641,6 @@
                 </a:spcAft>
                 <a:buNone/>
               </a:pPr>
-              <a:endParaRPr/>
             </a:p>
           </p:txBody>
         </p:sp>
@@ -4844,7 +4684,6 @@
                 </a:spcAft>
                 <a:buNone/>
               </a:pPr>
-              <a:endParaRPr/>
             </a:p>
           </p:txBody>
         </p:sp>
@@ -4888,7 +4727,6 @@
                 </a:spcAft>
                 <a:buNone/>
               </a:pPr>
-              <a:endParaRPr/>
             </a:p>
           </p:txBody>
         </p:sp>
@@ -4932,7 +4770,6 @@
                 </a:spcAft>
                 <a:buNone/>
               </a:pPr>
-              <a:endParaRPr/>
             </a:p>
           </p:txBody>
         </p:sp>
@@ -4976,7 +4813,6 @@
                 </a:spcAft>
                 <a:buNone/>
               </a:pPr>
-              <a:endParaRPr/>
             </a:p>
           </p:txBody>
         </p:sp>
@@ -5020,7 +4856,6 @@
                 </a:spcAft>
                 <a:buNone/>
               </a:pPr>
-              <a:endParaRPr/>
             </a:p>
           </p:txBody>
         </p:sp>
@@ -5062,7 +4897,6 @@
                 </a:spcAft>
                 <a:buNone/>
               </a:pPr>
-              <a:endParaRPr/>
             </a:p>
           </p:txBody>
         </p:sp>
@@ -5106,7 +4940,6 @@
                 </a:spcAft>
                 <a:buNone/>
               </a:pPr>
-              <a:endParaRPr/>
             </a:p>
           </p:txBody>
         </p:sp>
@@ -5150,7 +4983,6 @@
                 </a:spcAft>
                 <a:buNone/>
               </a:pPr>
-              <a:endParaRPr/>
             </a:p>
           </p:txBody>
         </p:sp>
@@ -5194,7 +5026,6 @@
                 </a:spcAft>
                 <a:buNone/>
               </a:pPr>
-              <a:endParaRPr/>
             </a:p>
           </p:txBody>
         </p:sp>
@@ -5238,7 +5069,6 @@
                 </a:spcAft>
                 <a:buNone/>
               </a:pPr>
-              <a:endParaRPr/>
             </a:p>
           </p:txBody>
         </p:sp>
@@ -5282,7 +5112,6 @@
                 </a:spcAft>
                 <a:buNone/>
               </a:pPr>
-              <a:endParaRPr/>
             </a:p>
           </p:txBody>
         </p:sp>
@@ -5324,7 +5153,6 @@
                 </a:spcAft>
                 <a:buNone/>
               </a:pPr>
-              <a:endParaRPr/>
             </a:p>
           </p:txBody>
         </p:sp>
@@ -5368,7 +5196,6 @@
                 </a:spcAft>
                 <a:buNone/>
               </a:pPr>
-              <a:endParaRPr/>
             </a:p>
           </p:txBody>
         </p:sp>
@@ -5412,7 +5239,6 @@
                 </a:spcAft>
                 <a:buNone/>
               </a:pPr>
-              <a:endParaRPr/>
             </a:p>
           </p:txBody>
         </p:sp>
@@ -5456,7 +5282,6 @@
                 </a:spcAft>
                 <a:buNone/>
               </a:pPr>
-              <a:endParaRPr/>
             </a:p>
           </p:txBody>
         </p:sp>
@@ -5500,7 +5325,6 @@
                 </a:spcAft>
                 <a:buNone/>
               </a:pPr>
-              <a:endParaRPr/>
             </a:p>
           </p:txBody>
         </p:sp>
@@ -5629,9 +5453,7 @@
               <a:defRPr/>
             </a:lvl9pPr>
           </a:lstStyle>
-          <a:p>
-            <a:endParaRPr/>
-          </a:p>
+          <a:p/>
         </p:txBody>
       </p:sp>
       <p:sp>
@@ -5707,7 +5529,6 @@
             </a:pPr>
             <a:fld id="{00000000-1234-1234-1234-123412341234}" type="slidenum">
               <a:rPr lang="en-US"/>
-              <a:t>‹#›</a:t>
             </a:fld>
             <a:endParaRPr lang="en-US"/>
           </a:p>
@@ -5723,7 +5544,7 @@
 </file>
 
 <file path=ppt/slideLayouts/slideLayout3.xml><?xml version="1.0" encoding="utf-8"?>
-<p:sldLayout xmlns:a="http://schemas.openxmlformats.org/drawingml/2006/main" xmlns:r="http://schemas.openxmlformats.org/officeDocument/2006/relationships" xmlns:p="http://schemas.openxmlformats.org/presentationml/2006/main" matchingName="Title and body" type="tx">
+<p:sldLayout xmlns:a="http://schemas.openxmlformats.org/drawingml/2006/main" xmlns:r="http://schemas.openxmlformats.org/officeDocument/2006/relationships" xmlns:p="http://schemas.openxmlformats.org/presentationml/2006/main" type="tx" matchingName="Title and body">
   <p:cSld name="TITLE_AND_BODY">
     <p:spTree>
       <p:nvGrpSpPr>
@@ -5791,7 +5612,6 @@
                 </a:spcAft>
                 <a:buNone/>
               </a:pPr>
-              <a:endParaRPr/>
             </a:p>
           </p:txBody>
         </p:sp>
@@ -5833,7 +5653,6 @@
                 </a:spcAft>
                 <a:buNone/>
               </a:pPr>
-              <a:endParaRPr/>
             </a:p>
           </p:txBody>
         </p:sp>
@@ -5962,9 +5781,7 @@
               <a:defRPr sz="2400"/>
             </a:lvl9pPr>
           </a:lstStyle>
-          <a:p>
-            <a:endParaRPr/>
-          </a:p>
+          <a:p/>
         </p:txBody>
       </p:sp>
       <p:sp>
@@ -6091,9 +5908,7 @@
               <a:defRPr/>
             </a:lvl9pPr>
           </a:lstStyle>
-          <a:p>
-            <a:endParaRPr/>
-          </a:p>
+          <a:p/>
         </p:txBody>
       </p:sp>
       <p:sp>
@@ -6169,7 +5984,6 @@
             </a:pPr>
             <a:fld id="{00000000-1234-1234-1234-123412341234}" type="slidenum">
               <a:rPr lang="en-US"/>
-              <a:t>‹#›</a:t>
             </a:fld>
             <a:endParaRPr lang="en-US"/>
           </a:p>
@@ -6185,7 +5999,7 @@
 </file>
 
 <file path=ppt/slideLayouts/slideLayout4.xml><?xml version="1.0" encoding="utf-8"?>
-<p:sldLayout xmlns:a="http://schemas.openxmlformats.org/drawingml/2006/main" xmlns:r="http://schemas.openxmlformats.org/officeDocument/2006/relationships" xmlns:p="http://schemas.openxmlformats.org/presentationml/2006/main" matchingName="Title and two columns" type="twoColTx">
+<p:sldLayout xmlns:a="http://schemas.openxmlformats.org/drawingml/2006/main" xmlns:r="http://schemas.openxmlformats.org/officeDocument/2006/relationships" xmlns:p="http://schemas.openxmlformats.org/presentationml/2006/main" type="twoColTx" matchingName="Title and two columns">
   <p:cSld name="TITLE_AND_TWO_COLUMNS">
     <p:spTree>
       <p:nvGrpSpPr>
@@ -6253,7 +6067,6 @@
                 </a:spcAft>
                 <a:buNone/>
               </a:pPr>
-              <a:endParaRPr/>
             </a:p>
           </p:txBody>
         </p:sp>
@@ -6295,7 +6108,6 @@
                 </a:spcAft>
                 <a:buNone/>
               </a:pPr>
-              <a:endParaRPr/>
             </a:p>
           </p:txBody>
         </p:sp>
@@ -6424,9 +6236,7 @@
               <a:defRPr sz="2400"/>
             </a:lvl9pPr>
           </a:lstStyle>
-          <a:p>
-            <a:endParaRPr/>
-          </a:p>
+          <a:p/>
         </p:txBody>
       </p:sp>
       <p:sp>
@@ -6553,9 +6363,7 @@
               <a:defRPr/>
             </a:lvl9pPr>
           </a:lstStyle>
-          <a:p>
-            <a:endParaRPr/>
-          </a:p>
+          <a:p/>
         </p:txBody>
       </p:sp>
       <p:sp>
@@ -6682,9 +6490,7 @@
               <a:defRPr/>
             </a:lvl9pPr>
           </a:lstStyle>
-          <a:p>
-            <a:endParaRPr/>
-          </a:p>
+          <a:p/>
         </p:txBody>
       </p:sp>
       <p:sp>
@@ -6760,7 +6566,6 @@
             </a:pPr>
             <a:fld id="{00000000-1234-1234-1234-123412341234}" type="slidenum">
               <a:rPr lang="en-US"/>
-              <a:t>‹#›</a:t>
             </a:fld>
             <a:endParaRPr lang="en-US"/>
           </a:p>
@@ -6776,7 +6581,7 @@
 </file>
 
 <file path=ppt/slideLayouts/slideLayout5.xml><?xml version="1.0" encoding="utf-8"?>
-<p:sldLayout xmlns:a="http://schemas.openxmlformats.org/drawingml/2006/main" xmlns:r="http://schemas.openxmlformats.org/officeDocument/2006/relationships" xmlns:p="http://schemas.openxmlformats.org/presentationml/2006/main" matchingName="Title only" type="titleOnly">
+<p:sldLayout xmlns:a="http://schemas.openxmlformats.org/drawingml/2006/main" xmlns:r="http://schemas.openxmlformats.org/officeDocument/2006/relationships" xmlns:p="http://schemas.openxmlformats.org/presentationml/2006/main" type="titleOnly" matchingName="Title only">
   <p:cSld name="TITLE_ONLY">
     <p:spTree>
       <p:nvGrpSpPr>
@@ -6844,7 +6649,6 @@
                 </a:spcAft>
                 <a:buNone/>
               </a:pPr>
-              <a:endParaRPr/>
             </a:p>
           </p:txBody>
         </p:sp>
@@ -6886,7 +6690,6 @@
                 </a:spcAft>
                 <a:buNone/>
               </a:pPr>
-              <a:endParaRPr/>
             </a:p>
           </p:txBody>
         </p:sp>
@@ -7015,9 +6818,7 @@
               <a:defRPr sz="2400"/>
             </a:lvl9pPr>
           </a:lstStyle>
-          <a:p>
-            <a:endParaRPr/>
-          </a:p>
+          <a:p/>
         </p:txBody>
       </p:sp>
       <p:sp>
@@ -7093,7 +6894,6 @@
             </a:pPr>
             <a:fld id="{00000000-1234-1234-1234-123412341234}" type="slidenum">
               <a:rPr lang="en-US"/>
-              <a:t>‹#›</a:t>
             </a:fld>
             <a:endParaRPr lang="en-US"/>
           </a:p>
@@ -7177,7 +6977,6 @@
                 </a:spcAft>
                 <a:buNone/>
               </a:pPr>
-              <a:endParaRPr/>
             </a:p>
           </p:txBody>
         </p:sp>
@@ -7219,7 +7018,6 @@
                 </a:spcAft>
                 <a:buNone/>
               </a:pPr>
-              <a:endParaRPr/>
             </a:p>
           </p:txBody>
         </p:sp>
@@ -7348,9 +7146,7 @@
               <a:defRPr sz="2400"/>
             </a:lvl9pPr>
           </a:lstStyle>
-          <a:p>
-            <a:endParaRPr/>
-          </a:p>
+          <a:p/>
         </p:txBody>
       </p:sp>
       <p:sp>
@@ -7477,9 +7273,7 @@
               <a:defRPr/>
             </a:lvl9pPr>
           </a:lstStyle>
-          <a:p>
-            <a:endParaRPr/>
-          </a:p>
+          <a:p/>
         </p:txBody>
       </p:sp>
       <p:sp>
@@ -7555,7 +7349,6 @@
             </a:pPr>
             <a:fld id="{00000000-1234-1234-1234-123412341234}" type="slidenum">
               <a:rPr lang="en-US"/>
-              <a:t>‹#›</a:t>
             </a:fld>
             <a:endParaRPr lang="en-US"/>
           </a:p>
@@ -7641,7 +7434,6 @@
                 </a:spcAft>
                 <a:buNone/>
               </a:pPr>
-              <a:endParaRPr/>
             </a:p>
           </p:txBody>
         </p:sp>
@@ -7685,7 +7477,6 @@
                 </a:spcAft>
                 <a:buNone/>
               </a:pPr>
-              <a:endParaRPr/>
             </a:p>
           </p:txBody>
         </p:sp>
@@ -7729,7 +7520,6 @@
                 </a:spcAft>
                 <a:buNone/>
               </a:pPr>
-              <a:endParaRPr/>
             </a:p>
           </p:txBody>
         </p:sp>
@@ -7773,7 +7563,6 @@
                 </a:spcAft>
                 <a:buNone/>
               </a:pPr>
-              <a:endParaRPr/>
             </a:p>
           </p:txBody>
         </p:sp>
@@ -7817,7 +7606,6 @@
                 </a:spcAft>
                 <a:buNone/>
               </a:pPr>
-              <a:endParaRPr/>
             </a:p>
           </p:txBody>
         </p:sp>
@@ -7861,7 +7649,6 @@
                 </a:spcAft>
                 <a:buNone/>
               </a:pPr>
-              <a:endParaRPr/>
             </a:p>
           </p:txBody>
         </p:sp>
@@ -7905,7 +7692,6 @@
                 </a:spcAft>
                 <a:buNone/>
               </a:pPr>
-              <a:endParaRPr/>
             </a:p>
           </p:txBody>
         </p:sp>
@@ -7947,7 +7733,6 @@
                 </a:spcAft>
                 <a:buNone/>
               </a:pPr>
-              <a:endParaRPr/>
             </a:p>
           </p:txBody>
         </p:sp>
@@ -7991,7 +7776,6 @@
                 </a:spcAft>
                 <a:buNone/>
               </a:pPr>
-              <a:endParaRPr/>
             </a:p>
           </p:txBody>
         </p:sp>
@@ -8035,7 +7819,6 @@
                 </a:spcAft>
                 <a:buNone/>
               </a:pPr>
-              <a:endParaRPr/>
             </a:p>
           </p:txBody>
         </p:sp>
@@ -8079,7 +7862,6 @@
                 </a:spcAft>
                 <a:buNone/>
               </a:pPr>
-              <a:endParaRPr/>
             </a:p>
           </p:txBody>
         </p:sp>
@@ -8123,7 +7905,6 @@
                 </a:spcAft>
                 <a:buNone/>
               </a:pPr>
-              <a:endParaRPr/>
             </a:p>
           </p:txBody>
         </p:sp>
@@ -8167,7 +7948,6 @@
                 </a:spcAft>
                 <a:buNone/>
               </a:pPr>
-              <a:endParaRPr/>
             </a:p>
           </p:txBody>
         </p:sp>
@@ -8209,7 +7989,6 @@
                 </a:spcAft>
                 <a:buNone/>
               </a:pPr>
-              <a:endParaRPr/>
             </a:p>
           </p:txBody>
         </p:sp>
@@ -8253,7 +8032,6 @@
                 </a:spcAft>
                 <a:buNone/>
               </a:pPr>
-              <a:endParaRPr/>
             </a:p>
           </p:txBody>
         </p:sp>
@@ -8297,7 +8075,6 @@
                 </a:spcAft>
                 <a:buNone/>
               </a:pPr>
-              <a:endParaRPr/>
             </a:p>
           </p:txBody>
         </p:sp>
@@ -8341,7 +8118,6 @@
                 </a:spcAft>
                 <a:buNone/>
               </a:pPr>
-              <a:endParaRPr/>
             </a:p>
           </p:txBody>
         </p:sp>
@@ -8385,7 +8161,6 @@
                 </a:spcAft>
                 <a:buNone/>
               </a:pPr>
-              <a:endParaRPr/>
             </a:p>
           </p:txBody>
         </p:sp>
@@ -8514,9 +8289,7 @@
               <a:defRPr/>
             </a:lvl9pPr>
           </a:lstStyle>
-          <a:p>
-            <a:endParaRPr/>
-          </a:p>
+          <a:p/>
         </p:txBody>
       </p:sp>
       <p:sp>
@@ -8592,7 +8365,6 @@
             </a:pPr>
             <a:fld id="{00000000-1234-1234-1234-123412341234}" type="slidenum">
               <a:rPr lang="en-US"/>
-              <a:t>‹#›</a:t>
             </a:fld>
             <a:endParaRPr lang="en-US"/>
           </a:p>
@@ -8676,7 +8448,6 @@
                 </a:spcAft>
                 <a:buNone/>
               </a:pPr>
-              <a:endParaRPr/>
             </a:p>
           </p:txBody>
         </p:sp>
@@ -8718,7 +8489,6 @@
                 </a:spcAft>
                 <a:buNone/>
               </a:pPr>
-              <a:endParaRPr/>
             </a:p>
           </p:txBody>
         </p:sp>
@@ -8847,9 +8617,7 @@
               <a:defRPr sz="2400"/>
             </a:lvl9pPr>
           </a:lstStyle>
-          <a:p>
-            <a:endParaRPr/>
-          </a:p>
+          <a:p/>
         </p:txBody>
       </p:sp>
       <p:sp>
@@ -9003,9 +8771,7 @@
               <a:defRPr sz="1300"/>
             </a:lvl9pPr>
           </a:lstStyle>
-          <a:p>
-            <a:endParaRPr/>
-          </a:p>
+          <a:p/>
         </p:txBody>
       </p:sp>
       <p:sp>
@@ -9132,9 +8898,7 @@
               <a:defRPr/>
             </a:lvl9pPr>
           </a:lstStyle>
-          <a:p>
-            <a:endParaRPr/>
-          </a:p>
+          <a:p/>
         </p:txBody>
       </p:sp>
       <p:sp>
@@ -9210,7 +8974,6 @@
             </a:pPr>
             <a:fld id="{00000000-1234-1234-1234-123412341234}" type="slidenum">
               <a:rPr lang="en-US"/>
-              <a:t>‹#›</a:t>
             </a:fld>
             <a:endParaRPr lang="en-US"/>
           </a:p>
@@ -9296,7 +9059,6 @@
                 </a:spcAft>
                 <a:buNone/>
               </a:pPr>
-              <a:endParaRPr/>
             </a:p>
           </p:txBody>
         </p:sp>
@@ -9340,7 +9102,6 @@
                 </a:spcAft>
                 <a:buNone/>
               </a:pPr>
-              <a:endParaRPr/>
             </a:p>
           </p:txBody>
         </p:sp>
@@ -9384,9 +9145,7 @@
               <a:defRPr/>
             </a:lvl1pPr>
           </a:lstStyle>
-          <a:p>
-            <a:endParaRPr/>
-          </a:p>
+          <a:p/>
         </p:txBody>
       </p:sp>
       <p:sp>
@@ -9462,7 +9221,6 @@
             </a:pPr>
             <a:fld id="{00000000-1234-1234-1234-123412341234}" type="slidenum">
               <a:rPr lang="en-US"/>
-              <a:t>‹#›</a:t>
             </a:fld>
             <a:endParaRPr lang="en-US"/>
           </a:p>
@@ -9738,9 +9496,7 @@
               </a:defRPr>
             </a:lvl9pPr>
           </a:lstStyle>
-          <a:p>
-            <a:endParaRPr/>
-          </a:p>
+          <a:p/>
         </p:txBody>
       </p:sp>
       <p:sp>
@@ -10006,9 +9762,7 @@
               </a:defRPr>
             </a:lvl9pPr>
           </a:lstStyle>
-          <a:p>
-            <a:endParaRPr/>
-          </a:p>
+          <a:p/>
         </p:txBody>
       </p:sp>
       <p:sp>
@@ -10160,7 +9914,6 @@
             </a:pPr>
             <a:fld id="{00000000-1234-1234-1234-123412341234}" type="slidenum">
               <a:rPr lang="en-US"/>
-              <a:t>‹#›</a:t>
             </a:fld>
             <a:endParaRPr lang="en-US"/>
           </a:p>
@@ -10945,6 +10698,12 @@
               </a:rPr>
               <a:t>BU Events Planner</a:t>
             </a:r>
+            <a:endParaRPr lang="en-US" sz="4400" b="1">
+              <a:latin typeface="Calibri"/>
+              <a:ea typeface="Calibri"/>
+              <a:cs typeface="Calibri"/>
+              <a:sym typeface="Calibri"/>
+            </a:endParaRPr>
           </a:p>
         </p:txBody>
       </p:sp>
@@ -11024,7 +10783,6 @@
             </a:pPr>
             <a:fld id="{00000000-1234-1234-1234-123412341234}" type="slidenum">
               <a:rPr lang="en-US"/>
-              <a:t>1</a:t>
             </a:fld>
             <a:endParaRPr lang="en-US"/>
           </a:p>
@@ -11039,6 +10797,1537 @@
 </file>
 
 <file path=ppt/slides/slide10.xml><?xml version="1.0" encoding="utf-8"?>
+<p:sld xmlns:a="http://schemas.openxmlformats.org/drawingml/2006/main" xmlns:r="http://schemas.openxmlformats.org/officeDocument/2006/relationships" xmlns:p="http://schemas.openxmlformats.org/presentationml/2006/main">
+  <p:cSld>
+    <p:spTree>
+      <p:nvGrpSpPr>
+        <p:cNvPr id="1" name="Shape 157"/>
+        <p:cNvGrpSpPr/>
+        <p:nvPr/>
+      </p:nvGrpSpPr>
+      <p:grpSpPr>
+        <a:xfrm>
+          <a:off x="0" y="0"/>
+          <a:ext cx="0" cy="0"/>
+          <a:chOff x="0" y="0"/>
+          <a:chExt cx="0" cy="0"/>
+        </a:xfrm>
+      </p:grpSpPr>
+      <p:sp>
+        <p:nvSpPr>
+          <p:cNvPr id="158" name="Google Shape;158;p17"/>
+          <p:cNvSpPr txBox="1">
+            <a:spLocks noGrp="1"/>
+          </p:cNvSpPr>
+          <p:nvPr>
+            <p:ph type="title"/>
+          </p:nvPr>
+        </p:nvSpPr>
+        <p:spPr>
+          <a:xfrm>
+            <a:off x="457200" y="-317"/>
+            <a:ext cx="8229600" cy="1143000"/>
+          </a:xfrm>
+          <a:prstGeom prst="rect">
+            <a:avLst/>
+          </a:prstGeom>
+          <a:noFill/>
+          <a:ln>
+            <a:noFill/>
+          </a:ln>
+        </p:spPr>
+        <p:txBody>
+          <a:bodyPr spcFirstLastPara="1" wrap="square" lIns="91425" tIns="45700" rIns="91425" bIns="45700" anchor="ctr" anchorCtr="0">
+            <a:normAutofit/>
+          </a:bodyPr>
+          <a:lstStyle/>
+          <a:p>
+            <a:pPr marL="0" lvl="0" indent="0" algn="ctr" rtl="0">
+              <a:spcBef>
+                <a:spcPts val="0"/>
+              </a:spcBef>
+              <a:spcAft>
+                <a:spcPts val="0"/>
+              </a:spcAft>
+              <a:buClr>
+                <a:schemeClr val="dk1"/>
+              </a:buClr>
+              <a:buSzPct val="100000"/>
+              <a:buFont typeface="Calibri"/>
+              <a:buNone/>
+            </a:pPr>
+            <a:r>
+              <a:rPr lang="en-US" sz="4400" b="1" dirty="0">
+                <a:latin typeface="Calibri"/>
+                <a:ea typeface="Calibri"/>
+                <a:cs typeface="Calibri"/>
+                <a:sym typeface="Calibri"/>
+              </a:rPr>
+              <a:t>Database schema</a:t>
+            </a:r>
+            <a:endParaRPr lang="en-US" sz="4400" b="1" dirty="0">
+              <a:latin typeface="Calibri"/>
+              <a:ea typeface="Calibri"/>
+              <a:cs typeface="Calibri"/>
+              <a:sym typeface="Calibri"/>
+            </a:endParaRPr>
+          </a:p>
+        </p:txBody>
+      </p:sp>
+      <p:sp>
+        <p:nvSpPr>
+          <p:cNvPr id="159" name="Google Shape;159;p17"/>
+          <p:cNvSpPr txBox="1">
+            <a:spLocks noGrp="1"/>
+          </p:cNvSpPr>
+          <p:nvPr>
+            <p:ph type="body" idx="1"/>
+          </p:nvPr>
+        </p:nvSpPr>
+        <p:spPr>
+          <a:xfrm>
+            <a:off x="387985" y="902335"/>
+            <a:ext cx="3760269" cy="5538470"/>
+          </a:xfrm>
+          <a:prstGeom prst="rect">
+            <a:avLst/>
+          </a:prstGeom>
+          <a:noFill/>
+          <a:ln>
+            <a:noFill/>
+          </a:ln>
+        </p:spPr>
+        <p:txBody>
+          <a:bodyPr spcFirstLastPara="1" wrap="square" lIns="91425" tIns="45700" rIns="91425" bIns="45700" anchor="t" anchorCtr="0">
+            <a:noAutofit/>
+          </a:bodyPr>
+          <a:lstStyle/>
+          <a:p>
+            <a:pPr marL="0" lvl="0" indent="0">
+              <a:lnSpc>
+                <a:spcPct val="150000"/>
+              </a:lnSpc>
+              <a:spcBef>
+                <a:spcPts val="640"/>
+              </a:spcBef>
+              <a:buClr>
+                <a:schemeClr val="lt1"/>
+              </a:buClr>
+              <a:buSzPts val="3200"/>
+              <a:buNone/>
+            </a:pPr>
+            <a:r>
+              <a:rPr lang="en-US" sz="1000" dirty="0" err="1">
+                <a:latin typeface="Calibri"/>
+                <a:ea typeface="Calibri"/>
+                <a:cs typeface="Calibri"/>
+                <a:sym typeface="Calibri"/>
+              </a:rPr>
+              <a:t>Firestore</a:t>
+            </a:r>
+            <a:endParaRPr lang="en-US" sz="1000" dirty="0">
+              <a:latin typeface="Calibri"/>
+              <a:ea typeface="Calibri"/>
+              <a:cs typeface="Calibri"/>
+              <a:sym typeface="Calibri"/>
+            </a:endParaRPr>
+          </a:p>
+          <a:p>
+            <a:pPr marL="0" lvl="0" indent="0">
+              <a:lnSpc>
+                <a:spcPct val="150000"/>
+              </a:lnSpc>
+              <a:spcBef>
+                <a:spcPts val="640"/>
+              </a:spcBef>
+              <a:buClr>
+                <a:schemeClr val="lt1"/>
+              </a:buClr>
+              <a:buSzPts val="3200"/>
+              <a:buNone/>
+            </a:pPr>
+            <a:r>
+              <a:rPr lang="en-US" sz="1000" dirty="0">
+                <a:latin typeface="Calibri"/>
+                <a:ea typeface="Calibri"/>
+                <a:cs typeface="Calibri"/>
+                <a:sym typeface="Calibri"/>
+              </a:rPr>
+              <a:t>|</a:t>
+            </a:r>
+            <a:endParaRPr lang="en-US" sz="1000" dirty="0">
+              <a:latin typeface="Calibri"/>
+              <a:ea typeface="Calibri"/>
+              <a:cs typeface="Calibri"/>
+              <a:sym typeface="Calibri"/>
+            </a:endParaRPr>
+          </a:p>
+          <a:p>
+            <a:pPr marL="0" lvl="0" indent="0">
+              <a:lnSpc>
+                <a:spcPct val="150000"/>
+              </a:lnSpc>
+              <a:spcBef>
+                <a:spcPts val="640"/>
+              </a:spcBef>
+              <a:buClr>
+                <a:schemeClr val="lt1"/>
+              </a:buClr>
+              <a:buSzPts val="3200"/>
+              <a:buNone/>
+            </a:pPr>
+            <a:r>
+              <a:rPr lang="en-US" sz="1000" dirty="0">
+                <a:latin typeface="Calibri"/>
+                <a:ea typeface="Calibri"/>
+                <a:cs typeface="Calibri"/>
+                <a:sym typeface="Calibri"/>
+              </a:rPr>
+              <a:t>|-- events (Collection)</a:t>
+            </a:r>
+            <a:endParaRPr lang="en-US" sz="1000" dirty="0">
+              <a:latin typeface="Calibri"/>
+              <a:ea typeface="Calibri"/>
+              <a:cs typeface="Calibri"/>
+              <a:sym typeface="Calibri"/>
+            </a:endParaRPr>
+          </a:p>
+          <a:p>
+            <a:pPr marL="0" lvl="0" indent="0">
+              <a:lnSpc>
+                <a:spcPct val="150000"/>
+              </a:lnSpc>
+              <a:spcBef>
+                <a:spcPts val="640"/>
+              </a:spcBef>
+              <a:buClr>
+                <a:schemeClr val="lt1"/>
+              </a:buClr>
+              <a:buSzPts val="3200"/>
+              <a:buNone/>
+            </a:pPr>
+            <a:r>
+              <a:rPr lang="en-US" sz="1000" dirty="0">
+                <a:latin typeface="Calibri"/>
+                <a:ea typeface="Calibri"/>
+                <a:cs typeface="Calibri"/>
+                <a:sym typeface="Calibri"/>
+              </a:rPr>
+              <a:t>|   |-- </a:t>
+            </a:r>
+            <a:r>
+              <a:rPr lang="en-US" sz="1000" dirty="0" err="1">
+                <a:latin typeface="Calibri"/>
+                <a:ea typeface="Calibri"/>
+                <a:cs typeface="Calibri"/>
+                <a:sym typeface="Calibri"/>
+              </a:rPr>
+              <a:t>eventID</a:t>
+            </a:r>
+            <a:r>
+              <a:rPr lang="en-US" sz="1000" dirty="0">
+                <a:latin typeface="Calibri"/>
+                <a:ea typeface="Calibri"/>
+                <a:cs typeface="Calibri"/>
+                <a:sym typeface="Calibri"/>
+              </a:rPr>
+              <a:t> (Document)</a:t>
+            </a:r>
+            <a:endParaRPr lang="en-US" sz="1000" dirty="0">
+              <a:latin typeface="Calibri"/>
+              <a:ea typeface="Calibri"/>
+              <a:cs typeface="Calibri"/>
+              <a:sym typeface="Calibri"/>
+            </a:endParaRPr>
+          </a:p>
+          <a:p>
+            <a:pPr marL="0" lvl="0" indent="0">
+              <a:lnSpc>
+                <a:spcPct val="150000"/>
+              </a:lnSpc>
+              <a:spcBef>
+                <a:spcPts val="640"/>
+              </a:spcBef>
+              <a:buClr>
+                <a:schemeClr val="lt1"/>
+              </a:buClr>
+              <a:buSzPts val="3200"/>
+              <a:buNone/>
+            </a:pPr>
+            <a:r>
+              <a:rPr lang="en-US" sz="1000" dirty="0">
+                <a:latin typeface="Calibri"/>
+                <a:ea typeface="Calibri"/>
+                <a:cs typeface="Calibri"/>
+                <a:sym typeface="Calibri"/>
+              </a:rPr>
+              <a:t>|       |-- </a:t>
+            </a:r>
+            <a:r>
+              <a:rPr lang="en-US" sz="1000" dirty="0" err="1">
+                <a:latin typeface="Calibri"/>
+                <a:ea typeface="Calibri"/>
+                <a:cs typeface="Calibri"/>
+                <a:sym typeface="Calibri"/>
+              </a:rPr>
+              <a:t>eventTitle</a:t>
+            </a:r>
+            <a:r>
+              <a:rPr lang="en-US" sz="1000" dirty="0">
+                <a:latin typeface="Calibri"/>
+                <a:ea typeface="Calibri"/>
+                <a:cs typeface="Calibri"/>
+                <a:sym typeface="Calibri"/>
+              </a:rPr>
+              <a:t>: String</a:t>
+            </a:r>
+            <a:endParaRPr lang="en-US" sz="1000" dirty="0">
+              <a:latin typeface="Calibri"/>
+              <a:ea typeface="Calibri"/>
+              <a:cs typeface="Calibri"/>
+              <a:sym typeface="Calibri"/>
+            </a:endParaRPr>
+          </a:p>
+          <a:p>
+            <a:pPr marL="0" lvl="0" indent="0">
+              <a:lnSpc>
+                <a:spcPct val="150000"/>
+              </a:lnSpc>
+              <a:spcBef>
+                <a:spcPts val="640"/>
+              </a:spcBef>
+              <a:buClr>
+                <a:schemeClr val="lt1"/>
+              </a:buClr>
+              <a:buSzPts val="3200"/>
+              <a:buNone/>
+            </a:pPr>
+            <a:r>
+              <a:rPr lang="en-US" sz="1000" dirty="0">
+                <a:latin typeface="Calibri"/>
+                <a:ea typeface="Calibri"/>
+                <a:cs typeface="Calibri"/>
+                <a:sym typeface="Calibri"/>
+              </a:rPr>
+              <a:t>|       |-- </a:t>
+            </a:r>
+            <a:r>
+              <a:rPr lang="en-US" sz="1000" dirty="0" err="1">
+                <a:latin typeface="Calibri"/>
+                <a:ea typeface="Calibri"/>
+                <a:cs typeface="Calibri"/>
+                <a:sym typeface="Calibri"/>
+              </a:rPr>
+              <a:t>eventURL</a:t>
+            </a:r>
+            <a:r>
+              <a:rPr lang="en-US" sz="1000" dirty="0">
+                <a:latin typeface="Calibri"/>
+                <a:ea typeface="Calibri"/>
+                <a:cs typeface="Calibri"/>
+                <a:sym typeface="Calibri"/>
+              </a:rPr>
+              <a:t>: String</a:t>
+            </a:r>
+            <a:endParaRPr lang="en-US" sz="1000" dirty="0">
+              <a:latin typeface="Calibri"/>
+              <a:ea typeface="Calibri"/>
+              <a:cs typeface="Calibri"/>
+              <a:sym typeface="Calibri"/>
+            </a:endParaRPr>
+          </a:p>
+          <a:p>
+            <a:pPr marL="0" lvl="0" indent="0">
+              <a:lnSpc>
+                <a:spcPct val="150000"/>
+              </a:lnSpc>
+              <a:spcBef>
+                <a:spcPts val="640"/>
+              </a:spcBef>
+              <a:buClr>
+                <a:schemeClr val="lt1"/>
+              </a:buClr>
+              <a:buSzPts val="3200"/>
+              <a:buNone/>
+            </a:pPr>
+            <a:r>
+              <a:rPr lang="en-US" sz="1000" dirty="0">
+                <a:latin typeface="Calibri"/>
+                <a:ea typeface="Calibri"/>
+                <a:cs typeface="Calibri"/>
+                <a:sym typeface="Calibri"/>
+              </a:rPr>
+              <a:t>|       |-- </a:t>
+            </a:r>
+            <a:r>
+              <a:rPr lang="en-US" sz="1000" dirty="0" err="1">
+                <a:latin typeface="Calibri"/>
+                <a:ea typeface="Calibri"/>
+                <a:cs typeface="Calibri"/>
+                <a:sym typeface="Calibri"/>
+              </a:rPr>
+              <a:t>eventPhoto</a:t>
+            </a:r>
+            <a:r>
+              <a:rPr lang="en-US" sz="1000" dirty="0">
+                <a:latin typeface="Calibri"/>
+                <a:ea typeface="Calibri"/>
+                <a:cs typeface="Calibri"/>
+                <a:sym typeface="Calibri"/>
+              </a:rPr>
+              <a:t>: String</a:t>
+            </a:r>
+            <a:endParaRPr lang="en-US" sz="1000" dirty="0">
+              <a:latin typeface="Calibri"/>
+              <a:ea typeface="Calibri"/>
+              <a:cs typeface="Calibri"/>
+              <a:sym typeface="Calibri"/>
+            </a:endParaRPr>
+          </a:p>
+          <a:p>
+            <a:pPr marL="0" lvl="0" indent="0">
+              <a:lnSpc>
+                <a:spcPct val="150000"/>
+              </a:lnSpc>
+              <a:spcBef>
+                <a:spcPts val="640"/>
+              </a:spcBef>
+              <a:buClr>
+                <a:schemeClr val="lt1"/>
+              </a:buClr>
+              <a:buSzPts val="3200"/>
+              <a:buNone/>
+            </a:pPr>
+            <a:r>
+              <a:rPr lang="en-US" sz="1000" dirty="0">
+                <a:latin typeface="Calibri"/>
+                <a:ea typeface="Calibri"/>
+                <a:cs typeface="Calibri"/>
+                <a:sym typeface="Calibri"/>
+              </a:rPr>
+              <a:t>|       |-- </a:t>
+            </a:r>
+            <a:r>
+              <a:rPr lang="en-US" sz="1000" dirty="0" err="1">
+                <a:latin typeface="Calibri"/>
+                <a:ea typeface="Calibri"/>
+                <a:cs typeface="Calibri"/>
+                <a:sym typeface="Calibri"/>
+              </a:rPr>
+              <a:t>eventLocation</a:t>
+            </a:r>
+            <a:r>
+              <a:rPr lang="en-US" sz="1000" dirty="0">
+                <a:latin typeface="Calibri"/>
+                <a:ea typeface="Calibri"/>
+                <a:cs typeface="Calibri"/>
+                <a:sym typeface="Calibri"/>
+              </a:rPr>
+              <a:t>: String</a:t>
+            </a:r>
+            <a:endParaRPr lang="en-US" sz="1000" dirty="0">
+              <a:latin typeface="Calibri"/>
+              <a:ea typeface="Calibri"/>
+              <a:cs typeface="Calibri"/>
+              <a:sym typeface="Calibri"/>
+            </a:endParaRPr>
+          </a:p>
+          <a:p>
+            <a:pPr marL="0" lvl="0" indent="0">
+              <a:lnSpc>
+                <a:spcPct val="150000"/>
+              </a:lnSpc>
+              <a:spcBef>
+                <a:spcPts val="640"/>
+              </a:spcBef>
+              <a:buClr>
+                <a:schemeClr val="lt1"/>
+              </a:buClr>
+              <a:buSzPts val="3200"/>
+              <a:buNone/>
+            </a:pPr>
+            <a:r>
+              <a:rPr lang="en-US" sz="1000" dirty="0">
+                <a:latin typeface="Calibri"/>
+                <a:ea typeface="Calibri"/>
+                <a:cs typeface="Calibri"/>
+                <a:sym typeface="Calibri"/>
+              </a:rPr>
+              <a:t>|       |-- </a:t>
+            </a:r>
+            <a:r>
+              <a:rPr lang="en-US" sz="1000" dirty="0" err="1">
+                <a:latin typeface="Calibri"/>
+                <a:ea typeface="Calibri"/>
+                <a:cs typeface="Calibri"/>
+                <a:sym typeface="Calibri"/>
+              </a:rPr>
+              <a:t>eventStartTime</a:t>
+            </a:r>
+            <a:r>
+              <a:rPr lang="en-US" sz="1000" dirty="0">
+                <a:latin typeface="Calibri"/>
+                <a:ea typeface="Calibri"/>
+                <a:cs typeface="Calibri"/>
+                <a:sym typeface="Calibri"/>
+              </a:rPr>
+              <a:t>: Timestamp</a:t>
+            </a:r>
+            <a:endParaRPr lang="en-US" sz="1000" dirty="0">
+              <a:latin typeface="Calibri"/>
+              <a:ea typeface="Calibri"/>
+              <a:cs typeface="Calibri"/>
+              <a:sym typeface="Calibri"/>
+            </a:endParaRPr>
+          </a:p>
+          <a:p>
+            <a:pPr marL="0" lvl="0" indent="0">
+              <a:lnSpc>
+                <a:spcPct val="150000"/>
+              </a:lnSpc>
+              <a:spcBef>
+                <a:spcPts val="640"/>
+              </a:spcBef>
+              <a:buClr>
+                <a:schemeClr val="lt1"/>
+              </a:buClr>
+              <a:buSzPts val="3200"/>
+              <a:buNone/>
+            </a:pPr>
+            <a:r>
+              <a:rPr lang="en-US" sz="1000" dirty="0">
+                <a:latin typeface="Calibri"/>
+                <a:ea typeface="Calibri"/>
+                <a:cs typeface="Calibri"/>
+                <a:sym typeface="Calibri"/>
+              </a:rPr>
+              <a:t>|       |-- </a:t>
+            </a:r>
+            <a:r>
+              <a:rPr lang="en-US" sz="1000" dirty="0" err="1">
+                <a:latin typeface="Calibri"/>
+                <a:ea typeface="Calibri"/>
+                <a:cs typeface="Calibri"/>
+                <a:sym typeface="Calibri"/>
+              </a:rPr>
+              <a:t>eventEndTime</a:t>
+            </a:r>
+            <a:r>
+              <a:rPr lang="en-US" sz="1000" dirty="0">
+                <a:latin typeface="Calibri"/>
+                <a:ea typeface="Calibri"/>
+                <a:cs typeface="Calibri"/>
+                <a:sym typeface="Calibri"/>
+              </a:rPr>
+              <a:t>: Timestamp</a:t>
+            </a:r>
+            <a:endParaRPr lang="en-US" sz="1000" dirty="0">
+              <a:latin typeface="Calibri"/>
+              <a:ea typeface="Calibri"/>
+              <a:cs typeface="Calibri"/>
+              <a:sym typeface="Calibri"/>
+            </a:endParaRPr>
+          </a:p>
+          <a:p>
+            <a:pPr marL="0" lvl="0" indent="0">
+              <a:lnSpc>
+                <a:spcPct val="150000"/>
+              </a:lnSpc>
+              <a:spcBef>
+                <a:spcPts val="640"/>
+              </a:spcBef>
+              <a:buClr>
+                <a:schemeClr val="lt1"/>
+              </a:buClr>
+              <a:buSzPts val="3200"/>
+              <a:buNone/>
+            </a:pPr>
+            <a:r>
+              <a:rPr lang="en-US" sz="1000" dirty="0">
+                <a:latin typeface="Calibri"/>
+                <a:ea typeface="Calibri"/>
+                <a:cs typeface="Calibri"/>
+                <a:sym typeface="Calibri"/>
+              </a:rPr>
+              <a:t>|       |-- </a:t>
+            </a:r>
+            <a:r>
+              <a:rPr lang="en-US" sz="1000" dirty="0" err="1">
+                <a:latin typeface="Calibri"/>
+                <a:ea typeface="Calibri"/>
+                <a:cs typeface="Calibri"/>
+                <a:sym typeface="Calibri"/>
+              </a:rPr>
+              <a:t>eventDescription</a:t>
+            </a:r>
+            <a:r>
+              <a:rPr lang="en-US" sz="1000" dirty="0">
+                <a:latin typeface="Calibri"/>
+                <a:ea typeface="Calibri"/>
+                <a:cs typeface="Calibri"/>
+                <a:sym typeface="Calibri"/>
+              </a:rPr>
+              <a:t>: String</a:t>
+            </a:r>
+            <a:endParaRPr lang="en-US" sz="1000" dirty="0">
+              <a:latin typeface="Calibri"/>
+              <a:ea typeface="Calibri"/>
+              <a:cs typeface="Calibri"/>
+              <a:sym typeface="Calibri"/>
+            </a:endParaRPr>
+          </a:p>
+          <a:p>
+            <a:pPr marL="0" lvl="0" indent="0">
+              <a:lnSpc>
+                <a:spcPct val="150000"/>
+              </a:lnSpc>
+              <a:spcBef>
+                <a:spcPts val="640"/>
+              </a:spcBef>
+              <a:buClr>
+                <a:schemeClr val="lt1"/>
+              </a:buClr>
+              <a:buSzPts val="3200"/>
+              <a:buNone/>
+            </a:pPr>
+            <a:r>
+              <a:rPr lang="en-US" sz="1000" dirty="0">
+                <a:latin typeface="Calibri"/>
+                <a:ea typeface="Calibri"/>
+                <a:cs typeface="Calibri"/>
+                <a:sym typeface="Calibri"/>
+              </a:rPr>
+              <a:t>|       |-- </a:t>
+            </a:r>
+            <a:r>
+              <a:rPr lang="en-US" sz="1000" dirty="0" err="1">
+                <a:latin typeface="Calibri"/>
+                <a:ea typeface="Calibri"/>
+                <a:cs typeface="Calibri"/>
+                <a:sym typeface="Calibri"/>
+              </a:rPr>
+              <a:t>eventPoints</a:t>
+            </a:r>
+            <a:r>
+              <a:rPr lang="en-US" sz="1000" dirty="0">
+                <a:latin typeface="Calibri"/>
+                <a:ea typeface="Calibri"/>
+                <a:cs typeface="Calibri"/>
+                <a:sym typeface="Calibri"/>
+              </a:rPr>
+              <a:t>: Integer</a:t>
+            </a:r>
+            <a:endParaRPr lang="en-US" sz="1000" dirty="0">
+              <a:latin typeface="Calibri"/>
+              <a:ea typeface="Calibri"/>
+              <a:cs typeface="Calibri"/>
+              <a:sym typeface="Calibri"/>
+            </a:endParaRPr>
+          </a:p>
+          <a:p>
+            <a:pPr marL="0" lvl="0" indent="0">
+              <a:lnSpc>
+                <a:spcPct val="150000"/>
+              </a:lnSpc>
+              <a:spcBef>
+                <a:spcPts val="640"/>
+              </a:spcBef>
+              <a:buClr>
+                <a:schemeClr val="lt1"/>
+              </a:buClr>
+              <a:buSzPts val="3200"/>
+              <a:buNone/>
+            </a:pPr>
+            <a:r>
+              <a:rPr lang="en-US" sz="1000" dirty="0">
+                <a:latin typeface="Calibri"/>
+                <a:ea typeface="Calibri"/>
+                <a:cs typeface="Calibri"/>
+                <a:sym typeface="Calibri"/>
+              </a:rPr>
+              <a:t>|       |-- </a:t>
+            </a:r>
+            <a:r>
+              <a:rPr lang="en-US" sz="1000" dirty="0" err="1">
+                <a:latin typeface="Calibri"/>
+                <a:ea typeface="Calibri"/>
+                <a:cs typeface="Calibri"/>
+                <a:sym typeface="Calibri"/>
+              </a:rPr>
+              <a:t>savedUsers</a:t>
+            </a:r>
+            <a:r>
+              <a:rPr lang="en-US" sz="1000" dirty="0">
+                <a:latin typeface="Calibri"/>
+                <a:ea typeface="Calibri"/>
+                <a:cs typeface="Calibri"/>
+                <a:sym typeface="Calibri"/>
+              </a:rPr>
+              <a:t>: Array&lt;String&gt;</a:t>
+            </a:r>
+            <a:endParaRPr lang="en-US" sz="1000" dirty="0">
+              <a:latin typeface="Calibri"/>
+              <a:ea typeface="Calibri"/>
+              <a:cs typeface="Calibri"/>
+              <a:sym typeface="Calibri"/>
+            </a:endParaRPr>
+          </a:p>
+          <a:p>
+            <a:pPr marL="0" lvl="0" indent="0">
+              <a:lnSpc>
+                <a:spcPct val="150000"/>
+              </a:lnSpc>
+              <a:spcBef>
+                <a:spcPts val="640"/>
+              </a:spcBef>
+              <a:buClr>
+                <a:schemeClr val="lt1"/>
+              </a:buClr>
+              <a:buSzPts val="3200"/>
+              <a:buNone/>
+            </a:pPr>
+            <a:endParaRPr lang="en-US" sz="1000" dirty="0">
+              <a:latin typeface="Calibri"/>
+              <a:ea typeface="Calibri"/>
+              <a:cs typeface="Calibri"/>
+              <a:sym typeface="Calibri"/>
+            </a:endParaRPr>
+          </a:p>
+        </p:txBody>
+      </p:sp>
+      <p:sp>
+        <p:nvSpPr>
+          <p:cNvPr id="2" name="Slide Number Placeholder 1"/>
+          <p:cNvSpPr>
+            <a:spLocks noGrp="1"/>
+          </p:cNvSpPr>
+          <p:nvPr>
+            <p:ph type="sldNum" idx="12"/>
+          </p:nvPr>
+        </p:nvSpPr>
+        <p:spPr/>
+        <p:txBody>
+          <a:bodyPr/>
+          <a:lstStyle/>
+          <a:p>
+            <a:pPr marL="0" lvl="0" indent="0" algn="r" rtl="0">
+              <a:spcBef>
+                <a:spcPts val="0"/>
+              </a:spcBef>
+              <a:spcAft>
+                <a:spcPts val="0"/>
+              </a:spcAft>
+              <a:buNone/>
+            </a:pPr>
+            <a:fld id="{00000000-1234-1234-1234-123412341234}" type="slidenum">
+              <a:rPr lang="en-US"/>
+            </a:fld>
+            <a:endParaRPr lang="en-US"/>
+          </a:p>
+        </p:txBody>
+      </p:sp>
+      <p:sp>
+        <p:nvSpPr>
+          <p:cNvPr id="3" name="TextBox 2"/>
+          <p:cNvSpPr txBox="1"/>
+          <p:nvPr/>
+        </p:nvSpPr>
+        <p:spPr>
+          <a:xfrm>
+            <a:off x="4680167" y="902335"/>
+            <a:ext cx="3474720" cy="4231928"/>
+          </a:xfrm>
+          <a:prstGeom prst="rect">
+            <a:avLst/>
+          </a:prstGeom>
+          <a:noFill/>
+        </p:spPr>
+        <p:txBody>
+          <a:bodyPr wrap="square" rtlCol="0">
+            <a:spAutoFit/>
+          </a:bodyPr>
+          <a:lstStyle/>
+          <a:p>
+            <a:pPr marL="0" lvl="0" indent="0">
+              <a:lnSpc>
+                <a:spcPct val="150000"/>
+              </a:lnSpc>
+              <a:spcBef>
+                <a:spcPts val="640"/>
+              </a:spcBef>
+              <a:buClr>
+                <a:schemeClr val="lt1"/>
+              </a:buClr>
+              <a:buSzPts val="3200"/>
+              <a:buNone/>
+            </a:pPr>
+            <a:endParaRPr lang="en-US" sz="1000" dirty="0">
+              <a:solidFill>
+                <a:schemeClr val="lt1"/>
+              </a:solidFill>
+              <a:latin typeface="Calibri"/>
+              <a:ea typeface="Calibri"/>
+              <a:cs typeface="Calibri"/>
+              <a:sym typeface="Calibri"/>
+            </a:endParaRPr>
+          </a:p>
+          <a:p>
+            <a:pPr marL="0" lvl="0" indent="0">
+              <a:lnSpc>
+                <a:spcPct val="150000"/>
+              </a:lnSpc>
+              <a:spcBef>
+                <a:spcPts val="640"/>
+              </a:spcBef>
+              <a:buClr>
+                <a:schemeClr val="lt1"/>
+              </a:buClr>
+              <a:buSzPts val="3200"/>
+              <a:buNone/>
+            </a:pPr>
+            <a:endParaRPr lang="en-US" sz="1000" dirty="0">
+              <a:solidFill>
+                <a:schemeClr val="lt1"/>
+              </a:solidFill>
+              <a:latin typeface="Calibri"/>
+              <a:ea typeface="Calibri"/>
+              <a:cs typeface="Calibri"/>
+              <a:sym typeface="Calibri"/>
+            </a:endParaRPr>
+          </a:p>
+          <a:p>
+            <a:pPr marL="0" lvl="0" indent="0">
+              <a:lnSpc>
+                <a:spcPct val="150000"/>
+              </a:lnSpc>
+              <a:spcBef>
+                <a:spcPts val="640"/>
+              </a:spcBef>
+              <a:buClr>
+                <a:schemeClr val="lt1"/>
+              </a:buClr>
+              <a:buSzPts val="3200"/>
+              <a:buNone/>
+            </a:pPr>
+            <a:r>
+              <a:rPr lang="en-US" sz="1000" dirty="0">
+                <a:solidFill>
+                  <a:schemeClr val="lt1"/>
+                </a:solidFill>
+                <a:latin typeface="Calibri"/>
+                <a:ea typeface="Calibri"/>
+                <a:cs typeface="Calibri"/>
+                <a:sym typeface="Calibri"/>
+              </a:rPr>
+              <a:t>|-- users (Collection)</a:t>
+            </a:r>
+            <a:endParaRPr lang="en-US" sz="1000" dirty="0">
+              <a:solidFill>
+                <a:schemeClr val="lt1"/>
+              </a:solidFill>
+              <a:latin typeface="Calibri"/>
+              <a:ea typeface="Calibri"/>
+              <a:cs typeface="Calibri"/>
+              <a:sym typeface="Calibri"/>
+            </a:endParaRPr>
+          </a:p>
+          <a:p>
+            <a:pPr marL="0" lvl="0" indent="0">
+              <a:lnSpc>
+                <a:spcPct val="150000"/>
+              </a:lnSpc>
+              <a:spcBef>
+                <a:spcPts val="640"/>
+              </a:spcBef>
+              <a:buClr>
+                <a:schemeClr val="lt1"/>
+              </a:buClr>
+              <a:buSzPts val="3200"/>
+              <a:buNone/>
+            </a:pPr>
+            <a:r>
+              <a:rPr lang="en-US" sz="1000" dirty="0">
+                <a:solidFill>
+                  <a:schemeClr val="lt1"/>
+                </a:solidFill>
+                <a:latin typeface="Calibri"/>
+                <a:ea typeface="Calibri"/>
+                <a:cs typeface="Calibri"/>
+                <a:sym typeface="Calibri"/>
+              </a:rPr>
+              <a:t>|   |-- </a:t>
+            </a:r>
+            <a:r>
+              <a:rPr lang="en-US" sz="1000" dirty="0" err="1">
+                <a:solidFill>
+                  <a:schemeClr val="lt1"/>
+                </a:solidFill>
+                <a:latin typeface="Calibri"/>
+                <a:ea typeface="Calibri"/>
+                <a:cs typeface="Calibri"/>
+                <a:sym typeface="Calibri"/>
+              </a:rPr>
+              <a:t>userUID</a:t>
+            </a:r>
+            <a:r>
+              <a:rPr lang="en-US" sz="1000" dirty="0">
+                <a:solidFill>
+                  <a:schemeClr val="lt1"/>
+                </a:solidFill>
+                <a:latin typeface="Calibri"/>
+                <a:ea typeface="Calibri"/>
+                <a:cs typeface="Calibri"/>
+                <a:sym typeface="Calibri"/>
+              </a:rPr>
+              <a:t> (Document)</a:t>
+            </a:r>
+            <a:endParaRPr lang="en-US" sz="1000" dirty="0">
+              <a:solidFill>
+                <a:schemeClr val="lt1"/>
+              </a:solidFill>
+              <a:latin typeface="Calibri"/>
+              <a:ea typeface="Calibri"/>
+              <a:cs typeface="Calibri"/>
+              <a:sym typeface="Calibri"/>
+            </a:endParaRPr>
+          </a:p>
+          <a:p>
+            <a:pPr marL="0" lvl="0" indent="0">
+              <a:lnSpc>
+                <a:spcPct val="150000"/>
+              </a:lnSpc>
+              <a:spcBef>
+                <a:spcPts val="640"/>
+              </a:spcBef>
+              <a:buClr>
+                <a:schemeClr val="lt1"/>
+              </a:buClr>
+              <a:buSzPts val="3200"/>
+              <a:buNone/>
+            </a:pPr>
+            <a:r>
+              <a:rPr lang="en-US" sz="1000" dirty="0">
+                <a:solidFill>
+                  <a:schemeClr val="lt1"/>
+                </a:solidFill>
+                <a:latin typeface="Calibri"/>
+                <a:ea typeface="Calibri"/>
+                <a:cs typeface="Calibri"/>
+                <a:sym typeface="Calibri"/>
+              </a:rPr>
+              <a:t>|       |-- </a:t>
+            </a:r>
+            <a:r>
+              <a:rPr lang="en-US" sz="1000" dirty="0" err="1">
+                <a:solidFill>
+                  <a:schemeClr val="lt1"/>
+                </a:solidFill>
+                <a:latin typeface="Calibri"/>
+                <a:ea typeface="Calibri"/>
+                <a:cs typeface="Calibri"/>
+                <a:sym typeface="Calibri"/>
+              </a:rPr>
+              <a:t>firstName</a:t>
+            </a:r>
+            <a:r>
+              <a:rPr lang="en-US" sz="1000" dirty="0">
+                <a:solidFill>
+                  <a:schemeClr val="lt1"/>
+                </a:solidFill>
+                <a:latin typeface="Calibri"/>
+                <a:ea typeface="Calibri"/>
+                <a:cs typeface="Calibri"/>
+                <a:sym typeface="Calibri"/>
+              </a:rPr>
+              <a:t>: String</a:t>
+            </a:r>
+            <a:endParaRPr lang="en-US" sz="1000" dirty="0">
+              <a:solidFill>
+                <a:schemeClr val="lt1"/>
+              </a:solidFill>
+              <a:latin typeface="Calibri"/>
+              <a:ea typeface="Calibri"/>
+              <a:cs typeface="Calibri"/>
+              <a:sym typeface="Calibri"/>
+            </a:endParaRPr>
+          </a:p>
+          <a:p>
+            <a:pPr marL="0" lvl="0" indent="0">
+              <a:lnSpc>
+                <a:spcPct val="150000"/>
+              </a:lnSpc>
+              <a:spcBef>
+                <a:spcPts val="640"/>
+              </a:spcBef>
+              <a:buClr>
+                <a:schemeClr val="lt1"/>
+              </a:buClr>
+              <a:buSzPts val="3200"/>
+              <a:buNone/>
+            </a:pPr>
+            <a:r>
+              <a:rPr lang="en-US" sz="1000" dirty="0">
+                <a:solidFill>
+                  <a:schemeClr val="lt1"/>
+                </a:solidFill>
+                <a:latin typeface="Calibri"/>
+                <a:ea typeface="Calibri"/>
+                <a:cs typeface="Calibri"/>
+                <a:sym typeface="Calibri"/>
+              </a:rPr>
+              <a:t>|       |-- </a:t>
+            </a:r>
+            <a:r>
+              <a:rPr lang="en-US" sz="1000" dirty="0" err="1">
+                <a:solidFill>
+                  <a:schemeClr val="lt1"/>
+                </a:solidFill>
+                <a:latin typeface="Calibri"/>
+                <a:ea typeface="Calibri"/>
+                <a:cs typeface="Calibri"/>
+                <a:sym typeface="Calibri"/>
+              </a:rPr>
+              <a:t>lastName</a:t>
+            </a:r>
+            <a:r>
+              <a:rPr lang="en-US" sz="1000" dirty="0">
+                <a:solidFill>
+                  <a:schemeClr val="lt1"/>
+                </a:solidFill>
+                <a:latin typeface="Calibri"/>
+                <a:ea typeface="Calibri"/>
+                <a:cs typeface="Calibri"/>
+                <a:sym typeface="Calibri"/>
+              </a:rPr>
+              <a:t>: String</a:t>
+            </a:r>
+            <a:endParaRPr lang="en-US" sz="1000" dirty="0">
+              <a:solidFill>
+                <a:schemeClr val="lt1"/>
+              </a:solidFill>
+              <a:latin typeface="Calibri"/>
+              <a:ea typeface="Calibri"/>
+              <a:cs typeface="Calibri"/>
+              <a:sym typeface="Calibri"/>
+            </a:endParaRPr>
+          </a:p>
+          <a:p>
+            <a:pPr marL="0" lvl="0" indent="0">
+              <a:lnSpc>
+                <a:spcPct val="150000"/>
+              </a:lnSpc>
+              <a:spcBef>
+                <a:spcPts val="640"/>
+              </a:spcBef>
+              <a:buClr>
+                <a:schemeClr val="lt1"/>
+              </a:buClr>
+              <a:buSzPts val="3200"/>
+              <a:buNone/>
+            </a:pPr>
+            <a:r>
+              <a:rPr lang="en-US" sz="1000" dirty="0">
+                <a:solidFill>
+                  <a:schemeClr val="lt1"/>
+                </a:solidFill>
+                <a:latin typeface="Calibri"/>
+                <a:ea typeface="Calibri"/>
+                <a:cs typeface="Calibri"/>
+                <a:sym typeface="Calibri"/>
+              </a:rPr>
+              <a:t>|       |-- </a:t>
+            </a:r>
+            <a:r>
+              <a:rPr lang="en-US" sz="1000" dirty="0" err="1">
+                <a:solidFill>
+                  <a:schemeClr val="lt1"/>
+                </a:solidFill>
+                <a:latin typeface="Calibri"/>
+                <a:ea typeface="Calibri"/>
+                <a:cs typeface="Calibri"/>
+                <a:sym typeface="Calibri"/>
+              </a:rPr>
+              <a:t>userProfileURL</a:t>
+            </a:r>
+            <a:r>
+              <a:rPr lang="en-US" sz="1000" dirty="0">
+                <a:solidFill>
+                  <a:schemeClr val="lt1"/>
+                </a:solidFill>
+                <a:latin typeface="Calibri"/>
+                <a:ea typeface="Calibri"/>
+                <a:cs typeface="Calibri"/>
+                <a:sym typeface="Calibri"/>
+              </a:rPr>
+              <a:t>: String</a:t>
+            </a:r>
+            <a:endParaRPr lang="en-US" sz="1000" dirty="0">
+              <a:solidFill>
+                <a:schemeClr val="lt1"/>
+              </a:solidFill>
+              <a:latin typeface="Calibri"/>
+              <a:ea typeface="Calibri"/>
+              <a:cs typeface="Calibri"/>
+              <a:sym typeface="Calibri"/>
+            </a:endParaRPr>
+          </a:p>
+          <a:p>
+            <a:pPr marL="0" lvl="0" indent="0">
+              <a:lnSpc>
+                <a:spcPct val="150000"/>
+              </a:lnSpc>
+              <a:spcBef>
+                <a:spcPts val="640"/>
+              </a:spcBef>
+              <a:buClr>
+                <a:schemeClr val="lt1"/>
+              </a:buClr>
+              <a:buSzPts val="3200"/>
+              <a:buNone/>
+            </a:pPr>
+            <a:r>
+              <a:rPr lang="en-US" sz="1000" dirty="0">
+                <a:solidFill>
+                  <a:schemeClr val="lt1"/>
+                </a:solidFill>
+                <a:latin typeface="Calibri"/>
+                <a:ea typeface="Calibri"/>
+                <a:cs typeface="Calibri"/>
+                <a:sym typeface="Calibri"/>
+              </a:rPr>
+              <a:t>|       |-- </a:t>
+            </a:r>
+            <a:r>
+              <a:rPr lang="en-US" sz="1000" dirty="0" err="1">
+                <a:solidFill>
+                  <a:schemeClr val="lt1"/>
+                </a:solidFill>
+                <a:latin typeface="Calibri"/>
+                <a:ea typeface="Calibri"/>
+                <a:cs typeface="Calibri"/>
+                <a:sym typeface="Calibri"/>
+              </a:rPr>
+              <a:t>userBUID</a:t>
+            </a:r>
+            <a:r>
+              <a:rPr lang="en-US" sz="1000" dirty="0">
+                <a:solidFill>
+                  <a:schemeClr val="lt1"/>
+                </a:solidFill>
+                <a:latin typeface="Calibri"/>
+                <a:ea typeface="Calibri"/>
+                <a:cs typeface="Calibri"/>
+                <a:sym typeface="Calibri"/>
+              </a:rPr>
+              <a:t>: String</a:t>
+            </a:r>
+            <a:endParaRPr lang="en-US" sz="1000" dirty="0">
+              <a:solidFill>
+                <a:schemeClr val="lt1"/>
+              </a:solidFill>
+              <a:latin typeface="Calibri"/>
+              <a:ea typeface="Calibri"/>
+              <a:cs typeface="Calibri"/>
+              <a:sym typeface="Calibri"/>
+            </a:endParaRPr>
+          </a:p>
+          <a:p>
+            <a:pPr marL="0" lvl="0" indent="0">
+              <a:lnSpc>
+                <a:spcPct val="150000"/>
+              </a:lnSpc>
+              <a:spcBef>
+                <a:spcPts val="640"/>
+              </a:spcBef>
+              <a:buClr>
+                <a:schemeClr val="lt1"/>
+              </a:buClr>
+              <a:buSzPts val="3200"/>
+              <a:buNone/>
+            </a:pPr>
+            <a:r>
+              <a:rPr lang="en-US" sz="1000" dirty="0">
+                <a:solidFill>
+                  <a:schemeClr val="lt1"/>
+                </a:solidFill>
+                <a:latin typeface="Calibri"/>
+                <a:ea typeface="Calibri"/>
+                <a:cs typeface="Calibri"/>
+                <a:sym typeface="Calibri"/>
+              </a:rPr>
+              <a:t>|       |-- </a:t>
+            </a:r>
+            <a:r>
+              <a:rPr lang="en-US" sz="1000" dirty="0" err="1">
+                <a:solidFill>
+                  <a:schemeClr val="lt1"/>
+                </a:solidFill>
+                <a:latin typeface="Calibri"/>
+                <a:ea typeface="Calibri"/>
+                <a:cs typeface="Calibri"/>
+                <a:sym typeface="Calibri"/>
+              </a:rPr>
+              <a:t>userEmail</a:t>
+            </a:r>
+            <a:r>
+              <a:rPr lang="en-US" sz="1000" dirty="0">
+                <a:solidFill>
+                  <a:schemeClr val="lt1"/>
+                </a:solidFill>
+                <a:latin typeface="Calibri"/>
+                <a:ea typeface="Calibri"/>
+                <a:cs typeface="Calibri"/>
+                <a:sym typeface="Calibri"/>
+              </a:rPr>
+              <a:t>: String</a:t>
+            </a:r>
+            <a:endParaRPr lang="en-US" sz="1000" dirty="0">
+              <a:solidFill>
+                <a:schemeClr val="lt1"/>
+              </a:solidFill>
+              <a:latin typeface="Calibri"/>
+              <a:ea typeface="Calibri"/>
+              <a:cs typeface="Calibri"/>
+              <a:sym typeface="Calibri"/>
+            </a:endParaRPr>
+          </a:p>
+          <a:p>
+            <a:pPr marL="0" lvl="0" indent="0">
+              <a:lnSpc>
+                <a:spcPct val="150000"/>
+              </a:lnSpc>
+              <a:spcBef>
+                <a:spcPts val="640"/>
+              </a:spcBef>
+              <a:buClr>
+                <a:schemeClr val="lt1"/>
+              </a:buClr>
+              <a:buSzPts val="3200"/>
+              <a:buNone/>
+            </a:pPr>
+            <a:r>
+              <a:rPr lang="en-US" sz="1000" dirty="0">
+                <a:solidFill>
+                  <a:schemeClr val="lt1"/>
+                </a:solidFill>
+                <a:latin typeface="Calibri"/>
+                <a:ea typeface="Calibri"/>
+                <a:cs typeface="Calibri"/>
+                <a:sym typeface="Calibri"/>
+              </a:rPr>
+              <a:t>|       |-- </a:t>
+            </a:r>
+            <a:r>
+              <a:rPr lang="en-US" sz="1000" dirty="0" err="1">
+                <a:solidFill>
+                  <a:schemeClr val="lt1"/>
+                </a:solidFill>
+                <a:latin typeface="Calibri"/>
+                <a:ea typeface="Calibri"/>
+                <a:cs typeface="Calibri"/>
+                <a:sym typeface="Calibri"/>
+              </a:rPr>
+              <a:t>userSchool</a:t>
+            </a:r>
+            <a:r>
+              <a:rPr lang="en-US" sz="1000" dirty="0">
+                <a:solidFill>
+                  <a:schemeClr val="lt1"/>
+                </a:solidFill>
+                <a:latin typeface="Calibri"/>
+                <a:ea typeface="Calibri"/>
+                <a:cs typeface="Calibri"/>
+                <a:sym typeface="Calibri"/>
+              </a:rPr>
+              <a:t>: String</a:t>
+            </a:r>
+            <a:endParaRPr lang="en-US" sz="1000" dirty="0">
+              <a:solidFill>
+                <a:schemeClr val="lt1"/>
+              </a:solidFill>
+              <a:latin typeface="Calibri"/>
+              <a:ea typeface="Calibri"/>
+              <a:cs typeface="Calibri"/>
+              <a:sym typeface="Calibri"/>
+            </a:endParaRPr>
+          </a:p>
+          <a:p>
+            <a:pPr marL="0" lvl="0" indent="0">
+              <a:lnSpc>
+                <a:spcPct val="150000"/>
+              </a:lnSpc>
+              <a:spcBef>
+                <a:spcPts val="640"/>
+              </a:spcBef>
+              <a:buClr>
+                <a:schemeClr val="lt1"/>
+              </a:buClr>
+              <a:buSzPts val="3200"/>
+              <a:buNone/>
+            </a:pPr>
+            <a:r>
+              <a:rPr lang="en-US" sz="1000" dirty="0">
+                <a:solidFill>
+                  <a:schemeClr val="lt1"/>
+                </a:solidFill>
+                <a:latin typeface="Calibri"/>
+                <a:ea typeface="Calibri"/>
+                <a:cs typeface="Calibri"/>
+                <a:sym typeface="Calibri"/>
+              </a:rPr>
+              <a:t>|       |-- </a:t>
+            </a:r>
+            <a:r>
+              <a:rPr lang="en-US" sz="1000" dirty="0" err="1">
+                <a:solidFill>
+                  <a:schemeClr val="lt1"/>
+                </a:solidFill>
+                <a:latin typeface="Calibri"/>
+                <a:ea typeface="Calibri"/>
+                <a:cs typeface="Calibri"/>
+                <a:sym typeface="Calibri"/>
+              </a:rPr>
+              <a:t>userYear</a:t>
+            </a:r>
+            <a:r>
+              <a:rPr lang="en-US" sz="1000" dirty="0">
+                <a:solidFill>
+                  <a:schemeClr val="lt1"/>
+                </a:solidFill>
+                <a:latin typeface="Calibri"/>
+                <a:ea typeface="Calibri"/>
+                <a:cs typeface="Calibri"/>
+                <a:sym typeface="Calibri"/>
+              </a:rPr>
+              <a:t>: String</a:t>
+            </a:r>
+            <a:endParaRPr lang="en-US" sz="1000" dirty="0">
+              <a:solidFill>
+                <a:schemeClr val="lt1"/>
+              </a:solidFill>
+              <a:latin typeface="Calibri"/>
+              <a:ea typeface="Calibri"/>
+              <a:cs typeface="Calibri"/>
+              <a:sym typeface="Calibri"/>
+            </a:endParaRPr>
+          </a:p>
+          <a:p>
+            <a:pPr marL="0" lvl="0" indent="0">
+              <a:lnSpc>
+                <a:spcPct val="150000"/>
+              </a:lnSpc>
+              <a:spcBef>
+                <a:spcPts val="640"/>
+              </a:spcBef>
+              <a:buClr>
+                <a:schemeClr val="lt1"/>
+              </a:buClr>
+              <a:buSzPts val="3200"/>
+              <a:buNone/>
+            </a:pPr>
+            <a:r>
+              <a:rPr lang="en-US" sz="1000" dirty="0">
+                <a:solidFill>
+                  <a:schemeClr val="lt1"/>
+                </a:solidFill>
+                <a:latin typeface="Calibri"/>
+                <a:ea typeface="Calibri"/>
+                <a:cs typeface="Calibri"/>
+                <a:sym typeface="Calibri"/>
+              </a:rPr>
+              <a:t>|       |-- </a:t>
+            </a:r>
+            <a:r>
+              <a:rPr lang="en-US" sz="1000" dirty="0" err="1">
+                <a:solidFill>
+                  <a:schemeClr val="lt1"/>
+                </a:solidFill>
+                <a:latin typeface="Calibri"/>
+                <a:ea typeface="Calibri"/>
+                <a:cs typeface="Calibri"/>
+                <a:sym typeface="Calibri"/>
+              </a:rPr>
+              <a:t>userPoints</a:t>
+            </a:r>
+            <a:r>
+              <a:rPr lang="en-US" sz="1000" dirty="0">
+                <a:solidFill>
+                  <a:schemeClr val="lt1"/>
+                </a:solidFill>
+                <a:latin typeface="Calibri"/>
+                <a:ea typeface="Calibri"/>
+                <a:cs typeface="Calibri"/>
+                <a:sym typeface="Calibri"/>
+              </a:rPr>
+              <a:t>: Integer</a:t>
+            </a:r>
+            <a:endParaRPr lang="en-US" sz="1000" dirty="0">
+              <a:solidFill>
+                <a:schemeClr val="lt1"/>
+              </a:solidFill>
+              <a:latin typeface="Calibri"/>
+              <a:ea typeface="Calibri"/>
+              <a:cs typeface="Calibri"/>
+              <a:sym typeface="Calibri"/>
+            </a:endParaRPr>
+          </a:p>
+          <a:p>
+            <a:pPr marL="0" indent="0">
+              <a:lnSpc>
+                <a:spcPct val="150000"/>
+              </a:lnSpc>
+              <a:spcBef>
+                <a:spcPts val="640"/>
+              </a:spcBef>
+              <a:buClr>
+                <a:schemeClr val="lt1"/>
+              </a:buClr>
+              <a:buSzPts val="3200"/>
+              <a:buNone/>
+            </a:pPr>
+            <a:r>
+              <a:rPr lang="en-US" sz="1000" dirty="0">
+                <a:solidFill>
+                  <a:schemeClr val="lt1"/>
+                </a:solidFill>
+                <a:latin typeface="Calibri"/>
+                <a:ea typeface="Calibri"/>
+                <a:cs typeface="Calibri"/>
+                <a:sym typeface="Calibri"/>
+              </a:rPr>
+              <a:t>|       |-- </a:t>
+            </a:r>
+            <a:r>
+              <a:rPr lang="en-US" sz="1000" dirty="0" err="1">
+                <a:solidFill>
+                  <a:schemeClr val="lt1"/>
+                </a:solidFill>
+                <a:latin typeface="Calibri"/>
+                <a:ea typeface="Calibri"/>
+                <a:cs typeface="Calibri"/>
+                <a:sym typeface="Calibri"/>
+              </a:rPr>
+              <a:t>userSavedEvents</a:t>
+            </a:r>
+            <a:r>
+              <a:rPr lang="en-US" sz="1000" dirty="0">
+                <a:solidFill>
+                  <a:schemeClr val="lt1"/>
+                </a:solidFill>
+                <a:latin typeface="Calibri"/>
+                <a:ea typeface="Calibri"/>
+                <a:cs typeface="Calibri"/>
+                <a:sym typeface="Calibri"/>
+              </a:rPr>
+              <a:t>: Map&lt;String, Boolean&gt;</a:t>
+            </a:r>
+            <a:endParaRPr lang="en-US" sz="1000" dirty="0">
+              <a:solidFill>
+                <a:schemeClr val="lt1"/>
+              </a:solidFill>
+              <a:latin typeface="Calibri"/>
+              <a:ea typeface="Calibri"/>
+              <a:cs typeface="Calibri"/>
+              <a:sym typeface="Calibri"/>
+            </a:endParaRPr>
+          </a:p>
+          <a:p>
+            <a:endParaRPr lang="en-US" dirty="0"/>
+          </a:p>
+        </p:txBody>
+      </p:sp>
+    </p:spTree>
+  </p:cSld>
+  <p:clrMapOvr>
+    <a:masterClrMapping/>
+  </p:clrMapOvr>
+  <p:timing>
+    <p:tnLst>
+      <p:par>
+        <p:cTn id="1" dur="indefinite" restart="never" nodeType="tmRoot">
+          <p:childTnLst>
+            <p:seq concurrent="1" nextAc="seek">
+              <p:cTn id="2" dur="indefinite" nodeType="mainSeq">
+                <p:childTnLst>
+                  <p:par>
+                    <p:cTn id="3" fill="hold">
+                      <p:stCondLst>
+                        <p:cond delay="indefinite"/>
+                      </p:stCondLst>
+                      <p:childTnLst>
+                        <p:par>
+                          <p:cTn id="4" fill="hold">
+                            <p:stCondLst>
+                              <p:cond delay="0"/>
+                            </p:stCondLst>
+                            <p:childTnLst>
+                              <p:par>
+                                <p:cTn id="5" presetID="10" presetClass="entr" presetSubtype="0" fill="hold" nodeType="clickEffect">
+                                  <p:stCondLst>
+                                    <p:cond delay="0"/>
+                                  </p:stCondLst>
+                                  <p:childTnLst>
+                                    <p:set>
+                                      <p:cBhvr>
+                                        <p:cTn id="6" dur="1" fill="hold">
+                                          <p:stCondLst>
+                                            <p:cond delay="0"/>
+                                          </p:stCondLst>
+                                        </p:cTn>
+                                        <p:tgtEl>
+                                          <p:spTgt spid="159"/>
+                                        </p:tgtEl>
+                                        <p:attrNameLst>
+                                          <p:attrName>style.visibility</p:attrName>
+                                        </p:attrNameLst>
+                                      </p:cBhvr>
+                                      <p:to>
+                                        <p:strVal val="visible"/>
+                                      </p:to>
+                                    </p:set>
+                                    <p:animEffect transition="in" filter="fade">
+                                      <p:cBhvr>
+                                        <p:cTn id="7" dur="100"/>
+                                        <p:tgtEl>
+                                          <p:spTgt spid="159"/>
+                                        </p:tgtEl>
+                                      </p:cBhvr>
+                                    </p:animEffect>
+                                  </p:childTnLst>
+                                </p:cTn>
+                              </p:par>
+                            </p:childTnLst>
+                          </p:cTn>
+                        </p:par>
+                      </p:childTnLst>
+                    </p:cTn>
+                  </p:par>
+                </p:childTnLst>
+              </p:cTn>
+              <p:prevCondLst>
+                <p:cond evt="onPrev" delay="0">
+                  <p:tgtEl>
+                    <p:sldTgt/>
+                  </p:tgtEl>
+                </p:cond>
+              </p:prevCondLst>
+              <p:nextCondLst>
+                <p:cond evt="onNext" delay="0">
+                  <p:tgtEl>
+                    <p:sldTgt/>
+                  </p:tgtEl>
+                </p:cond>
+              </p:nextCondLst>
+            </p:seq>
+          </p:childTnLst>
+        </p:cTn>
+      </p:par>
+    </p:tnLst>
+  </p:timing>
+</p:sld>
+</file>
+
+<file path=ppt/slides/slide11.xml><?xml version="1.0" encoding="utf-8"?>
 <p:sld xmlns:a="http://schemas.openxmlformats.org/drawingml/2006/main" xmlns:r="http://schemas.openxmlformats.org/officeDocument/2006/relationships" xmlns:p="http://schemas.openxmlformats.org/presentationml/2006/main">
   <p:cSld>
     <p:spTree>
@@ -11099,15 +12388,98 @@
               <a:buNone/>
             </a:pPr>
             <a:r>
-              <a:rPr lang="en-US" altLang="zh-CN" sz="4400" b="1" dirty="0">
+              <a:rPr lang="en-US" sz="4400" b="1">
                 <a:latin typeface="Calibri"/>
                 <a:ea typeface="Calibri"/>
                 <a:cs typeface="Calibri"/>
                 <a:sym typeface="Calibri"/>
               </a:rPr>
-              <a:t>Device sensor</a:t>
+              <a:t>External Libraries and Tools</a:t>
             </a:r>
-            <a:endParaRPr lang="en-US" sz="4400" b="1" dirty="0">
+            <a:endParaRPr lang="en-US" sz="4400" b="1">
+              <a:latin typeface="Calibri"/>
+              <a:ea typeface="Calibri"/>
+              <a:cs typeface="Calibri"/>
+              <a:sym typeface="Calibri"/>
+            </a:endParaRPr>
+          </a:p>
+        </p:txBody>
+      </p:sp>
+      <p:sp>
+        <p:nvSpPr>
+          <p:cNvPr id="159" name="Google Shape;159;p17"/>
+          <p:cNvSpPr txBox="1">
+            <a:spLocks noGrp="1"/>
+          </p:cNvSpPr>
+          <p:nvPr>
+            <p:ph type="body" idx="1"/>
+          </p:nvPr>
+        </p:nvSpPr>
+        <p:spPr>
+          <a:xfrm>
+            <a:off x="457200" y="1600200"/>
+            <a:ext cx="8353425" cy="2051050"/>
+          </a:xfrm>
+          <a:prstGeom prst="rect">
+            <a:avLst/>
+          </a:prstGeom>
+          <a:noFill/>
+          <a:ln>
+            <a:noFill/>
+          </a:ln>
+        </p:spPr>
+        <p:txBody>
+          <a:bodyPr spcFirstLastPara="1" wrap="square" lIns="91425" tIns="45700" rIns="91425" bIns="45700" anchor="t" anchorCtr="0">
+            <a:noAutofit/>
+          </a:bodyPr>
+          <a:lstStyle/>
+          <a:p>
+            <a:pPr marL="342900" lvl="0" indent="-139700" algn="l" rtl="0">
+              <a:lnSpc>
+                <a:spcPct val="150000"/>
+              </a:lnSpc>
+              <a:spcBef>
+                <a:spcPts val="0"/>
+              </a:spcBef>
+              <a:spcAft>
+                <a:spcPts val="0"/>
+              </a:spcAft>
+              <a:buClr>
+                <a:schemeClr val="dk1"/>
+              </a:buClr>
+              <a:buSzPts val="3200"/>
+              <a:buNone/>
+            </a:pPr>
+            <a:endParaRPr sz="1000"/>
+          </a:p>
+          <a:p>
+            <a:pPr lvl="0" indent="-457200" algn="l" rtl="0">
+              <a:lnSpc>
+                <a:spcPct val="150000"/>
+              </a:lnSpc>
+              <a:spcBef>
+                <a:spcPts val="640"/>
+              </a:spcBef>
+              <a:spcAft>
+                <a:spcPts val="0"/>
+              </a:spcAft>
+              <a:buClr>
+                <a:schemeClr val="lt1"/>
+              </a:buClr>
+              <a:buSzPts val="3200"/>
+              <a:buFont typeface="Arial" panose="020B0604020202090204" pitchFamily="34" charset="0"/>
+              <a:buChar char="•"/>
+            </a:pPr>
+            <a:r>
+              <a:rPr lang="en-US" sz="2400">
+                <a:latin typeface="Calibri"/>
+                <a:ea typeface="Calibri"/>
+                <a:cs typeface="Calibri"/>
+                <a:sym typeface="Calibri"/>
+              </a:rPr>
+              <a:t>Firebase Crashlytics: For real-time error and crash monitoring.</a:t>
+            </a:r>
+            <a:endParaRPr lang="en-US" sz="2400">
               <a:latin typeface="Calibri"/>
               <a:ea typeface="Calibri"/>
               <a:cs typeface="Calibri"/>
@@ -11142,1482 +12514,8 @@
             </a:pPr>
             <a:fld id="{00000000-1234-1234-1234-123412341234}" type="slidenum">
               <a:rPr lang="en-US"/>
-              <a:t>10</a:t>
             </a:fld>
             <a:endParaRPr lang="en-US"/>
-          </a:p>
-        </p:txBody>
-      </p:sp>
-      <p:sp>
-        <p:nvSpPr>
-          <p:cNvPr id="7" name="Rectangle 5">
-            <a:extLst>
-              <a:ext uri="{FF2B5EF4-FFF2-40B4-BE49-F238E27FC236}">
-                <a16:creationId xmlns:a16="http://schemas.microsoft.com/office/drawing/2014/main" id="{815790C4-C89D-7B8B-08E2-40226A93DE1F}"/>
-              </a:ext>
-            </a:extLst>
-          </p:cNvPr>
-          <p:cNvSpPr>
-            <a:spLocks noGrp="1" noChangeArrowheads="1"/>
-          </p:cNvSpPr>
-          <p:nvPr>
-            <p:ph type="body" idx="1"/>
-          </p:nvPr>
-        </p:nvSpPr>
-        <p:spPr bwMode="auto">
-          <a:xfrm>
-            <a:off x="608857" y="2462445"/>
-            <a:ext cx="3530476" cy="1815882"/>
-          </a:xfrm>
-          <a:prstGeom prst="rect">
-            <a:avLst/>
-          </a:prstGeom>
-          <a:noFill/>
-          <a:ln>
-            <a:noFill/>
-          </a:ln>
-          <a:effectLst/>
-          <a:extLst>
-            <a:ext uri="{909E8E84-426E-40DD-AFC4-6F175D3DCCD1}">
-              <a14:hiddenFill xmlns:a14="http://schemas.microsoft.com/office/drawing/2010/main">
-                <a:solidFill>
-                  <a:schemeClr val="accent1"/>
-                </a:solidFill>
-              </a14:hiddenFill>
-            </a:ext>
-            <a:ext uri="{91240B29-F687-4F45-9708-019B960494DF}">
-              <a14:hiddenLine xmlns:a14="http://schemas.microsoft.com/office/drawing/2010/main" w="9525">
-                <a:solidFill>
-                  <a:schemeClr val="tx1"/>
-                </a:solidFill>
-                <a:miter lim="800000"/>
-                <a:headEnd/>
-                <a:tailEnd/>
-              </a14:hiddenLine>
-            </a:ext>
-            <a:ext uri="{AF507438-7753-43E0-B8FC-AC1667EBCBE1}">
-              <a14:hiddenEffects xmlns:a14="http://schemas.microsoft.com/office/drawing/2010/main">
-                <a:effectLst>
-                  <a:outerShdw dist="35921" dir="2700000" algn="ctr" rotWithShape="0">
-                    <a:schemeClr val="bg2"/>
-                  </a:outerShdw>
-                </a:effectLst>
-              </a14:hiddenEffects>
-            </a:ext>
-          </a:extLst>
-        </p:spPr>
-        <p:txBody>
-          <a:bodyPr vert="horz" wrap="square" lIns="91440" tIns="45720" rIns="91440" bIns="45720" numCol="1" anchor="ctr" anchorCtr="0" compatLnSpc="1">
-            <a:prstTxWarp prst="textNoShape">
-              <a:avLst/>
-            </a:prstTxWarp>
-            <a:spAutoFit/>
-          </a:bodyPr>
-          <a:lstStyle/>
-          <a:p>
-            <a:pPr marL="0" marR="0" lvl="0" indent="0" algn="l" defTabSz="914400" rtl="0" eaLnBrk="0" fontAlgn="base" latinLnBrk="0" hangingPunct="0">
-              <a:lnSpc>
-                <a:spcPct val="100000"/>
-              </a:lnSpc>
-              <a:spcBef>
-                <a:spcPct val="0"/>
-              </a:spcBef>
-              <a:spcAft>
-                <a:spcPct val="0"/>
-              </a:spcAft>
-              <a:buClrTx/>
-              <a:buSzTx/>
-              <a:buFontTx/>
-              <a:buChar char="•"/>
-              <a:tabLst/>
-            </a:pPr>
-            <a:r>
-              <a:rPr kumimoji="0" lang="en-US" altLang="en-US" sz="2800" b="1" i="0" u="none" strike="noStrike" cap="none" normalizeH="0" baseline="0" dirty="0">
-                <a:ln>
-                  <a:noFill/>
-                </a:ln>
-                <a:solidFill>
-                  <a:schemeClr val="bg1"/>
-                </a:solidFill>
-                <a:effectLst/>
-                <a:latin typeface="Arial" panose="020B0604020202020204" pitchFamily="34" charset="0"/>
-              </a:rPr>
-              <a:t>GPS </a:t>
-            </a:r>
-          </a:p>
-          <a:p>
-            <a:pPr marL="0" marR="0" lvl="0" indent="0" algn="l" defTabSz="914400" rtl="0" eaLnBrk="0" fontAlgn="base" latinLnBrk="0" hangingPunct="0">
-              <a:lnSpc>
-                <a:spcPct val="100000"/>
-              </a:lnSpc>
-              <a:spcBef>
-                <a:spcPct val="0"/>
-              </a:spcBef>
-              <a:spcAft>
-                <a:spcPct val="0"/>
-              </a:spcAft>
-              <a:buClrTx/>
-              <a:buSzTx/>
-              <a:buFontTx/>
-              <a:buChar char="•"/>
-              <a:tabLst/>
-            </a:pPr>
-            <a:endParaRPr lang="en-US" altLang="en-US" sz="2800" b="1" dirty="0">
-              <a:solidFill>
-                <a:schemeClr val="bg1"/>
-              </a:solidFill>
-              <a:latin typeface="Arial" panose="020B0604020202020204" pitchFamily="34" charset="0"/>
-            </a:endParaRPr>
-          </a:p>
-          <a:p>
-            <a:pPr marL="0" marR="0" lvl="0" indent="0" algn="l" defTabSz="914400" rtl="0" eaLnBrk="0" fontAlgn="base" latinLnBrk="0" hangingPunct="0">
-              <a:lnSpc>
-                <a:spcPct val="100000"/>
-              </a:lnSpc>
-              <a:spcBef>
-                <a:spcPct val="0"/>
-              </a:spcBef>
-              <a:spcAft>
-                <a:spcPct val="0"/>
-              </a:spcAft>
-              <a:buClrTx/>
-              <a:buSzTx/>
-              <a:buFontTx/>
-              <a:buChar char="•"/>
-              <a:tabLst/>
-            </a:pPr>
-            <a:endParaRPr kumimoji="0" lang="en-US" altLang="en-US" sz="2800" b="0" i="0" u="none" strike="noStrike" cap="none" normalizeH="0" baseline="0" dirty="0">
-              <a:ln>
-                <a:noFill/>
-              </a:ln>
-              <a:solidFill>
-                <a:schemeClr val="bg1"/>
-              </a:solidFill>
-              <a:effectLst/>
-              <a:latin typeface="Arial" panose="020B0604020202020204" pitchFamily="34" charset="0"/>
-            </a:endParaRPr>
-          </a:p>
-          <a:p>
-            <a:pPr marL="0" marR="0" lvl="0" indent="0" algn="l" defTabSz="914400" rtl="0" eaLnBrk="0" fontAlgn="base" latinLnBrk="0" hangingPunct="0">
-              <a:lnSpc>
-                <a:spcPct val="100000"/>
-              </a:lnSpc>
-              <a:spcBef>
-                <a:spcPct val="0"/>
-              </a:spcBef>
-              <a:spcAft>
-                <a:spcPct val="0"/>
-              </a:spcAft>
-              <a:buClrTx/>
-              <a:buSzTx/>
-              <a:buFontTx/>
-              <a:buChar char="•"/>
-              <a:tabLst/>
-            </a:pPr>
-            <a:r>
-              <a:rPr kumimoji="0" lang="en-US" altLang="en-US" sz="2800" b="1" i="0" u="none" strike="noStrike" cap="none" normalizeH="0" baseline="0" dirty="0">
-                <a:ln>
-                  <a:noFill/>
-                </a:ln>
-                <a:solidFill>
-                  <a:schemeClr val="bg1"/>
-                </a:solidFill>
-                <a:effectLst/>
-                <a:latin typeface="Arial" panose="020B0604020202020204" pitchFamily="34" charset="0"/>
-              </a:rPr>
-              <a:t>Camera</a:t>
-            </a:r>
-            <a:r>
-              <a:rPr kumimoji="0" lang="en-US" altLang="en-US" sz="2800" b="0" i="0" u="none" strike="noStrike" cap="none" normalizeH="0" baseline="0" dirty="0">
-                <a:ln>
-                  <a:noFill/>
-                </a:ln>
-                <a:solidFill>
-                  <a:schemeClr val="bg1"/>
-                </a:solidFill>
-                <a:effectLst/>
-                <a:latin typeface="Arial" panose="020B0604020202020204" pitchFamily="34" charset="0"/>
-              </a:rPr>
-              <a:t> </a:t>
-            </a:r>
-          </a:p>
-        </p:txBody>
-      </p:sp>
-    </p:spTree>
-  </p:cSld>
-  <p:clrMapOvr>
-    <a:masterClrMapping/>
-  </p:clrMapOvr>
-</p:sld>
-</file>
-
-<file path=ppt/slides/slide11.xml><?xml version="1.0" encoding="utf-8"?>
-<p:sld xmlns:a="http://schemas.openxmlformats.org/drawingml/2006/main" xmlns:r="http://schemas.openxmlformats.org/officeDocument/2006/relationships" xmlns:p="http://schemas.openxmlformats.org/presentationml/2006/main">
-  <p:cSld>
-    <p:spTree>
-      <p:nvGrpSpPr>
-        <p:cNvPr id="1" name="Shape 157"/>
-        <p:cNvGrpSpPr/>
-        <p:nvPr/>
-      </p:nvGrpSpPr>
-      <p:grpSpPr>
-        <a:xfrm>
-          <a:off x="0" y="0"/>
-          <a:ext cx="0" cy="0"/>
-          <a:chOff x="0" y="0"/>
-          <a:chExt cx="0" cy="0"/>
-        </a:xfrm>
-      </p:grpSpPr>
-      <p:sp>
-        <p:nvSpPr>
-          <p:cNvPr id="158" name="Google Shape;158;p17"/>
-          <p:cNvSpPr txBox="1">
-            <a:spLocks noGrp="1"/>
-          </p:cNvSpPr>
-          <p:nvPr>
-            <p:ph type="title"/>
-          </p:nvPr>
-        </p:nvSpPr>
-        <p:spPr>
-          <a:xfrm>
-            <a:off x="457200" y="-317"/>
-            <a:ext cx="8229600" cy="1143000"/>
-          </a:xfrm>
-          <a:prstGeom prst="rect">
-            <a:avLst/>
-          </a:prstGeom>
-          <a:noFill/>
-          <a:ln>
-            <a:noFill/>
-          </a:ln>
-        </p:spPr>
-        <p:txBody>
-          <a:bodyPr spcFirstLastPara="1" wrap="square" lIns="91425" tIns="45700" rIns="91425" bIns="45700" anchor="ctr" anchorCtr="0">
-            <a:normAutofit/>
-          </a:bodyPr>
-          <a:lstStyle/>
-          <a:p>
-            <a:pPr marL="0" lvl="0" indent="0" algn="ctr" rtl="0">
-              <a:spcBef>
-                <a:spcPts val="0"/>
-              </a:spcBef>
-              <a:spcAft>
-                <a:spcPts val="0"/>
-              </a:spcAft>
-              <a:buClr>
-                <a:schemeClr val="dk1"/>
-              </a:buClr>
-              <a:buSzPct val="100000"/>
-              <a:buFont typeface="Calibri"/>
-              <a:buNone/>
-            </a:pPr>
-            <a:r>
-              <a:rPr lang="en-US" sz="4400" b="1" dirty="0">
-                <a:latin typeface="Calibri"/>
-                <a:ea typeface="Calibri"/>
-                <a:cs typeface="Calibri"/>
-                <a:sym typeface="Calibri"/>
-              </a:rPr>
-              <a:t>Database schema</a:t>
-            </a:r>
-          </a:p>
-        </p:txBody>
-      </p:sp>
-      <p:sp>
-        <p:nvSpPr>
-          <p:cNvPr id="159" name="Google Shape;159;p17"/>
-          <p:cNvSpPr txBox="1">
-            <a:spLocks noGrp="1"/>
-          </p:cNvSpPr>
-          <p:nvPr>
-            <p:ph type="body" idx="1"/>
-          </p:nvPr>
-        </p:nvSpPr>
-        <p:spPr>
-          <a:xfrm>
-            <a:off x="387985" y="902335"/>
-            <a:ext cx="3760269" cy="5538470"/>
-          </a:xfrm>
-          <a:prstGeom prst="rect">
-            <a:avLst/>
-          </a:prstGeom>
-          <a:noFill/>
-          <a:ln>
-            <a:noFill/>
-          </a:ln>
-        </p:spPr>
-        <p:txBody>
-          <a:bodyPr spcFirstLastPara="1" wrap="square" lIns="91425" tIns="45700" rIns="91425" bIns="45700" anchor="t" anchorCtr="0">
-            <a:noAutofit/>
-          </a:bodyPr>
-          <a:lstStyle/>
-          <a:p>
-            <a:pPr marL="0" lvl="0" indent="0">
-              <a:lnSpc>
-                <a:spcPct val="150000"/>
-              </a:lnSpc>
-              <a:spcBef>
-                <a:spcPts val="640"/>
-              </a:spcBef>
-              <a:buClr>
-                <a:schemeClr val="lt1"/>
-              </a:buClr>
-              <a:buSzPts val="3200"/>
-              <a:buNone/>
-            </a:pPr>
-            <a:r>
-              <a:rPr lang="en-US" sz="1000" dirty="0" err="1">
-                <a:latin typeface="Calibri"/>
-                <a:ea typeface="Calibri"/>
-                <a:cs typeface="Calibri"/>
-                <a:sym typeface="Calibri"/>
-              </a:rPr>
-              <a:t>Firestore</a:t>
-            </a:r>
-            <a:endParaRPr lang="en-US" sz="1000" dirty="0">
-              <a:latin typeface="Calibri"/>
-              <a:ea typeface="Calibri"/>
-              <a:cs typeface="Calibri"/>
-              <a:sym typeface="Calibri"/>
-            </a:endParaRPr>
-          </a:p>
-          <a:p>
-            <a:pPr marL="0" lvl="0" indent="0">
-              <a:lnSpc>
-                <a:spcPct val="150000"/>
-              </a:lnSpc>
-              <a:spcBef>
-                <a:spcPts val="640"/>
-              </a:spcBef>
-              <a:buClr>
-                <a:schemeClr val="lt1"/>
-              </a:buClr>
-              <a:buSzPts val="3200"/>
-              <a:buNone/>
-            </a:pPr>
-            <a:r>
-              <a:rPr lang="en-US" sz="1000" dirty="0">
-                <a:latin typeface="Calibri"/>
-                <a:ea typeface="Calibri"/>
-                <a:cs typeface="Calibri"/>
-                <a:sym typeface="Calibri"/>
-              </a:rPr>
-              <a:t>|</a:t>
-            </a:r>
-          </a:p>
-          <a:p>
-            <a:pPr marL="0" lvl="0" indent="0">
-              <a:lnSpc>
-                <a:spcPct val="150000"/>
-              </a:lnSpc>
-              <a:spcBef>
-                <a:spcPts val="640"/>
-              </a:spcBef>
-              <a:buClr>
-                <a:schemeClr val="lt1"/>
-              </a:buClr>
-              <a:buSzPts val="3200"/>
-              <a:buNone/>
-            </a:pPr>
-            <a:r>
-              <a:rPr lang="en-US" sz="1000" dirty="0">
-                <a:latin typeface="Calibri"/>
-                <a:ea typeface="Calibri"/>
-                <a:cs typeface="Calibri"/>
-                <a:sym typeface="Calibri"/>
-              </a:rPr>
-              <a:t>|-- events (Collection)</a:t>
-            </a:r>
-          </a:p>
-          <a:p>
-            <a:pPr marL="0" lvl="0" indent="0">
-              <a:lnSpc>
-                <a:spcPct val="150000"/>
-              </a:lnSpc>
-              <a:spcBef>
-                <a:spcPts val="640"/>
-              </a:spcBef>
-              <a:buClr>
-                <a:schemeClr val="lt1"/>
-              </a:buClr>
-              <a:buSzPts val="3200"/>
-              <a:buNone/>
-            </a:pPr>
-            <a:r>
-              <a:rPr lang="en-US" sz="1000" dirty="0">
-                <a:latin typeface="Calibri"/>
-                <a:ea typeface="Calibri"/>
-                <a:cs typeface="Calibri"/>
-                <a:sym typeface="Calibri"/>
-              </a:rPr>
-              <a:t>|   |-- </a:t>
-            </a:r>
-            <a:r>
-              <a:rPr lang="en-US" sz="1000" dirty="0" err="1">
-                <a:latin typeface="Calibri"/>
-                <a:ea typeface="Calibri"/>
-                <a:cs typeface="Calibri"/>
-                <a:sym typeface="Calibri"/>
-              </a:rPr>
-              <a:t>eventID</a:t>
-            </a:r>
-            <a:r>
-              <a:rPr lang="en-US" sz="1000" dirty="0">
-                <a:latin typeface="Calibri"/>
-                <a:ea typeface="Calibri"/>
-                <a:cs typeface="Calibri"/>
-                <a:sym typeface="Calibri"/>
-              </a:rPr>
-              <a:t> (Document)</a:t>
-            </a:r>
-          </a:p>
-          <a:p>
-            <a:pPr marL="0" lvl="0" indent="0">
-              <a:lnSpc>
-                <a:spcPct val="150000"/>
-              </a:lnSpc>
-              <a:spcBef>
-                <a:spcPts val="640"/>
-              </a:spcBef>
-              <a:buClr>
-                <a:schemeClr val="lt1"/>
-              </a:buClr>
-              <a:buSzPts val="3200"/>
-              <a:buNone/>
-            </a:pPr>
-            <a:r>
-              <a:rPr lang="en-US" sz="1000" dirty="0">
-                <a:latin typeface="Calibri"/>
-                <a:ea typeface="Calibri"/>
-                <a:cs typeface="Calibri"/>
-                <a:sym typeface="Calibri"/>
-              </a:rPr>
-              <a:t>|       |-- </a:t>
-            </a:r>
-            <a:r>
-              <a:rPr lang="en-US" sz="1000" dirty="0" err="1">
-                <a:latin typeface="Calibri"/>
-                <a:ea typeface="Calibri"/>
-                <a:cs typeface="Calibri"/>
-                <a:sym typeface="Calibri"/>
-              </a:rPr>
-              <a:t>eventTitle</a:t>
-            </a:r>
-            <a:r>
-              <a:rPr lang="en-US" sz="1000" dirty="0">
-                <a:latin typeface="Calibri"/>
-                <a:ea typeface="Calibri"/>
-                <a:cs typeface="Calibri"/>
-                <a:sym typeface="Calibri"/>
-              </a:rPr>
-              <a:t>: String</a:t>
-            </a:r>
-          </a:p>
-          <a:p>
-            <a:pPr marL="0" lvl="0" indent="0">
-              <a:lnSpc>
-                <a:spcPct val="150000"/>
-              </a:lnSpc>
-              <a:spcBef>
-                <a:spcPts val="640"/>
-              </a:spcBef>
-              <a:buClr>
-                <a:schemeClr val="lt1"/>
-              </a:buClr>
-              <a:buSzPts val="3200"/>
-              <a:buNone/>
-            </a:pPr>
-            <a:r>
-              <a:rPr lang="en-US" sz="1000" dirty="0">
-                <a:latin typeface="Calibri"/>
-                <a:ea typeface="Calibri"/>
-                <a:cs typeface="Calibri"/>
-                <a:sym typeface="Calibri"/>
-              </a:rPr>
-              <a:t>|       |-- </a:t>
-            </a:r>
-            <a:r>
-              <a:rPr lang="en-US" sz="1000" dirty="0" err="1">
-                <a:latin typeface="Calibri"/>
-                <a:ea typeface="Calibri"/>
-                <a:cs typeface="Calibri"/>
-                <a:sym typeface="Calibri"/>
-              </a:rPr>
-              <a:t>eventURL</a:t>
-            </a:r>
-            <a:r>
-              <a:rPr lang="en-US" sz="1000" dirty="0">
-                <a:latin typeface="Calibri"/>
-                <a:ea typeface="Calibri"/>
-                <a:cs typeface="Calibri"/>
-                <a:sym typeface="Calibri"/>
-              </a:rPr>
-              <a:t>: String</a:t>
-            </a:r>
-          </a:p>
-          <a:p>
-            <a:pPr marL="0" lvl="0" indent="0">
-              <a:lnSpc>
-                <a:spcPct val="150000"/>
-              </a:lnSpc>
-              <a:spcBef>
-                <a:spcPts val="640"/>
-              </a:spcBef>
-              <a:buClr>
-                <a:schemeClr val="lt1"/>
-              </a:buClr>
-              <a:buSzPts val="3200"/>
-              <a:buNone/>
-            </a:pPr>
-            <a:r>
-              <a:rPr lang="en-US" sz="1000" dirty="0">
-                <a:latin typeface="Calibri"/>
-                <a:ea typeface="Calibri"/>
-                <a:cs typeface="Calibri"/>
-                <a:sym typeface="Calibri"/>
-              </a:rPr>
-              <a:t>|       |-- </a:t>
-            </a:r>
-            <a:r>
-              <a:rPr lang="en-US" sz="1000" dirty="0" err="1">
-                <a:latin typeface="Calibri"/>
-                <a:ea typeface="Calibri"/>
-                <a:cs typeface="Calibri"/>
-                <a:sym typeface="Calibri"/>
-              </a:rPr>
-              <a:t>eventPhoto</a:t>
-            </a:r>
-            <a:r>
-              <a:rPr lang="en-US" sz="1000" dirty="0">
-                <a:latin typeface="Calibri"/>
-                <a:ea typeface="Calibri"/>
-                <a:cs typeface="Calibri"/>
-                <a:sym typeface="Calibri"/>
-              </a:rPr>
-              <a:t>: String</a:t>
-            </a:r>
-          </a:p>
-          <a:p>
-            <a:pPr marL="0" lvl="0" indent="0">
-              <a:lnSpc>
-                <a:spcPct val="150000"/>
-              </a:lnSpc>
-              <a:spcBef>
-                <a:spcPts val="640"/>
-              </a:spcBef>
-              <a:buClr>
-                <a:schemeClr val="lt1"/>
-              </a:buClr>
-              <a:buSzPts val="3200"/>
-              <a:buNone/>
-            </a:pPr>
-            <a:r>
-              <a:rPr lang="en-US" sz="1000" dirty="0">
-                <a:latin typeface="Calibri"/>
-                <a:ea typeface="Calibri"/>
-                <a:cs typeface="Calibri"/>
-                <a:sym typeface="Calibri"/>
-              </a:rPr>
-              <a:t>|       |-- </a:t>
-            </a:r>
-            <a:r>
-              <a:rPr lang="en-US" sz="1000" dirty="0" err="1">
-                <a:latin typeface="Calibri"/>
-                <a:ea typeface="Calibri"/>
-                <a:cs typeface="Calibri"/>
-                <a:sym typeface="Calibri"/>
-              </a:rPr>
-              <a:t>eventLocation</a:t>
-            </a:r>
-            <a:r>
-              <a:rPr lang="en-US" sz="1000" dirty="0">
-                <a:latin typeface="Calibri"/>
-                <a:ea typeface="Calibri"/>
-                <a:cs typeface="Calibri"/>
-                <a:sym typeface="Calibri"/>
-              </a:rPr>
-              <a:t>: String</a:t>
-            </a:r>
-          </a:p>
-          <a:p>
-            <a:pPr marL="0" lvl="0" indent="0">
-              <a:lnSpc>
-                <a:spcPct val="150000"/>
-              </a:lnSpc>
-              <a:spcBef>
-                <a:spcPts val="640"/>
-              </a:spcBef>
-              <a:buClr>
-                <a:schemeClr val="lt1"/>
-              </a:buClr>
-              <a:buSzPts val="3200"/>
-              <a:buNone/>
-            </a:pPr>
-            <a:r>
-              <a:rPr lang="en-US" sz="1000" dirty="0">
-                <a:latin typeface="Calibri"/>
-                <a:ea typeface="Calibri"/>
-                <a:cs typeface="Calibri"/>
-                <a:sym typeface="Calibri"/>
-              </a:rPr>
-              <a:t>|       |-- </a:t>
-            </a:r>
-            <a:r>
-              <a:rPr lang="en-US" sz="1000" dirty="0" err="1">
-                <a:latin typeface="Calibri"/>
-                <a:ea typeface="Calibri"/>
-                <a:cs typeface="Calibri"/>
-                <a:sym typeface="Calibri"/>
-              </a:rPr>
-              <a:t>eventStartTime</a:t>
-            </a:r>
-            <a:r>
-              <a:rPr lang="en-US" sz="1000" dirty="0">
-                <a:latin typeface="Calibri"/>
-                <a:ea typeface="Calibri"/>
-                <a:cs typeface="Calibri"/>
-                <a:sym typeface="Calibri"/>
-              </a:rPr>
-              <a:t>: Timestamp</a:t>
-            </a:r>
-          </a:p>
-          <a:p>
-            <a:pPr marL="0" lvl="0" indent="0">
-              <a:lnSpc>
-                <a:spcPct val="150000"/>
-              </a:lnSpc>
-              <a:spcBef>
-                <a:spcPts val="640"/>
-              </a:spcBef>
-              <a:buClr>
-                <a:schemeClr val="lt1"/>
-              </a:buClr>
-              <a:buSzPts val="3200"/>
-              <a:buNone/>
-            </a:pPr>
-            <a:r>
-              <a:rPr lang="en-US" sz="1000" dirty="0">
-                <a:latin typeface="Calibri"/>
-                <a:ea typeface="Calibri"/>
-                <a:cs typeface="Calibri"/>
-                <a:sym typeface="Calibri"/>
-              </a:rPr>
-              <a:t>|       |-- </a:t>
-            </a:r>
-            <a:r>
-              <a:rPr lang="en-US" sz="1000" dirty="0" err="1">
-                <a:latin typeface="Calibri"/>
-                <a:ea typeface="Calibri"/>
-                <a:cs typeface="Calibri"/>
-                <a:sym typeface="Calibri"/>
-              </a:rPr>
-              <a:t>eventEndTime</a:t>
-            </a:r>
-            <a:r>
-              <a:rPr lang="en-US" sz="1000" dirty="0">
-                <a:latin typeface="Calibri"/>
-                <a:ea typeface="Calibri"/>
-                <a:cs typeface="Calibri"/>
-                <a:sym typeface="Calibri"/>
-              </a:rPr>
-              <a:t>: Timestamp</a:t>
-            </a:r>
-          </a:p>
-          <a:p>
-            <a:pPr marL="0" lvl="0" indent="0">
-              <a:lnSpc>
-                <a:spcPct val="150000"/>
-              </a:lnSpc>
-              <a:spcBef>
-                <a:spcPts val="640"/>
-              </a:spcBef>
-              <a:buClr>
-                <a:schemeClr val="lt1"/>
-              </a:buClr>
-              <a:buSzPts val="3200"/>
-              <a:buNone/>
-            </a:pPr>
-            <a:r>
-              <a:rPr lang="en-US" sz="1000" dirty="0">
-                <a:latin typeface="Calibri"/>
-                <a:ea typeface="Calibri"/>
-                <a:cs typeface="Calibri"/>
-                <a:sym typeface="Calibri"/>
-              </a:rPr>
-              <a:t>|       |-- </a:t>
-            </a:r>
-            <a:r>
-              <a:rPr lang="en-US" sz="1000" dirty="0" err="1">
-                <a:latin typeface="Calibri"/>
-                <a:ea typeface="Calibri"/>
-                <a:cs typeface="Calibri"/>
-                <a:sym typeface="Calibri"/>
-              </a:rPr>
-              <a:t>eventDescription</a:t>
-            </a:r>
-            <a:r>
-              <a:rPr lang="en-US" sz="1000" dirty="0">
-                <a:latin typeface="Calibri"/>
-                <a:ea typeface="Calibri"/>
-                <a:cs typeface="Calibri"/>
-                <a:sym typeface="Calibri"/>
-              </a:rPr>
-              <a:t>: String</a:t>
-            </a:r>
-          </a:p>
-          <a:p>
-            <a:pPr marL="0" lvl="0" indent="0">
-              <a:lnSpc>
-                <a:spcPct val="150000"/>
-              </a:lnSpc>
-              <a:spcBef>
-                <a:spcPts val="640"/>
-              </a:spcBef>
-              <a:buClr>
-                <a:schemeClr val="lt1"/>
-              </a:buClr>
-              <a:buSzPts val="3200"/>
-              <a:buNone/>
-            </a:pPr>
-            <a:r>
-              <a:rPr lang="en-US" sz="1000" dirty="0">
-                <a:latin typeface="Calibri"/>
-                <a:ea typeface="Calibri"/>
-                <a:cs typeface="Calibri"/>
-                <a:sym typeface="Calibri"/>
-              </a:rPr>
-              <a:t>|       |-- </a:t>
-            </a:r>
-            <a:r>
-              <a:rPr lang="en-US" sz="1000" dirty="0" err="1">
-                <a:latin typeface="Calibri"/>
-                <a:ea typeface="Calibri"/>
-                <a:cs typeface="Calibri"/>
-                <a:sym typeface="Calibri"/>
-              </a:rPr>
-              <a:t>eventPoints</a:t>
-            </a:r>
-            <a:r>
-              <a:rPr lang="en-US" sz="1000" dirty="0">
-                <a:latin typeface="Calibri"/>
-                <a:ea typeface="Calibri"/>
-                <a:cs typeface="Calibri"/>
-                <a:sym typeface="Calibri"/>
-              </a:rPr>
-              <a:t>: Integer</a:t>
-            </a:r>
-          </a:p>
-          <a:p>
-            <a:pPr marL="0" lvl="0" indent="0">
-              <a:lnSpc>
-                <a:spcPct val="150000"/>
-              </a:lnSpc>
-              <a:spcBef>
-                <a:spcPts val="640"/>
-              </a:spcBef>
-              <a:buClr>
-                <a:schemeClr val="lt1"/>
-              </a:buClr>
-              <a:buSzPts val="3200"/>
-              <a:buNone/>
-            </a:pPr>
-            <a:r>
-              <a:rPr lang="en-US" sz="1000" dirty="0">
-                <a:latin typeface="Calibri"/>
-                <a:ea typeface="Calibri"/>
-                <a:cs typeface="Calibri"/>
-                <a:sym typeface="Calibri"/>
-              </a:rPr>
-              <a:t>|       |-- </a:t>
-            </a:r>
-            <a:r>
-              <a:rPr lang="en-US" sz="1000" dirty="0" err="1">
-                <a:latin typeface="Calibri"/>
-                <a:ea typeface="Calibri"/>
-                <a:cs typeface="Calibri"/>
-                <a:sym typeface="Calibri"/>
-              </a:rPr>
-              <a:t>savedUsers</a:t>
-            </a:r>
-            <a:r>
-              <a:rPr lang="en-US" sz="1000" dirty="0">
-                <a:latin typeface="Calibri"/>
-                <a:ea typeface="Calibri"/>
-                <a:cs typeface="Calibri"/>
-                <a:sym typeface="Calibri"/>
-              </a:rPr>
-              <a:t>: Array&lt;String&gt;</a:t>
-            </a:r>
-          </a:p>
-          <a:p>
-            <a:pPr marL="0" lvl="0" indent="0">
-              <a:lnSpc>
-                <a:spcPct val="150000"/>
-              </a:lnSpc>
-              <a:spcBef>
-                <a:spcPts val="640"/>
-              </a:spcBef>
-              <a:buClr>
-                <a:schemeClr val="lt1"/>
-              </a:buClr>
-              <a:buSzPts val="3200"/>
-              <a:buNone/>
-            </a:pPr>
-            <a:endParaRPr lang="en-US" sz="1000" dirty="0">
-              <a:latin typeface="Calibri"/>
-              <a:ea typeface="Calibri"/>
-              <a:cs typeface="Calibri"/>
-              <a:sym typeface="Calibri"/>
-            </a:endParaRPr>
-          </a:p>
-        </p:txBody>
-      </p:sp>
-      <p:sp>
-        <p:nvSpPr>
-          <p:cNvPr id="2" name="Slide Number Placeholder 1"/>
-          <p:cNvSpPr>
-            <a:spLocks noGrp="1"/>
-          </p:cNvSpPr>
-          <p:nvPr>
-            <p:ph type="sldNum" idx="12"/>
-          </p:nvPr>
-        </p:nvSpPr>
-        <p:spPr/>
-        <p:txBody>
-          <a:bodyPr/>
-          <a:lstStyle/>
-          <a:p>
-            <a:pPr marL="0" lvl="0" indent="0" algn="r" rtl="0">
-              <a:spcBef>
-                <a:spcPts val="0"/>
-              </a:spcBef>
-              <a:spcAft>
-                <a:spcPts val="0"/>
-              </a:spcAft>
-              <a:buNone/>
-            </a:pPr>
-            <a:fld id="{00000000-1234-1234-1234-123412341234}" type="slidenum">
-              <a:rPr lang="en-US"/>
-              <a:t>11</a:t>
-            </a:fld>
-            <a:endParaRPr lang="en-US"/>
-          </a:p>
-        </p:txBody>
-      </p:sp>
-      <p:sp>
-        <p:nvSpPr>
-          <p:cNvPr id="3" name="TextBox 2">
-            <a:extLst>
-              <a:ext uri="{FF2B5EF4-FFF2-40B4-BE49-F238E27FC236}">
-                <a16:creationId xmlns:a16="http://schemas.microsoft.com/office/drawing/2014/main" id="{EB2767E9-9BB5-DE37-F155-C8F8935210D4}"/>
-              </a:ext>
-            </a:extLst>
-          </p:cNvPr>
-          <p:cNvSpPr txBox="1"/>
-          <p:nvPr/>
-        </p:nvSpPr>
-        <p:spPr>
-          <a:xfrm>
-            <a:off x="4680167" y="902335"/>
-            <a:ext cx="3474720" cy="4231928"/>
-          </a:xfrm>
-          <a:prstGeom prst="rect">
-            <a:avLst/>
-          </a:prstGeom>
-          <a:noFill/>
-        </p:spPr>
-        <p:txBody>
-          <a:bodyPr wrap="square" rtlCol="0">
-            <a:spAutoFit/>
-          </a:bodyPr>
-          <a:lstStyle/>
-          <a:p>
-            <a:pPr marL="0" lvl="0" indent="0">
-              <a:lnSpc>
-                <a:spcPct val="150000"/>
-              </a:lnSpc>
-              <a:spcBef>
-                <a:spcPts val="640"/>
-              </a:spcBef>
-              <a:buClr>
-                <a:schemeClr val="lt1"/>
-              </a:buClr>
-              <a:buSzPts val="3200"/>
-              <a:buNone/>
-            </a:pPr>
-            <a:endParaRPr lang="en-US" sz="1000" dirty="0">
-              <a:solidFill>
-                <a:schemeClr val="lt1"/>
-              </a:solidFill>
-              <a:latin typeface="Calibri"/>
-              <a:ea typeface="Calibri"/>
-              <a:cs typeface="Calibri"/>
-              <a:sym typeface="Calibri"/>
-            </a:endParaRPr>
-          </a:p>
-          <a:p>
-            <a:pPr marL="0" lvl="0" indent="0">
-              <a:lnSpc>
-                <a:spcPct val="150000"/>
-              </a:lnSpc>
-              <a:spcBef>
-                <a:spcPts val="640"/>
-              </a:spcBef>
-              <a:buClr>
-                <a:schemeClr val="lt1"/>
-              </a:buClr>
-              <a:buSzPts val="3200"/>
-              <a:buNone/>
-            </a:pPr>
-            <a:endParaRPr lang="en-US" sz="1000" dirty="0">
-              <a:solidFill>
-                <a:schemeClr val="lt1"/>
-              </a:solidFill>
-              <a:latin typeface="Calibri"/>
-              <a:ea typeface="Calibri"/>
-              <a:cs typeface="Calibri"/>
-              <a:sym typeface="Calibri"/>
-            </a:endParaRPr>
-          </a:p>
-          <a:p>
-            <a:pPr marL="0" lvl="0" indent="0">
-              <a:lnSpc>
-                <a:spcPct val="150000"/>
-              </a:lnSpc>
-              <a:spcBef>
-                <a:spcPts val="640"/>
-              </a:spcBef>
-              <a:buClr>
-                <a:schemeClr val="lt1"/>
-              </a:buClr>
-              <a:buSzPts val="3200"/>
-              <a:buNone/>
-            </a:pPr>
-            <a:r>
-              <a:rPr lang="en-US" sz="1000" dirty="0">
-                <a:solidFill>
-                  <a:schemeClr val="lt1"/>
-                </a:solidFill>
-                <a:latin typeface="Calibri"/>
-                <a:ea typeface="Calibri"/>
-                <a:cs typeface="Calibri"/>
-                <a:sym typeface="Calibri"/>
-              </a:rPr>
-              <a:t>|-- users (Collection)</a:t>
-            </a:r>
-          </a:p>
-          <a:p>
-            <a:pPr marL="0" lvl="0" indent="0">
-              <a:lnSpc>
-                <a:spcPct val="150000"/>
-              </a:lnSpc>
-              <a:spcBef>
-                <a:spcPts val="640"/>
-              </a:spcBef>
-              <a:buClr>
-                <a:schemeClr val="lt1"/>
-              </a:buClr>
-              <a:buSzPts val="3200"/>
-              <a:buNone/>
-            </a:pPr>
-            <a:r>
-              <a:rPr lang="en-US" sz="1000" dirty="0">
-                <a:solidFill>
-                  <a:schemeClr val="lt1"/>
-                </a:solidFill>
-                <a:latin typeface="Calibri"/>
-                <a:ea typeface="Calibri"/>
-                <a:cs typeface="Calibri"/>
-                <a:sym typeface="Calibri"/>
-              </a:rPr>
-              <a:t>|   |-- </a:t>
-            </a:r>
-            <a:r>
-              <a:rPr lang="en-US" sz="1000" dirty="0" err="1">
-                <a:solidFill>
-                  <a:schemeClr val="lt1"/>
-                </a:solidFill>
-                <a:latin typeface="Calibri"/>
-                <a:ea typeface="Calibri"/>
-                <a:cs typeface="Calibri"/>
-                <a:sym typeface="Calibri"/>
-              </a:rPr>
-              <a:t>userUID</a:t>
-            </a:r>
-            <a:r>
-              <a:rPr lang="en-US" sz="1000" dirty="0">
-                <a:solidFill>
-                  <a:schemeClr val="lt1"/>
-                </a:solidFill>
-                <a:latin typeface="Calibri"/>
-                <a:ea typeface="Calibri"/>
-                <a:cs typeface="Calibri"/>
-                <a:sym typeface="Calibri"/>
-              </a:rPr>
-              <a:t> (Document)</a:t>
-            </a:r>
-          </a:p>
-          <a:p>
-            <a:pPr marL="0" lvl="0" indent="0">
-              <a:lnSpc>
-                <a:spcPct val="150000"/>
-              </a:lnSpc>
-              <a:spcBef>
-                <a:spcPts val="640"/>
-              </a:spcBef>
-              <a:buClr>
-                <a:schemeClr val="lt1"/>
-              </a:buClr>
-              <a:buSzPts val="3200"/>
-              <a:buNone/>
-            </a:pPr>
-            <a:r>
-              <a:rPr lang="en-US" sz="1000" dirty="0">
-                <a:solidFill>
-                  <a:schemeClr val="lt1"/>
-                </a:solidFill>
-                <a:latin typeface="Calibri"/>
-                <a:ea typeface="Calibri"/>
-                <a:cs typeface="Calibri"/>
-                <a:sym typeface="Calibri"/>
-              </a:rPr>
-              <a:t>|       |-- </a:t>
-            </a:r>
-            <a:r>
-              <a:rPr lang="en-US" sz="1000" dirty="0" err="1">
-                <a:solidFill>
-                  <a:schemeClr val="lt1"/>
-                </a:solidFill>
-                <a:latin typeface="Calibri"/>
-                <a:ea typeface="Calibri"/>
-                <a:cs typeface="Calibri"/>
-                <a:sym typeface="Calibri"/>
-              </a:rPr>
-              <a:t>firstName</a:t>
-            </a:r>
-            <a:r>
-              <a:rPr lang="en-US" sz="1000" dirty="0">
-                <a:solidFill>
-                  <a:schemeClr val="lt1"/>
-                </a:solidFill>
-                <a:latin typeface="Calibri"/>
-                <a:ea typeface="Calibri"/>
-                <a:cs typeface="Calibri"/>
-                <a:sym typeface="Calibri"/>
-              </a:rPr>
-              <a:t>: String</a:t>
-            </a:r>
-          </a:p>
-          <a:p>
-            <a:pPr marL="0" lvl="0" indent="0">
-              <a:lnSpc>
-                <a:spcPct val="150000"/>
-              </a:lnSpc>
-              <a:spcBef>
-                <a:spcPts val="640"/>
-              </a:spcBef>
-              <a:buClr>
-                <a:schemeClr val="lt1"/>
-              </a:buClr>
-              <a:buSzPts val="3200"/>
-              <a:buNone/>
-            </a:pPr>
-            <a:r>
-              <a:rPr lang="en-US" sz="1000" dirty="0">
-                <a:solidFill>
-                  <a:schemeClr val="lt1"/>
-                </a:solidFill>
-                <a:latin typeface="Calibri"/>
-                <a:ea typeface="Calibri"/>
-                <a:cs typeface="Calibri"/>
-                <a:sym typeface="Calibri"/>
-              </a:rPr>
-              <a:t>|       |-- </a:t>
-            </a:r>
-            <a:r>
-              <a:rPr lang="en-US" sz="1000" dirty="0" err="1">
-                <a:solidFill>
-                  <a:schemeClr val="lt1"/>
-                </a:solidFill>
-                <a:latin typeface="Calibri"/>
-                <a:ea typeface="Calibri"/>
-                <a:cs typeface="Calibri"/>
-                <a:sym typeface="Calibri"/>
-              </a:rPr>
-              <a:t>lastName</a:t>
-            </a:r>
-            <a:r>
-              <a:rPr lang="en-US" sz="1000" dirty="0">
-                <a:solidFill>
-                  <a:schemeClr val="lt1"/>
-                </a:solidFill>
-                <a:latin typeface="Calibri"/>
-                <a:ea typeface="Calibri"/>
-                <a:cs typeface="Calibri"/>
-                <a:sym typeface="Calibri"/>
-              </a:rPr>
-              <a:t>: String</a:t>
-            </a:r>
-          </a:p>
-          <a:p>
-            <a:pPr marL="0" lvl="0" indent="0">
-              <a:lnSpc>
-                <a:spcPct val="150000"/>
-              </a:lnSpc>
-              <a:spcBef>
-                <a:spcPts val="640"/>
-              </a:spcBef>
-              <a:buClr>
-                <a:schemeClr val="lt1"/>
-              </a:buClr>
-              <a:buSzPts val="3200"/>
-              <a:buNone/>
-            </a:pPr>
-            <a:r>
-              <a:rPr lang="en-US" sz="1000" dirty="0">
-                <a:solidFill>
-                  <a:schemeClr val="lt1"/>
-                </a:solidFill>
-                <a:latin typeface="Calibri"/>
-                <a:ea typeface="Calibri"/>
-                <a:cs typeface="Calibri"/>
-                <a:sym typeface="Calibri"/>
-              </a:rPr>
-              <a:t>|       |-- </a:t>
-            </a:r>
-            <a:r>
-              <a:rPr lang="en-US" sz="1000" dirty="0" err="1">
-                <a:solidFill>
-                  <a:schemeClr val="lt1"/>
-                </a:solidFill>
-                <a:latin typeface="Calibri"/>
-                <a:ea typeface="Calibri"/>
-                <a:cs typeface="Calibri"/>
-                <a:sym typeface="Calibri"/>
-              </a:rPr>
-              <a:t>userProfileURL</a:t>
-            </a:r>
-            <a:r>
-              <a:rPr lang="en-US" sz="1000" dirty="0">
-                <a:solidFill>
-                  <a:schemeClr val="lt1"/>
-                </a:solidFill>
-                <a:latin typeface="Calibri"/>
-                <a:ea typeface="Calibri"/>
-                <a:cs typeface="Calibri"/>
-                <a:sym typeface="Calibri"/>
-              </a:rPr>
-              <a:t>: String</a:t>
-            </a:r>
-          </a:p>
-          <a:p>
-            <a:pPr marL="0" lvl="0" indent="0">
-              <a:lnSpc>
-                <a:spcPct val="150000"/>
-              </a:lnSpc>
-              <a:spcBef>
-                <a:spcPts val="640"/>
-              </a:spcBef>
-              <a:buClr>
-                <a:schemeClr val="lt1"/>
-              </a:buClr>
-              <a:buSzPts val="3200"/>
-              <a:buNone/>
-            </a:pPr>
-            <a:r>
-              <a:rPr lang="en-US" sz="1000" dirty="0">
-                <a:solidFill>
-                  <a:schemeClr val="lt1"/>
-                </a:solidFill>
-                <a:latin typeface="Calibri"/>
-                <a:ea typeface="Calibri"/>
-                <a:cs typeface="Calibri"/>
-                <a:sym typeface="Calibri"/>
-              </a:rPr>
-              <a:t>|       |-- </a:t>
-            </a:r>
-            <a:r>
-              <a:rPr lang="en-US" sz="1000" dirty="0" err="1">
-                <a:solidFill>
-                  <a:schemeClr val="lt1"/>
-                </a:solidFill>
-                <a:latin typeface="Calibri"/>
-                <a:ea typeface="Calibri"/>
-                <a:cs typeface="Calibri"/>
-                <a:sym typeface="Calibri"/>
-              </a:rPr>
-              <a:t>userBUID</a:t>
-            </a:r>
-            <a:r>
-              <a:rPr lang="en-US" sz="1000" dirty="0">
-                <a:solidFill>
-                  <a:schemeClr val="lt1"/>
-                </a:solidFill>
-                <a:latin typeface="Calibri"/>
-                <a:ea typeface="Calibri"/>
-                <a:cs typeface="Calibri"/>
-                <a:sym typeface="Calibri"/>
-              </a:rPr>
-              <a:t>: String</a:t>
-            </a:r>
-          </a:p>
-          <a:p>
-            <a:pPr marL="0" lvl="0" indent="0">
-              <a:lnSpc>
-                <a:spcPct val="150000"/>
-              </a:lnSpc>
-              <a:spcBef>
-                <a:spcPts val="640"/>
-              </a:spcBef>
-              <a:buClr>
-                <a:schemeClr val="lt1"/>
-              </a:buClr>
-              <a:buSzPts val="3200"/>
-              <a:buNone/>
-            </a:pPr>
-            <a:r>
-              <a:rPr lang="en-US" sz="1000" dirty="0">
-                <a:solidFill>
-                  <a:schemeClr val="lt1"/>
-                </a:solidFill>
-                <a:latin typeface="Calibri"/>
-                <a:ea typeface="Calibri"/>
-                <a:cs typeface="Calibri"/>
-                <a:sym typeface="Calibri"/>
-              </a:rPr>
-              <a:t>|       |-- </a:t>
-            </a:r>
-            <a:r>
-              <a:rPr lang="en-US" sz="1000" dirty="0" err="1">
-                <a:solidFill>
-                  <a:schemeClr val="lt1"/>
-                </a:solidFill>
-                <a:latin typeface="Calibri"/>
-                <a:ea typeface="Calibri"/>
-                <a:cs typeface="Calibri"/>
-                <a:sym typeface="Calibri"/>
-              </a:rPr>
-              <a:t>userEmail</a:t>
-            </a:r>
-            <a:r>
-              <a:rPr lang="en-US" sz="1000" dirty="0">
-                <a:solidFill>
-                  <a:schemeClr val="lt1"/>
-                </a:solidFill>
-                <a:latin typeface="Calibri"/>
-                <a:ea typeface="Calibri"/>
-                <a:cs typeface="Calibri"/>
-                <a:sym typeface="Calibri"/>
-              </a:rPr>
-              <a:t>: String</a:t>
-            </a:r>
-          </a:p>
-          <a:p>
-            <a:pPr marL="0" lvl="0" indent="0">
-              <a:lnSpc>
-                <a:spcPct val="150000"/>
-              </a:lnSpc>
-              <a:spcBef>
-                <a:spcPts val="640"/>
-              </a:spcBef>
-              <a:buClr>
-                <a:schemeClr val="lt1"/>
-              </a:buClr>
-              <a:buSzPts val="3200"/>
-              <a:buNone/>
-            </a:pPr>
-            <a:r>
-              <a:rPr lang="en-US" sz="1000" dirty="0">
-                <a:solidFill>
-                  <a:schemeClr val="lt1"/>
-                </a:solidFill>
-                <a:latin typeface="Calibri"/>
-                <a:ea typeface="Calibri"/>
-                <a:cs typeface="Calibri"/>
-                <a:sym typeface="Calibri"/>
-              </a:rPr>
-              <a:t>|       |-- </a:t>
-            </a:r>
-            <a:r>
-              <a:rPr lang="en-US" sz="1000" dirty="0" err="1">
-                <a:solidFill>
-                  <a:schemeClr val="lt1"/>
-                </a:solidFill>
-                <a:latin typeface="Calibri"/>
-                <a:ea typeface="Calibri"/>
-                <a:cs typeface="Calibri"/>
-                <a:sym typeface="Calibri"/>
-              </a:rPr>
-              <a:t>userSchool</a:t>
-            </a:r>
-            <a:r>
-              <a:rPr lang="en-US" sz="1000" dirty="0">
-                <a:solidFill>
-                  <a:schemeClr val="lt1"/>
-                </a:solidFill>
-                <a:latin typeface="Calibri"/>
-                <a:ea typeface="Calibri"/>
-                <a:cs typeface="Calibri"/>
-                <a:sym typeface="Calibri"/>
-              </a:rPr>
-              <a:t>: String</a:t>
-            </a:r>
-          </a:p>
-          <a:p>
-            <a:pPr marL="0" lvl="0" indent="0">
-              <a:lnSpc>
-                <a:spcPct val="150000"/>
-              </a:lnSpc>
-              <a:spcBef>
-                <a:spcPts val="640"/>
-              </a:spcBef>
-              <a:buClr>
-                <a:schemeClr val="lt1"/>
-              </a:buClr>
-              <a:buSzPts val="3200"/>
-              <a:buNone/>
-            </a:pPr>
-            <a:r>
-              <a:rPr lang="en-US" sz="1000" dirty="0">
-                <a:solidFill>
-                  <a:schemeClr val="lt1"/>
-                </a:solidFill>
-                <a:latin typeface="Calibri"/>
-                <a:ea typeface="Calibri"/>
-                <a:cs typeface="Calibri"/>
-                <a:sym typeface="Calibri"/>
-              </a:rPr>
-              <a:t>|       |-- </a:t>
-            </a:r>
-            <a:r>
-              <a:rPr lang="en-US" sz="1000" dirty="0" err="1">
-                <a:solidFill>
-                  <a:schemeClr val="lt1"/>
-                </a:solidFill>
-                <a:latin typeface="Calibri"/>
-                <a:ea typeface="Calibri"/>
-                <a:cs typeface="Calibri"/>
-                <a:sym typeface="Calibri"/>
-              </a:rPr>
-              <a:t>userYear</a:t>
-            </a:r>
-            <a:r>
-              <a:rPr lang="en-US" sz="1000" dirty="0">
-                <a:solidFill>
-                  <a:schemeClr val="lt1"/>
-                </a:solidFill>
-                <a:latin typeface="Calibri"/>
-                <a:ea typeface="Calibri"/>
-                <a:cs typeface="Calibri"/>
-                <a:sym typeface="Calibri"/>
-              </a:rPr>
-              <a:t>: String</a:t>
-            </a:r>
-          </a:p>
-          <a:p>
-            <a:pPr marL="0" lvl="0" indent="0">
-              <a:lnSpc>
-                <a:spcPct val="150000"/>
-              </a:lnSpc>
-              <a:spcBef>
-                <a:spcPts val="640"/>
-              </a:spcBef>
-              <a:buClr>
-                <a:schemeClr val="lt1"/>
-              </a:buClr>
-              <a:buSzPts val="3200"/>
-              <a:buNone/>
-            </a:pPr>
-            <a:r>
-              <a:rPr lang="en-US" sz="1000" dirty="0">
-                <a:solidFill>
-                  <a:schemeClr val="lt1"/>
-                </a:solidFill>
-                <a:latin typeface="Calibri"/>
-                <a:ea typeface="Calibri"/>
-                <a:cs typeface="Calibri"/>
-                <a:sym typeface="Calibri"/>
-              </a:rPr>
-              <a:t>|       |-- </a:t>
-            </a:r>
-            <a:r>
-              <a:rPr lang="en-US" sz="1000" dirty="0" err="1">
-                <a:solidFill>
-                  <a:schemeClr val="lt1"/>
-                </a:solidFill>
-                <a:latin typeface="Calibri"/>
-                <a:ea typeface="Calibri"/>
-                <a:cs typeface="Calibri"/>
-                <a:sym typeface="Calibri"/>
-              </a:rPr>
-              <a:t>userPoints</a:t>
-            </a:r>
-            <a:r>
-              <a:rPr lang="en-US" sz="1000" dirty="0">
-                <a:solidFill>
-                  <a:schemeClr val="lt1"/>
-                </a:solidFill>
-                <a:latin typeface="Calibri"/>
-                <a:ea typeface="Calibri"/>
-                <a:cs typeface="Calibri"/>
-                <a:sym typeface="Calibri"/>
-              </a:rPr>
-              <a:t>: Integer</a:t>
-            </a:r>
-          </a:p>
-          <a:p>
-            <a:pPr marL="0" indent="0">
-              <a:lnSpc>
-                <a:spcPct val="150000"/>
-              </a:lnSpc>
-              <a:spcBef>
-                <a:spcPts val="640"/>
-              </a:spcBef>
-              <a:buClr>
-                <a:schemeClr val="lt1"/>
-              </a:buClr>
-              <a:buSzPts val="3200"/>
-              <a:buNone/>
-            </a:pPr>
-            <a:r>
-              <a:rPr lang="en-US" sz="1000" dirty="0">
-                <a:solidFill>
-                  <a:schemeClr val="lt1"/>
-                </a:solidFill>
-                <a:latin typeface="Calibri"/>
-                <a:ea typeface="Calibri"/>
-                <a:cs typeface="Calibri"/>
-                <a:sym typeface="Calibri"/>
-              </a:rPr>
-              <a:t>|       |-- </a:t>
-            </a:r>
-            <a:r>
-              <a:rPr lang="en-US" sz="1000" dirty="0" err="1">
-                <a:solidFill>
-                  <a:schemeClr val="lt1"/>
-                </a:solidFill>
-                <a:latin typeface="Calibri"/>
-                <a:ea typeface="Calibri"/>
-                <a:cs typeface="Calibri"/>
-                <a:sym typeface="Calibri"/>
-              </a:rPr>
-              <a:t>userSavedEvents</a:t>
-            </a:r>
-            <a:r>
-              <a:rPr lang="en-US" sz="1000" dirty="0">
-                <a:solidFill>
-                  <a:schemeClr val="lt1"/>
-                </a:solidFill>
-                <a:latin typeface="Calibri"/>
-                <a:ea typeface="Calibri"/>
-                <a:cs typeface="Calibri"/>
-                <a:sym typeface="Calibri"/>
-              </a:rPr>
-              <a:t>: Map&lt;String, Boolean&gt;</a:t>
-            </a:r>
-          </a:p>
-          <a:p>
-            <a:endParaRPr lang="en-US" dirty="0"/>
           </a:p>
         </p:txBody>
       </p:sp>
@@ -12717,278 +12615,6 @@
   <p:cSld>
     <p:spTree>
       <p:nvGrpSpPr>
-        <p:cNvPr id="1" name="Shape 157"/>
-        <p:cNvGrpSpPr/>
-        <p:nvPr/>
-      </p:nvGrpSpPr>
-      <p:grpSpPr>
-        <a:xfrm>
-          <a:off x="0" y="0"/>
-          <a:ext cx="0" cy="0"/>
-          <a:chOff x="0" y="0"/>
-          <a:chExt cx="0" cy="0"/>
-        </a:xfrm>
-      </p:grpSpPr>
-      <p:sp>
-        <p:nvSpPr>
-          <p:cNvPr id="158" name="Google Shape;158;p17"/>
-          <p:cNvSpPr txBox="1">
-            <a:spLocks noGrp="1"/>
-          </p:cNvSpPr>
-          <p:nvPr>
-            <p:ph type="title"/>
-          </p:nvPr>
-        </p:nvSpPr>
-        <p:spPr>
-          <a:xfrm>
-            <a:off x="457200" y="274638"/>
-            <a:ext cx="8229600" cy="1143000"/>
-          </a:xfrm>
-          <a:prstGeom prst="rect">
-            <a:avLst/>
-          </a:prstGeom>
-          <a:noFill/>
-          <a:ln>
-            <a:noFill/>
-          </a:ln>
-        </p:spPr>
-        <p:txBody>
-          <a:bodyPr spcFirstLastPara="1" wrap="square" lIns="91425" tIns="45700" rIns="91425" bIns="45700" anchor="ctr" anchorCtr="0">
-            <a:normAutofit/>
-          </a:bodyPr>
-          <a:lstStyle/>
-          <a:p>
-            <a:pPr marL="0" lvl="0" indent="0" algn="ctr" rtl="0">
-              <a:spcBef>
-                <a:spcPts val="0"/>
-              </a:spcBef>
-              <a:spcAft>
-                <a:spcPts val="0"/>
-              </a:spcAft>
-              <a:buClr>
-                <a:schemeClr val="dk1"/>
-              </a:buClr>
-              <a:buSzPct val="100000"/>
-              <a:buFont typeface="Calibri"/>
-              <a:buNone/>
-            </a:pPr>
-            <a:r>
-              <a:rPr lang="en-US" sz="4400" b="1">
-                <a:latin typeface="Calibri"/>
-                <a:ea typeface="Calibri"/>
-                <a:cs typeface="Calibri"/>
-                <a:sym typeface="Calibri"/>
-              </a:rPr>
-              <a:t>External Libraries and Tools</a:t>
-            </a:r>
-          </a:p>
-        </p:txBody>
-      </p:sp>
-      <p:sp>
-        <p:nvSpPr>
-          <p:cNvPr id="159" name="Google Shape;159;p17"/>
-          <p:cNvSpPr txBox="1">
-            <a:spLocks noGrp="1"/>
-          </p:cNvSpPr>
-          <p:nvPr>
-            <p:ph type="body" idx="1"/>
-          </p:nvPr>
-        </p:nvSpPr>
-        <p:spPr>
-          <a:xfrm>
-            <a:off x="457200" y="1600200"/>
-            <a:ext cx="8353425" cy="2051050"/>
-          </a:xfrm>
-          <a:prstGeom prst="rect">
-            <a:avLst/>
-          </a:prstGeom>
-          <a:noFill/>
-          <a:ln>
-            <a:noFill/>
-          </a:ln>
-        </p:spPr>
-        <p:txBody>
-          <a:bodyPr spcFirstLastPara="1" wrap="square" lIns="91425" tIns="45700" rIns="91425" bIns="45700" anchor="t" anchorCtr="0">
-            <a:noAutofit/>
-          </a:bodyPr>
-          <a:lstStyle/>
-          <a:p>
-            <a:pPr marL="342900" lvl="0" indent="-139700" algn="l" rtl="0">
-              <a:lnSpc>
-                <a:spcPct val="150000"/>
-              </a:lnSpc>
-              <a:spcBef>
-                <a:spcPts val="0"/>
-              </a:spcBef>
-              <a:spcAft>
-                <a:spcPts val="0"/>
-              </a:spcAft>
-              <a:buClr>
-                <a:schemeClr val="dk1"/>
-              </a:buClr>
-              <a:buSzPts val="3200"/>
-              <a:buNone/>
-            </a:pPr>
-            <a:endParaRPr sz="1000"/>
-          </a:p>
-          <a:p>
-            <a:pPr lvl="0" indent="-457200" algn="l" rtl="0">
-              <a:lnSpc>
-                <a:spcPct val="150000"/>
-              </a:lnSpc>
-              <a:spcBef>
-                <a:spcPts val="640"/>
-              </a:spcBef>
-              <a:spcAft>
-                <a:spcPts val="0"/>
-              </a:spcAft>
-              <a:buClr>
-                <a:schemeClr val="lt1"/>
-              </a:buClr>
-              <a:buSzPts val="3200"/>
-              <a:buFont typeface="Arial" panose="020B0604020202090204" pitchFamily="34" charset="0"/>
-              <a:buChar char="•"/>
-            </a:pPr>
-            <a:r>
-              <a:rPr lang="en-US" sz="2400">
-                <a:latin typeface="Calibri"/>
-                <a:ea typeface="Calibri"/>
-                <a:cs typeface="Calibri"/>
-                <a:sym typeface="Calibri"/>
-              </a:rPr>
-              <a:t>Firebase Crashlytics: For real-time error and crash monitoring.</a:t>
-            </a:r>
-          </a:p>
-        </p:txBody>
-      </p:sp>
-      <p:sp>
-        <p:nvSpPr>
-          <p:cNvPr id="2" name="Slide Number Placeholder 1"/>
-          <p:cNvSpPr>
-            <a:spLocks noGrp="1"/>
-          </p:cNvSpPr>
-          <p:nvPr>
-            <p:ph type="sldNum" idx="12"/>
-          </p:nvPr>
-        </p:nvSpPr>
-        <p:spPr/>
-        <p:txBody>
-          <a:bodyPr/>
-          <a:lstStyle/>
-          <a:p>
-            <a:pPr marL="0" lvl="0" indent="0" algn="r" rtl="0">
-              <a:spcBef>
-                <a:spcPts val="0"/>
-              </a:spcBef>
-              <a:spcAft>
-                <a:spcPts val="0"/>
-              </a:spcAft>
-              <a:buNone/>
-            </a:pPr>
-            <a:fld id="{00000000-1234-1234-1234-123412341234}" type="slidenum">
-              <a:rPr lang="en-US"/>
-              <a:t>12</a:t>
-            </a:fld>
-            <a:endParaRPr lang="en-US"/>
-          </a:p>
-        </p:txBody>
-      </p:sp>
-    </p:spTree>
-  </p:cSld>
-  <p:clrMapOvr>
-    <a:masterClrMapping/>
-  </p:clrMapOvr>
-  <p:timing>
-    <p:tnLst>
-      <p:par>
-        <p:cTn id="1" dur="indefinite" restart="never" nodeType="tmRoot">
-          <p:childTnLst>
-            <p:seq concurrent="1" nextAc="seek">
-              <p:cTn id="2" dur="indefinite" nodeType="mainSeq">
-                <p:childTnLst>
-                  <p:par>
-                    <p:cTn id="3" fill="hold">
-                      <p:stCondLst>
-                        <p:cond delay="indefinite"/>
-                      </p:stCondLst>
-                      <p:childTnLst>
-                        <p:par>
-                          <p:cTn id="4" fill="hold">
-                            <p:stCondLst>
-                              <p:cond delay="0"/>
-                            </p:stCondLst>
-                            <p:childTnLst>
-                              <p:par>
-                                <p:cTn id="5" presetID="10" presetClass="entr" presetSubtype="0" fill="hold" nodeType="clickEffect">
-                                  <p:stCondLst>
-                                    <p:cond delay="0"/>
-                                  </p:stCondLst>
-                                  <p:childTnLst>
-                                    <p:set>
-                                      <p:cBhvr>
-                                        <p:cTn id="6" dur="1" fill="hold">
-                                          <p:stCondLst>
-                                            <p:cond delay="0"/>
-                                          </p:stCondLst>
-                                        </p:cTn>
-                                        <p:tgtEl>
-                                          <p:spTgt spid="159"/>
-                                        </p:tgtEl>
-                                        <p:attrNameLst>
-                                          <p:attrName>style.visibility</p:attrName>
-                                        </p:attrNameLst>
-                                      </p:cBhvr>
-                                      <p:to>
-                                        <p:strVal val="visible"/>
-                                      </p:to>
-                                    </p:set>
-                                    <p:animEffect transition="in" filter="fade">
-                                      <p:cBhvr>
-                                        <p:cTn id="7" dur="100"/>
-                                        <p:tgtEl>
-                                          <p:spTgt spid="159"/>
-                                        </p:tgtEl>
-                                      </p:cBhvr>
-                                    </p:animEffect>
-                                  </p:childTnLst>
-                                </p:cTn>
-                              </p:par>
-                            </p:childTnLst>
-                          </p:cTn>
-                        </p:par>
-                      </p:childTnLst>
-                    </p:cTn>
-                  </p:par>
-                </p:childTnLst>
-              </p:cTn>
-              <p:prevCondLst>
-                <p:cond evt="onPrev" delay="0">
-                  <p:tgtEl>
-                    <p:sldTgt/>
-                  </p:tgtEl>
-                </p:cond>
-              </p:prevCondLst>
-              <p:nextCondLst>
-                <p:cond evt="onNext" delay="0">
-                  <p:tgtEl>
-                    <p:sldTgt/>
-                  </p:tgtEl>
-                </p:cond>
-              </p:nextCondLst>
-            </p:seq>
-          </p:childTnLst>
-        </p:cTn>
-      </p:par>
-    </p:tnLst>
-  </p:timing>
-</p:sld>
-</file>
-
-<file path=ppt/slides/slide13.xml><?xml version="1.0" encoding="utf-8"?>
-<p:sld xmlns:a="http://schemas.openxmlformats.org/drawingml/2006/main" xmlns:r="http://schemas.openxmlformats.org/officeDocument/2006/relationships" xmlns:p="http://schemas.openxmlformats.org/presentationml/2006/main">
-  <p:cSld>
-    <p:spTree>
-      <p:nvGrpSpPr>
         <p:cNvPr id="1" name="Shape 257"/>
         <p:cNvGrpSpPr/>
         <p:nvPr/>
@@ -13043,6 +12669,21 @@
               </a:rPr>
               <a:t>Thank You!</a:t>
             </a:r>
+            <a:endParaRPr b="1" i="0">
+              <a:ln w="9525" cap="flat" cmpd="sng">
+                <a:solidFill>
+                  <a:schemeClr val="dk2"/>
+                </a:solidFill>
+                <a:prstDash val="solid"/>
+                <a:round/>
+                <a:headEnd type="none" w="sm" len="sm"/>
+                <a:tailEnd type="none" w="sm" len="sm"/>
+              </a:ln>
+              <a:solidFill>
+                <a:srgbClr val="CFE2F3"/>
+              </a:solidFill>
+              <a:latin typeface="Times New Roman" panose="02020503050405090304"/>
+            </a:endParaRPr>
           </a:p>
         </p:txBody>
       </p:sp>
@@ -13072,7 +12713,6 @@
             </a:pPr>
             <a:fld id="{00000000-1234-1234-1234-123412341234}" type="slidenum">
               <a:rPr lang="en-US"/>
-              <a:t>13</a:t>
             </a:fld>
             <a:endParaRPr lang="en-US"/>
           </a:p>
@@ -13155,6 +12795,12 @@
               </a:rPr>
               <a:t>App Purpose</a:t>
             </a:r>
+            <a:endParaRPr lang="en-US" sz="4400" b="1">
+              <a:latin typeface="Calibri"/>
+              <a:ea typeface="Calibri"/>
+              <a:cs typeface="Calibri"/>
+              <a:sym typeface="Calibri"/>
+            </a:endParaRPr>
           </a:p>
         </p:txBody>
       </p:sp>
@@ -13231,6 +12877,12 @@
               </a:rPr>
               <a:t>This app is designed for Boston University students to easily browse and register for various campus events. </a:t>
             </a:r>
+            <a:endParaRPr lang="en-US" sz="2800">
+              <a:latin typeface="Calibri"/>
+              <a:ea typeface="Calibri"/>
+              <a:cs typeface="Calibri"/>
+              <a:sym typeface="Calibri"/>
+            </a:endParaRPr>
           </a:p>
           <a:p>
             <a:pPr marL="0" lvl="0" indent="0" algn="l" rtl="0">
@@ -13258,6 +12910,12 @@
               </a:rPr>
               <a:t>The app aims to help students stay informed about campus happenings, providing an accessible way to enhance their university experience by participating in events.</a:t>
             </a:r>
+            <a:endParaRPr lang="en-US" sz="2800">
+              <a:latin typeface="Calibri"/>
+              <a:ea typeface="Calibri"/>
+              <a:cs typeface="Calibri"/>
+              <a:sym typeface="Calibri"/>
+            </a:endParaRPr>
           </a:p>
         </p:txBody>
       </p:sp>
@@ -13287,7 +12945,6 @@
             </a:pPr>
             <a:fld id="{00000000-1234-1234-1234-123412341234}" type="slidenum">
               <a:rPr lang="en-US"/>
-              <a:t>2</a:t>
             </a:fld>
             <a:endParaRPr lang="en-US"/>
           </a:p>
@@ -13413,8 +13070,8 @@
         </p:nvSpPr>
         <p:spPr>
           <a:xfrm>
-            <a:off x="457200" y="274638"/>
-            <a:ext cx="8229600" cy="1143000"/>
+            <a:off x="203835" y="-189230"/>
+            <a:ext cx="4368165" cy="3254375"/>
           </a:xfrm>
           <a:prstGeom prst="rect">
             <a:avLst/>
@@ -13425,7 +13082,7 @@
           </a:ln>
         </p:spPr>
         <p:txBody>
-          <a:bodyPr spcFirstLastPara="1" wrap="square" lIns="91425" tIns="45700" rIns="91425" bIns="45700" anchor="ctr" anchorCtr="0">
+          <a:bodyPr spcFirstLastPara="1" vert="horz" wrap="square" lIns="91425" tIns="45700" rIns="91425" bIns="45700" anchor="ctr" anchorCtr="0">
             <a:normAutofit/>
           </a:bodyPr>
           <a:lstStyle/>
@@ -13445,14 +13102,29 @@
               <a:buNone/>
             </a:pPr>
             <a:r>
-              <a:rPr lang="en-US" sz="4400" b="1" dirty="0">
+              <a:rPr lang="en-US" sz="4400" b="1">
                 <a:latin typeface="Calibri"/>
                 <a:ea typeface="Calibri"/>
                 <a:cs typeface="Calibri"/>
                 <a:sym typeface="Calibri"/>
               </a:rPr>
-              <a:t>Additional Features</a:t>
+              <a:t> Onboarding </a:t>
             </a:r>
+            <a:r>
+              <a:rPr lang="en-US" sz="4400" b="1">
+                <a:latin typeface="Calibri"/>
+                <a:ea typeface="Calibri"/>
+                <a:cs typeface="Calibri"/>
+                <a:sym typeface="Calibri"/>
+              </a:rPr>
+              <a:t>Pages</a:t>
+            </a:r>
+            <a:endParaRPr lang="en-US" sz="4400" b="1">
+              <a:latin typeface="Calibri"/>
+              <a:ea typeface="Calibri"/>
+              <a:cs typeface="Calibri"/>
+              <a:sym typeface="Calibri"/>
+            </a:endParaRPr>
           </a:p>
         </p:txBody>
       </p:sp>
@@ -13468,8 +13140,8 @@
         </p:nvSpPr>
         <p:spPr>
           <a:xfrm>
-            <a:off x="1443990" y="1668145"/>
-            <a:ext cx="7526655" cy="4446905"/>
+            <a:off x="298450" y="3935730"/>
+            <a:ext cx="4874260" cy="2143760"/>
           </a:xfrm>
           <a:prstGeom prst="rect">
             <a:avLst/>
@@ -13485,85 +13157,43 @@
           </a:bodyPr>
           <a:lstStyle/>
           <a:p>
-            <a:pPr marL="0" lvl="0" indent="0">
+            <a:pPr marL="0" lvl="0" indent="0" algn="l" rtl="0" eaLnBrk="1" fontAlgn="auto" latinLnBrk="0" hangingPunct="1">
               <a:lnSpc>
-                <a:spcPct val="200000"/>
+                <a:spcPct val="150000"/>
               </a:lnSpc>
               <a:spcBef>
                 <a:spcPts val="0"/>
               </a:spcBef>
+              <a:spcAft>
+                <a:spcPts val="0"/>
+              </a:spcAft>
+              <a:buClr>
+                <a:schemeClr val="dk1"/>
+              </a:buClr>
               <a:buSzPts val="3200"/>
               <a:buNone/>
             </a:pPr>
             <a:r>
-              <a:rPr lang="en-US" sz="2800" dirty="0">
+              <a:rPr lang="en-US" sz="2400">
                 <a:latin typeface="Calibri"/>
                 <a:ea typeface="Calibri"/>
                 <a:cs typeface="Calibri"/>
                 <a:sym typeface="Calibri"/>
               </a:rPr>
-              <a:t>1. </a:t>
+              <a:t>Users can register and log in using their email or through third-party platforms like Google.</a:t>
             </a:r>
-            <a:r>
-              <a:rPr lang="en-US" sz="2800" dirty="0"/>
-              <a:t>Location Services</a:t>
-            </a:r>
-          </a:p>
-          <a:p>
-            <a:pPr marL="0" lvl="0" indent="0">
-              <a:lnSpc>
-                <a:spcPct val="200000"/>
-              </a:lnSpc>
-              <a:spcBef>
-                <a:spcPts val="0"/>
-              </a:spcBef>
-              <a:buSzPts val="3200"/>
-              <a:buNone/>
-            </a:pPr>
-            <a:r>
-              <a:rPr lang="en-US" sz="2800" dirty="0">
-                <a:latin typeface="Calibri"/>
-                <a:ea typeface="Calibri"/>
-                <a:cs typeface="Calibri"/>
-                <a:sym typeface="Calibri"/>
-              </a:rPr>
-              <a:t>2. </a:t>
-            </a:r>
-            <a:r>
-              <a:rPr lang="en-US" sz="2800" dirty="0"/>
-              <a:t>Dark Mode</a:t>
-            </a:r>
-          </a:p>
-          <a:p>
-            <a:pPr marL="0" lvl="0" indent="0">
-              <a:lnSpc>
-                <a:spcPct val="200000"/>
-              </a:lnSpc>
-              <a:spcBef>
-                <a:spcPts val="0"/>
-              </a:spcBef>
-              <a:buSzPts val="3200"/>
-              <a:buNone/>
-            </a:pPr>
-            <a:r>
-              <a:rPr lang="en-US" sz="2800" dirty="0">
-                <a:latin typeface="Calibri"/>
-                <a:ea typeface="Calibri"/>
-                <a:cs typeface="Calibri"/>
-                <a:sym typeface="Calibri"/>
-              </a:rPr>
-              <a:t>3. </a:t>
-            </a:r>
-            <a:r>
-              <a:rPr lang="en-US" sz="2800" dirty="0"/>
-              <a:t>File Upload and Media Handling</a:t>
-            </a:r>
+            <a:endParaRPr lang="en-US" sz="2400">
+              <a:latin typeface="Calibri"/>
+              <a:ea typeface="Calibri"/>
+              <a:cs typeface="Calibri"/>
+              <a:sym typeface="Calibri"/>
+            </a:endParaRPr>
           </a:p>
         </p:txBody>
       </p:sp>
       <p:sp>
         <p:nvSpPr>
-          <p:cNvPr id="2" name="Slide Number Placeholder 1"/>
+          <p:cNvPr id="3" name="Slide Number Placeholder 2"/>
           <p:cNvSpPr>
             <a:spLocks noGrp="1"/>
           </p:cNvSpPr>
@@ -13587,12 +13217,35 @@
             </a:pPr>
             <a:fld id="{00000000-1234-1234-1234-123412341234}" type="slidenum">
               <a:rPr lang="en-US"/>
-              <a:t>3</a:t>
             </a:fld>
             <a:endParaRPr lang="en-US"/>
           </a:p>
         </p:txBody>
       </p:sp>
+      <p:pic>
+        <p:nvPicPr>
+          <p:cNvPr id="4" name="Picture 3"/>
+          <p:cNvPicPr>
+            <a:picLocks noChangeAspect="1"/>
+          </p:cNvPicPr>
+          <p:nvPr/>
+        </p:nvPicPr>
+        <p:blipFill>
+          <a:blip r:embed="rId1"/>
+          <a:stretch>
+            <a:fillRect/>
+          </a:stretch>
+        </p:blipFill>
+        <p:spPr>
+          <a:xfrm>
+            <a:off x="5751830" y="0"/>
+            <a:ext cx="3105785" cy="6858000"/>
+          </a:xfrm>
+          <a:prstGeom prst="rect">
+            <a:avLst/>
+          </a:prstGeom>
+        </p:spPr>
+      </p:pic>
     </p:spTree>
   </p:cSld>
   <p:clrMapOvr>
@@ -13689,7 +13342,7 @@
   <p:cSld>
     <p:spTree>
       <p:nvGrpSpPr>
-        <p:cNvPr id="1" name="Shape 157"/>
+        <p:cNvPr id="1" name="Shape 151"/>
         <p:cNvGrpSpPr/>
         <p:nvPr/>
       </p:nvGrpSpPr>
@@ -13703,62 +13356,7 @@
       </p:grpSpPr>
       <p:sp>
         <p:nvSpPr>
-          <p:cNvPr id="158" name="Google Shape;158;p17"/>
-          <p:cNvSpPr txBox="1">
-            <a:spLocks noGrp="1"/>
-          </p:cNvSpPr>
-          <p:nvPr>
-            <p:ph type="title"/>
-          </p:nvPr>
-        </p:nvSpPr>
-        <p:spPr>
-          <a:xfrm>
-            <a:off x="457200" y="274638"/>
-            <a:ext cx="8229600" cy="1143000"/>
-          </a:xfrm>
-          <a:prstGeom prst="rect">
-            <a:avLst/>
-          </a:prstGeom>
-          <a:noFill/>
-          <a:ln>
-            <a:noFill/>
-          </a:ln>
-        </p:spPr>
-        <p:txBody>
-          <a:bodyPr spcFirstLastPara="1" wrap="square" lIns="91425" tIns="45700" rIns="91425" bIns="45700" anchor="ctr" anchorCtr="0">
-            <a:normAutofit/>
-          </a:bodyPr>
-          <a:lstStyle/>
-          <a:p>
-            <a:pPr marL="0" lvl="0" indent="0" algn="ctr" rtl="0">
-              <a:spcBef>
-                <a:spcPts val="0"/>
-              </a:spcBef>
-              <a:spcAft>
-                <a:spcPts val="0"/>
-              </a:spcAft>
-              <a:buClr>
-                <a:schemeClr val="dk1"/>
-              </a:buClr>
-              <a:buSzPct val="100000"/>
-              <a:buFont typeface="Calibri"/>
-              <a:buNone/>
-            </a:pPr>
-            <a:r>
-              <a:rPr lang="en-US" sz="4400" b="1">
-                <a:latin typeface="Calibri"/>
-                <a:ea typeface="Calibri"/>
-                <a:cs typeface="Calibri"/>
-                <a:sym typeface="Calibri"/>
-              </a:rPr>
-              <a:t>Target User</a:t>
-            </a:r>
-          </a:p>
-        </p:txBody>
-      </p:sp>
-      <p:sp>
-        <p:nvSpPr>
-          <p:cNvPr id="159" name="Google Shape;159;p17"/>
+          <p:cNvPr id="153" name="Google Shape;153;p16"/>
           <p:cNvSpPr txBox="1">
             <a:spLocks noGrp="1"/>
           </p:cNvSpPr>
@@ -13768,8 +13366,8 @@
         </p:nvSpPr>
         <p:spPr>
           <a:xfrm>
-            <a:off x="852805" y="1600200"/>
-            <a:ext cx="7833995" cy="4526280"/>
+            <a:off x="298450" y="3044190"/>
+            <a:ext cx="4874260" cy="3035300"/>
           </a:xfrm>
           <a:prstGeom prst="rect">
             <a:avLst/>
@@ -13781,11 +13379,14 @@
         </p:spPr>
         <p:txBody>
           <a:bodyPr spcFirstLastPara="1" wrap="square" lIns="91425" tIns="45700" rIns="91425" bIns="45700" anchor="t" anchorCtr="0">
-            <a:normAutofit/>
+            <a:noAutofit/>
           </a:bodyPr>
           <a:lstStyle/>
           <a:p>
-            <a:pPr marL="342900" lvl="0" indent="-139700" algn="l" rtl="0">
+            <a:pPr marL="0" lvl="0" indent="0" algn="l" rtl="0" eaLnBrk="1" fontAlgn="auto" latinLnBrk="0" hangingPunct="1">
+              <a:lnSpc>
+                <a:spcPct val="150000"/>
+              </a:lnSpc>
               <a:spcBef>
                 <a:spcPts val="0"/>
               </a:spcBef>
@@ -13798,37 +13399,60 @@
               <a:buSzPts val="3200"/>
               <a:buNone/>
             </a:pPr>
-            <a:endParaRPr/>
-          </a:p>
-          <a:p>
-            <a:pPr marL="0" lvl="0" indent="0" algn="l" rtl="0">
-              <a:spcBef>
-                <a:spcPts val="640"/>
-              </a:spcBef>
-              <a:spcAft>
-                <a:spcPts val="0"/>
-              </a:spcAft>
-              <a:buClr>
-                <a:schemeClr val="lt1"/>
-              </a:buClr>
-              <a:buSzPts val="3200"/>
-              <a:buNone/>
-            </a:pPr>
             <a:r>
-              <a:rPr lang="en-US" sz="3200">
+              <a:rPr lang="en-US" sz="2400">
                 <a:latin typeface="Calibri"/>
                 <a:ea typeface="Calibri"/>
                 <a:cs typeface="Calibri"/>
                 <a:sym typeface="Calibri"/>
               </a:rPr>
-              <a:t>Primarily designed for Boston University students and staff who want quick access to information about campus events.</a:t>
+              <a:t>Users can view a list of upcoming events, with details such as date, time, and location.</a:t>
             </a:r>
+            <a:endParaRPr lang="en-US" sz="2400">
+              <a:latin typeface="Calibri"/>
+              <a:ea typeface="Calibri"/>
+              <a:cs typeface="Calibri"/>
+              <a:sym typeface="Calibri"/>
+            </a:endParaRPr>
+          </a:p>
+          <a:p>
+            <a:pPr marL="0" lvl="0" indent="0" algn="l" rtl="0" eaLnBrk="1" fontAlgn="auto" latinLnBrk="0" hangingPunct="1">
+              <a:lnSpc>
+                <a:spcPct val="150000"/>
+              </a:lnSpc>
+              <a:spcBef>
+                <a:spcPts val="0"/>
+              </a:spcBef>
+              <a:spcAft>
+                <a:spcPts val="0"/>
+              </a:spcAft>
+              <a:buClr>
+                <a:schemeClr val="dk1"/>
+              </a:buClr>
+              <a:buSzPts val="3200"/>
+              <a:buNone/>
+            </a:pPr>
+            <a:r>
+              <a:rPr lang="en-US" sz="2400">
+                <a:latin typeface="Calibri"/>
+                <a:ea typeface="Calibri"/>
+                <a:cs typeface="Calibri"/>
+                <a:sym typeface="Calibri"/>
+              </a:rPr>
+              <a:t>Below are some recommended events for users.</a:t>
+            </a:r>
+            <a:endParaRPr lang="zh-CN" altLang="en-US" sz="2400">
+              <a:latin typeface="Calibri"/>
+              <a:ea typeface="宋体" charset="0"/>
+              <a:cs typeface="Calibri"/>
+              <a:sym typeface="Calibri"/>
+            </a:endParaRPr>
           </a:p>
         </p:txBody>
       </p:sp>
       <p:sp>
         <p:nvSpPr>
-          <p:cNvPr id="2" name="Slide Number Placeholder 1"/>
+          <p:cNvPr id="3" name="Slide Number Placeholder 2"/>
           <p:cNvSpPr>
             <a:spLocks noGrp="1"/>
           </p:cNvSpPr>
@@ -13852,9 +13476,346 @@
             </a:pPr>
             <a:fld id="{00000000-1234-1234-1234-123412341234}" type="slidenum">
               <a:rPr lang="en-US"/>
-              <a:t>4</a:t>
             </a:fld>
             <a:endParaRPr lang="en-US"/>
+          </a:p>
+        </p:txBody>
+      </p:sp>
+      <p:pic>
+        <p:nvPicPr>
+          <p:cNvPr id="4" name="Picture 3"/>
+          <p:cNvPicPr>
+            <a:picLocks noChangeAspect="1"/>
+          </p:cNvPicPr>
+          <p:nvPr/>
+        </p:nvPicPr>
+        <p:blipFill>
+          <a:blip r:embed="rId1"/>
+          <a:stretch>
+            <a:fillRect/>
+          </a:stretch>
+        </p:blipFill>
+        <p:spPr>
+          <a:xfrm>
+            <a:off x="5627370" y="0"/>
+            <a:ext cx="3175000" cy="6858000"/>
+          </a:xfrm>
+          <a:prstGeom prst="rect">
+            <a:avLst/>
+          </a:prstGeom>
+        </p:spPr>
+      </p:pic>
+      <p:sp>
+        <p:nvSpPr>
+          <p:cNvPr id="6" name="Google Shape;152;p16"/>
+          <p:cNvSpPr txBox="1">
+            <a:spLocks noGrp="1"/>
+          </p:cNvSpPr>
+          <p:nvPr/>
+        </p:nvSpPr>
+        <p:spPr>
+          <a:xfrm>
+            <a:off x="203835" y="-189230"/>
+            <a:ext cx="4368165" cy="3254375"/>
+          </a:xfrm>
+          <a:prstGeom prst="rect">
+            <a:avLst/>
+          </a:prstGeom>
+          <a:noFill/>
+          <a:ln>
+            <a:noFill/>
+          </a:ln>
+        </p:spPr>
+        <p:txBody>
+          <a:bodyPr vert="horz" wrap="square" lIns="91425" tIns="45700" rIns="91425" bIns="45700" anchor="ctr" anchorCtr="0">
+            <a:normAutofit/>
+          </a:bodyPr>
+          <a:lstStyle>
+            <a:defPPr marR="0" lvl="0" algn="l" rtl="0">
+              <a:lnSpc>
+                <a:spcPct val="100000"/>
+              </a:lnSpc>
+              <a:spcBef>
+                <a:spcPts val="0"/>
+              </a:spcBef>
+              <a:spcAft>
+                <a:spcPts val="0"/>
+              </a:spcAft>
+            </a:defPPr>
+            <a:lvl1pPr marR="0" lvl="0" algn="ctr" rtl="0">
+              <a:lnSpc>
+                <a:spcPct val="100000"/>
+              </a:lnSpc>
+              <a:spcBef>
+                <a:spcPts val="0"/>
+              </a:spcBef>
+              <a:spcAft>
+                <a:spcPts val="0"/>
+              </a:spcAft>
+              <a:buClr>
+                <a:schemeClr val="dk1"/>
+              </a:buClr>
+              <a:buSzPts val="1800"/>
+              <a:buFont typeface="Montserrat"/>
+              <a:buNone/>
+              <a:defRPr sz="2800" b="0" i="0" u="none" strike="noStrike" cap="none">
+                <a:solidFill>
+                  <a:schemeClr val="lt1"/>
+                </a:solidFill>
+                <a:latin typeface="Montserrat"/>
+                <a:ea typeface="Montserrat"/>
+                <a:cs typeface="Montserrat"/>
+                <a:sym typeface="Montserrat"/>
+              </a:defRPr>
+            </a:lvl1pPr>
+            <a:lvl2pPr marR="0" lvl="1" algn="l" rtl="0">
+              <a:lnSpc>
+                <a:spcPct val="100000"/>
+              </a:lnSpc>
+              <a:spcBef>
+                <a:spcPts val="0"/>
+              </a:spcBef>
+              <a:spcAft>
+                <a:spcPts val="0"/>
+              </a:spcAft>
+              <a:buClr>
+                <a:schemeClr val="lt1"/>
+              </a:buClr>
+              <a:buSzPts val="2800"/>
+              <a:buFont typeface="Montserrat"/>
+              <a:buNone/>
+              <a:defRPr sz="2800" b="0" i="0" u="none" strike="noStrike" cap="none">
+                <a:solidFill>
+                  <a:schemeClr val="lt1"/>
+                </a:solidFill>
+                <a:latin typeface="Montserrat"/>
+                <a:ea typeface="Montserrat"/>
+                <a:cs typeface="Montserrat"/>
+                <a:sym typeface="Montserrat"/>
+              </a:defRPr>
+            </a:lvl2pPr>
+            <a:lvl3pPr marR="0" lvl="2" algn="l" rtl="0">
+              <a:lnSpc>
+                <a:spcPct val="100000"/>
+              </a:lnSpc>
+              <a:spcBef>
+                <a:spcPts val="0"/>
+              </a:spcBef>
+              <a:spcAft>
+                <a:spcPts val="0"/>
+              </a:spcAft>
+              <a:buClr>
+                <a:schemeClr val="lt1"/>
+              </a:buClr>
+              <a:buSzPts val="2800"/>
+              <a:buFont typeface="Montserrat"/>
+              <a:buNone/>
+              <a:defRPr sz="2800" b="0" i="0" u="none" strike="noStrike" cap="none">
+                <a:solidFill>
+                  <a:schemeClr val="lt1"/>
+                </a:solidFill>
+                <a:latin typeface="Montserrat"/>
+                <a:ea typeface="Montserrat"/>
+                <a:cs typeface="Montserrat"/>
+                <a:sym typeface="Montserrat"/>
+              </a:defRPr>
+            </a:lvl3pPr>
+            <a:lvl4pPr marR="0" lvl="3" algn="l" rtl="0">
+              <a:lnSpc>
+                <a:spcPct val="100000"/>
+              </a:lnSpc>
+              <a:spcBef>
+                <a:spcPts val="0"/>
+              </a:spcBef>
+              <a:spcAft>
+                <a:spcPts val="0"/>
+              </a:spcAft>
+              <a:buClr>
+                <a:schemeClr val="lt1"/>
+              </a:buClr>
+              <a:buSzPts val="2800"/>
+              <a:buFont typeface="Montserrat"/>
+              <a:buNone/>
+              <a:defRPr sz="2800" b="0" i="0" u="none" strike="noStrike" cap="none">
+                <a:solidFill>
+                  <a:schemeClr val="lt1"/>
+                </a:solidFill>
+                <a:latin typeface="Montserrat"/>
+                <a:ea typeface="Montserrat"/>
+                <a:cs typeface="Montserrat"/>
+                <a:sym typeface="Montserrat"/>
+              </a:defRPr>
+            </a:lvl4pPr>
+            <a:lvl5pPr marR="0" lvl="4" algn="l" rtl="0">
+              <a:lnSpc>
+                <a:spcPct val="100000"/>
+              </a:lnSpc>
+              <a:spcBef>
+                <a:spcPts val="0"/>
+              </a:spcBef>
+              <a:spcAft>
+                <a:spcPts val="0"/>
+              </a:spcAft>
+              <a:buClr>
+                <a:schemeClr val="lt1"/>
+              </a:buClr>
+              <a:buSzPts val="2800"/>
+              <a:buFont typeface="Montserrat"/>
+              <a:buNone/>
+              <a:defRPr sz="2800" b="0" i="0" u="none" strike="noStrike" cap="none">
+                <a:solidFill>
+                  <a:schemeClr val="lt1"/>
+                </a:solidFill>
+                <a:latin typeface="Montserrat"/>
+                <a:ea typeface="Montserrat"/>
+                <a:cs typeface="Montserrat"/>
+                <a:sym typeface="Montserrat"/>
+              </a:defRPr>
+            </a:lvl5pPr>
+            <a:lvl6pPr marR="0" lvl="5" algn="l" rtl="0">
+              <a:lnSpc>
+                <a:spcPct val="100000"/>
+              </a:lnSpc>
+              <a:spcBef>
+                <a:spcPts val="0"/>
+              </a:spcBef>
+              <a:spcAft>
+                <a:spcPts val="0"/>
+              </a:spcAft>
+              <a:buClr>
+                <a:schemeClr val="lt1"/>
+              </a:buClr>
+              <a:buSzPts val="2800"/>
+              <a:buFont typeface="Montserrat"/>
+              <a:buNone/>
+              <a:defRPr sz="2800" b="0" i="0" u="none" strike="noStrike" cap="none">
+                <a:solidFill>
+                  <a:schemeClr val="lt1"/>
+                </a:solidFill>
+                <a:latin typeface="Montserrat"/>
+                <a:ea typeface="Montserrat"/>
+                <a:cs typeface="Montserrat"/>
+                <a:sym typeface="Montserrat"/>
+              </a:defRPr>
+            </a:lvl6pPr>
+            <a:lvl7pPr marR="0" lvl="6" algn="l" rtl="0">
+              <a:lnSpc>
+                <a:spcPct val="100000"/>
+              </a:lnSpc>
+              <a:spcBef>
+                <a:spcPts val="0"/>
+              </a:spcBef>
+              <a:spcAft>
+                <a:spcPts val="0"/>
+              </a:spcAft>
+              <a:buClr>
+                <a:schemeClr val="lt1"/>
+              </a:buClr>
+              <a:buSzPts val="2800"/>
+              <a:buFont typeface="Montserrat"/>
+              <a:buNone/>
+              <a:defRPr sz="2800" b="0" i="0" u="none" strike="noStrike" cap="none">
+                <a:solidFill>
+                  <a:schemeClr val="lt1"/>
+                </a:solidFill>
+                <a:latin typeface="Montserrat"/>
+                <a:ea typeface="Montserrat"/>
+                <a:cs typeface="Montserrat"/>
+                <a:sym typeface="Montserrat"/>
+              </a:defRPr>
+            </a:lvl7pPr>
+            <a:lvl8pPr marR="0" lvl="7" algn="l" rtl="0">
+              <a:lnSpc>
+                <a:spcPct val="100000"/>
+              </a:lnSpc>
+              <a:spcBef>
+                <a:spcPts val="0"/>
+              </a:spcBef>
+              <a:spcAft>
+                <a:spcPts val="0"/>
+              </a:spcAft>
+              <a:buClr>
+                <a:schemeClr val="lt1"/>
+              </a:buClr>
+              <a:buSzPts val="2800"/>
+              <a:buFont typeface="Montserrat"/>
+              <a:buNone/>
+              <a:defRPr sz="2800" b="0" i="0" u="none" strike="noStrike" cap="none">
+                <a:solidFill>
+                  <a:schemeClr val="lt1"/>
+                </a:solidFill>
+                <a:latin typeface="Montserrat"/>
+                <a:ea typeface="Montserrat"/>
+                <a:cs typeface="Montserrat"/>
+                <a:sym typeface="Montserrat"/>
+              </a:defRPr>
+            </a:lvl8pPr>
+            <a:lvl9pPr marR="0" lvl="8" algn="l" rtl="0">
+              <a:lnSpc>
+                <a:spcPct val="100000"/>
+              </a:lnSpc>
+              <a:spcBef>
+                <a:spcPts val="0"/>
+              </a:spcBef>
+              <a:spcAft>
+                <a:spcPts val="0"/>
+              </a:spcAft>
+              <a:buClr>
+                <a:schemeClr val="lt1"/>
+              </a:buClr>
+              <a:buSzPts val="2800"/>
+              <a:buFont typeface="Montserrat"/>
+              <a:buNone/>
+              <a:defRPr sz="2800" b="0" i="0" u="none" strike="noStrike" cap="none">
+                <a:solidFill>
+                  <a:schemeClr val="lt1"/>
+                </a:solidFill>
+                <a:latin typeface="Montserrat"/>
+                <a:ea typeface="Montserrat"/>
+                <a:cs typeface="Montserrat"/>
+                <a:sym typeface="Montserrat"/>
+              </a:defRPr>
+            </a:lvl9pPr>
+          </a:lstStyle>
+          <a:p>
+            <a:pPr marL="0" lvl="0" indent="0" algn="ctr" rtl="0">
+              <a:spcBef>
+                <a:spcPts val="0"/>
+              </a:spcBef>
+              <a:spcAft>
+                <a:spcPts val="0"/>
+              </a:spcAft>
+              <a:buClr>
+                <a:schemeClr val="dk1"/>
+              </a:buClr>
+              <a:buSzPct val="100000"/>
+              <a:buFont typeface="Calibri"/>
+              <a:buNone/>
+            </a:pPr>
+            <a:r>
+              <a:rPr lang="en-US" sz="4400" b="1">
+                <a:latin typeface="Calibri"/>
+                <a:ea typeface="Calibri"/>
+                <a:cs typeface="Calibri"/>
+                <a:sym typeface="Calibri"/>
+              </a:rPr>
+              <a:t> Onboarding </a:t>
+            </a:r>
+            <a:r>
+              <a:rPr lang="en-US" sz="4400" b="1">
+                <a:latin typeface="Calibri"/>
+                <a:ea typeface="Calibri"/>
+                <a:cs typeface="Calibri"/>
+                <a:sym typeface="Calibri"/>
+              </a:rPr>
+              <a:t>Pages</a:t>
+            </a:r>
+            <a:endParaRPr lang="en-US" sz="4400" b="1">
+              <a:latin typeface="Calibri"/>
+              <a:ea typeface="Calibri"/>
+              <a:cs typeface="Calibri"/>
+              <a:sym typeface="Calibri"/>
+            </a:endParaRPr>
           </a:p>
         </p:txBody>
       </p:sp>
@@ -13897,7 +13858,7 @@
                                           </p:stCondLst>
                                         </p:cTn>
                                         <p:tgtEl>
-                                          <p:spTgt spid="159"/>
+                                          <p:spTgt spid="153"/>
                                         </p:tgtEl>
                                         <p:attrNameLst>
                                           <p:attrName>style.visibility</p:attrName>
@@ -13911,7 +13872,7 @@
                                       <p:cBhvr>
                                         <p:cTn id="7" dur="100"/>
                                         <p:tgtEl>
-                                          <p:spTgt spid="159"/>
+                                          <p:spTgt spid="153"/>
                                         </p:tgtEl>
                                       </p:cBhvr>
                                     </p:animEffect>
@@ -13968,61 +13929,6 @@
       </p:grpSpPr>
       <p:sp>
         <p:nvSpPr>
-          <p:cNvPr id="152" name="Google Shape;152;p16"/>
-          <p:cNvSpPr txBox="1">
-            <a:spLocks noGrp="1"/>
-          </p:cNvSpPr>
-          <p:nvPr>
-            <p:ph type="title"/>
-          </p:nvPr>
-        </p:nvSpPr>
-        <p:spPr>
-          <a:xfrm>
-            <a:off x="203835" y="-189230"/>
-            <a:ext cx="4368165" cy="3254375"/>
-          </a:xfrm>
-          <a:prstGeom prst="rect">
-            <a:avLst/>
-          </a:prstGeom>
-          <a:noFill/>
-          <a:ln>
-            <a:noFill/>
-          </a:ln>
-        </p:spPr>
-        <p:txBody>
-          <a:bodyPr spcFirstLastPara="1" vert="horz" wrap="square" lIns="91425" tIns="45700" rIns="91425" bIns="45700" anchor="ctr" anchorCtr="0">
-            <a:normAutofit/>
-          </a:bodyPr>
-          <a:lstStyle/>
-          <a:p>
-            <a:pPr marL="0" lvl="0" indent="0" algn="ctr" rtl="0">
-              <a:spcBef>
-                <a:spcPts val="0"/>
-              </a:spcBef>
-              <a:spcAft>
-                <a:spcPts val="0"/>
-              </a:spcAft>
-              <a:buClr>
-                <a:schemeClr val="dk1"/>
-              </a:buClr>
-              <a:buSzPct val="100000"/>
-              <a:buFont typeface="Calibri"/>
-              <a:buNone/>
-            </a:pPr>
-            <a:r>
-              <a:rPr lang="en-US" sz="4400" b="1">
-                <a:latin typeface="Calibri"/>
-                <a:ea typeface="Calibri"/>
-                <a:cs typeface="Calibri"/>
-                <a:sym typeface="Calibri"/>
-              </a:rPr>
-              <a:t> User’s Registration and Login</a:t>
-            </a:r>
-          </a:p>
-        </p:txBody>
-      </p:sp>
-      <p:sp>
-        <p:nvSpPr>
           <p:cNvPr id="153" name="Google Shape;153;p16"/>
           <p:cNvSpPr txBox="1">
             <a:spLocks noGrp="1"/>
@@ -14033,8 +13939,8 @@
         </p:nvSpPr>
         <p:spPr>
           <a:xfrm>
-            <a:off x="298450" y="3935730"/>
-            <a:ext cx="4874260" cy="2143760"/>
+            <a:off x="298450" y="3122930"/>
+            <a:ext cx="4874260" cy="2956560"/>
           </a:xfrm>
           <a:prstGeom prst="rect">
             <a:avLst/>
@@ -14073,42 +13979,20 @@
                 <a:cs typeface="Calibri"/>
                 <a:sym typeface="Calibri"/>
               </a:rPr>
-              <a:t>Users can register and log in using their email or through third-party platforms like Google.</a:t>
+              <a:t>By selecting an event, users can see more detailed information, including descriptions, timings, link for the event, location, and an option to register for the event.</a:t>
             </a:r>
+            <a:endParaRPr lang="en-US" sz="2400">
+              <a:latin typeface="Calibri"/>
+              <a:ea typeface="Calibri"/>
+              <a:cs typeface="Calibri"/>
+              <a:sym typeface="Calibri"/>
+            </a:endParaRPr>
           </a:p>
         </p:txBody>
       </p:sp>
-      <p:pic>
-        <p:nvPicPr>
-          <p:cNvPr id="5" name="Picture 1"/>
-          <p:cNvPicPr>
-            <a:picLocks noChangeAspect="1"/>
-          </p:cNvPicPr>
-          <p:nvPr/>
-        </p:nvPicPr>
-        <p:blipFill>
-          <a:blip r:embed="rId3"/>
-          <a:stretch>
-            <a:fillRect/>
-          </a:stretch>
-        </p:blipFill>
-        <p:spPr>
-          <a:xfrm>
-            <a:off x="5660390" y="0"/>
-            <a:ext cx="3162935" cy="6858000"/>
-          </a:xfrm>
-          <a:prstGeom prst="rect">
-            <a:avLst/>
-          </a:prstGeom>
-          <a:noFill/>
-          <a:ln>
-            <a:noFill/>
-          </a:ln>
-        </p:spPr>
-      </p:pic>
       <p:sp>
         <p:nvSpPr>
-          <p:cNvPr id="3" name="Slide Number Placeholder 2"/>
+          <p:cNvPr id="2" name="Slide Number Placeholder 1"/>
           <p:cNvSpPr>
             <a:spLocks noGrp="1"/>
           </p:cNvSpPr>
@@ -14132,9 +14016,346 @@
             </a:pPr>
             <a:fld id="{00000000-1234-1234-1234-123412341234}" type="slidenum">
               <a:rPr lang="en-US"/>
-              <a:t>5</a:t>
             </a:fld>
             <a:endParaRPr lang="en-US"/>
+          </a:p>
+        </p:txBody>
+      </p:sp>
+      <p:pic>
+        <p:nvPicPr>
+          <p:cNvPr id="3" name="Picture 2"/>
+          <p:cNvPicPr>
+            <a:picLocks noChangeAspect="1"/>
+          </p:cNvPicPr>
+          <p:nvPr/>
+        </p:nvPicPr>
+        <p:blipFill>
+          <a:blip r:embed="rId1"/>
+          <a:stretch>
+            <a:fillRect/>
+          </a:stretch>
+        </p:blipFill>
+        <p:spPr>
+          <a:xfrm>
+            <a:off x="5673725" y="0"/>
+            <a:ext cx="3180715" cy="6858000"/>
+          </a:xfrm>
+          <a:prstGeom prst="rect">
+            <a:avLst/>
+          </a:prstGeom>
+        </p:spPr>
+      </p:pic>
+      <p:sp>
+        <p:nvSpPr>
+          <p:cNvPr id="5" name="Google Shape;152;p16"/>
+          <p:cNvSpPr txBox="1">
+            <a:spLocks noGrp="1"/>
+          </p:cNvSpPr>
+          <p:nvPr/>
+        </p:nvSpPr>
+        <p:spPr>
+          <a:xfrm>
+            <a:off x="203835" y="-189230"/>
+            <a:ext cx="4368165" cy="3254375"/>
+          </a:xfrm>
+          <a:prstGeom prst="rect">
+            <a:avLst/>
+          </a:prstGeom>
+          <a:noFill/>
+          <a:ln>
+            <a:noFill/>
+          </a:ln>
+        </p:spPr>
+        <p:txBody>
+          <a:bodyPr vert="horz" wrap="square" lIns="91425" tIns="45700" rIns="91425" bIns="45700" anchor="ctr" anchorCtr="0">
+            <a:normAutofit/>
+          </a:bodyPr>
+          <a:lstStyle>
+            <a:defPPr marR="0" lvl="0" algn="l" rtl="0">
+              <a:lnSpc>
+                <a:spcPct val="100000"/>
+              </a:lnSpc>
+              <a:spcBef>
+                <a:spcPts val="0"/>
+              </a:spcBef>
+              <a:spcAft>
+                <a:spcPts val="0"/>
+              </a:spcAft>
+            </a:defPPr>
+            <a:lvl1pPr marR="0" lvl="0" algn="ctr" rtl="0">
+              <a:lnSpc>
+                <a:spcPct val="100000"/>
+              </a:lnSpc>
+              <a:spcBef>
+                <a:spcPts val="0"/>
+              </a:spcBef>
+              <a:spcAft>
+                <a:spcPts val="0"/>
+              </a:spcAft>
+              <a:buClr>
+                <a:schemeClr val="dk1"/>
+              </a:buClr>
+              <a:buSzPts val="1800"/>
+              <a:buFont typeface="Montserrat"/>
+              <a:buNone/>
+              <a:defRPr sz="2800" b="0" i="0" u="none" strike="noStrike" cap="none">
+                <a:solidFill>
+                  <a:schemeClr val="lt1"/>
+                </a:solidFill>
+                <a:latin typeface="Montserrat"/>
+                <a:ea typeface="Montserrat"/>
+                <a:cs typeface="Montserrat"/>
+                <a:sym typeface="Montserrat"/>
+              </a:defRPr>
+            </a:lvl1pPr>
+            <a:lvl2pPr marR="0" lvl="1" algn="l" rtl="0">
+              <a:lnSpc>
+                <a:spcPct val="100000"/>
+              </a:lnSpc>
+              <a:spcBef>
+                <a:spcPts val="0"/>
+              </a:spcBef>
+              <a:spcAft>
+                <a:spcPts val="0"/>
+              </a:spcAft>
+              <a:buClr>
+                <a:schemeClr val="lt1"/>
+              </a:buClr>
+              <a:buSzPts val="2800"/>
+              <a:buFont typeface="Montserrat"/>
+              <a:buNone/>
+              <a:defRPr sz="2800" b="0" i="0" u="none" strike="noStrike" cap="none">
+                <a:solidFill>
+                  <a:schemeClr val="lt1"/>
+                </a:solidFill>
+                <a:latin typeface="Montserrat"/>
+                <a:ea typeface="Montserrat"/>
+                <a:cs typeface="Montserrat"/>
+                <a:sym typeface="Montserrat"/>
+              </a:defRPr>
+            </a:lvl2pPr>
+            <a:lvl3pPr marR="0" lvl="2" algn="l" rtl="0">
+              <a:lnSpc>
+                <a:spcPct val="100000"/>
+              </a:lnSpc>
+              <a:spcBef>
+                <a:spcPts val="0"/>
+              </a:spcBef>
+              <a:spcAft>
+                <a:spcPts val="0"/>
+              </a:spcAft>
+              <a:buClr>
+                <a:schemeClr val="lt1"/>
+              </a:buClr>
+              <a:buSzPts val="2800"/>
+              <a:buFont typeface="Montserrat"/>
+              <a:buNone/>
+              <a:defRPr sz="2800" b="0" i="0" u="none" strike="noStrike" cap="none">
+                <a:solidFill>
+                  <a:schemeClr val="lt1"/>
+                </a:solidFill>
+                <a:latin typeface="Montserrat"/>
+                <a:ea typeface="Montserrat"/>
+                <a:cs typeface="Montserrat"/>
+                <a:sym typeface="Montserrat"/>
+              </a:defRPr>
+            </a:lvl3pPr>
+            <a:lvl4pPr marR="0" lvl="3" algn="l" rtl="0">
+              <a:lnSpc>
+                <a:spcPct val="100000"/>
+              </a:lnSpc>
+              <a:spcBef>
+                <a:spcPts val="0"/>
+              </a:spcBef>
+              <a:spcAft>
+                <a:spcPts val="0"/>
+              </a:spcAft>
+              <a:buClr>
+                <a:schemeClr val="lt1"/>
+              </a:buClr>
+              <a:buSzPts val="2800"/>
+              <a:buFont typeface="Montserrat"/>
+              <a:buNone/>
+              <a:defRPr sz="2800" b="0" i="0" u="none" strike="noStrike" cap="none">
+                <a:solidFill>
+                  <a:schemeClr val="lt1"/>
+                </a:solidFill>
+                <a:latin typeface="Montserrat"/>
+                <a:ea typeface="Montserrat"/>
+                <a:cs typeface="Montserrat"/>
+                <a:sym typeface="Montserrat"/>
+              </a:defRPr>
+            </a:lvl4pPr>
+            <a:lvl5pPr marR="0" lvl="4" algn="l" rtl="0">
+              <a:lnSpc>
+                <a:spcPct val="100000"/>
+              </a:lnSpc>
+              <a:spcBef>
+                <a:spcPts val="0"/>
+              </a:spcBef>
+              <a:spcAft>
+                <a:spcPts val="0"/>
+              </a:spcAft>
+              <a:buClr>
+                <a:schemeClr val="lt1"/>
+              </a:buClr>
+              <a:buSzPts val="2800"/>
+              <a:buFont typeface="Montserrat"/>
+              <a:buNone/>
+              <a:defRPr sz="2800" b="0" i="0" u="none" strike="noStrike" cap="none">
+                <a:solidFill>
+                  <a:schemeClr val="lt1"/>
+                </a:solidFill>
+                <a:latin typeface="Montserrat"/>
+                <a:ea typeface="Montserrat"/>
+                <a:cs typeface="Montserrat"/>
+                <a:sym typeface="Montserrat"/>
+              </a:defRPr>
+            </a:lvl5pPr>
+            <a:lvl6pPr marR="0" lvl="5" algn="l" rtl="0">
+              <a:lnSpc>
+                <a:spcPct val="100000"/>
+              </a:lnSpc>
+              <a:spcBef>
+                <a:spcPts val="0"/>
+              </a:spcBef>
+              <a:spcAft>
+                <a:spcPts val="0"/>
+              </a:spcAft>
+              <a:buClr>
+                <a:schemeClr val="lt1"/>
+              </a:buClr>
+              <a:buSzPts val="2800"/>
+              <a:buFont typeface="Montserrat"/>
+              <a:buNone/>
+              <a:defRPr sz="2800" b="0" i="0" u="none" strike="noStrike" cap="none">
+                <a:solidFill>
+                  <a:schemeClr val="lt1"/>
+                </a:solidFill>
+                <a:latin typeface="Montserrat"/>
+                <a:ea typeface="Montserrat"/>
+                <a:cs typeface="Montserrat"/>
+                <a:sym typeface="Montserrat"/>
+              </a:defRPr>
+            </a:lvl6pPr>
+            <a:lvl7pPr marR="0" lvl="6" algn="l" rtl="0">
+              <a:lnSpc>
+                <a:spcPct val="100000"/>
+              </a:lnSpc>
+              <a:spcBef>
+                <a:spcPts val="0"/>
+              </a:spcBef>
+              <a:spcAft>
+                <a:spcPts val="0"/>
+              </a:spcAft>
+              <a:buClr>
+                <a:schemeClr val="lt1"/>
+              </a:buClr>
+              <a:buSzPts val="2800"/>
+              <a:buFont typeface="Montserrat"/>
+              <a:buNone/>
+              <a:defRPr sz="2800" b="0" i="0" u="none" strike="noStrike" cap="none">
+                <a:solidFill>
+                  <a:schemeClr val="lt1"/>
+                </a:solidFill>
+                <a:latin typeface="Montserrat"/>
+                <a:ea typeface="Montserrat"/>
+                <a:cs typeface="Montserrat"/>
+                <a:sym typeface="Montserrat"/>
+              </a:defRPr>
+            </a:lvl7pPr>
+            <a:lvl8pPr marR="0" lvl="7" algn="l" rtl="0">
+              <a:lnSpc>
+                <a:spcPct val="100000"/>
+              </a:lnSpc>
+              <a:spcBef>
+                <a:spcPts val="0"/>
+              </a:spcBef>
+              <a:spcAft>
+                <a:spcPts val="0"/>
+              </a:spcAft>
+              <a:buClr>
+                <a:schemeClr val="lt1"/>
+              </a:buClr>
+              <a:buSzPts val="2800"/>
+              <a:buFont typeface="Montserrat"/>
+              <a:buNone/>
+              <a:defRPr sz="2800" b="0" i="0" u="none" strike="noStrike" cap="none">
+                <a:solidFill>
+                  <a:schemeClr val="lt1"/>
+                </a:solidFill>
+                <a:latin typeface="Montserrat"/>
+                <a:ea typeface="Montserrat"/>
+                <a:cs typeface="Montserrat"/>
+                <a:sym typeface="Montserrat"/>
+              </a:defRPr>
+            </a:lvl8pPr>
+            <a:lvl9pPr marR="0" lvl="8" algn="l" rtl="0">
+              <a:lnSpc>
+                <a:spcPct val="100000"/>
+              </a:lnSpc>
+              <a:spcBef>
+                <a:spcPts val="0"/>
+              </a:spcBef>
+              <a:spcAft>
+                <a:spcPts val="0"/>
+              </a:spcAft>
+              <a:buClr>
+                <a:schemeClr val="lt1"/>
+              </a:buClr>
+              <a:buSzPts val="2800"/>
+              <a:buFont typeface="Montserrat"/>
+              <a:buNone/>
+              <a:defRPr sz="2800" b="0" i="0" u="none" strike="noStrike" cap="none">
+                <a:solidFill>
+                  <a:schemeClr val="lt1"/>
+                </a:solidFill>
+                <a:latin typeface="Montserrat"/>
+                <a:ea typeface="Montserrat"/>
+                <a:cs typeface="Montserrat"/>
+                <a:sym typeface="Montserrat"/>
+              </a:defRPr>
+            </a:lvl9pPr>
+          </a:lstStyle>
+          <a:p>
+            <a:pPr marL="0" lvl="0" indent="0" algn="ctr" rtl="0">
+              <a:spcBef>
+                <a:spcPts val="0"/>
+              </a:spcBef>
+              <a:spcAft>
+                <a:spcPts val="0"/>
+              </a:spcAft>
+              <a:buClr>
+                <a:schemeClr val="dk1"/>
+              </a:buClr>
+              <a:buSzPct val="100000"/>
+              <a:buFont typeface="Calibri"/>
+              <a:buNone/>
+            </a:pPr>
+            <a:r>
+              <a:rPr lang="en-US" sz="4400" b="1">
+                <a:latin typeface="Calibri"/>
+                <a:ea typeface="Calibri"/>
+                <a:cs typeface="Calibri"/>
+                <a:sym typeface="Calibri"/>
+              </a:rPr>
+              <a:t> Onboarding </a:t>
+            </a:r>
+            <a:r>
+              <a:rPr lang="en-US" sz="4400" b="1">
+                <a:latin typeface="Calibri"/>
+                <a:ea typeface="Calibri"/>
+                <a:cs typeface="Calibri"/>
+                <a:sym typeface="Calibri"/>
+              </a:rPr>
+              <a:t>Pages</a:t>
+            </a:r>
+            <a:endParaRPr lang="en-US" sz="4400" b="1">
+              <a:latin typeface="Calibri"/>
+              <a:ea typeface="Calibri"/>
+              <a:cs typeface="Calibri"/>
+              <a:sym typeface="Calibri"/>
+            </a:endParaRPr>
           </a:p>
         </p:txBody>
       </p:sp>
@@ -14258,8 +14479,8 @@
         </p:nvSpPr>
         <p:spPr>
           <a:xfrm>
-            <a:off x="492125" y="-189230"/>
-            <a:ext cx="4486910" cy="3232785"/>
+            <a:off x="457200" y="274638"/>
+            <a:ext cx="8229600" cy="1143000"/>
           </a:xfrm>
           <a:prstGeom prst="rect">
             <a:avLst/>
@@ -14270,7 +14491,7 @@
           </a:ln>
         </p:spPr>
         <p:txBody>
-          <a:bodyPr spcFirstLastPara="1" vert="horz" wrap="square" lIns="91425" tIns="45700" rIns="91425" bIns="45700" anchor="ctr" anchorCtr="0">
+          <a:bodyPr spcFirstLastPara="1" wrap="square" lIns="91425" tIns="45700" rIns="91425" bIns="45700" anchor="ctr" anchorCtr="0">
             <a:normAutofit/>
           </a:bodyPr>
           <a:lstStyle/>
@@ -14290,14 +14511,20 @@
               <a:buNone/>
             </a:pPr>
             <a:r>
-              <a:rPr lang="en-US" sz="4400" b="1">
+              <a:rPr lang="en-US" sz="4400" b="1" dirty="0">
                 <a:latin typeface="Calibri"/>
                 <a:ea typeface="Calibri"/>
                 <a:cs typeface="Calibri"/>
                 <a:sym typeface="Calibri"/>
               </a:rPr>
-              <a:t>Event List Page</a:t>
+              <a:t>Additional Features</a:t>
             </a:r>
+            <a:endParaRPr lang="en-US" sz="4400" b="1" dirty="0">
+              <a:latin typeface="Calibri"/>
+              <a:ea typeface="Calibri"/>
+              <a:cs typeface="Calibri"/>
+              <a:sym typeface="Calibri"/>
+            </a:endParaRPr>
           </a:p>
         </p:txBody>
       </p:sp>
@@ -14313,8 +14540,8 @@
         </p:nvSpPr>
         <p:spPr>
           <a:xfrm>
-            <a:off x="298450" y="3044190"/>
-            <a:ext cx="4874260" cy="3035300"/>
+            <a:off x="1443990" y="1668145"/>
+            <a:ext cx="7526655" cy="4446905"/>
           </a:xfrm>
           <a:prstGeom prst="rect">
             <a:avLst/>
@@ -14330,70 +14557,88 @@
           </a:bodyPr>
           <a:lstStyle/>
           <a:p>
-            <a:pPr marL="0" lvl="0" indent="0" algn="l" rtl="0" eaLnBrk="1" fontAlgn="auto" latinLnBrk="0" hangingPunct="1">
+            <a:pPr marL="0" lvl="0" indent="0">
               <a:lnSpc>
-                <a:spcPct val="150000"/>
+                <a:spcPct val="200000"/>
               </a:lnSpc>
               <a:spcBef>
                 <a:spcPts val="0"/>
               </a:spcBef>
-              <a:spcAft>
-                <a:spcPts val="0"/>
-              </a:spcAft>
-              <a:buClr>
-                <a:schemeClr val="dk1"/>
-              </a:buClr>
               <a:buSzPts val="3200"/>
               <a:buNone/>
             </a:pPr>
             <a:r>
-              <a:rPr lang="en-US" sz="2400">
+              <a:rPr lang="en-US" sz="2800" dirty="0">
                 <a:latin typeface="Calibri"/>
                 <a:ea typeface="Calibri"/>
                 <a:cs typeface="Calibri"/>
                 <a:sym typeface="Calibri"/>
               </a:rPr>
-              <a:t>Users can view a list of upcoming events, with details such as date, time, and location.</a:t>
+              <a:t>1. </a:t>
             </a:r>
+            <a:r>
+              <a:rPr lang="en-US" sz="2800" dirty="0"/>
+              <a:t>Location Services</a:t>
+            </a:r>
+            <a:endParaRPr lang="en-US" sz="2800" dirty="0"/>
           </a:p>
           <a:p>
-            <a:pPr marL="0" lvl="0" indent="0" algn="l" rtl="0" eaLnBrk="1" fontAlgn="auto" latinLnBrk="0" hangingPunct="1">
+            <a:pPr marL="0" lvl="0" indent="0">
               <a:lnSpc>
-                <a:spcPct val="150000"/>
+                <a:spcPct val="200000"/>
               </a:lnSpc>
               <a:spcBef>
                 <a:spcPts val="0"/>
               </a:spcBef>
-              <a:spcAft>
-                <a:spcPts val="0"/>
-              </a:spcAft>
-              <a:buClr>
-                <a:schemeClr val="dk1"/>
-              </a:buClr>
               <a:buSzPts val="3200"/>
               <a:buNone/>
             </a:pPr>
             <a:r>
-              <a:rPr lang="en-US" sz="2400">
+              <a:rPr lang="en-US" sz="2800" dirty="0">
                 <a:latin typeface="Calibri"/>
                 <a:ea typeface="Calibri"/>
                 <a:cs typeface="Calibri"/>
                 <a:sym typeface="Calibri"/>
               </a:rPr>
-              <a:t>Below are some recommended events for users.</a:t>
+              <a:t>2. </a:t>
             </a:r>
-            <a:endParaRPr lang="zh-CN" altLang="en-US" sz="2400">
-              <a:latin typeface="Calibri"/>
-              <a:ea typeface="宋体" charset="0"/>
-              <a:cs typeface="Calibri"/>
-              <a:sym typeface="Calibri"/>
-            </a:endParaRPr>
+            <a:r>
+              <a:rPr lang="en-US" sz="2800" dirty="0"/>
+              <a:t>Dark Mode</a:t>
+            </a:r>
+            <a:endParaRPr lang="en-US" sz="2800" dirty="0"/>
+          </a:p>
+          <a:p>
+            <a:pPr marL="0" lvl="0" indent="0">
+              <a:lnSpc>
+                <a:spcPct val="200000"/>
+              </a:lnSpc>
+              <a:spcBef>
+                <a:spcPts val="0"/>
+              </a:spcBef>
+              <a:buSzPts val="3200"/>
+              <a:buNone/>
+            </a:pPr>
+            <a:r>
+              <a:rPr lang="en-US" sz="2800" dirty="0">
+                <a:latin typeface="Calibri"/>
+                <a:ea typeface="Calibri"/>
+                <a:cs typeface="Calibri"/>
+                <a:sym typeface="Calibri"/>
+              </a:rPr>
+              <a:t>3. </a:t>
+            </a:r>
+            <a:r>
+              <a:rPr lang="en-US" sz="2800" dirty="0"/>
+              <a:t>File Upload and Media Handling</a:t>
+            </a:r>
+            <a:endParaRPr lang="en-US" sz="2800" dirty="0"/>
           </a:p>
         </p:txBody>
       </p:sp>
       <p:sp>
         <p:nvSpPr>
-          <p:cNvPr id="3" name="Slide Number Placeholder 2"/>
+          <p:cNvPr id="2" name="Slide Number Placeholder 1"/>
           <p:cNvSpPr>
             <a:spLocks noGrp="1"/>
           </p:cNvSpPr>
@@ -14417,36 +14662,11 @@
             </a:pPr>
             <a:fld id="{00000000-1234-1234-1234-123412341234}" type="slidenum">
               <a:rPr lang="en-US"/>
-              <a:t>6</a:t>
             </a:fld>
             <a:endParaRPr lang="en-US"/>
           </a:p>
         </p:txBody>
       </p:sp>
-      <p:pic>
-        <p:nvPicPr>
-          <p:cNvPr id="2" name="Picture 0"/>
-          <p:cNvPicPr>
-            <a:picLocks noChangeAspect="1"/>
-          </p:cNvPicPr>
-          <p:nvPr/>
-        </p:nvPicPr>
-        <p:blipFill>
-          <a:blip r:embed="rId3"/>
-          <a:stretch>
-            <a:fillRect/>
-          </a:stretch>
-        </p:blipFill>
-        <p:spPr>
-          <a:xfrm>
-            <a:off x="5879465" y="0"/>
-            <a:ext cx="3016885" cy="6858000"/>
-          </a:xfrm>
-          <a:prstGeom prst="rect">
-            <a:avLst/>
-          </a:prstGeom>
-        </p:spPr>
-      </p:pic>
     </p:spTree>
   </p:cSld>
   <p:clrMapOvr>
@@ -14543,7 +14763,7 @@
   <p:cSld>
     <p:spTree>
       <p:nvGrpSpPr>
-        <p:cNvPr id="1" name="Shape 151"/>
+        <p:cNvPr id="1" name="Shape 157"/>
         <p:cNvGrpSpPr/>
         <p:nvPr/>
       </p:nvGrpSpPr>
@@ -14557,7 +14777,7 @@
       </p:grpSpPr>
       <p:sp>
         <p:nvSpPr>
-          <p:cNvPr id="152" name="Google Shape;152;p16"/>
+          <p:cNvPr id="158" name="Google Shape;158;p17"/>
           <p:cNvSpPr txBox="1">
             <a:spLocks noGrp="1"/>
           </p:cNvSpPr>
@@ -14567,8 +14787,8 @@
         </p:nvSpPr>
         <p:spPr>
           <a:xfrm>
-            <a:off x="203835" y="287020"/>
-            <a:ext cx="4662805" cy="2280920"/>
+            <a:off x="608330" y="2613978"/>
+            <a:ext cx="8229600" cy="1143000"/>
           </a:xfrm>
           <a:prstGeom prst="rect">
             <a:avLst/>
@@ -14579,7 +14799,7 @@
           </a:ln>
         </p:spPr>
         <p:txBody>
-          <a:bodyPr spcFirstLastPara="1" vert="horz" wrap="square" lIns="91425" tIns="45700" rIns="91425" bIns="45700" anchor="ctr" anchorCtr="0">
+          <a:bodyPr spcFirstLastPara="1" wrap="square" lIns="91425" tIns="45700" rIns="91425" bIns="45700" anchor="ctr" anchorCtr="0">
             <a:normAutofit/>
           </a:bodyPr>
           <a:lstStyle/>
@@ -14599,102 +14819,23 @@
               <a:buNone/>
             </a:pPr>
             <a:r>
-              <a:rPr lang="en-US" sz="4400" b="1">
+              <a:rPr lang="en-US" altLang="zh-CN" sz="5400" b="1" dirty="0">
                 <a:latin typeface="Calibri"/>
                 <a:ea typeface="Calibri"/>
                 <a:cs typeface="Calibri"/>
                 <a:sym typeface="Calibri"/>
               </a:rPr>
-              <a:t>Event Details View</a:t>
+              <a:t>Demo Showcase</a:t>
             </a:r>
+            <a:endParaRPr lang="en-US" altLang="zh-CN" sz="5400" b="1" dirty="0">
+              <a:latin typeface="Calibri"/>
+              <a:ea typeface="Calibri"/>
+              <a:cs typeface="Calibri"/>
+              <a:sym typeface="Calibri"/>
+            </a:endParaRPr>
           </a:p>
         </p:txBody>
       </p:sp>
-      <p:sp>
-        <p:nvSpPr>
-          <p:cNvPr id="153" name="Google Shape;153;p16"/>
-          <p:cNvSpPr txBox="1">
-            <a:spLocks noGrp="1"/>
-          </p:cNvSpPr>
-          <p:nvPr>
-            <p:ph type="body" idx="1"/>
-          </p:nvPr>
-        </p:nvSpPr>
-        <p:spPr>
-          <a:xfrm>
-            <a:off x="298450" y="3122930"/>
-            <a:ext cx="4874260" cy="2956560"/>
-          </a:xfrm>
-          <a:prstGeom prst="rect">
-            <a:avLst/>
-          </a:prstGeom>
-          <a:noFill/>
-          <a:ln>
-            <a:noFill/>
-          </a:ln>
-        </p:spPr>
-        <p:txBody>
-          <a:bodyPr spcFirstLastPara="1" wrap="square" lIns="91425" tIns="45700" rIns="91425" bIns="45700" anchor="t" anchorCtr="0">
-            <a:noAutofit/>
-          </a:bodyPr>
-          <a:lstStyle/>
-          <a:p>
-            <a:pPr marL="0" lvl="0" indent="0" algn="l" rtl="0" eaLnBrk="1" fontAlgn="auto" latinLnBrk="0" hangingPunct="1">
-              <a:lnSpc>
-                <a:spcPct val="150000"/>
-              </a:lnSpc>
-              <a:spcBef>
-                <a:spcPts val="0"/>
-              </a:spcBef>
-              <a:spcAft>
-                <a:spcPts val="0"/>
-              </a:spcAft>
-              <a:buClr>
-                <a:schemeClr val="dk1"/>
-              </a:buClr>
-              <a:buSzPts val="3200"/>
-              <a:buNone/>
-            </a:pPr>
-            <a:r>
-              <a:rPr lang="en-US" sz="2400">
-                <a:latin typeface="Calibri"/>
-                <a:ea typeface="Calibri"/>
-                <a:cs typeface="Calibri"/>
-                <a:sym typeface="Calibri"/>
-              </a:rPr>
-              <a:t>By selecting an event, users can see more detailed information, including descriptions, timings, link for the event, location, and an option to register for the event.</a:t>
-            </a:r>
-          </a:p>
-        </p:txBody>
-      </p:sp>
-      <p:pic>
-        <p:nvPicPr>
-          <p:cNvPr id="7" name="Picture 3"/>
-          <p:cNvPicPr>
-            <a:picLocks noChangeAspect="1"/>
-          </p:cNvPicPr>
-          <p:nvPr/>
-        </p:nvPicPr>
-        <p:blipFill>
-          <a:blip r:embed="rId3"/>
-          <a:stretch>
-            <a:fillRect/>
-          </a:stretch>
-        </p:blipFill>
-        <p:spPr>
-          <a:xfrm>
-            <a:off x="5646420" y="0"/>
-            <a:ext cx="3224530" cy="6844030"/>
-          </a:xfrm>
-          <a:prstGeom prst="rect">
-            <a:avLst/>
-          </a:prstGeom>
-          <a:noFill/>
-          <a:ln>
-            <a:noFill/>
-          </a:ln>
-        </p:spPr>
-      </p:pic>
       <p:sp>
         <p:nvSpPr>
           <p:cNvPr id="2" name="Slide Number Placeholder 1"/>
@@ -14721,7 +14862,6 @@
             </a:pPr>
             <a:fld id="{00000000-1234-1234-1234-123412341234}" type="slidenum">
               <a:rPr lang="en-US"/>
-              <a:t>7</a:t>
             </a:fld>
             <a:endParaRPr lang="en-US"/>
           </a:p>
@@ -14732,373 +14872,10 @@
   <p:clrMapOvr>
     <a:masterClrMapping/>
   </p:clrMapOvr>
-  <p:timing>
-    <p:tnLst>
-      <p:par>
-        <p:cTn id="1" dur="indefinite" restart="never" nodeType="tmRoot">
-          <p:childTnLst>
-            <p:seq concurrent="1" nextAc="seek">
-              <p:cTn id="2" dur="indefinite" nodeType="mainSeq">
-                <p:childTnLst>
-                  <p:par>
-                    <p:cTn id="3" fill="hold">
-                      <p:stCondLst>
-                        <p:cond delay="indefinite"/>
-                      </p:stCondLst>
-                      <p:childTnLst>
-                        <p:par>
-                          <p:cTn id="4" fill="hold">
-                            <p:stCondLst>
-                              <p:cond delay="0"/>
-                            </p:stCondLst>
-                            <p:childTnLst>
-                              <p:par>
-                                <p:cTn id="5" presetID="10" presetClass="entr" presetSubtype="0" fill="hold" nodeType="clickEffect">
-                                  <p:stCondLst>
-                                    <p:cond delay="0"/>
-                                  </p:stCondLst>
-                                  <p:childTnLst>
-                                    <p:set>
-                                      <p:cBhvr>
-                                        <p:cTn id="6" dur="1" fill="hold">
-                                          <p:stCondLst>
-                                            <p:cond delay="0"/>
-                                          </p:stCondLst>
-                                        </p:cTn>
-                                        <p:tgtEl>
-                                          <p:spTgt spid="153"/>
-                                        </p:tgtEl>
-                                        <p:attrNameLst>
-                                          <p:attrName>style.visibility</p:attrName>
-                                        </p:attrNameLst>
-                                      </p:cBhvr>
-                                      <p:to>
-                                        <p:strVal val="visible"/>
-                                      </p:to>
-                                    </p:set>
-                                    <p:animEffect transition="in" filter="fade">
-                                      <p:cBhvr>
-                                        <p:cTn id="7" dur="100"/>
-                                        <p:tgtEl>
-                                          <p:spTgt spid="153"/>
-                                        </p:tgtEl>
-                                      </p:cBhvr>
-                                    </p:animEffect>
-                                  </p:childTnLst>
-                                </p:cTn>
-                              </p:par>
-                            </p:childTnLst>
-                          </p:cTn>
-                        </p:par>
-                      </p:childTnLst>
-                    </p:cTn>
-                  </p:par>
-                </p:childTnLst>
-              </p:cTn>
-              <p:prevCondLst>
-                <p:cond evt="onPrev" delay="0">
-                  <p:tgtEl>
-                    <p:sldTgt/>
-                  </p:tgtEl>
-                </p:cond>
-              </p:prevCondLst>
-              <p:nextCondLst>
-                <p:cond evt="onNext" delay="0">
-                  <p:tgtEl>
-                    <p:sldTgt/>
-                  </p:tgtEl>
-                </p:cond>
-              </p:nextCondLst>
-            </p:seq>
-          </p:childTnLst>
-        </p:cTn>
-      </p:par>
-    </p:tnLst>
-  </p:timing>
 </p:sld>
 </file>
 
 <file path=ppt/slides/slide8.xml><?xml version="1.0" encoding="utf-8"?>
-<p:sld xmlns:a="http://schemas.openxmlformats.org/drawingml/2006/main" xmlns:r="http://schemas.openxmlformats.org/officeDocument/2006/relationships" xmlns:p="http://schemas.openxmlformats.org/presentationml/2006/main">
-  <p:cSld>
-    <p:spTree>
-      <p:nvGrpSpPr>
-        <p:cNvPr id="1" name="Shape 151"/>
-        <p:cNvGrpSpPr/>
-        <p:nvPr/>
-      </p:nvGrpSpPr>
-      <p:grpSpPr>
-        <a:xfrm>
-          <a:off x="0" y="0"/>
-          <a:ext cx="0" cy="0"/>
-          <a:chOff x="0" y="0"/>
-          <a:chExt cx="0" cy="0"/>
-        </a:xfrm>
-      </p:grpSpPr>
-      <p:sp>
-        <p:nvSpPr>
-          <p:cNvPr id="152" name="Google Shape;152;p16"/>
-          <p:cNvSpPr txBox="1">
-            <a:spLocks noGrp="1"/>
-          </p:cNvSpPr>
-          <p:nvPr>
-            <p:ph type="title"/>
-          </p:nvPr>
-        </p:nvSpPr>
-        <p:spPr>
-          <a:xfrm>
-            <a:off x="203835" y="-189230"/>
-            <a:ext cx="4874260" cy="3512185"/>
-          </a:xfrm>
-          <a:prstGeom prst="rect">
-            <a:avLst/>
-          </a:prstGeom>
-          <a:noFill/>
-          <a:ln>
-            <a:noFill/>
-          </a:ln>
-        </p:spPr>
-        <p:txBody>
-          <a:bodyPr spcFirstLastPara="1" vert="horz" wrap="square" lIns="91425" tIns="45700" rIns="91425" bIns="45700" anchor="ctr" anchorCtr="0">
-            <a:normAutofit/>
-          </a:bodyPr>
-          <a:lstStyle/>
-          <a:p>
-            <a:pPr marL="0" lvl="0" indent="0" algn="ctr" rtl="0">
-              <a:spcBef>
-                <a:spcPts val="0"/>
-              </a:spcBef>
-              <a:spcAft>
-                <a:spcPts val="0"/>
-              </a:spcAft>
-              <a:buClr>
-                <a:schemeClr val="dk1"/>
-              </a:buClr>
-              <a:buSzPct val="100000"/>
-              <a:buFont typeface="Calibri"/>
-              <a:buNone/>
-            </a:pPr>
-            <a:r>
-              <a:rPr lang="en-US" sz="4400" b="1">
-                <a:latin typeface="Calibri"/>
-                <a:ea typeface="Calibri"/>
-                <a:cs typeface="Calibri"/>
-                <a:sym typeface="Calibri"/>
-              </a:rPr>
-              <a:t>Personal Homepage with Event History</a:t>
-            </a:r>
-          </a:p>
-        </p:txBody>
-      </p:sp>
-      <p:sp>
-        <p:nvSpPr>
-          <p:cNvPr id="153" name="Google Shape;153;p16"/>
-          <p:cNvSpPr txBox="1">
-            <a:spLocks noGrp="1"/>
-          </p:cNvSpPr>
-          <p:nvPr>
-            <p:ph type="body" idx="1"/>
-          </p:nvPr>
-        </p:nvSpPr>
-        <p:spPr>
-          <a:xfrm>
-            <a:off x="298450" y="3572510"/>
-            <a:ext cx="4874260" cy="2143760"/>
-          </a:xfrm>
-          <a:prstGeom prst="rect">
-            <a:avLst/>
-          </a:prstGeom>
-          <a:noFill/>
-          <a:ln>
-            <a:noFill/>
-          </a:ln>
-        </p:spPr>
-        <p:txBody>
-          <a:bodyPr spcFirstLastPara="1" wrap="square" lIns="91425" tIns="45700" rIns="91425" bIns="45700" anchor="t" anchorCtr="0">
-            <a:noAutofit/>
-          </a:bodyPr>
-          <a:lstStyle/>
-          <a:p>
-            <a:pPr marL="0" lvl="0" indent="0" algn="l" rtl="0" eaLnBrk="1" fontAlgn="auto" latinLnBrk="0" hangingPunct="1">
-              <a:lnSpc>
-                <a:spcPct val="150000"/>
-              </a:lnSpc>
-              <a:spcBef>
-                <a:spcPts val="0"/>
-              </a:spcBef>
-              <a:spcAft>
-                <a:spcPts val="0"/>
-              </a:spcAft>
-              <a:buClr>
-                <a:schemeClr val="dk1"/>
-              </a:buClr>
-              <a:buSzPts val="3200"/>
-              <a:buNone/>
-            </a:pPr>
-            <a:r>
-              <a:rPr lang="en-US" sz="2400">
-                <a:latin typeface="Calibri"/>
-                <a:ea typeface="Calibri"/>
-                <a:cs typeface="Calibri"/>
-                <a:sym typeface="Calibri"/>
-              </a:rPr>
-              <a:t>Users can view a personal profile page displaying past attended events and upcoming registered events.</a:t>
-            </a:r>
-          </a:p>
-        </p:txBody>
-      </p:sp>
-      <p:pic>
-        <p:nvPicPr>
-          <p:cNvPr id="8" name="Picture 4"/>
-          <p:cNvPicPr>
-            <a:picLocks noChangeAspect="1"/>
-          </p:cNvPicPr>
-          <p:nvPr/>
-        </p:nvPicPr>
-        <p:blipFill>
-          <a:blip r:embed="rId3"/>
-          <a:stretch>
-            <a:fillRect/>
-          </a:stretch>
-        </p:blipFill>
-        <p:spPr>
-          <a:xfrm>
-            <a:off x="5648325" y="0"/>
-            <a:ext cx="3129915" cy="6875780"/>
-          </a:xfrm>
-          <a:prstGeom prst="rect">
-            <a:avLst/>
-          </a:prstGeom>
-          <a:noFill/>
-          <a:ln>
-            <a:noFill/>
-          </a:ln>
-        </p:spPr>
-      </p:pic>
-      <p:sp>
-        <p:nvSpPr>
-          <p:cNvPr id="2" name="Slide Number Placeholder 1"/>
-          <p:cNvSpPr>
-            <a:spLocks noGrp="1"/>
-          </p:cNvSpPr>
-          <p:nvPr>
-            <p:ph type="sldNum" idx="12"/>
-          </p:nvPr>
-        </p:nvSpPr>
-        <p:spPr/>
-        <p:txBody>
-          <a:bodyPr/>
-          <a:lstStyle/>
-          <a:p>
-            <a:pPr marL="0" lvl="0" indent="0" algn="r" rtl="0">
-              <a:spcBef>
-                <a:spcPts val="0"/>
-              </a:spcBef>
-              <a:spcAft>
-                <a:spcPts val="0"/>
-              </a:spcAft>
-              <a:buNone/>
-            </a:pPr>
-            <a:fld id="{00000000-1234-1234-1234-123412341234}" type="slidenum">
-              <a:rPr lang="en-US"/>
-              <a:t>8</a:t>
-            </a:fld>
-            <a:endParaRPr lang="en-US"/>
-          </a:p>
-        </p:txBody>
-      </p:sp>
-    </p:spTree>
-  </p:cSld>
-  <p:clrMapOvr>
-    <a:masterClrMapping/>
-  </p:clrMapOvr>
-  <p:timing>
-    <p:tnLst>
-      <p:par>
-        <p:cTn id="1" dur="indefinite" restart="never" nodeType="tmRoot">
-          <p:childTnLst>
-            <p:seq concurrent="1" nextAc="seek">
-              <p:cTn id="2" dur="indefinite" nodeType="mainSeq">
-                <p:childTnLst>
-                  <p:par>
-                    <p:cTn id="3" fill="hold">
-                      <p:stCondLst>
-                        <p:cond delay="indefinite"/>
-                      </p:stCondLst>
-                      <p:childTnLst>
-                        <p:par>
-                          <p:cTn id="4" fill="hold">
-                            <p:stCondLst>
-                              <p:cond delay="0"/>
-                            </p:stCondLst>
-                            <p:childTnLst>
-                              <p:par>
-                                <p:cTn id="5" presetID="10" presetClass="entr" presetSubtype="0" fill="hold" nodeType="clickEffect">
-                                  <p:stCondLst>
-                                    <p:cond delay="0"/>
-                                  </p:stCondLst>
-                                  <p:childTnLst>
-                                    <p:set>
-                                      <p:cBhvr>
-                                        <p:cTn id="6" dur="1" fill="hold">
-                                          <p:stCondLst>
-                                            <p:cond delay="0"/>
-                                          </p:stCondLst>
-                                        </p:cTn>
-                                        <p:tgtEl>
-                                          <p:spTgt spid="153"/>
-                                        </p:tgtEl>
-                                        <p:attrNameLst>
-                                          <p:attrName>style.visibility</p:attrName>
-                                        </p:attrNameLst>
-                                      </p:cBhvr>
-                                      <p:to>
-                                        <p:strVal val="visible"/>
-                                      </p:to>
-                                    </p:set>
-                                    <p:animEffect transition="in" filter="fade">
-                                      <p:cBhvr>
-                                        <p:cTn id="7" dur="100"/>
-                                        <p:tgtEl>
-                                          <p:spTgt spid="153"/>
-                                        </p:tgtEl>
-                                      </p:cBhvr>
-                                    </p:animEffect>
-                                  </p:childTnLst>
-                                </p:cTn>
-                              </p:par>
-                            </p:childTnLst>
-                          </p:cTn>
-                        </p:par>
-                      </p:childTnLst>
-                    </p:cTn>
-                  </p:par>
-                </p:childTnLst>
-              </p:cTn>
-              <p:prevCondLst>
-                <p:cond evt="onPrev" delay="0">
-                  <p:tgtEl>
-                    <p:sldTgt/>
-                  </p:tgtEl>
-                </p:cond>
-              </p:prevCondLst>
-              <p:nextCondLst>
-                <p:cond evt="onNext" delay="0">
-                  <p:tgtEl>
-                    <p:sldTgt/>
-                  </p:tgtEl>
-                </p:cond>
-              </p:nextCondLst>
-            </p:seq>
-          </p:childTnLst>
-        </p:cTn>
-      </p:par>
-    </p:tnLst>
-  </p:timing>
-</p:sld>
-</file>
-
-<file path=ppt/slides/slide9.xml><?xml version="1.0" encoding="utf-8"?>
 <p:sld xmlns:a="http://schemas.openxmlformats.org/drawingml/2006/main" xmlns:r="http://schemas.openxmlformats.org/officeDocument/2006/relationships" xmlns:p="http://schemas.openxmlformats.org/presentationml/2006/main">
   <p:cSld>
     <p:spTree>
@@ -15167,6 +14944,12 @@
               </a:rPr>
               <a:t>APIs</a:t>
             </a:r>
+            <a:endParaRPr lang="en-US" sz="4400" b="1">
+              <a:latin typeface="Calibri"/>
+              <a:ea typeface="Calibri"/>
+              <a:cs typeface="Calibri"/>
+              <a:sym typeface="Calibri"/>
+            </a:endParaRPr>
           </a:p>
         </p:txBody>
       </p:sp>
@@ -15262,6 +15045,12 @@
               </a:rPr>
               <a:t>: To store event details and user registration history.</a:t>
             </a:r>
+            <a:endParaRPr lang="en-US" sz="2400" dirty="0">
+              <a:latin typeface="Calibri"/>
+              <a:ea typeface="Calibri"/>
+              <a:cs typeface="Calibri"/>
+              <a:sym typeface="Calibri"/>
+            </a:endParaRPr>
           </a:p>
           <a:p>
             <a:pPr lvl="0" indent="-457200" algn="l" rtl="0">
@@ -15290,6 +15079,12 @@
               </a:rPr>
               <a:t>Firebase Authentication: For user registration and login.</a:t>
             </a:r>
+            <a:endParaRPr lang="en-US" sz="2400" dirty="0">
+              <a:latin typeface="Calibri"/>
+              <a:ea typeface="Calibri"/>
+              <a:cs typeface="Calibri"/>
+              <a:sym typeface="Calibri"/>
+            </a:endParaRPr>
           </a:p>
           <a:p>
             <a:pPr lvl="0" indent="-457200">
@@ -15310,6 +15105,7 @@
               <a:rPr lang="en-US" sz="2400" dirty="0"/>
               <a:t>Google Maps Geolocation API</a:t>
             </a:r>
+            <a:endParaRPr lang="en-US" sz="2400" dirty="0"/>
           </a:p>
           <a:p>
             <a:pPr lvl="0" indent="-457200">
@@ -15330,6 +15126,7 @@
               <a:rPr lang="en-US" sz="2400" dirty="0"/>
               <a:t>Camera API</a:t>
             </a:r>
+            <a:endParaRPr lang="en-US" sz="2400" dirty="0"/>
           </a:p>
           <a:p>
             <a:pPr lvl="0" indent="-457200">
@@ -15354,6 +15151,7 @@
               <a:rPr lang="en-US" sz="2400" dirty="0"/>
               <a:t> API</a:t>
             </a:r>
+            <a:endParaRPr lang="en-US" sz="2400" dirty="0"/>
           </a:p>
           <a:p>
             <a:pPr lvl="0" indent="-457200">
@@ -15405,7 +15203,6 @@
             </a:pPr>
             <a:fld id="{00000000-1234-1234-1234-123412341234}" type="slidenum">
               <a:rPr lang="en-US"/>
-              <a:t>9</a:t>
             </a:fld>
             <a:endParaRPr lang="en-US"/>
           </a:p>
@@ -15499,6 +15296,325 @@
       </p:par>
     </p:tnLst>
   </p:timing>
+</p:sld>
+</file>
+
+<file path=ppt/slides/slide9.xml><?xml version="1.0" encoding="utf-8"?>
+<p:sld xmlns:a="http://schemas.openxmlformats.org/drawingml/2006/main" xmlns:r="http://schemas.openxmlformats.org/officeDocument/2006/relationships" xmlns:p="http://schemas.openxmlformats.org/presentationml/2006/main">
+  <p:cSld>
+    <p:spTree>
+      <p:nvGrpSpPr>
+        <p:cNvPr id="1" name="Shape 157"/>
+        <p:cNvGrpSpPr/>
+        <p:nvPr/>
+      </p:nvGrpSpPr>
+      <p:grpSpPr>
+        <a:xfrm>
+          <a:off x="0" y="0"/>
+          <a:ext cx="0" cy="0"/>
+          <a:chOff x="0" y="0"/>
+          <a:chExt cx="0" cy="0"/>
+        </a:xfrm>
+      </p:grpSpPr>
+      <p:sp>
+        <p:nvSpPr>
+          <p:cNvPr id="158" name="Google Shape;158;p17"/>
+          <p:cNvSpPr txBox="1">
+            <a:spLocks noGrp="1"/>
+          </p:cNvSpPr>
+          <p:nvPr>
+            <p:ph type="title"/>
+          </p:nvPr>
+        </p:nvSpPr>
+        <p:spPr>
+          <a:xfrm>
+            <a:off x="457200" y="274638"/>
+            <a:ext cx="8229600" cy="1143000"/>
+          </a:xfrm>
+          <a:prstGeom prst="rect">
+            <a:avLst/>
+          </a:prstGeom>
+          <a:noFill/>
+          <a:ln>
+            <a:noFill/>
+          </a:ln>
+        </p:spPr>
+        <p:txBody>
+          <a:bodyPr spcFirstLastPara="1" wrap="square" lIns="91425" tIns="45700" rIns="91425" bIns="45700" anchor="ctr" anchorCtr="0">
+            <a:normAutofit/>
+          </a:bodyPr>
+          <a:lstStyle/>
+          <a:p>
+            <a:pPr marL="0" lvl="0" indent="0" algn="ctr" rtl="0">
+              <a:spcBef>
+                <a:spcPts val="0"/>
+              </a:spcBef>
+              <a:spcAft>
+                <a:spcPts val="0"/>
+              </a:spcAft>
+              <a:buClr>
+                <a:schemeClr val="dk1"/>
+              </a:buClr>
+              <a:buSzPct val="100000"/>
+              <a:buFont typeface="Calibri"/>
+              <a:buNone/>
+            </a:pPr>
+            <a:r>
+              <a:rPr lang="en-US" altLang="zh-CN" sz="4400" b="1" dirty="0">
+                <a:latin typeface="Calibri"/>
+                <a:ea typeface="Calibri"/>
+                <a:cs typeface="Calibri"/>
+                <a:sym typeface="Calibri"/>
+              </a:rPr>
+              <a:t>Device sensor</a:t>
+            </a:r>
+            <a:endParaRPr lang="en-US" sz="4400" b="1" dirty="0">
+              <a:latin typeface="Calibri"/>
+              <a:ea typeface="Calibri"/>
+              <a:cs typeface="Calibri"/>
+              <a:sym typeface="Calibri"/>
+            </a:endParaRPr>
+          </a:p>
+        </p:txBody>
+      </p:sp>
+      <p:sp>
+        <p:nvSpPr>
+          <p:cNvPr id="2" name="Slide Number Placeholder 1"/>
+          <p:cNvSpPr>
+            <a:spLocks noGrp="1"/>
+          </p:cNvSpPr>
+          <p:nvPr>
+            <p:ph type="sldNum" idx="12"/>
+          </p:nvPr>
+        </p:nvSpPr>
+        <p:spPr/>
+        <p:txBody>
+          <a:bodyPr/>
+          <a:lstStyle/>
+          <a:p>
+            <a:pPr marL="0" lvl="0" indent="0" algn="r" rtl="0">
+              <a:spcBef>
+                <a:spcPts val="0"/>
+              </a:spcBef>
+              <a:spcAft>
+                <a:spcPts val="0"/>
+              </a:spcAft>
+              <a:buNone/>
+            </a:pPr>
+            <a:fld id="{00000000-1234-1234-1234-123412341234}" type="slidenum">
+              <a:rPr lang="en-US"/>
+            </a:fld>
+            <a:endParaRPr lang="en-US"/>
+          </a:p>
+        </p:txBody>
+      </p:sp>
+      <p:sp>
+        <p:nvSpPr>
+          <p:cNvPr id="7" name="Rectangle 5"/>
+          <p:cNvSpPr>
+            <a:spLocks noGrp="1" noChangeArrowheads="1"/>
+          </p:cNvSpPr>
+          <p:nvPr>
+            <p:ph type="body" idx="1"/>
+          </p:nvPr>
+        </p:nvSpPr>
+        <p:spPr bwMode="auto">
+          <a:xfrm>
+            <a:off x="608857" y="2462445"/>
+            <a:ext cx="3530476" cy="1815882"/>
+          </a:xfrm>
+          <a:prstGeom prst="rect">
+            <a:avLst/>
+          </a:prstGeom>
+          <a:noFill/>
+          <a:ln>
+            <a:noFill/>
+          </a:ln>
+          <a:effectLst/>
+          <a:extLst>
+            <a:ext uri="{909E8E84-426E-40DD-AFC4-6F175D3DCCD1}">
+              <a14:hiddenFill xmlns:a14="http://schemas.microsoft.com/office/drawing/2010/main">
+                <a:solidFill>
+                  <a:schemeClr val="accent1"/>
+                </a:solidFill>
+              </a14:hiddenFill>
+            </a:ext>
+            <a:ext uri="{91240B29-F687-4F45-9708-019B960494DF}">
+              <a14:hiddenLine xmlns:a14="http://schemas.microsoft.com/office/drawing/2010/main" w="9525">
+                <a:solidFill>
+                  <a:schemeClr val="tx1"/>
+                </a:solidFill>
+                <a:miter lim="800000"/>
+                <a:headEnd/>
+                <a:tailEnd/>
+              </a14:hiddenLine>
+            </a:ext>
+            <a:ext uri="{AF507438-7753-43E0-B8FC-AC1667EBCBE1}">
+              <a14:hiddenEffects xmlns:a14="http://schemas.microsoft.com/office/drawing/2010/main">
+                <a:effectLst>
+                  <a:outerShdw dist="35921" dir="2700000" algn="ctr" rotWithShape="0">
+                    <a:schemeClr val="bg2"/>
+                  </a:outerShdw>
+                </a:effectLst>
+              </a14:hiddenEffects>
+            </a:ext>
+          </a:extLst>
+        </p:spPr>
+        <p:txBody>
+          <a:bodyPr vert="horz" wrap="square" lIns="91440" tIns="45720" rIns="91440" bIns="45720" numCol="1" anchor="ctr" anchorCtr="0" compatLnSpc="1">
+            <a:spAutoFit/>
+          </a:bodyPr>
+          <a:lstStyle/>
+          <a:p>
+            <a:pPr marL="0" marR="0" lvl="0" indent="0" algn="l" defTabSz="914400" rtl="0" eaLnBrk="0" fontAlgn="base" latinLnBrk="0" hangingPunct="0">
+              <a:lnSpc>
+                <a:spcPct val="100000"/>
+              </a:lnSpc>
+              <a:spcBef>
+                <a:spcPct val="0"/>
+              </a:spcBef>
+              <a:spcAft>
+                <a:spcPct val="0"/>
+              </a:spcAft>
+              <a:buClrTx/>
+              <a:buSzTx/>
+              <a:buFontTx/>
+              <a:buChar char="•"/>
+            </a:pPr>
+            <a:r>
+              <a:rPr kumimoji="0" lang="en-US" altLang="en-US" sz="2800" b="1" i="0" u="none" strike="noStrike" cap="none" normalizeH="0" baseline="0" dirty="0">
+                <a:ln>
+                  <a:noFill/>
+                </a:ln>
+                <a:solidFill>
+                  <a:schemeClr val="bg1"/>
+                </a:solidFill>
+                <a:effectLst/>
+                <a:latin typeface="Arial" panose="020B0604020202090204" pitchFamily="34" charset="0"/>
+              </a:rPr>
+              <a:t>GPS </a:t>
+            </a:r>
+            <a:endParaRPr kumimoji="0" lang="en-US" altLang="en-US" sz="2800" b="1" i="0" u="none" strike="noStrike" cap="none" normalizeH="0" baseline="0" dirty="0">
+              <a:ln>
+                <a:noFill/>
+              </a:ln>
+              <a:solidFill>
+                <a:schemeClr val="bg1"/>
+              </a:solidFill>
+              <a:effectLst/>
+              <a:latin typeface="Arial" panose="020B0604020202090204" pitchFamily="34" charset="0"/>
+            </a:endParaRPr>
+          </a:p>
+          <a:p>
+            <a:pPr marL="0" marR="0" lvl="0" indent="0" algn="l" defTabSz="914400" rtl="0" eaLnBrk="0" fontAlgn="base" latinLnBrk="0" hangingPunct="0">
+              <a:lnSpc>
+                <a:spcPct val="100000"/>
+              </a:lnSpc>
+              <a:spcBef>
+                <a:spcPct val="0"/>
+              </a:spcBef>
+              <a:spcAft>
+                <a:spcPct val="0"/>
+              </a:spcAft>
+              <a:buClrTx/>
+              <a:buSzTx/>
+              <a:buFontTx/>
+              <a:buChar char="•"/>
+            </a:pPr>
+            <a:endParaRPr lang="en-US" altLang="en-US" sz="2800" b="1" dirty="0">
+              <a:solidFill>
+                <a:schemeClr val="bg1"/>
+              </a:solidFill>
+              <a:latin typeface="Arial" panose="020B0604020202090204" pitchFamily="34" charset="0"/>
+            </a:endParaRPr>
+          </a:p>
+          <a:p>
+            <a:pPr marL="0" marR="0" lvl="0" indent="0" algn="l" defTabSz="914400" rtl="0" eaLnBrk="0" fontAlgn="base" latinLnBrk="0" hangingPunct="0">
+              <a:lnSpc>
+                <a:spcPct val="100000"/>
+              </a:lnSpc>
+              <a:spcBef>
+                <a:spcPct val="0"/>
+              </a:spcBef>
+              <a:spcAft>
+                <a:spcPct val="0"/>
+              </a:spcAft>
+              <a:buClrTx/>
+              <a:buSzTx/>
+              <a:buFontTx/>
+              <a:buChar char="•"/>
+            </a:pPr>
+            <a:endParaRPr kumimoji="0" lang="en-US" altLang="en-US" sz="2800" b="0" i="0" u="none" strike="noStrike" cap="none" normalizeH="0" baseline="0" dirty="0">
+              <a:ln>
+                <a:noFill/>
+              </a:ln>
+              <a:solidFill>
+                <a:schemeClr val="bg1"/>
+              </a:solidFill>
+              <a:effectLst/>
+              <a:latin typeface="Arial" panose="020B0604020202090204" pitchFamily="34" charset="0"/>
+            </a:endParaRPr>
+          </a:p>
+          <a:p>
+            <a:pPr marL="0" marR="0" lvl="0" indent="0" algn="l" defTabSz="914400" rtl="0" eaLnBrk="0" fontAlgn="base" latinLnBrk="0" hangingPunct="0">
+              <a:lnSpc>
+                <a:spcPct val="100000"/>
+              </a:lnSpc>
+              <a:spcBef>
+                <a:spcPct val="0"/>
+              </a:spcBef>
+              <a:spcAft>
+                <a:spcPct val="0"/>
+              </a:spcAft>
+              <a:buClrTx/>
+              <a:buSzTx/>
+              <a:buFontTx/>
+              <a:buChar char="•"/>
+            </a:pPr>
+            <a:r>
+              <a:rPr kumimoji="0" lang="en-US" altLang="en-US" sz="2800" b="1" i="0" u="none" strike="noStrike" cap="none" normalizeH="0" baseline="0" dirty="0">
+                <a:ln>
+                  <a:noFill/>
+                </a:ln>
+                <a:solidFill>
+                  <a:schemeClr val="bg1"/>
+                </a:solidFill>
+                <a:effectLst/>
+                <a:latin typeface="Arial" panose="020B0604020202090204" pitchFamily="34" charset="0"/>
+              </a:rPr>
+              <a:t>Camera</a:t>
+            </a:r>
+            <a:r>
+              <a:rPr kumimoji="0" lang="en-US" altLang="en-US" sz="2800" b="0" i="0" u="none" strike="noStrike" cap="none" normalizeH="0" baseline="0" dirty="0">
+                <a:ln>
+                  <a:noFill/>
+                </a:ln>
+                <a:solidFill>
+                  <a:schemeClr val="bg1"/>
+                </a:solidFill>
+                <a:effectLst/>
+                <a:latin typeface="Arial" panose="020B0604020202090204" pitchFamily="34" charset="0"/>
+              </a:rPr>
+              <a:t> </a:t>
+            </a:r>
+            <a:endParaRPr kumimoji="0" lang="en-US" altLang="en-US" sz="2800" b="0" i="0" u="none" strike="noStrike" cap="none" normalizeH="0" baseline="0" dirty="0">
+              <a:ln>
+                <a:noFill/>
+              </a:ln>
+              <a:solidFill>
+                <a:schemeClr val="bg1"/>
+              </a:solidFill>
+              <a:effectLst/>
+              <a:latin typeface="Arial" panose="020B0604020202090204" pitchFamily="34" charset="0"/>
+            </a:endParaRPr>
+          </a:p>
+        </p:txBody>
+      </p:sp>
+    </p:spTree>
+  </p:cSld>
+  <p:clrMapOvr>
+    <a:masterClrMapping/>
+  </p:clrMapOvr>
 </p:sld>
 </file>
 
@@ -15778,8 +15894,6 @@
       </a:bgFillStyleLst>
     </a:fmtScheme>
   </a:themeElements>
-  <a:objectDefaults/>
-  <a:extraClrSchemeLst/>
   <a:extLst>
     <a:ext uri="{05A4C25C-085E-4340-85A3-A5531E510DB2}">
       <thm15:themeFamily xmlns:thm15="http://schemas.microsoft.com/office/thememl/2012/main" name="Office Theme" id="{62F939B6-93AF-4DB8-9C6B-D6C7DFDC589F}" vid="{4A3C46E8-61CC-4603-A589-7422A47A8E4A}"/>
@@ -16064,8 +16178,6 @@
       </a:bgFillStyleLst>
     </a:fmtScheme>
   </a:themeElements>
-  <a:objectDefaults/>
-  <a:extraClrSchemeLst/>
   <a:extLst>
     <a:ext uri="{05A4C25C-085E-4340-85A3-A5531E510DB2}">
       <thm15:themeFamily xmlns:thm15="http://schemas.microsoft.com/office/thememl/2012/main" name="Office Theme" id="{62F939B6-93AF-4DB8-9C6B-D6C7DFDC589F}" vid="{4A3C46E8-61CC-4603-A589-7422A47A8E4A}"/>

--- a/Sprint_1_PRE.pptx
+++ b/Sprint_1_PRE.pptx
@@ -5,32 +5,38 @@
     <p:sldMasterId id="2147483648" r:id="rId1"/>
   </p:sldMasterIdLst>
   <p:notesMasterIdLst>
-    <p:notesMasterId r:id="rId4"/>
+    <p:notesMasterId r:id="rId14"/>
   </p:notesMasterIdLst>
   <p:sldIdLst>
-    <p:sldId id="256" r:id="rId3"/>
-    <p:sldId id="257" r:id="rId5"/>
-    <p:sldId id="278" r:id="rId6"/>
-    <p:sldId id="279" r:id="rId7"/>
-    <p:sldId id="280" r:id="rId8"/>
-    <p:sldId id="258" r:id="rId9"/>
-    <p:sldId id="290" r:id="rId10"/>
-    <p:sldId id="275" r:id="rId11"/>
-    <p:sldId id="286" r:id="rId12"/>
-    <p:sldId id="274" r:id="rId13"/>
-    <p:sldId id="287" r:id="rId14"/>
-    <p:sldId id="273" r:id="rId15"/>
+    <p:sldId id="256" r:id="rId2"/>
+    <p:sldId id="257" r:id="rId3"/>
+    <p:sldId id="278" r:id="rId4"/>
+    <p:sldId id="279" r:id="rId5"/>
+    <p:sldId id="280" r:id="rId6"/>
+    <p:sldId id="258" r:id="rId7"/>
+    <p:sldId id="290" r:id="rId8"/>
+    <p:sldId id="275" r:id="rId9"/>
+    <p:sldId id="286" r:id="rId10"/>
+    <p:sldId id="274" r:id="rId11"/>
+    <p:sldId id="287" r:id="rId12"/>
+    <p:sldId id="273" r:id="rId13"/>
   </p:sldIdLst>
   <p:sldSz cx="9144000" cy="6858000" type="screen4x3"/>
   <p:notesSz cx="6858000" cy="9144000"/>
   <p:embeddedFontLst>
     <p:embeddedFont>
-      <p:font typeface="Montserrat"/>
-      <p:regular r:id="rId19"/>
+      <p:font typeface="Lato" panose="020F0502020204030203" pitchFamily="34" charset="0"/>
+      <p:regular r:id="rId15"/>
+      <p:bold r:id="rId16"/>
+      <p:italic r:id="rId17"/>
+      <p:boldItalic r:id="rId18"/>
     </p:embeddedFont>
     <p:embeddedFont>
-      <p:font typeface="Lato"/>
-      <p:regular r:id="rId20"/>
+      <p:font typeface="Montserrat" pitchFamily="2" charset="77"/>
+      <p:regular r:id="rId19"/>
+      <p:bold r:id="rId20"/>
+      <p:italic r:id="rId21"/>
+      <p:boldItalic r:id="rId22"/>
     </p:embeddedFont>
   </p:embeddedFontLst>
   <p:defaultTextStyle>
@@ -482,7 +488,9 @@
               <a:defRPr sz="1100"/>
             </a:lvl9pPr>
           </a:lstStyle>
-          <a:p/>
+          <a:p>
+            <a:endParaRPr/>
+          </a:p>
         </p:txBody>
       </p:sp>
     </p:spTree>
@@ -721,7 +729,7 @@
 </file>
 
 <file path=ppt/notesSlides/notesSlide1.xml><?xml version="1.0" encoding="utf-8"?>
-<p:notes xmlns:a="http://schemas.openxmlformats.org/drawingml/2006/main" xmlns:r="http://schemas.openxmlformats.org/officeDocument/2006/relationships" xmlns:p="http://schemas.openxmlformats.org/presentationml/2006/main" showMasterPhAnim="0" showMasterSp="0">
+<p:notes xmlns:a="http://schemas.openxmlformats.org/drawingml/2006/main" xmlns:r="http://schemas.openxmlformats.org/officeDocument/2006/relationships" xmlns:p="http://schemas.openxmlformats.org/presentationml/2006/main" showMasterSp="0" showMasterPhAnim="0">
   <p:cSld>
     <p:spTree>
       <p:nvGrpSpPr>
@@ -771,6 +779,7 @@
               </a:spcAft>
               <a:buNone/>
             </a:pPr>
+            <a:endParaRPr/>
           </a:p>
         </p:txBody>
       </p:sp>
@@ -824,7 +833,7 @@
 </file>
 
 <file path=ppt/notesSlides/notesSlide10.xml><?xml version="1.0" encoding="utf-8"?>
-<p:notes xmlns:a="http://schemas.openxmlformats.org/drawingml/2006/main" xmlns:r="http://schemas.openxmlformats.org/officeDocument/2006/relationships" xmlns:p="http://schemas.openxmlformats.org/presentationml/2006/main" showMasterPhAnim="0" showMasterSp="0">
+<p:notes xmlns:a="http://schemas.openxmlformats.org/drawingml/2006/main" xmlns:r="http://schemas.openxmlformats.org/officeDocument/2006/relationships" xmlns:p="http://schemas.openxmlformats.org/presentationml/2006/main" showMasterSp="0" showMasterPhAnim="0">
   <p:cSld>
     <p:spTree>
       <p:nvGrpSpPr>
@@ -874,6 +883,7 @@
               </a:spcAft>
               <a:buNone/>
             </a:pPr>
+            <a:endParaRPr/>
           </a:p>
         </p:txBody>
       </p:sp>
@@ -927,7 +937,7 @@
 </file>
 
 <file path=ppt/notesSlides/notesSlide11.xml><?xml version="1.0" encoding="utf-8"?>
-<p:notes xmlns:a="http://schemas.openxmlformats.org/drawingml/2006/main" xmlns:r="http://schemas.openxmlformats.org/officeDocument/2006/relationships" xmlns:p="http://schemas.openxmlformats.org/presentationml/2006/main" showMasterPhAnim="0" showMasterSp="0">
+<p:notes xmlns:a="http://schemas.openxmlformats.org/drawingml/2006/main" xmlns:r="http://schemas.openxmlformats.org/officeDocument/2006/relationships" xmlns:p="http://schemas.openxmlformats.org/presentationml/2006/main" showMasterSp="0" showMasterPhAnim="0">
   <p:cSld>
     <p:spTree>
       <p:nvGrpSpPr>
@@ -977,6 +987,7 @@
               </a:spcAft>
               <a:buNone/>
             </a:pPr>
+            <a:endParaRPr/>
           </a:p>
         </p:txBody>
       </p:sp>
@@ -1030,7 +1041,7 @@
 </file>
 
 <file path=ppt/notesSlides/notesSlide12.xml><?xml version="1.0" encoding="utf-8"?>
-<p:notes xmlns:a="http://schemas.openxmlformats.org/drawingml/2006/main" xmlns:r="http://schemas.openxmlformats.org/officeDocument/2006/relationships" xmlns:p="http://schemas.openxmlformats.org/presentationml/2006/main" showMasterPhAnim="0" showMasterSp="0">
+<p:notes xmlns:a="http://schemas.openxmlformats.org/drawingml/2006/main" xmlns:r="http://schemas.openxmlformats.org/officeDocument/2006/relationships" xmlns:p="http://schemas.openxmlformats.org/presentationml/2006/main" showMasterSp="0" showMasterPhAnim="0">
   <p:cSld>
     <p:spTree>
       <p:nvGrpSpPr>
@@ -1080,6 +1091,7 @@
               </a:spcAft>
               <a:buNone/>
             </a:pPr>
+            <a:endParaRPr/>
           </a:p>
         </p:txBody>
       </p:sp>
@@ -1133,7 +1145,7 @@
 </file>
 
 <file path=ppt/notesSlides/notesSlide2.xml><?xml version="1.0" encoding="utf-8"?>
-<p:notes xmlns:a="http://schemas.openxmlformats.org/drawingml/2006/main" xmlns:r="http://schemas.openxmlformats.org/officeDocument/2006/relationships" xmlns:p="http://schemas.openxmlformats.org/presentationml/2006/main" showMasterPhAnim="0" showMasterSp="0">
+<p:notes xmlns:a="http://schemas.openxmlformats.org/drawingml/2006/main" xmlns:r="http://schemas.openxmlformats.org/officeDocument/2006/relationships" xmlns:p="http://schemas.openxmlformats.org/presentationml/2006/main" showMasterSp="0" showMasterPhAnim="0">
   <p:cSld>
     <p:spTree>
       <p:nvGrpSpPr>
@@ -1183,6 +1195,7 @@
               </a:spcAft>
               <a:buNone/>
             </a:pPr>
+            <a:endParaRPr/>
           </a:p>
         </p:txBody>
       </p:sp>
@@ -1236,7 +1249,7 @@
 </file>
 
 <file path=ppt/notesSlides/notesSlide3.xml><?xml version="1.0" encoding="utf-8"?>
-<p:notes xmlns:a="http://schemas.openxmlformats.org/drawingml/2006/main" xmlns:r="http://schemas.openxmlformats.org/officeDocument/2006/relationships" xmlns:p="http://schemas.openxmlformats.org/presentationml/2006/main" showMasterPhAnim="0" showMasterSp="0">
+<p:notes xmlns:a="http://schemas.openxmlformats.org/drawingml/2006/main" xmlns:r="http://schemas.openxmlformats.org/officeDocument/2006/relationships" xmlns:p="http://schemas.openxmlformats.org/presentationml/2006/main" showMasterSp="0" showMasterPhAnim="0">
   <p:cSld>
     <p:spTree>
       <p:nvGrpSpPr>
@@ -1287,22 +1300,10 @@
               <a:buNone/>
             </a:pPr>
             <a:r>
-              <a:t>Mockups and UI Design</a:t>
+              <a:rPr lang="en-US" dirty="0"/>
+              <a:t>This onboarding page introduces the event check-in feature, guiding users to confirm their attendance by either uploading a photo or marking themselves as not attending. It ensures accurate attendance tracking and enhances user engagement with clear instructions and a streamlined process</a:t>
             </a:r>
-          </a:p>
-          <a:p>
-            <a:pPr marL="0" lvl="0" indent="0" algn="l" rtl="0">
-              <a:spcBef>
-                <a:spcPts val="0"/>
-              </a:spcBef>
-              <a:spcAft>
-                <a:spcPts val="0"/>
-              </a:spcAft>
-              <a:buNone/>
-            </a:pPr>
-            <a:r>
-              <a:t>Design Tool: Figma</a:t>
-            </a:r>
+            <a:endParaRPr dirty="0"/>
           </a:p>
         </p:txBody>
       </p:sp>
@@ -1318,8 +1319,8 @@
         </p:nvSpPr>
         <p:spPr>
           <a:xfrm>
-            <a:off x="1143225" y="685800"/>
-            <a:ext cx="4572225" cy="3429000"/>
+            <a:off x="1143000" y="685800"/>
+            <a:ext cx="4572000" cy="3429000"/>
           </a:xfrm>
           <a:custGeom>
             <a:avLst/>
@@ -1356,7 +1357,7 @@
 </file>
 
 <file path=ppt/notesSlides/notesSlide4.xml><?xml version="1.0" encoding="utf-8"?>
-<p:notes xmlns:a="http://schemas.openxmlformats.org/drawingml/2006/main" xmlns:r="http://schemas.openxmlformats.org/officeDocument/2006/relationships" xmlns:p="http://schemas.openxmlformats.org/presentationml/2006/main" showMasterPhAnim="0" showMasterSp="0">
+<p:notes xmlns:a="http://schemas.openxmlformats.org/drawingml/2006/main" xmlns:r="http://schemas.openxmlformats.org/officeDocument/2006/relationships" xmlns:p="http://schemas.openxmlformats.org/presentationml/2006/main" showMasterSp="0" showMasterPhAnim="0">
   <p:cSld>
     <p:spTree>
       <p:nvGrpSpPr>
@@ -1407,8 +1408,18 @@
               <a:buNone/>
             </a:pPr>
             <a:r>
-              <a:t>The recommendation method won’t be too complex; our initial idea is to recommend events with the highest attendance.</a:t>
+              <a:rPr lang="en-US" dirty="0"/>
+              <a:t>This page introduces the </a:t>
             </a:r>
+            <a:r>
+              <a:rPr lang="en-US" b="1" dirty="0"/>
+              <a:t>social connection feature</a:t>
+            </a:r>
+            <a:r>
+              <a:rPr lang="en-US" dirty="0"/>
+              <a:t>, encouraging users to make new friends by sharing their unique User ID. Users can explore public reviews of others while sharing their own, fostering interaction and community engagement.</a:t>
+            </a:r>
+            <a:endParaRPr dirty="0"/>
           </a:p>
         </p:txBody>
       </p:sp>
@@ -1424,8 +1435,8 @@
         </p:nvSpPr>
         <p:spPr>
           <a:xfrm>
-            <a:off x="1143225" y="685800"/>
-            <a:ext cx="4572225" cy="3429000"/>
+            <a:off x="1143000" y="685800"/>
+            <a:ext cx="4572000" cy="3429000"/>
           </a:xfrm>
           <a:custGeom>
             <a:avLst/>
@@ -1462,7 +1473,7 @@
 </file>
 
 <file path=ppt/notesSlides/notesSlide5.xml><?xml version="1.0" encoding="utf-8"?>
-<p:notes xmlns:a="http://schemas.openxmlformats.org/drawingml/2006/main" xmlns:r="http://schemas.openxmlformats.org/officeDocument/2006/relationships" xmlns:p="http://schemas.openxmlformats.org/presentationml/2006/main" showMasterPhAnim="0" showMasterSp="0">
+<p:notes xmlns:a="http://schemas.openxmlformats.org/drawingml/2006/main" xmlns:r="http://schemas.openxmlformats.org/officeDocument/2006/relationships" xmlns:p="http://schemas.openxmlformats.org/presentationml/2006/main" showMasterSp="0" showMasterPhAnim="0">
   <p:cSld>
     <p:spTree>
       <p:nvGrpSpPr>
@@ -1512,6 +1523,11 @@
               </a:spcAft>
               <a:buNone/>
             </a:pPr>
+            <a:r>
+              <a:rPr lang="en-US" dirty="0"/>
+              <a:t>This page introduces the feedback feature, allowing users to share their experiences after attending an event. Feedback can be private or public, helping to improve future events and fostering community transparency.</a:t>
+            </a:r>
+            <a:endParaRPr dirty="0"/>
           </a:p>
         </p:txBody>
       </p:sp>
@@ -1527,8 +1543,8 @@
         </p:nvSpPr>
         <p:spPr>
           <a:xfrm>
-            <a:off x="1143225" y="685800"/>
-            <a:ext cx="4572225" cy="3429000"/>
+            <a:off x="1143000" y="685800"/>
+            <a:ext cx="4572000" cy="3429000"/>
           </a:xfrm>
           <a:custGeom>
             <a:avLst/>
@@ -1565,7 +1581,7 @@
 </file>
 
 <file path=ppt/notesSlides/notesSlide6.xml><?xml version="1.0" encoding="utf-8"?>
-<p:notes xmlns:a="http://schemas.openxmlformats.org/drawingml/2006/main" xmlns:r="http://schemas.openxmlformats.org/officeDocument/2006/relationships" xmlns:p="http://schemas.openxmlformats.org/presentationml/2006/main" showMasterPhAnim="0" showMasterSp="0">
+<p:notes xmlns:a="http://schemas.openxmlformats.org/drawingml/2006/main" xmlns:r="http://schemas.openxmlformats.org/officeDocument/2006/relationships" xmlns:p="http://schemas.openxmlformats.org/presentationml/2006/main" showMasterSp="0" showMasterPhAnim="0">
   <p:cSld>
     <p:spTree>
       <p:nvGrpSpPr>
@@ -1615,6 +1631,7 @@
               </a:spcAft>
               <a:buNone/>
             </a:pPr>
+            <a:endParaRPr/>
           </a:p>
         </p:txBody>
       </p:sp>
@@ -1668,7 +1685,7 @@
 </file>
 
 <file path=ppt/notesSlides/notesSlide7.xml><?xml version="1.0" encoding="utf-8"?>
-<p:notes xmlns:a="http://schemas.openxmlformats.org/drawingml/2006/main" xmlns:r="http://schemas.openxmlformats.org/officeDocument/2006/relationships" xmlns:p="http://schemas.openxmlformats.org/presentationml/2006/main" showMasterPhAnim="0" showMasterSp="0">
+<p:notes xmlns:a="http://schemas.openxmlformats.org/drawingml/2006/main" xmlns:r="http://schemas.openxmlformats.org/officeDocument/2006/relationships" xmlns:p="http://schemas.openxmlformats.org/presentationml/2006/main" showMasterSp="0" showMasterPhAnim="0">
   <p:cSld>
     <p:spTree>
       <p:nvGrpSpPr>
@@ -1718,6 +1735,7 @@
               </a:spcAft>
               <a:buNone/>
             </a:pPr>
+            <a:endParaRPr/>
           </a:p>
         </p:txBody>
       </p:sp>
@@ -1771,7 +1789,7 @@
 </file>
 
 <file path=ppt/notesSlides/notesSlide8.xml><?xml version="1.0" encoding="utf-8"?>
-<p:notes xmlns:a="http://schemas.openxmlformats.org/drawingml/2006/main" xmlns:r="http://schemas.openxmlformats.org/officeDocument/2006/relationships" xmlns:p="http://schemas.openxmlformats.org/presentationml/2006/main" showMasterPhAnim="0" showMasterSp="0">
+<p:notes xmlns:a="http://schemas.openxmlformats.org/drawingml/2006/main" xmlns:r="http://schemas.openxmlformats.org/officeDocument/2006/relationships" xmlns:p="http://schemas.openxmlformats.org/presentationml/2006/main" showMasterSp="0" showMasterPhAnim="0">
   <p:cSld>
     <p:spTree>
       <p:nvGrpSpPr>
@@ -1821,6 +1839,7 @@
               </a:spcAft>
               <a:buNone/>
             </a:pPr>
+            <a:endParaRPr/>
           </a:p>
         </p:txBody>
       </p:sp>
@@ -1874,7 +1893,7 @@
 </file>
 
 <file path=ppt/notesSlides/notesSlide9.xml><?xml version="1.0" encoding="utf-8"?>
-<p:notes xmlns:a="http://schemas.openxmlformats.org/drawingml/2006/main" xmlns:r="http://schemas.openxmlformats.org/officeDocument/2006/relationships" xmlns:p="http://schemas.openxmlformats.org/presentationml/2006/main" showMasterPhAnim="0" showMasterSp="0">
+<p:notes xmlns:a="http://schemas.openxmlformats.org/drawingml/2006/main" xmlns:r="http://schemas.openxmlformats.org/officeDocument/2006/relationships" xmlns:p="http://schemas.openxmlformats.org/presentationml/2006/main" showMasterSp="0" showMasterPhAnim="0">
   <p:cSld>
     <p:spTree>
       <p:nvGrpSpPr>
@@ -1924,6 +1943,7 @@
               </a:spcAft>
               <a:buNone/>
             </a:pPr>
+            <a:endParaRPr/>
           </a:p>
         </p:txBody>
       </p:sp>
@@ -1977,7 +1997,7 @@
 </file>
 
 <file path=ppt/slideLayouts/slideLayout1.xml><?xml version="1.0" encoding="utf-8"?>
-<p:sldLayout xmlns:a="http://schemas.openxmlformats.org/drawingml/2006/main" xmlns:r="http://schemas.openxmlformats.org/officeDocument/2006/relationships" xmlns:p="http://schemas.openxmlformats.org/presentationml/2006/main" type="title" matchingName="Title slide">
+<p:sldLayout xmlns:a="http://schemas.openxmlformats.org/drawingml/2006/main" xmlns:r="http://schemas.openxmlformats.org/officeDocument/2006/relationships" xmlns:p="http://schemas.openxmlformats.org/presentationml/2006/main" matchingName="Title slide" type="title">
   <p:cSld name="TITLE">
     <p:spTree>
       <p:nvGrpSpPr>
@@ -2033,6 +2053,7 @@
               </a:spcAft>
               <a:buNone/>
             </a:pPr>
+            <a:endParaRPr/>
           </a:p>
         </p:txBody>
       </p:sp>
@@ -2090,6 +2111,7 @@
                 </a:spcAft>
                 <a:buNone/>
               </a:pPr>
+              <a:endParaRPr/>
             </a:p>
           </p:txBody>
         </p:sp>
@@ -2133,6 +2155,7 @@
                 </a:spcAft>
                 <a:buNone/>
               </a:pPr>
+              <a:endParaRPr/>
             </a:p>
           </p:txBody>
         </p:sp>
@@ -2174,6 +2197,7 @@
                 </a:spcAft>
                 <a:buNone/>
               </a:pPr>
+              <a:endParaRPr/>
             </a:p>
           </p:txBody>
         </p:sp>
@@ -2215,6 +2239,7 @@
                 </a:spcAft>
                 <a:buNone/>
               </a:pPr>
+              <a:endParaRPr/>
             </a:p>
           </p:txBody>
         </p:sp>
@@ -2343,7 +2368,9 @@
               <a:defRPr sz="4000"/>
             </a:lvl9pPr>
           </a:lstStyle>
-          <a:p/>
+          <a:p>
+            <a:endParaRPr/>
+          </a:p>
         </p:txBody>
       </p:sp>
       <p:sp>
@@ -2497,7 +2524,9 @@
               <a:defRPr sz="1300"/>
             </a:lvl9pPr>
           </a:lstStyle>
-          <a:p/>
+          <a:p>
+            <a:endParaRPr/>
+          </a:p>
         </p:txBody>
       </p:sp>
       <p:sp>
@@ -2573,6 +2602,7 @@
             </a:pPr>
             <a:fld id="{00000000-1234-1234-1234-123412341234}" type="slidenum">
               <a:rPr lang="en-US"/>
+              <a:t>‹#›</a:t>
             </a:fld>
             <a:endParaRPr lang="en-US"/>
           </a:p>
@@ -2658,6 +2688,7 @@
                 </a:spcAft>
                 <a:buNone/>
               </a:pPr>
+              <a:endParaRPr/>
             </a:p>
           </p:txBody>
         </p:sp>
@@ -2701,6 +2732,7 @@
                 </a:spcAft>
                 <a:buNone/>
               </a:pPr>
+              <a:endParaRPr/>
             </a:p>
           </p:txBody>
         </p:sp>
@@ -2744,6 +2776,7 @@
                 </a:spcAft>
                 <a:buNone/>
               </a:pPr>
+              <a:endParaRPr/>
             </a:p>
           </p:txBody>
         </p:sp>
@@ -2787,6 +2820,7 @@
                 </a:spcAft>
                 <a:buNone/>
               </a:pPr>
+              <a:endParaRPr/>
             </a:p>
           </p:txBody>
         </p:sp>
@@ -2830,6 +2864,7 @@
                 </a:spcAft>
                 <a:buNone/>
               </a:pPr>
+              <a:endParaRPr/>
             </a:p>
           </p:txBody>
         </p:sp>
@@ -2873,6 +2908,7 @@
                 </a:spcAft>
                 <a:buNone/>
               </a:pPr>
+              <a:endParaRPr/>
             </a:p>
           </p:txBody>
         </p:sp>
@@ -2916,6 +2952,7 @@
                 </a:spcAft>
                 <a:buNone/>
               </a:pPr>
+              <a:endParaRPr/>
             </a:p>
           </p:txBody>
         </p:sp>
@@ -2957,6 +2994,7 @@
                 </a:spcAft>
                 <a:buNone/>
               </a:pPr>
+              <a:endParaRPr/>
             </a:p>
           </p:txBody>
         </p:sp>
@@ -3000,6 +3038,7 @@
                 </a:spcAft>
                 <a:buNone/>
               </a:pPr>
+              <a:endParaRPr/>
             </a:p>
           </p:txBody>
         </p:sp>
@@ -3043,6 +3082,7 @@
                 </a:spcAft>
                 <a:buNone/>
               </a:pPr>
+              <a:endParaRPr/>
             </a:p>
           </p:txBody>
         </p:sp>
@@ -3086,6 +3126,7 @@
                 </a:spcAft>
                 <a:buNone/>
               </a:pPr>
+              <a:endParaRPr/>
             </a:p>
           </p:txBody>
         </p:sp>
@@ -3129,6 +3170,7 @@
                 </a:spcAft>
                 <a:buNone/>
               </a:pPr>
+              <a:endParaRPr/>
             </a:p>
           </p:txBody>
         </p:sp>
@@ -3172,6 +3214,7 @@
                 </a:spcAft>
                 <a:buNone/>
               </a:pPr>
+              <a:endParaRPr/>
             </a:p>
           </p:txBody>
         </p:sp>
@@ -3213,6 +3256,7 @@
                 </a:spcAft>
                 <a:buNone/>
               </a:pPr>
+              <a:endParaRPr/>
             </a:p>
           </p:txBody>
         </p:sp>
@@ -3256,6 +3300,7 @@
                 </a:spcAft>
                 <a:buNone/>
               </a:pPr>
+              <a:endParaRPr/>
             </a:p>
           </p:txBody>
         </p:sp>
@@ -3299,6 +3344,7 @@
                 </a:spcAft>
                 <a:buNone/>
               </a:pPr>
+              <a:endParaRPr/>
             </a:p>
           </p:txBody>
         </p:sp>
@@ -3342,6 +3388,7 @@
                 </a:spcAft>
                 <a:buNone/>
               </a:pPr>
+              <a:endParaRPr/>
             </a:p>
           </p:txBody>
         </p:sp>
@@ -3385,6 +3432,7 @@
                 </a:spcAft>
                 <a:buNone/>
               </a:pPr>
+              <a:endParaRPr/>
             </a:p>
           </p:txBody>
         </p:sp>
@@ -3644,7 +3692,9 @@
               <a:defRPr/>
             </a:lvl9pPr>
           </a:lstStyle>
-          <a:p/>
+          <a:p>
+            <a:endParaRPr/>
+          </a:p>
         </p:txBody>
       </p:sp>
       <p:sp>
@@ -3720,6 +3770,7 @@
             </a:pPr>
             <a:fld id="{00000000-1234-1234-1234-123412341234}" type="slidenum">
               <a:rPr lang="en-US"/>
+              <a:t>‹#›</a:t>
             </a:fld>
             <a:endParaRPr lang="en-US"/>
           </a:p>
@@ -3735,7 +3786,7 @@
 </file>
 
 <file path=ppt/slideLayouts/slideLayout11.xml><?xml version="1.0" encoding="utf-8"?>
-<p:sldLayout xmlns:a="http://schemas.openxmlformats.org/drawingml/2006/main" xmlns:r="http://schemas.openxmlformats.org/officeDocument/2006/relationships" xmlns:p="http://schemas.openxmlformats.org/presentationml/2006/main" type="blank" matchingName="Blank">
+<p:sldLayout xmlns:a="http://schemas.openxmlformats.org/drawingml/2006/main" xmlns:r="http://schemas.openxmlformats.org/officeDocument/2006/relationships" xmlns:p="http://schemas.openxmlformats.org/presentationml/2006/main" matchingName="Blank" type="blank">
   <p:cSld name="BLANK">
     <p:spTree>
       <p:nvGrpSpPr>
@@ -3824,6 +3875,7 @@
             </a:pPr>
             <a:fld id="{00000000-1234-1234-1234-123412341234}" type="slidenum">
               <a:rPr lang="en-US"/>
+              <a:t>‹#›</a:t>
             </a:fld>
             <a:endParaRPr lang="en-US"/>
           </a:p>
@@ -3839,7 +3891,7 @@
 </file>
 
 <file path=ppt/slideLayouts/slideLayout12.xml><?xml version="1.0" encoding="utf-8"?>
-<p:sldLayout xmlns:a="http://schemas.openxmlformats.org/drawingml/2006/main" xmlns:r="http://schemas.openxmlformats.org/officeDocument/2006/relationships" xmlns:p="http://schemas.openxmlformats.org/presentationml/2006/main" type="obj" matchingName="Title and Content">
+<p:sldLayout xmlns:a="http://schemas.openxmlformats.org/drawingml/2006/main" xmlns:r="http://schemas.openxmlformats.org/officeDocument/2006/relationships" xmlns:p="http://schemas.openxmlformats.org/presentationml/2006/main" matchingName="Title and Content" type="obj">
   <p:cSld name="OBJECT">
     <p:spTree>
       <p:nvGrpSpPr>
@@ -3986,7 +4038,9 @@
               <a:defRPr/>
             </a:lvl9pPr>
           </a:lstStyle>
-          <a:p/>
+          <a:p>
+            <a:endParaRPr/>
+          </a:p>
         </p:txBody>
       </p:sp>
       <p:sp>
@@ -4144,7 +4198,9 @@
               <a:defRPr/>
             </a:lvl9pPr>
           </a:lstStyle>
-          <a:p/>
+          <a:p>
+            <a:endParaRPr/>
+          </a:p>
         </p:txBody>
       </p:sp>
       <p:sp>
@@ -4275,7 +4331,9 @@
               <a:defRPr/>
             </a:lvl9pPr>
           </a:lstStyle>
-          <a:p/>
+          <a:p>
+            <a:endParaRPr/>
+          </a:p>
         </p:txBody>
       </p:sp>
       <p:sp>
@@ -4406,7 +4464,9 @@
               <a:defRPr/>
             </a:lvl9pPr>
           </a:lstStyle>
-          <a:p/>
+          <a:p>
+            <a:endParaRPr/>
+          </a:p>
         </p:txBody>
       </p:sp>
       <p:sp>
@@ -4513,6 +4573,7 @@
             </a:pPr>
             <a:fld id="{00000000-1234-1234-1234-123412341234}" type="slidenum">
               <a:rPr lang="en-US"/>
+              <a:t>‹#›</a:t>
             </a:fld>
             <a:endParaRPr lang="en-US"/>
           </a:p>
@@ -4528,7 +4589,7 @@
 </file>
 
 <file path=ppt/slideLayouts/slideLayout2.xml><?xml version="1.0" encoding="utf-8"?>
-<p:sldLayout xmlns:a="http://schemas.openxmlformats.org/drawingml/2006/main" xmlns:r="http://schemas.openxmlformats.org/officeDocument/2006/relationships" xmlns:p="http://schemas.openxmlformats.org/presentationml/2006/main" type="secHead" matchingName="Section header">
+<p:sldLayout xmlns:a="http://schemas.openxmlformats.org/drawingml/2006/main" xmlns:r="http://schemas.openxmlformats.org/officeDocument/2006/relationships" xmlns:p="http://schemas.openxmlformats.org/presentationml/2006/main" matchingName="Section header" type="secHead">
   <p:cSld name="SECTION_HEADER">
     <p:spTree>
       <p:nvGrpSpPr>
@@ -4598,6 +4659,7 @@
                 </a:spcAft>
                 <a:buNone/>
               </a:pPr>
+              <a:endParaRPr/>
             </a:p>
           </p:txBody>
         </p:sp>
@@ -4641,6 +4703,7 @@
                 </a:spcAft>
                 <a:buNone/>
               </a:pPr>
+              <a:endParaRPr/>
             </a:p>
           </p:txBody>
         </p:sp>
@@ -4684,6 +4747,7 @@
                 </a:spcAft>
                 <a:buNone/>
               </a:pPr>
+              <a:endParaRPr/>
             </a:p>
           </p:txBody>
         </p:sp>
@@ -4727,6 +4791,7 @@
                 </a:spcAft>
                 <a:buNone/>
               </a:pPr>
+              <a:endParaRPr/>
             </a:p>
           </p:txBody>
         </p:sp>
@@ -4770,6 +4835,7 @@
                 </a:spcAft>
                 <a:buNone/>
               </a:pPr>
+              <a:endParaRPr/>
             </a:p>
           </p:txBody>
         </p:sp>
@@ -4813,6 +4879,7 @@
                 </a:spcAft>
                 <a:buNone/>
               </a:pPr>
+              <a:endParaRPr/>
             </a:p>
           </p:txBody>
         </p:sp>
@@ -4856,6 +4923,7 @@
                 </a:spcAft>
                 <a:buNone/>
               </a:pPr>
+              <a:endParaRPr/>
             </a:p>
           </p:txBody>
         </p:sp>
@@ -4897,6 +4965,7 @@
                 </a:spcAft>
                 <a:buNone/>
               </a:pPr>
+              <a:endParaRPr/>
             </a:p>
           </p:txBody>
         </p:sp>
@@ -4940,6 +5009,7 @@
                 </a:spcAft>
                 <a:buNone/>
               </a:pPr>
+              <a:endParaRPr/>
             </a:p>
           </p:txBody>
         </p:sp>
@@ -4983,6 +5053,7 @@
                 </a:spcAft>
                 <a:buNone/>
               </a:pPr>
+              <a:endParaRPr/>
             </a:p>
           </p:txBody>
         </p:sp>
@@ -5026,6 +5097,7 @@
                 </a:spcAft>
                 <a:buNone/>
               </a:pPr>
+              <a:endParaRPr/>
             </a:p>
           </p:txBody>
         </p:sp>
@@ -5069,6 +5141,7 @@
                 </a:spcAft>
                 <a:buNone/>
               </a:pPr>
+              <a:endParaRPr/>
             </a:p>
           </p:txBody>
         </p:sp>
@@ -5112,6 +5185,7 @@
                 </a:spcAft>
                 <a:buNone/>
               </a:pPr>
+              <a:endParaRPr/>
             </a:p>
           </p:txBody>
         </p:sp>
@@ -5153,6 +5227,7 @@
                 </a:spcAft>
                 <a:buNone/>
               </a:pPr>
+              <a:endParaRPr/>
             </a:p>
           </p:txBody>
         </p:sp>
@@ -5196,6 +5271,7 @@
                 </a:spcAft>
                 <a:buNone/>
               </a:pPr>
+              <a:endParaRPr/>
             </a:p>
           </p:txBody>
         </p:sp>
@@ -5239,6 +5315,7 @@
                 </a:spcAft>
                 <a:buNone/>
               </a:pPr>
+              <a:endParaRPr/>
             </a:p>
           </p:txBody>
         </p:sp>
@@ -5282,6 +5359,7 @@
                 </a:spcAft>
                 <a:buNone/>
               </a:pPr>
+              <a:endParaRPr/>
             </a:p>
           </p:txBody>
         </p:sp>
@@ -5325,6 +5403,7 @@
                 </a:spcAft>
                 <a:buNone/>
               </a:pPr>
+              <a:endParaRPr/>
             </a:p>
           </p:txBody>
         </p:sp>
@@ -5453,7 +5532,9 @@
               <a:defRPr/>
             </a:lvl9pPr>
           </a:lstStyle>
-          <a:p/>
+          <a:p>
+            <a:endParaRPr/>
+          </a:p>
         </p:txBody>
       </p:sp>
       <p:sp>
@@ -5529,6 +5610,7 @@
             </a:pPr>
             <a:fld id="{00000000-1234-1234-1234-123412341234}" type="slidenum">
               <a:rPr lang="en-US"/>
+              <a:t>‹#›</a:t>
             </a:fld>
             <a:endParaRPr lang="en-US"/>
           </a:p>
@@ -5544,7 +5626,7 @@
 </file>
 
 <file path=ppt/slideLayouts/slideLayout3.xml><?xml version="1.0" encoding="utf-8"?>
-<p:sldLayout xmlns:a="http://schemas.openxmlformats.org/drawingml/2006/main" xmlns:r="http://schemas.openxmlformats.org/officeDocument/2006/relationships" xmlns:p="http://schemas.openxmlformats.org/presentationml/2006/main" type="tx" matchingName="Title and body">
+<p:sldLayout xmlns:a="http://schemas.openxmlformats.org/drawingml/2006/main" xmlns:r="http://schemas.openxmlformats.org/officeDocument/2006/relationships" xmlns:p="http://schemas.openxmlformats.org/presentationml/2006/main" matchingName="Title and body" type="tx">
   <p:cSld name="TITLE_AND_BODY">
     <p:spTree>
       <p:nvGrpSpPr>
@@ -5612,6 +5694,7 @@
                 </a:spcAft>
                 <a:buNone/>
               </a:pPr>
+              <a:endParaRPr/>
             </a:p>
           </p:txBody>
         </p:sp>
@@ -5653,6 +5736,7 @@
                 </a:spcAft>
                 <a:buNone/>
               </a:pPr>
+              <a:endParaRPr/>
             </a:p>
           </p:txBody>
         </p:sp>
@@ -5781,7 +5865,9 @@
               <a:defRPr sz="2400"/>
             </a:lvl9pPr>
           </a:lstStyle>
-          <a:p/>
+          <a:p>
+            <a:endParaRPr/>
+          </a:p>
         </p:txBody>
       </p:sp>
       <p:sp>
@@ -5908,7 +5994,9 @@
               <a:defRPr/>
             </a:lvl9pPr>
           </a:lstStyle>
-          <a:p/>
+          <a:p>
+            <a:endParaRPr/>
+          </a:p>
         </p:txBody>
       </p:sp>
       <p:sp>
@@ -5984,6 +6072,7 @@
             </a:pPr>
             <a:fld id="{00000000-1234-1234-1234-123412341234}" type="slidenum">
               <a:rPr lang="en-US"/>
+              <a:t>‹#›</a:t>
             </a:fld>
             <a:endParaRPr lang="en-US"/>
           </a:p>
@@ -5999,7 +6088,7 @@
 </file>
 
 <file path=ppt/slideLayouts/slideLayout4.xml><?xml version="1.0" encoding="utf-8"?>
-<p:sldLayout xmlns:a="http://schemas.openxmlformats.org/drawingml/2006/main" xmlns:r="http://schemas.openxmlformats.org/officeDocument/2006/relationships" xmlns:p="http://schemas.openxmlformats.org/presentationml/2006/main" type="twoColTx" matchingName="Title and two columns">
+<p:sldLayout xmlns:a="http://schemas.openxmlformats.org/drawingml/2006/main" xmlns:r="http://schemas.openxmlformats.org/officeDocument/2006/relationships" xmlns:p="http://schemas.openxmlformats.org/presentationml/2006/main" matchingName="Title and two columns" type="twoColTx">
   <p:cSld name="TITLE_AND_TWO_COLUMNS">
     <p:spTree>
       <p:nvGrpSpPr>
@@ -6067,6 +6156,7 @@
                 </a:spcAft>
                 <a:buNone/>
               </a:pPr>
+              <a:endParaRPr/>
             </a:p>
           </p:txBody>
         </p:sp>
@@ -6108,6 +6198,7 @@
                 </a:spcAft>
                 <a:buNone/>
               </a:pPr>
+              <a:endParaRPr/>
             </a:p>
           </p:txBody>
         </p:sp>
@@ -6236,7 +6327,9 @@
               <a:defRPr sz="2400"/>
             </a:lvl9pPr>
           </a:lstStyle>
-          <a:p/>
+          <a:p>
+            <a:endParaRPr/>
+          </a:p>
         </p:txBody>
       </p:sp>
       <p:sp>
@@ -6363,7 +6456,9 @@
               <a:defRPr/>
             </a:lvl9pPr>
           </a:lstStyle>
-          <a:p/>
+          <a:p>
+            <a:endParaRPr/>
+          </a:p>
         </p:txBody>
       </p:sp>
       <p:sp>
@@ -6490,7 +6585,9 @@
               <a:defRPr/>
             </a:lvl9pPr>
           </a:lstStyle>
-          <a:p/>
+          <a:p>
+            <a:endParaRPr/>
+          </a:p>
         </p:txBody>
       </p:sp>
       <p:sp>
@@ -6566,6 +6663,7 @@
             </a:pPr>
             <a:fld id="{00000000-1234-1234-1234-123412341234}" type="slidenum">
               <a:rPr lang="en-US"/>
+              <a:t>‹#›</a:t>
             </a:fld>
             <a:endParaRPr lang="en-US"/>
           </a:p>
@@ -6581,7 +6679,7 @@
 </file>
 
 <file path=ppt/slideLayouts/slideLayout5.xml><?xml version="1.0" encoding="utf-8"?>
-<p:sldLayout xmlns:a="http://schemas.openxmlformats.org/drawingml/2006/main" xmlns:r="http://schemas.openxmlformats.org/officeDocument/2006/relationships" xmlns:p="http://schemas.openxmlformats.org/presentationml/2006/main" type="titleOnly" matchingName="Title only">
+<p:sldLayout xmlns:a="http://schemas.openxmlformats.org/drawingml/2006/main" xmlns:r="http://schemas.openxmlformats.org/officeDocument/2006/relationships" xmlns:p="http://schemas.openxmlformats.org/presentationml/2006/main" matchingName="Title only" type="titleOnly">
   <p:cSld name="TITLE_ONLY">
     <p:spTree>
       <p:nvGrpSpPr>
@@ -6649,6 +6747,7 @@
                 </a:spcAft>
                 <a:buNone/>
               </a:pPr>
+              <a:endParaRPr/>
             </a:p>
           </p:txBody>
         </p:sp>
@@ -6690,6 +6789,7 @@
                 </a:spcAft>
                 <a:buNone/>
               </a:pPr>
+              <a:endParaRPr/>
             </a:p>
           </p:txBody>
         </p:sp>
@@ -6818,7 +6918,9 @@
               <a:defRPr sz="2400"/>
             </a:lvl9pPr>
           </a:lstStyle>
-          <a:p/>
+          <a:p>
+            <a:endParaRPr/>
+          </a:p>
         </p:txBody>
       </p:sp>
       <p:sp>
@@ -6894,6 +6996,7 @@
             </a:pPr>
             <a:fld id="{00000000-1234-1234-1234-123412341234}" type="slidenum">
               <a:rPr lang="en-US"/>
+              <a:t>‹#›</a:t>
             </a:fld>
             <a:endParaRPr lang="en-US"/>
           </a:p>
@@ -6977,6 +7080,7 @@
                 </a:spcAft>
                 <a:buNone/>
               </a:pPr>
+              <a:endParaRPr/>
             </a:p>
           </p:txBody>
         </p:sp>
@@ -7018,6 +7122,7 @@
                 </a:spcAft>
                 <a:buNone/>
               </a:pPr>
+              <a:endParaRPr/>
             </a:p>
           </p:txBody>
         </p:sp>
@@ -7146,7 +7251,9 @@
               <a:defRPr sz="2400"/>
             </a:lvl9pPr>
           </a:lstStyle>
-          <a:p/>
+          <a:p>
+            <a:endParaRPr/>
+          </a:p>
         </p:txBody>
       </p:sp>
       <p:sp>
@@ -7273,7 +7380,9 @@
               <a:defRPr/>
             </a:lvl9pPr>
           </a:lstStyle>
-          <a:p/>
+          <a:p>
+            <a:endParaRPr/>
+          </a:p>
         </p:txBody>
       </p:sp>
       <p:sp>
@@ -7349,6 +7458,7 @@
             </a:pPr>
             <a:fld id="{00000000-1234-1234-1234-123412341234}" type="slidenum">
               <a:rPr lang="en-US"/>
+              <a:t>‹#›</a:t>
             </a:fld>
             <a:endParaRPr lang="en-US"/>
           </a:p>
@@ -7434,6 +7544,7 @@
                 </a:spcAft>
                 <a:buNone/>
               </a:pPr>
+              <a:endParaRPr/>
             </a:p>
           </p:txBody>
         </p:sp>
@@ -7477,6 +7588,7 @@
                 </a:spcAft>
                 <a:buNone/>
               </a:pPr>
+              <a:endParaRPr/>
             </a:p>
           </p:txBody>
         </p:sp>
@@ -7520,6 +7632,7 @@
                 </a:spcAft>
                 <a:buNone/>
               </a:pPr>
+              <a:endParaRPr/>
             </a:p>
           </p:txBody>
         </p:sp>
@@ -7563,6 +7676,7 @@
                 </a:spcAft>
                 <a:buNone/>
               </a:pPr>
+              <a:endParaRPr/>
             </a:p>
           </p:txBody>
         </p:sp>
@@ -7606,6 +7720,7 @@
                 </a:spcAft>
                 <a:buNone/>
               </a:pPr>
+              <a:endParaRPr/>
             </a:p>
           </p:txBody>
         </p:sp>
@@ -7649,6 +7764,7 @@
                 </a:spcAft>
                 <a:buNone/>
               </a:pPr>
+              <a:endParaRPr/>
             </a:p>
           </p:txBody>
         </p:sp>
@@ -7692,6 +7808,7 @@
                 </a:spcAft>
                 <a:buNone/>
               </a:pPr>
+              <a:endParaRPr/>
             </a:p>
           </p:txBody>
         </p:sp>
@@ -7733,6 +7850,7 @@
                 </a:spcAft>
                 <a:buNone/>
               </a:pPr>
+              <a:endParaRPr/>
             </a:p>
           </p:txBody>
         </p:sp>
@@ -7776,6 +7894,7 @@
                 </a:spcAft>
                 <a:buNone/>
               </a:pPr>
+              <a:endParaRPr/>
             </a:p>
           </p:txBody>
         </p:sp>
@@ -7819,6 +7938,7 @@
                 </a:spcAft>
                 <a:buNone/>
               </a:pPr>
+              <a:endParaRPr/>
             </a:p>
           </p:txBody>
         </p:sp>
@@ -7862,6 +7982,7 @@
                 </a:spcAft>
                 <a:buNone/>
               </a:pPr>
+              <a:endParaRPr/>
             </a:p>
           </p:txBody>
         </p:sp>
@@ -7905,6 +8026,7 @@
                 </a:spcAft>
                 <a:buNone/>
               </a:pPr>
+              <a:endParaRPr/>
             </a:p>
           </p:txBody>
         </p:sp>
@@ -7948,6 +8070,7 @@
                 </a:spcAft>
                 <a:buNone/>
               </a:pPr>
+              <a:endParaRPr/>
             </a:p>
           </p:txBody>
         </p:sp>
@@ -7989,6 +8112,7 @@
                 </a:spcAft>
                 <a:buNone/>
               </a:pPr>
+              <a:endParaRPr/>
             </a:p>
           </p:txBody>
         </p:sp>
@@ -8032,6 +8156,7 @@
                 </a:spcAft>
                 <a:buNone/>
               </a:pPr>
+              <a:endParaRPr/>
             </a:p>
           </p:txBody>
         </p:sp>
@@ -8075,6 +8200,7 @@
                 </a:spcAft>
                 <a:buNone/>
               </a:pPr>
+              <a:endParaRPr/>
             </a:p>
           </p:txBody>
         </p:sp>
@@ -8118,6 +8244,7 @@
                 </a:spcAft>
                 <a:buNone/>
               </a:pPr>
+              <a:endParaRPr/>
             </a:p>
           </p:txBody>
         </p:sp>
@@ -8161,6 +8288,7 @@
                 </a:spcAft>
                 <a:buNone/>
               </a:pPr>
+              <a:endParaRPr/>
             </a:p>
           </p:txBody>
         </p:sp>
@@ -8289,7 +8417,9 @@
               <a:defRPr/>
             </a:lvl9pPr>
           </a:lstStyle>
-          <a:p/>
+          <a:p>
+            <a:endParaRPr/>
+          </a:p>
         </p:txBody>
       </p:sp>
       <p:sp>
@@ -8365,6 +8495,7 @@
             </a:pPr>
             <a:fld id="{00000000-1234-1234-1234-123412341234}" type="slidenum">
               <a:rPr lang="en-US"/>
+              <a:t>‹#›</a:t>
             </a:fld>
             <a:endParaRPr lang="en-US"/>
           </a:p>
@@ -8448,6 +8579,7 @@
                 </a:spcAft>
                 <a:buNone/>
               </a:pPr>
+              <a:endParaRPr/>
             </a:p>
           </p:txBody>
         </p:sp>
@@ -8489,6 +8621,7 @@
                 </a:spcAft>
                 <a:buNone/>
               </a:pPr>
+              <a:endParaRPr/>
             </a:p>
           </p:txBody>
         </p:sp>
@@ -8617,7 +8750,9 @@
               <a:defRPr sz="2400"/>
             </a:lvl9pPr>
           </a:lstStyle>
-          <a:p/>
+          <a:p>
+            <a:endParaRPr/>
+          </a:p>
         </p:txBody>
       </p:sp>
       <p:sp>
@@ -8771,7 +8906,9 @@
               <a:defRPr sz="1300"/>
             </a:lvl9pPr>
           </a:lstStyle>
-          <a:p/>
+          <a:p>
+            <a:endParaRPr/>
+          </a:p>
         </p:txBody>
       </p:sp>
       <p:sp>
@@ -8898,7 +9035,9 @@
               <a:defRPr/>
             </a:lvl9pPr>
           </a:lstStyle>
-          <a:p/>
+          <a:p>
+            <a:endParaRPr/>
+          </a:p>
         </p:txBody>
       </p:sp>
       <p:sp>
@@ -8974,6 +9113,7 @@
             </a:pPr>
             <a:fld id="{00000000-1234-1234-1234-123412341234}" type="slidenum">
               <a:rPr lang="en-US"/>
+              <a:t>‹#›</a:t>
             </a:fld>
             <a:endParaRPr lang="en-US"/>
           </a:p>
@@ -9059,6 +9199,7 @@
                 </a:spcAft>
                 <a:buNone/>
               </a:pPr>
+              <a:endParaRPr/>
             </a:p>
           </p:txBody>
         </p:sp>
@@ -9102,6 +9243,7 @@
                 </a:spcAft>
                 <a:buNone/>
               </a:pPr>
+              <a:endParaRPr/>
             </a:p>
           </p:txBody>
         </p:sp>
@@ -9145,7 +9287,9 @@
               <a:defRPr/>
             </a:lvl1pPr>
           </a:lstStyle>
-          <a:p/>
+          <a:p>
+            <a:endParaRPr/>
+          </a:p>
         </p:txBody>
       </p:sp>
       <p:sp>
@@ -9221,6 +9365,7 @@
             </a:pPr>
             <a:fld id="{00000000-1234-1234-1234-123412341234}" type="slidenum">
               <a:rPr lang="en-US"/>
+              <a:t>‹#›</a:t>
             </a:fld>
             <a:endParaRPr lang="en-US"/>
           </a:p>
@@ -9496,7 +9641,9 @@
               </a:defRPr>
             </a:lvl9pPr>
           </a:lstStyle>
-          <a:p/>
+          <a:p>
+            <a:endParaRPr/>
+          </a:p>
         </p:txBody>
       </p:sp>
       <p:sp>
@@ -9762,7 +9909,9 @@
               </a:defRPr>
             </a:lvl9pPr>
           </a:lstStyle>
-          <a:p/>
+          <a:p>
+            <a:endParaRPr/>
+          </a:p>
         </p:txBody>
       </p:sp>
       <p:sp>
@@ -9914,6 +10063,7 @@
             </a:pPr>
             <a:fld id="{00000000-1234-1234-1234-123412341234}" type="slidenum">
               <a:rPr lang="en-US"/>
+              <a:t>‹#›</a:t>
             </a:fld>
             <a:endParaRPr lang="en-US"/>
           </a:p>
@@ -10698,12 +10848,6 @@
               </a:rPr>
               <a:t>BU Events Planner</a:t>
             </a:r>
-            <a:endParaRPr lang="en-US" sz="4400" b="1">
-              <a:latin typeface="Calibri"/>
-              <a:ea typeface="Calibri"/>
-              <a:cs typeface="Calibri"/>
-              <a:sym typeface="Calibri"/>
-            </a:endParaRPr>
           </a:p>
         </p:txBody>
       </p:sp>
@@ -10783,6 +10927,7 @@
             </a:pPr>
             <a:fld id="{00000000-1234-1234-1234-123412341234}" type="slidenum">
               <a:rPr lang="en-US"/>
+              <a:t>1</a:t>
             </a:fld>
             <a:endParaRPr lang="en-US"/>
           </a:p>
@@ -10865,12 +11010,6 @@
               </a:rPr>
               <a:t>Database schema</a:t>
             </a:r>
-            <a:endParaRPr lang="en-US" sz="4400" b="1" dirty="0">
-              <a:latin typeface="Calibri"/>
-              <a:ea typeface="Calibri"/>
-              <a:cs typeface="Calibri"/>
-              <a:sym typeface="Calibri"/>
-            </a:endParaRPr>
           </a:p>
         </p:txBody>
       </p:sp>
@@ -10955,12 +11094,6 @@
               </a:rPr>
               <a:t>|</a:t>
             </a:r>
-            <a:endParaRPr lang="en-US" sz="1000" dirty="0">
-              <a:latin typeface="Calibri"/>
-              <a:ea typeface="Calibri"/>
-              <a:cs typeface="Calibri"/>
-              <a:sym typeface="Calibri"/>
-            </a:endParaRPr>
           </a:p>
           <a:p>
             <a:pPr marL="0" lvl="0" indent="0">
@@ -10985,12 +11118,6 @@
               </a:rPr>
               <a:t>|-- events (Collection)</a:t>
             </a:r>
-            <a:endParaRPr lang="en-US" sz="1000" dirty="0">
-              <a:latin typeface="Calibri"/>
-              <a:ea typeface="Calibri"/>
-              <a:cs typeface="Calibri"/>
-              <a:sym typeface="Calibri"/>
-            </a:endParaRPr>
           </a:p>
           <a:p>
             <a:pPr marL="0" lvl="0" indent="0">
@@ -11033,12 +11160,6 @@
               </a:rPr>
               <a:t> (Document)</a:t>
             </a:r>
-            <a:endParaRPr lang="en-US" sz="1000" dirty="0">
-              <a:latin typeface="Calibri"/>
-              <a:ea typeface="Calibri"/>
-              <a:cs typeface="Calibri"/>
-              <a:sym typeface="Calibri"/>
-            </a:endParaRPr>
           </a:p>
           <a:p>
             <a:pPr marL="0" lvl="0" indent="0">
@@ -11081,12 +11202,6 @@
               </a:rPr>
               <a:t>: String</a:t>
             </a:r>
-            <a:endParaRPr lang="en-US" sz="1000" dirty="0">
-              <a:latin typeface="Calibri"/>
-              <a:ea typeface="Calibri"/>
-              <a:cs typeface="Calibri"/>
-              <a:sym typeface="Calibri"/>
-            </a:endParaRPr>
           </a:p>
           <a:p>
             <a:pPr marL="0" lvl="0" indent="0">
@@ -11129,12 +11244,6 @@
               </a:rPr>
               <a:t>: String</a:t>
             </a:r>
-            <a:endParaRPr lang="en-US" sz="1000" dirty="0">
-              <a:latin typeface="Calibri"/>
-              <a:ea typeface="Calibri"/>
-              <a:cs typeface="Calibri"/>
-              <a:sym typeface="Calibri"/>
-            </a:endParaRPr>
           </a:p>
           <a:p>
             <a:pPr marL="0" lvl="0" indent="0">
@@ -11177,12 +11286,6 @@
               </a:rPr>
               <a:t>: String</a:t>
             </a:r>
-            <a:endParaRPr lang="en-US" sz="1000" dirty="0">
-              <a:latin typeface="Calibri"/>
-              <a:ea typeface="Calibri"/>
-              <a:cs typeface="Calibri"/>
-              <a:sym typeface="Calibri"/>
-            </a:endParaRPr>
           </a:p>
           <a:p>
             <a:pPr marL="0" lvl="0" indent="0">
@@ -11225,12 +11328,6 @@
               </a:rPr>
               <a:t>: String</a:t>
             </a:r>
-            <a:endParaRPr lang="en-US" sz="1000" dirty="0">
-              <a:latin typeface="Calibri"/>
-              <a:ea typeface="Calibri"/>
-              <a:cs typeface="Calibri"/>
-              <a:sym typeface="Calibri"/>
-            </a:endParaRPr>
           </a:p>
           <a:p>
             <a:pPr marL="0" lvl="0" indent="0">
@@ -11273,12 +11370,6 @@
               </a:rPr>
               <a:t>: Timestamp</a:t>
             </a:r>
-            <a:endParaRPr lang="en-US" sz="1000" dirty="0">
-              <a:latin typeface="Calibri"/>
-              <a:ea typeface="Calibri"/>
-              <a:cs typeface="Calibri"/>
-              <a:sym typeface="Calibri"/>
-            </a:endParaRPr>
           </a:p>
           <a:p>
             <a:pPr marL="0" lvl="0" indent="0">
@@ -11321,12 +11412,6 @@
               </a:rPr>
               <a:t>: Timestamp</a:t>
             </a:r>
-            <a:endParaRPr lang="en-US" sz="1000" dirty="0">
-              <a:latin typeface="Calibri"/>
-              <a:ea typeface="Calibri"/>
-              <a:cs typeface="Calibri"/>
-              <a:sym typeface="Calibri"/>
-            </a:endParaRPr>
           </a:p>
           <a:p>
             <a:pPr marL="0" lvl="0" indent="0">
@@ -11369,12 +11454,6 @@
               </a:rPr>
               <a:t>: String</a:t>
             </a:r>
-            <a:endParaRPr lang="en-US" sz="1000" dirty="0">
-              <a:latin typeface="Calibri"/>
-              <a:ea typeface="Calibri"/>
-              <a:cs typeface="Calibri"/>
-              <a:sym typeface="Calibri"/>
-            </a:endParaRPr>
           </a:p>
           <a:p>
             <a:pPr marL="0" lvl="0" indent="0">
@@ -11417,12 +11496,6 @@
               </a:rPr>
               <a:t>: Integer</a:t>
             </a:r>
-            <a:endParaRPr lang="en-US" sz="1000" dirty="0">
-              <a:latin typeface="Calibri"/>
-              <a:ea typeface="Calibri"/>
-              <a:cs typeface="Calibri"/>
-              <a:sym typeface="Calibri"/>
-            </a:endParaRPr>
           </a:p>
           <a:p>
             <a:pPr marL="0" lvl="0" indent="0">
@@ -11465,12 +11538,6 @@
               </a:rPr>
               <a:t>: Array&lt;String&gt;</a:t>
             </a:r>
-            <a:endParaRPr lang="en-US" sz="1000" dirty="0">
-              <a:latin typeface="Calibri"/>
-              <a:ea typeface="Calibri"/>
-              <a:cs typeface="Calibri"/>
-              <a:sym typeface="Calibri"/>
-            </a:endParaRPr>
           </a:p>
           <a:p>
             <a:pPr marL="0" lvl="0" indent="0">
@@ -11521,6 +11588,7 @@
             </a:pPr>
             <a:fld id="{00000000-1234-1234-1234-123412341234}" type="slidenum">
               <a:rPr lang="en-US"/>
+              <a:t>10</a:t>
             </a:fld>
             <a:endParaRPr lang="en-US"/>
           </a:p>
@@ -11621,15 +11689,6 @@
               </a:rPr>
               <a:t>|-- users (Collection)</a:t>
             </a:r>
-            <a:endParaRPr lang="en-US" sz="1000" dirty="0">
-              <a:solidFill>
-                <a:schemeClr val="lt1"/>
-              </a:solidFill>
-              <a:latin typeface="Calibri"/>
-              <a:ea typeface="Calibri"/>
-              <a:cs typeface="Calibri"/>
-              <a:sym typeface="Calibri"/>
-            </a:endParaRPr>
           </a:p>
           <a:p>
             <a:pPr marL="0" lvl="0" indent="0">
@@ -11681,15 +11740,6 @@
               </a:rPr>
               <a:t> (Document)</a:t>
             </a:r>
-            <a:endParaRPr lang="en-US" sz="1000" dirty="0">
-              <a:solidFill>
-                <a:schemeClr val="lt1"/>
-              </a:solidFill>
-              <a:latin typeface="Calibri"/>
-              <a:ea typeface="Calibri"/>
-              <a:cs typeface="Calibri"/>
-              <a:sym typeface="Calibri"/>
-            </a:endParaRPr>
           </a:p>
           <a:p>
             <a:pPr marL="0" lvl="0" indent="0">
@@ -11741,15 +11791,6 @@
               </a:rPr>
               <a:t>: String</a:t>
             </a:r>
-            <a:endParaRPr lang="en-US" sz="1000" dirty="0">
-              <a:solidFill>
-                <a:schemeClr val="lt1"/>
-              </a:solidFill>
-              <a:latin typeface="Calibri"/>
-              <a:ea typeface="Calibri"/>
-              <a:cs typeface="Calibri"/>
-              <a:sym typeface="Calibri"/>
-            </a:endParaRPr>
           </a:p>
           <a:p>
             <a:pPr marL="0" lvl="0" indent="0">
@@ -11801,15 +11842,6 @@
               </a:rPr>
               <a:t>: String</a:t>
             </a:r>
-            <a:endParaRPr lang="en-US" sz="1000" dirty="0">
-              <a:solidFill>
-                <a:schemeClr val="lt1"/>
-              </a:solidFill>
-              <a:latin typeface="Calibri"/>
-              <a:ea typeface="Calibri"/>
-              <a:cs typeface="Calibri"/>
-              <a:sym typeface="Calibri"/>
-            </a:endParaRPr>
           </a:p>
           <a:p>
             <a:pPr marL="0" lvl="0" indent="0">
@@ -11861,15 +11893,6 @@
               </a:rPr>
               <a:t>: String</a:t>
             </a:r>
-            <a:endParaRPr lang="en-US" sz="1000" dirty="0">
-              <a:solidFill>
-                <a:schemeClr val="lt1"/>
-              </a:solidFill>
-              <a:latin typeface="Calibri"/>
-              <a:ea typeface="Calibri"/>
-              <a:cs typeface="Calibri"/>
-              <a:sym typeface="Calibri"/>
-            </a:endParaRPr>
           </a:p>
           <a:p>
             <a:pPr marL="0" lvl="0" indent="0">
@@ -11921,15 +11944,6 @@
               </a:rPr>
               <a:t>: String</a:t>
             </a:r>
-            <a:endParaRPr lang="en-US" sz="1000" dirty="0">
-              <a:solidFill>
-                <a:schemeClr val="lt1"/>
-              </a:solidFill>
-              <a:latin typeface="Calibri"/>
-              <a:ea typeface="Calibri"/>
-              <a:cs typeface="Calibri"/>
-              <a:sym typeface="Calibri"/>
-            </a:endParaRPr>
           </a:p>
           <a:p>
             <a:pPr marL="0" lvl="0" indent="0">
@@ -11981,15 +11995,6 @@
               </a:rPr>
               <a:t>: String</a:t>
             </a:r>
-            <a:endParaRPr lang="en-US" sz="1000" dirty="0">
-              <a:solidFill>
-                <a:schemeClr val="lt1"/>
-              </a:solidFill>
-              <a:latin typeface="Calibri"/>
-              <a:ea typeface="Calibri"/>
-              <a:cs typeface="Calibri"/>
-              <a:sym typeface="Calibri"/>
-            </a:endParaRPr>
           </a:p>
           <a:p>
             <a:pPr marL="0" lvl="0" indent="0">
@@ -12041,15 +12046,6 @@
               </a:rPr>
               <a:t>: String</a:t>
             </a:r>
-            <a:endParaRPr lang="en-US" sz="1000" dirty="0">
-              <a:solidFill>
-                <a:schemeClr val="lt1"/>
-              </a:solidFill>
-              <a:latin typeface="Calibri"/>
-              <a:ea typeface="Calibri"/>
-              <a:cs typeface="Calibri"/>
-              <a:sym typeface="Calibri"/>
-            </a:endParaRPr>
           </a:p>
           <a:p>
             <a:pPr marL="0" lvl="0" indent="0">
@@ -12101,15 +12097,6 @@
               </a:rPr>
               <a:t>: String</a:t>
             </a:r>
-            <a:endParaRPr lang="en-US" sz="1000" dirty="0">
-              <a:solidFill>
-                <a:schemeClr val="lt1"/>
-              </a:solidFill>
-              <a:latin typeface="Calibri"/>
-              <a:ea typeface="Calibri"/>
-              <a:cs typeface="Calibri"/>
-              <a:sym typeface="Calibri"/>
-            </a:endParaRPr>
           </a:p>
           <a:p>
             <a:pPr marL="0" lvl="0" indent="0">
@@ -12161,15 +12148,6 @@
               </a:rPr>
               <a:t>: Integer</a:t>
             </a:r>
-            <a:endParaRPr lang="en-US" sz="1000" dirty="0">
-              <a:solidFill>
-                <a:schemeClr val="lt1"/>
-              </a:solidFill>
-              <a:latin typeface="Calibri"/>
-              <a:ea typeface="Calibri"/>
-              <a:cs typeface="Calibri"/>
-              <a:sym typeface="Calibri"/>
-            </a:endParaRPr>
           </a:p>
           <a:p>
             <a:pPr marL="0" indent="0">
@@ -12221,15 +12199,6 @@
               </a:rPr>
               <a:t>: Map&lt;String, Boolean&gt;</a:t>
             </a:r>
-            <a:endParaRPr lang="en-US" sz="1000" dirty="0">
-              <a:solidFill>
-                <a:schemeClr val="lt1"/>
-              </a:solidFill>
-              <a:latin typeface="Calibri"/>
-              <a:ea typeface="Calibri"/>
-              <a:cs typeface="Calibri"/>
-              <a:sym typeface="Calibri"/>
-            </a:endParaRPr>
           </a:p>
           <a:p>
             <a:endParaRPr lang="en-US" dirty="0"/>
@@ -12396,12 +12365,6 @@
               </a:rPr>
               <a:t>External Libraries and Tools</a:t>
             </a:r>
-            <a:endParaRPr lang="en-US" sz="4400" b="1">
-              <a:latin typeface="Calibri"/>
-              <a:ea typeface="Calibri"/>
-              <a:cs typeface="Calibri"/>
-              <a:sym typeface="Calibri"/>
-            </a:endParaRPr>
           </a:p>
         </p:txBody>
       </p:sp>
@@ -12479,12 +12442,6 @@
               </a:rPr>
               <a:t>Firebase Crashlytics: For real-time error and crash monitoring.</a:t>
             </a:r>
-            <a:endParaRPr lang="en-US" sz="2400">
-              <a:latin typeface="Calibri"/>
-              <a:ea typeface="Calibri"/>
-              <a:cs typeface="Calibri"/>
-              <a:sym typeface="Calibri"/>
-            </a:endParaRPr>
           </a:p>
         </p:txBody>
       </p:sp>
@@ -12514,6 +12471,7 @@
             </a:pPr>
             <a:fld id="{00000000-1234-1234-1234-123412341234}" type="slidenum">
               <a:rPr lang="en-US"/>
+              <a:t>11</a:t>
             </a:fld>
             <a:endParaRPr lang="en-US"/>
           </a:p>
@@ -12669,21 +12627,6 @@
               </a:rPr>
               <a:t>Thank You!</a:t>
             </a:r>
-            <a:endParaRPr b="1" i="0">
-              <a:ln w="9525" cap="flat" cmpd="sng">
-                <a:solidFill>
-                  <a:schemeClr val="dk2"/>
-                </a:solidFill>
-                <a:prstDash val="solid"/>
-                <a:round/>
-                <a:headEnd type="none" w="sm" len="sm"/>
-                <a:tailEnd type="none" w="sm" len="sm"/>
-              </a:ln>
-              <a:solidFill>
-                <a:srgbClr val="CFE2F3"/>
-              </a:solidFill>
-              <a:latin typeface="Times New Roman" panose="02020503050405090304"/>
-            </a:endParaRPr>
           </a:p>
         </p:txBody>
       </p:sp>
@@ -12713,6 +12656,7 @@
             </a:pPr>
             <a:fld id="{00000000-1234-1234-1234-123412341234}" type="slidenum">
               <a:rPr lang="en-US"/>
+              <a:t>12</a:t>
             </a:fld>
             <a:endParaRPr lang="en-US"/>
           </a:p>
@@ -12795,12 +12739,6 @@
               </a:rPr>
               <a:t>App Purpose</a:t>
             </a:r>
-            <a:endParaRPr lang="en-US" sz="4400" b="1">
-              <a:latin typeface="Calibri"/>
-              <a:ea typeface="Calibri"/>
-              <a:cs typeface="Calibri"/>
-              <a:sym typeface="Calibri"/>
-            </a:endParaRPr>
           </a:p>
         </p:txBody>
       </p:sp>
@@ -12877,12 +12815,6 @@
               </a:rPr>
               <a:t>This app is designed for Boston University students to easily browse and register for various campus events. </a:t>
             </a:r>
-            <a:endParaRPr lang="en-US" sz="2800">
-              <a:latin typeface="Calibri"/>
-              <a:ea typeface="Calibri"/>
-              <a:cs typeface="Calibri"/>
-              <a:sym typeface="Calibri"/>
-            </a:endParaRPr>
           </a:p>
           <a:p>
             <a:pPr marL="0" lvl="0" indent="0" algn="l" rtl="0">
@@ -12910,12 +12842,6 @@
               </a:rPr>
               <a:t>The app aims to help students stay informed about campus happenings, providing an accessible way to enhance their university experience by participating in events.</a:t>
             </a:r>
-            <a:endParaRPr lang="en-US" sz="2800">
-              <a:latin typeface="Calibri"/>
-              <a:ea typeface="Calibri"/>
-              <a:cs typeface="Calibri"/>
-              <a:sym typeface="Calibri"/>
-            </a:endParaRPr>
           </a:p>
         </p:txBody>
       </p:sp>
@@ -12945,6 +12871,7 @@
             </a:pPr>
             <a:fld id="{00000000-1234-1234-1234-123412341234}" type="slidenum">
               <a:rPr lang="en-US"/>
+              <a:t>2</a:t>
             </a:fld>
             <a:endParaRPr lang="en-US"/>
           </a:p>
@@ -13108,23 +13035,8 @@
                 <a:cs typeface="Calibri"/>
                 <a:sym typeface="Calibri"/>
               </a:rPr>
-              <a:t> Onboarding </a:t>
+              <a:t> Onboarding Pages</a:t>
             </a:r>
-            <a:r>
-              <a:rPr lang="en-US" sz="4400" b="1">
-                <a:latin typeface="Calibri"/>
-                <a:ea typeface="Calibri"/>
-                <a:cs typeface="Calibri"/>
-                <a:sym typeface="Calibri"/>
-              </a:rPr>
-              <a:t>Pages</a:t>
-            </a:r>
-            <a:endParaRPr lang="en-US" sz="4400" b="1">
-              <a:latin typeface="Calibri"/>
-              <a:ea typeface="Calibri"/>
-              <a:cs typeface="Calibri"/>
-              <a:sym typeface="Calibri"/>
-            </a:endParaRPr>
           </a:p>
         </p:txBody>
       </p:sp>
@@ -13140,8 +13052,8 @@
         </p:nvSpPr>
         <p:spPr>
           <a:xfrm>
-            <a:off x="298450" y="3935730"/>
-            <a:ext cx="4874260" cy="2143760"/>
+            <a:off x="287655" y="2874184"/>
+            <a:ext cx="4874260" cy="3482165"/>
           </a:xfrm>
           <a:prstGeom prst="rect">
             <a:avLst/>
@@ -13157,32 +13069,21 @@
           </a:bodyPr>
           <a:lstStyle/>
           <a:p>
-            <a:pPr marL="0" lvl="0" indent="0" algn="l" rtl="0" eaLnBrk="1" fontAlgn="auto" latinLnBrk="0" hangingPunct="1">
+            <a:pPr marL="0" lvl="0" indent="0">
               <a:lnSpc>
                 <a:spcPct val="150000"/>
               </a:lnSpc>
               <a:spcBef>
                 <a:spcPts val="0"/>
               </a:spcBef>
-              <a:spcAft>
-                <a:spcPts val="0"/>
-              </a:spcAft>
-              <a:buClr>
-                <a:schemeClr val="dk1"/>
-              </a:buClr>
               <a:buSzPts val="3200"/>
               <a:buNone/>
             </a:pPr>
             <a:r>
-              <a:rPr lang="en-US" sz="2400">
-                <a:latin typeface="Calibri"/>
-                <a:ea typeface="Calibri"/>
-                <a:cs typeface="Calibri"/>
-                <a:sym typeface="Calibri"/>
-              </a:rPr>
-              <a:t>Users can register and log in using their email or through third-party platforms like Google.</a:t>
+              <a:rPr lang="en-US" sz="2400" dirty="0"/>
+              <a:t>This page introduces the check-in feature, allowing users to confirm attendance with a photo or indicate non-attendance, ensuring accurate tracking.</a:t>
             </a:r>
-            <a:endParaRPr lang="en-US" sz="2400">
+            <a:endParaRPr lang="en-US" sz="2400" dirty="0">
               <a:latin typeface="Calibri"/>
               <a:ea typeface="Calibri"/>
               <a:cs typeface="Calibri"/>
@@ -13217,6 +13118,7 @@
             </a:pPr>
             <a:fld id="{00000000-1234-1234-1234-123412341234}" type="slidenum">
               <a:rPr lang="en-US"/>
+              <a:t>3</a:t>
             </a:fld>
             <a:endParaRPr lang="en-US"/>
           </a:p>
@@ -13231,7 +13133,7 @@
           <p:nvPr/>
         </p:nvPicPr>
         <p:blipFill>
-          <a:blip r:embed="rId1"/>
+          <a:blip r:embed="rId3"/>
           <a:stretch>
             <a:fillRect/>
           </a:stretch>
@@ -13383,65 +13285,21 @@
           </a:bodyPr>
           <a:lstStyle/>
           <a:p>
-            <a:pPr marL="0" lvl="0" indent="0" algn="l" rtl="0" eaLnBrk="1" fontAlgn="auto" latinLnBrk="0" hangingPunct="1">
+            <a:pPr marL="0" lvl="0" indent="0">
               <a:lnSpc>
                 <a:spcPct val="150000"/>
               </a:lnSpc>
               <a:spcBef>
                 <a:spcPts val="0"/>
               </a:spcBef>
-              <a:spcAft>
-                <a:spcPts val="0"/>
-              </a:spcAft>
-              <a:buClr>
-                <a:schemeClr val="dk1"/>
-              </a:buClr>
               <a:buSzPts val="3200"/>
               <a:buNone/>
             </a:pPr>
             <a:r>
-              <a:rPr lang="en-US" sz="2400">
-                <a:latin typeface="Calibri"/>
-                <a:ea typeface="Calibri"/>
-                <a:cs typeface="Calibri"/>
-                <a:sym typeface="Calibri"/>
-              </a:rPr>
-              <a:t>Users can view a list of upcoming events, with details such as date, time, and location.</a:t>
+              <a:rPr lang="en-US" sz="2400" dirty="0"/>
+              <a:t>This page highlights the social feature, allowing users to connect with friends through unique User IDs and share public reviews to enhance community interaction.</a:t>
             </a:r>
-            <a:endParaRPr lang="en-US" sz="2400">
-              <a:latin typeface="Calibri"/>
-              <a:ea typeface="Calibri"/>
-              <a:cs typeface="Calibri"/>
-              <a:sym typeface="Calibri"/>
-            </a:endParaRPr>
-          </a:p>
-          <a:p>
-            <a:pPr marL="0" lvl="0" indent="0" algn="l" rtl="0" eaLnBrk="1" fontAlgn="auto" latinLnBrk="0" hangingPunct="1">
-              <a:lnSpc>
-                <a:spcPct val="150000"/>
-              </a:lnSpc>
-              <a:spcBef>
-                <a:spcPts val="0"/>
-              </a:spcBef>
-              <a:spcAft>
-                <a:spcPts val="0"/>
-              </a:spcAft>
-              <a:buClr>
-                <a:schemeClr val="dk1"/>
-              </a:buClr>
-              <a:buSzPts val="3200"/>
-              <a:buNone/>
-            </a:pPr>
-            <a:r>
-              <a:rPr lang="en-US" sz="2400">
-                <a:latin typeface="Calibri"/>
-                <a:ea typeface="Calibri"/>
-                <a:cs typeface="Calibri"/>
-                <a:sym typeface="Calibri"/>
-              </a:rPr>
-              <a:t>Below are some recommended events for users.</a:t>
-            </a:r>
-            <a:endParaRPr lang="zh-CN" altLang="en-US" sz="2400">
+            <a:endParaRPr lang="zh-CN" altLang="en-US" sz="2400" dirty="0">
               <a:latin typeface="Calibri"/>
               <a:ea typeface="宋体" charset="0"/>
               <a:cs typeface="Calibri"/>
@@ -13476,6 +13334,7 @@
             </a:pPr>
             <a:fld id="{00000000-1234-1234-1234-123412341234}" type="slidenum">
               <a:rPr lang="en-US"/>
+              <a:t>4</a:t>
             </a:fld>
             <a:endParaRPr lang="en-US"/>
           </a:p>
@@ -13490,7 +13349,7 @@
           <p:nvPr/>
         </p:nvPicPr>
         <p:blipFill>
-          <a:blip r:embed="rId1"/>
+          <a:blip r:embed="rId3"/>
           <a:stretch>
             <a:fillRect/>
           </a:stretch>
@@ -13799,23 +13658,8 @@
                 <a:cs typeface="Calibri"/>
                 <a:sym typeface="Calibri"/>
               </a:rPr>
-              <a:t> Onboarding </a:t>
+              <a:t> Onboarding Pages</a:t>
             </a:r>
-            <a:r>
-              <a:rPr lang="en-US" sz="4400" b="1">
-                <a:latin typeface="Calibri"/>
-                <a:ea typeface="Calibri"/>
-                <a:cs typeface="Calibri"/>
-                <a:sym typeface="Calibri"/>
-              </a:rPr>
-              <a:t>Pages</a:t>
-            </a:r>
-            <a:endParaRPr lang="en-US" sz="4400" b="1">
-              <a:latin typeface="Calibri"/>
-              <a:ea typeface="Calibri"/>
-              <a:cs typeface="Calibri"/>
-              <a:sym typeface="Calibri"/>
-            </a:endParaRPr>
           </a:p>
         </p:txBody>
       </p:sp>
@@ -13956,32 +13800,21 @@
           </a:bodyPr>
           <a:lstStyle/>
           <a:p>
-            <a:pPr marL="0" lvl="0" indent="0" algn="l" rtl="0" eaLnBrk="1" fontAlgn="auto" latinLnBrk="0" hangingPunct="1">
+            <a:pPr marL="0" lvl="0" indent="0">
               <a:lnSpc>
                 <a:spcPct val="150000"/>
               </a:lnSpc>
               <a:spcBef>
                 <a:spcPts val="0"/>
               </a:spcBef>
-              <a:spcAft>
-                <a:spcPts val="0"/>
-              </a:spcAft>
-              <a:buClr>
-                <a:schemeClr val="dk1"/>
-              </a:buClr>
               <a:buSzPts val="3200"/>
               <a:buNone/>
             </a:pPr>
             <a:r>
-              <a:rPr lang="en-US" sz="2400">
-                <a:latin typeface="Calibri"/>
-                <a:ea typeface="Calibri"/>
-                <a:cs typeface="Calibri"/>
-                <a:sym typeface="Calibri"/>
-              </a:rPr>
-              <a:t>By selecting an event, users can see more detailed information, including descriptions, timings, link for the event, location, and an option to register for the event.</a:t>
+              <a:rPr lang="en-US" sz="2400" dirty="0"/>
+              <a:t>This page explains the feedback feature, enabling users to share private or public reviews, improving event quality and enhancing user engagement.</a:t>
             </a:r>
-            <a:endParaRPr lang="en-US" sz="2400">
+            <a:endParaRPr lang="en-US" sz="2400" dirty="0">
               <a:latin typeface="Calibri"/>
               <a:ea typeface="Calibri"/>
               <a:cs typeface="Calibri"/>
@@ -14016,6 +13849,7 @@
             </a:pPr>
             <a:fld id="{00000000-1234-1234-1234-123412341234}" type="slidenum">
               <a:rPr lang="en-US"/>
+              <a:t>5</a:t>
             </a:fld>
             <a:endParaRPr lang="en-US"/>
           </a:p>
@@ -14030,7 +13864,7 @@
           <p:nvPr/>
         </p:nvPicPr>
         <p:blipFill>
-          <a:blip r:embed="rId1"/>
+          <a:blip r:embed="rId3"/>
           <a:stretch>
             <a:fillRect/>
           </a:stretch>
@@ -14339,23 +14173,8 @@
                 <a:cs typeface="Calibri"/>
                 <a:sym typeface="Calibri"/>
               </a:rPr>
-              <a:t> Onboarding </a:t>
+              <a:t> Onboarding Pages</a:t>
             </a:r>
-            <a:r>
-              <a:rPr lang="en-US" sz="4400" b="1">
-                <a:latin typeface="Calibri"/>
-                <a:ea typeface="Calibri"/>
-                <a:cs typeface="Calibri"/>
-                <a:sym typeface="Calibri"/>
-              </a:rPr>
-              <a:t>Pages</a:t>
-            </a:r>
-            <a:endParaRPr lang="en-US" sz="4400" b="1">
-              <a:latin typeface="Calibri"/>
-              <a:ea typeface="Calibri"/>
-              <a:cs typeface="Calibri"/>
-              <a:sym typeface="Calibri"/>
-            </a:endParaRPr>
           </a:p>
         </p:txBody>
       </p:sp>
@@ -14519,12 +14338,6 @@
               </a:rPr>
               <a:t>Additional Features</a:t>
             </a:r>
-            <a:endParaRPr lang="en-US" sz="4400" b="1" dirty="0">
-              <a:latin typeface="Calibri"/>
-              <a:ea typeface="Calibri"/>
-              <a:cs typeface="Calibri"/>
-              <a:sym typeface="Calibri"/>
-            </a:endParaRPr>
           </a:p>
         </p:txBody>
       </p:sp>
@@ -14580,7 +14393,6 @@
               <a:rPr lang="en-US" sz="2800" dirty="0"/>
               <a:t>Location Services</a:t>
             </a:r>
-            <a:endParaRPr lang="en-US" sz="2800" dirty="0"/>
           </a:p>
           <a:p>
             <a:pPr marL="0" lvl="0" indent="0">
@@ -14606,7 +14418,6 @@
               <a:rPr lang="en-US" sz="2800" dirty="0"/>
               <a:t>Dark Mode</a:t>
             </a:r>
-            <a:endParaRPr lang="en-US" sz="2800" dirty="0"/>
           </a:p>
           <a:p>
             <a:pPr marL="0" lvl="0" indent="0">
@@ -14632,7 +14443,6 @@
               <a:rPr lang="en-US" sz="2800" dirty="0"/>
               <a:t>File Upload and Media Handling</a:t>
             </a:r>
-            <a:endParaRPr lang="en-US" sz="2800" dirty="0"/>
           </a:p>
         </p:txBody>
       </p:sp>
@@ -14662,6 +14472,7 @@
             </a:pPr>
             <a:fld id="{00000000-1234-1234-1234-123412341234}" type="slidenum">
               <a:rPr lang="en-US"/>
+              <a:t>6</a:t>
             </a:fld>
             <a:endParaRPr lang="en-US"/>
           </a:p>
@@ -14827,12 +14638,6 @@
               </a:rPr>
               <a:t>Demo Showcase</a:t>
             </a:r>
-            <a:endParaRPr lang="en-US" altLang="zh-CN" sz="5400" b="1" dirty="0">
-              <a:latin typeface="Calibri"/>
-              <a:ea typeface="Calibri"/>
-              <a:cs typeface="Calibri"/>
-              <a:sym typeface="Calibri"/>
-            </a:endParaRPr>
           </a:p>
         </p:txBody>
       </p:sp>
@@ -14862,6 +14667,7 @@
             </a:pPr>
             <a:fld id="{00000000-1234-1234-1234-123412341234}" type="slidenum">
               <a:rPr lang="en-US"/>
+              <a:t>7</a:t>
             </a:fld>
             <a:endParaRPr lang="en-US"/>
           </a:p>
@@ -14944,12 +14750,6 @@
               </a:rPr>
               <a:t>APIs</a:t>
             </a:r>
-            <a:endParaRPr lang="en-US" sz="4400" b="1">
-              <a:latin typeface="Calibri"/>
-              <a:ea typeface="Calibri"/>
-              <a:cs typeface="Calibri"/>
-              <a:sym typeface="Calibri"/>
-            </a:endParaRPr>
           </a:p>
         </p:txBody>
       </p:sp>
@@ -15045,12 +14845,6 @@
               </a:rPr>
               <a:t>: To store event details and user registration history.</a:t>
             </a:r>
-            <a:endParaRPr lang="en-US" sz="2400" dirty="0">
-              <a:latin typeface="Calibri"/>
-              <a:ea typeface="Calibri"/>
-              <a:cs typeface="Calibri"/>
-              <a:sym typeface="Calibri"/>
-            </a:endParaRPr>
           </a:p>
           <a:p>
             <a:pPr lvl="0" indent="-457200" algn="l" rtl="0">
@@ -15079,12 +14873,6 @@
               </a:rPr>
               <a:t>Firebase Authentication: For user registration and login.</a:t>
             </a:r>
-            <a:endParaRPr lang="en-US" sz="2400" dirty="0">
-              <a:latin typeface="Calibri"/>
-              <a:ea typeface="Calibri"/>
-              <a:cs typeface="Calibri"/>
-              <a:sym typeface="Calibri"/>
-            </a:endParaRPr>
           </a:p>
           <a:p>
             <a:pPr lvl="0" indent="-457200">
@@ -15105,7 +14893,6 @@
               <a:rPr lang="en-US" sz="2400" dirty="0"/>
               <a:t>Google Maps Geolocation API</a:t>
             </a:r>
-            <a:endParaRPr lang="en-US" sz="2400" dirty="0"/>
           </a:p>
           <a:p>
             <a:pPr lvl="0" indent="-457200">
@@ -15126,7 +14913,6 @@
               <a:rPr lang="en-US" sz="2400" dirty="0"/>
               <a:t>Camera API</a:t>
             </a:r>
-            <a:endParaRPr lang="en-US" sz="2400" dirty="0"/>
           </a:p>
           <a:p>
             <a:pPr lvl="0" indent="-457200">
@@ -15151,7 +14937,6 @@
               <a:rPr lang="en-US" sz="2400" dirty="0"/>
               <a:t> API</a:t>
             </a:r>
-            <a:endParaRPr lang="en-US" sz="2400" dirty="0"/>
           </a:p>
           <a:p>
             <a:pPr lvl="0" indent="-457200">
@@ -15203,6 +14988,7 @@
             </a:pPr>
             <a:fld id="{00000000-1234-1234-1234-123412341234}" type="slidenum">
               <a:rPr lang="en-US"/>
+              <a:t>8</a:t>
             </a:fld>
             <a:endParaRPr lang="en-US"/>
           </a:p>
@@ -15403,6 +15189,7 @@
             </a:pPr>
             <a:fld id="{00000000-1234-1234-1234-123412341234}" type="slidenum">
               <a:rPr lang="en-US"/>
+              <a:t>9</a:t>
             </a:fld>
             <a:endParaRPr lang="en-US"/>
           </a:p>
@@ -15494,16 +15281,6 @@
               </a:rPr>
               <a:t>GPS </a:t>
             </a:r>
-            <a:endParaRPr kumimoji="0" lang="en-US" altLang="en-US" sz="2800" b="1" i="0" u="none" strike="noStrike" cap="none" normalizeH="0" baseline="0" dirty="0">
-              <a:ln>
-                <a:noFill/>
-              </a:ln>
-              <a:solidFill>
-                <a:schemeClr val="bg1"/>
-              </a:solidFill>
-              <a:effectLst/>
-              <a:latin typeface="Arial" panose="020B0604020202090204" pitchFamily="34" charset="0"/>
-            </a:endParaRPr>
           </a:p>
           <a:p>
             <a:pPr marL="0" marR="0" lvl="0" indent="0" algn="l" defTabSz="914400" rtl="0" eaLnBrk="0" fontAlgn="base" latinLnBrk="0" hangingPunct="0">
@@ -15597,16 +15374,6 @@
               </a:rPr>
               <a:t> </a:t>
             </a:r>
-            <a:endParaRPr kumimoji="0" lang="en-US" altLang="en-US" sz="2800" b="0" i="0" u="none" strike="noStrike" cap="none" normalizeH="0" baseline="0" dirty="0">
-              <a:ln>
-                <a:noFill/>
-              </a:ln>
-              <a:solidFill>
-                <a:schemeClr val="bg1"/>
-              </a:solidFill>
-              <a:effectLst/>
-              <a:latin typeface="Arial" panose="020B0604020202090204" pitchFamily="34" charset="0"/>
-            </a:endParaRPr>
           </a:p>
         </p:txBody>
       </p:sp>
@@ -15894,6 +15661,8 @@
       </a:bgFillStyleLst>
     </a:fmtScheme>
   </a:themeElements>
+  <a:objectDefaults/>
+  <a:extraClrSchemeLst/>
   <a:extLst>
     <a:ext uri="{05A4C25C-085E-4340-85A3-A5531E510DB2}">
       <thm15:themeFamily xmlns:thm15="http://schemas.microsoft.com/office/thememl/2012/main" name="Office Theme" id="{62F939B6-93AF-4DB8-9C6B-D6C7DFDC589F}" vid="{4A3C46E8-61CC-4603-A589-7422A47A8E4A}"/>
@@ -16178,6 +15947,8 @@
       </a:bgFillStyleLst>
     </a:fmtScheme>
   </a:themeElements>
+  <a:objectDefaults/>
+  <a:extraClrSchemeLst/>
   <a:extLst>
     <a:ext uri="{05A4C25C-085E-4340-85A3-A5531E510DB2}">
       <thm15:themeFamily xmlns:thm15="http://schemas.microsoft.com/office/thememl/2012/main" name="Office Theme" id="{62F939B6-93AF-4DB8-9C6B-D6C7DFDC589F}" vid="{4A3C46E8-61CC-4603-A589-7422A47A8E4A}"/>

--- a/Sprint_1_PRE.pptx
+++ b/Sprint_1_PRE.pptx
@@ -5,38 +5,32 @@
     <p:sldMasterId id="2147483648" r:id="rId1"/>
   </p:sldMasterIdLst>
   <p:notesMasterIdLst>
-    <p:notesMasterId r:id="rId14"/>
+    <p:notesMasterId r:id="rId4"/>
   </p:notesMasterIdLst>
   <p:sldIdLst>
-    <p:sldId id="256" r:id="rId2"/>
-    <p:sldId id="257" r:id="rId3"/>
-    <p:sldId id="278" r:id="rId4"/>
-    <p:sldId id="279" r:id="rId5"/>
-    <p:sldId id="280" r:id="rId6"/>
-    <p:sldId id="258" r:id="rId7"/>
-    <p:sldId id="290" r:id="rId8"/>
+    <p:sldId id="256" r:id="rId3"/>
+    <p:sldId id="257" r:id="rId5"/>
+    <p:sldId id="278" r:id="rId6"/>
+    <p:sldId id="279" r:id="rId7"/>
+    <p:sldId id="280" r:id="rId8"/>
     <p:sldId id="275" r:id="rId9"/>
     <p:sldId id="286" r:id="rId10"/>
     <p:sldId id="274" r:id="rId11"/>
     <p:sldId id="287" r:id="rId12"/>
-    <p:sldId id="273" r:id="rId13"/>
+    <p:sldId id="258" r:id="rId13"/>
+    <p:sldId id="290" r:id="rId14"/>
+    <p:sldId id="273" r:id="rId15"/>
   </p:sldIdLst>
   <p:sldSz cx="9144000" cy="6858000" type="screen4x3"/>
   <p:notesSz cx="6858000" cy="9144000"/>
   <p:embeddedFontLst>
     <p:embeddedFont>
-      <p:font typeface="Lato" panose="020F0502020204030203" pitchFamily="34" charset="0"/>
-      <p:regular r:id="rId15"/>
-      <p:bold r:id="rId16"/>
-      <p:italic r:id="rId17"/>
-      <p:boldItalic r:id="rId18"/>
+      <p:font typeface="Montserrat"/>
+      <p:regular r:id="rId19"/>
     </p:embeddedFont>
     <p:embeddedFont>
-      <p:font typeface="Montserrat" pitchFamily="2" charset="77"/>
-      <p:regular r:id="rId19"/>
-      <p:bold r:id="rId20"/>
-      <p:italic r:id="rId21"/>
-      <p:boldItalic r:id="rId22"/>
+      <p:font typeface="Lato"/>
+      <p:regular r:id="rId20"/>
     </p:embeddedFont>
   </p:embeddedFontLst>
   <p:defaultTextStyle>
@@ -488,9 +482,7 @@
               <a:defRPr sz="1100"/>
             </a:lvl9pPr>
           </a:lstStyle>
-          <a:p>
-            <a:endParaRPr/>
-          </a:p>
+          <a:p/>
         </p:txBody>
       </p:sp>
     </p:spTree>
@@ -729,7 +721,7 @@
 </file>
 
 <file path=ppt/notesSlides/notesSlide1.xml><?xml version="1.0" encoding="utf-8"?>
-<p:notes xmlns:a="http://schemas.openxmlformats.org/drawingml/2006/main" xmlns:r="http://schemas.openxmlformats.org/officeDocument/2006/relationships" xmlns:p="http://schemas.openxmlformats.org/presentationml/2006/main" showMasterSp="0" showMasterPhAnim="0">
+<p:notes xmlns:a="http://schemas.openxmlformats.org/drawingml/2006/main" xmlns:r="http://schemas.openxmlformats.org/officeDocument/2006/relationships" xmlns:p="http://schemas.openxmlformats.org/presentationml/2006/main" showMasterPhAnim="0" showMasterSp="0">
   <p:cSld>
     <p:spTree>
       <p:nvGrpSpPr>
@@ -779,7 +771,6 @@
               </a:spcAft>
               <a:buNone/>
             </a:pPr>
-            <a:endParaRPr/>
           </a:p>
         </p:txBody>
       </p:sp>
@@ -833,7 +824,110 @@
 </file>
 
 <file path=ppt/notesSlides/notesSlide10.xml><?xml version="1.0" encoding="utf-8"?>
-<p:notes xmlns:a="http://schemas.openxmlformats.org/drawingml/2006/main" xmlns:r="http://schemas.openxmlformats.org/officeDocument/2006/relationships" xmlns:p="http://schemas.openxmlformats.org/presentationml/2006/main" showMasterSp="0" showMasterPhAnim="0">
+<p:notes xmlns:a="http://schemas.openxmlformats.org/drawingml/2006/main" xmlns:r="http://schemas.openxmlformats.org/officeDocument/2006/relationships" xmlns:p="http://schemas.openxmlformats.org/presentationml/2006/main" showMasterPhAnim="0" showMasterSp="0">
+  <p:cSld>
+    <p:spTree>
+      <p:nvGrpSpPr>
+        <p:cNvPr id="1" name="Shape 148"/>
+        <p:cNvGrpSpPr/>
+        <p:nvPr/>
+      </p:nvGrpSpPr>
+      <p:grpSpPr>
+        <a:xfrm>
+          <a:off x="0" y="0"/>
+          <a:ext cx="0" cy="0"/>
+          <a:chOff x="0" y="0"/>
+          <a:chExt cx="0" cy="0"/>
+        </a:xfrm>
+      </p:grpSpPr>
+      <p:sp>
+        <p:nvSpPr>
+          <p:cNvPr id="149" name="Google Shape;149;p3:notes"/>
+          <p:cNvSpPr txBox="1">
+            <a:spLocks noGrp="1"/>
+          </p:cNvSpPr>
+          <p:nvPr>
+            <p:ph type="body" idx="1"/>
+          </p:nvPr>
+        </p:nvSpPr>
+        <p:spPr>
+          <a:xfrm>
+            <a:off x="685800" y="4343400"/>
+            <a:ext cx="5486400" cy="4114800"/>
+          </a:xfrm>
+          <a:prstGeom prst="rect">
+            <a:avLst/>
+          </a:prstGeom>
+        </p:spPr>
+        <p:txBody>
+          <a:bodyPr spcFirstLastPara="1" wrap="square" lIns="91425" tIns="91425" rIns="91425" bIns="91425" anchor="t" anchorCtr="0">
+            <a:noAutofit/>
+          </a:bodyPr>
+          <a:lstStyle/>
+          <a:p>
+            <a:pPr marL="0" lvl="0" indent="0" algn="l" rtl="0">
+              <a:spcBef>
+                <a:spcPts val="0"/>
+              </a:spcBef>
+              <a:spcAft>
+                <a:spcPts val="0"/>
+              </a:spcAft>
+              <a:buNone/>
+            </a:pPr>
+          </a:p>
+        </p:txBody>
+      </p:sp>
+      <p:sp>
+        <p:nvSpPr>
+          <p:cNvPr id="150" name="Google Shape;150;p3:notes"/>
+          <p:cNvSpPr>
+            <a:spLocks noGrp="1" noRot="1" noChangeAspect="1"/>
+          </p:cNvSpPr>
+          <p:nvPr>
+            <p:ph type="sldImg" idx="2"/>
+          </p:nvPr>
+        </p:nvSpPr>
+        <p:spPr>
+          <a:xfrm>
+            <a:off x="1143000" y="685800"/>
+            <a:ext cx="4572000" cy="3429000"/>
+          </a:xfrm>
+          <a:custGeom>
+            <a:avLst/>
+            <a:gdLst/>
+            <a:ahLst/>
+            <a:cxnLst/>
+            <a:rect l="l" t="t" r="r" b="b"/>
+            <a:pathLst>
+              <a:path w="120000" h="120000" extrusionOk="0">
+                <a:moveTo>
+                  <a:pt x="0" y="0"/>
+                </a:moveTo>
+                <a:lnTo>
+                  <a:pt x="120000" y="0"/>
+                </a:lnTo>
+                <a:lnTo>
+                  <a:pt x="120000" y="120000"/>
+                </a:lnTo>
+                <a:lnTo>
+                  <a:pt x="0" y="120000"/>
+                </a:lnTo>
+                <a:close/>
+              </a:path>
+            </a:pathLst>
+          </a:custGeom>
+        </p:spPr>
+      </p:sp>
+    </p:spTree>
+  </p:cSld>
+  <p:clrMapOvr>
+    <a:masterClrMapping/>
+  </p:clrMapOvr>
+</p:notes>
+</file>
+
+<file path=ppt/notesSlides/notesSlide11.xml><?xml version="1.0" encoding="utf-8"?>
+<p:notes xmlns:a="http://schemas.openxmlformats.org/drawingml/2006/main" xmlns:r="http://schemas.openxmlformats.org/officeDocument/2006/relationships" xmlns:p="http://schemas.openxmlformats.org/presentationml/2006/main" showMasterPhAnim="0" showMasterSp="0">
   <p:cSld>
     <p:spTree>
       <p:nvGrpSpPr>
@@ -883,7 +977,6 @@
               </a:spcAft>
               <a:buNone/>
             </a:pPr>
-            <a:endParaRPr/>
           </a:p>
         </p:txBody>
       </p:sp>
@@ -936,112 +1029,8 @@
 </p:notes>
 </file>
 
-<file path=ppt/notesSlides/notesSlide11.xml><?xml version="1.0" encoding="utf-8"?>
-<p:notes xmlns:a="http://schemas.openxmlformats.org/drawingml/2006/main" xmlns:r="http://schemas.openxmlformats.org/officeDocument/2006/relationships" xmlns:p="http://schemas.openxmlformats.org/presentationml/2006/main" showMasterSp="0" showMasterPhAnim="0">
-  <p:cSld>
-    <p:spTree>
-      <p:nvGrpSpPr>
-        <p:cNvPr id="1" name="Shape 154"/>
-        <p:cNvGrpSpPr/>
-        <p:nvPr/>
-      </p:nvGrpSpPr>
-      <p:grpSpPr>
-        <a:xfrm>
-          <a:off x="0" y="0"/>
-          <a:ext cx="0" cy="0"/>
-          <a:chOff x="0" y="0"/>
-          <a:chExt cx="0" cy="0"/>
-        </a:xfrm>
-      </p:grpSpPr>
-      <p:sp>
-        <p:nvSpPr>
-          <p:cNvPr id="155" name="Google Shape;155;p4:notes"/>
-          <p:cNvSpPr txBox="1">
-            <a:spLocks noGrp="1"/>
-          </p:cNvSpPr>
-          <p:nvPr>
-            <p:ph type="body" idx="1"/>
-          </p:nvPr>
-        </p:nvSpPr>
-        <p:spPr>
-          <a:xfrm>
-            <a:off x="685800" y="4343400"/>
-            <a:ext cx="5486400" cy="4114800"/>
-          </a:xfrm>
-          <a:prstGeom prst="rect">
-            <a:avLst/>
-          </a:prstGeom>
-        </p:spPr>
-        <p:txBody>
-          <a:bodyPr spcFirstLastPara="1" wrap="square" lIns="91425" tIns="91425" rIns="91425" bIns="91425" anchor="t" anchorCtr="0">
-            <a:noAutofit/>
-          </a:bodyPr>
-          <a:lstStyle/>
-          <a:p>
-            <a:pPr marL="0" lvl="0" indent="0" algn="l" rtl="0">
-              <a:spcBef>
-                <a:spcPts val="0"/>
-              </a:spcBef>
-              <a:spcAft>
-                <a:spcPts val="0"/>
-              </a:spcAft>
-              <a:buNone/>
-            </a:pPr>
-            <a:endParaRPr/>
-          </a:p>
-        </p:txBody>
-      </p:sp>
-      <p:sp>
-        <p:nvSpPr>
-          <p:cNvPr id="156" name="Google Shape;156;p4:notes"/>
-          <p:cNvSpPr>
-            <a:spLocks noGrp="1" noRot="1" noChangeAspect="1"/>
-          </p:cNvSpPr>
-          <p:nvPr>
-            <p:ph type="sldImg" idx="2"/>
-          </p:nvPr>
-        </p:nvSpPr>
-        <p:spPr>
-          <a:xfrm>
-            <a:off x="1143225" y="685800"/>
-            <a:ext cx="4572225" cy="3429000"/>
-          </a:xfrm>
-          <a:custGeom>
-            <a:avLst/>
-            <a:gdLst/>
-            <a:ahLst/>
-            <a:cxnLst/>
-            <a:rect l="l" t="t" r="r" b="b"/>
-            <a:pathLst>
-              <a:path w="120000" h="120000" extrusionOk="0">
-                <a:moveTo>
-                  <a:pt x="0" y="0"/>
-                </a:moveTo>
-                <a:lnTo>
-                  <a:pt x="120000" y="0"/>
-                </a:lnTo>
-                <a:lnTo>
-                  <a:pt x="120000" y="120000"/>
-                </a:lnTo>
-                <a:lnTo>
-                  <a:pt x="0" y="120000"/>
-                </a:lnTo>
-                <a:close/>
-              </a:path>
-            </a:pathLst>
-          </a:custGeom>
-        </p:spPr>
-      </p:sp>
-    </p:spTree>
-  </p:cSld>
-  <p:clrMapOvr>
-    <a:masterClrMapping/>
-  </p:clrMapOvr>
-</p:notes>
-</file>
-
 <file path=ppt/notesSlides/notesSlide12.xml><?xml version="1.0" encoding="utf-8"?>
-<p:notes xmlns:a="http://schemas.openxmlformats.org/drawingml/2006/main" xmlns:r="http://schemas.openxmlformats.org/officeDocument/2006/relationships" xmlns:p="http://schemas.openxmlformats.org/presentationml/2006/main" showMasterSp="0" showMasterPhAnim="0">
+<p:notes xmlns:a="http://schemas.openxmlformats.org/drawingml/2006/main" xmlns:r="http://schemas.openxmlformats.org/officeDocument/2006/relationships" xmlns:p="http://schemas.openxmlformats.org/presentationml/2006/main" showMasterPhAnim="0" showMasterSp="0">
   <p:cSld>
     <p:spTree>
       <p:nvGrpSpPr>
@@ -1091,7 +1080,6 @@
               </a:spcAft>
               <a:buNone/>
             </a:pPr>
-            <a:endParaRPr/>
           </a:p>
         </p:txBody>
       </p:sp>
@@ -1145,7 +1133,7 @@
 </file>
 
 <file path=ppt/notesSlides/notesSlide2.xml><?xml version="1.0" encoding="utf-8"?>
-<p:notes xmlns:a="http://schemas.openxmlformats.org/drawingml/2006/main" xmlns:r="http://schemas.openxmlformats.org/officeDocument/2006/relationships" xmlns:p="http://schemas.openxmlformats.org/presentationml/2006/main" showMasterSp="0" showMasterPhAnim="0">
+<p:notes xmlns:a="http://schemas.openxmlformats.org/drawingml/2006/main" xmlns:r="http://schemas.openxmlformats.org/officeDocument/2006/relationships" xmlns:p="http://schemas.openxmlformats.org/presentationml/2006/main" showMasterPhAnim="0" showMasterSp="0">
   <p:cSld>
     <p:spTree>
       <p:nvGrpSpPr>
@@ -1195,7 +1183,6 @@
               </a:spcAft>
               <a:buNone/>
             </a:pPr>
-            <a:endParaRPr/>
           </a:p>
         </p:txBody>
       </p:sp>
@@ -1249,7 +1236,7 @@
 </file>
 
 <file path=ppt/notesSlides/notesSlide3.xml><?xml version="1.0" encoding="utf-8"?>
-<p:notes xmlns:a="http://schemas.openxmlformats.org/drawingml/2006/main" xmlns:r="http://schemas.openxmlformats.org/officeDocument/2006/relationships" xmlns:p="http://schemas.openxmlformats.org/presentationml/2006/main" showMasterSp="0" showMasterPhAnim="0">
+<p:notes xmlns:a="http://schemas.openxmlformats.org/drawingml/2006/main" xmlns:r="http://schemas.openxmlformats.org/officeDocument/2006/relationships" xmlns:p="http://schemas.openxmlformats.org/presentationml/2006/main" showMasterPhAnim="0" showMasterSp="0">
   <p:cSld>
     <p:spTree>
       <p:nvGrpSpPr>
@@ -1357,7 +1344,7 @@
 </file>
 
 <file path=ppt/notesSlides/notesSlide4.xml><?xml version="1.0" encoding="utf-8"?>
-<p:notes xmlns:a="http://schemas.openxmlformats.org/drawingml/2006/main" xmlns:r="http://schemas.openxmlformats.org/officeDocument/2006/relationships" xmlns:p="http://schemas.openxmlformats.org/presentationml/2006/main" showMasterSp="0" showMasterPhAnim="0">
+<p:notes xmlns:a="http://schemas.openxmlformats.org/drawingml/2006/main" xmlns:r="http://schemas.openxmlformats.org/officeDocument/2006/relationships" xmlns:p="http://schemas.openxmlformats.org/presentationml/2006/main" showMasterPhAnim="0" showMasterSp="0">
   <p:cSld>
     <p:spTree>
       <p:nvGrpSpPr>
@@ -1473,7 +1460,7 @@
 </file>
 
 <file path=ppt/notesSlides/notesSlide5.xml><?xml version="1.0" encoding="utf-8"?>
-<p:notes xmlns:a="http://schemas.openxmlformats.org/drawingml/2006/main" xmlns:r="http://schemas.openxmlformats.org/officeDocument/2006/relationships" xmlns:p="http://schemas.openxmlformats.org/presentationml/2006/main" showMasterSp="0" showMasterPhAnim="0">
+<p:notes xmlns:a="http://schemas.openxmlformats.org/drawingml/2006/main" xmlns:r="http://schemas.openxmlformats.org/officeDocument/2006/relationships" xmlns:p="http://schemas.openxmlformats.org/presentationml/2006/main" showMasterPhAnim="0" showMasterSp="0">
   <p:cSld>
     <p:spTree>
       <p:nvGrpSpPr>
@@ -1581,11 +1568,11 @@
 </file>
 
 <file path=ppt/notesSlides/notesSlide6.xml><?xml version="1.0" encoding="utf-8"?>
-<p:notes xmlns:a="http://schemas.openxmlformats.org/drawingml/2006/main" xmlns:r="http://schemas.openxmlformats.org/officeDocument/2006/relationships" xmlns:p="http://schemas.openxmlformats.org/presentationml/2006/main" showMasterSp="0" showMasterPhAnim="0">
+<p:notes xmlns:a="http://schemas.openxmlformats.org/drawingml/2006/main" xmlns:r="http://schemas.openxmlformats.org/officeDocument/2006/relationships" xmlns:p="http://schemas.openxmlformats.org/presentationml/2006/main" showMasterPhAnim="0" showMasterSp="0">
   <p:cSld>
     <p:spTree>
       <p:nvGrpSpPr>
-        <p:cNvPr id="1" name="Shape 148"/>
+        <p:cNvPr id="1" name="Shape 154"/>
         <p:cNvGrpSpPr/>
         <p:nvPr/>
       </p:nvGrpSpPr>
@@ -1599,7 +1586,7 @@
       </p:grpSpPr>
       <p:sp>
         <p:nvSpPr>
-          <p:cNvPr id="149" name="Google Shape;149;p3:notes"/>
+          <p:cNvPr id="155" name="Google Shape;155;p4:notes"/>
           <p:cNvSpPr txBox="1">
             <a:spLocks noGrp="1"/>
           </p:cNvSpPr>
@@ -1631,13 +1618,12 @@
               </a:spcAft>
               <a:buNone/>
             </a:pPr>
-            <a:endParaRPr/>
           </a:p>
         </p:txBody>
       </p:sp>
       <p:sp>
         <p:nvSpPr>
-          <p:cNvPr id="150" name="Google Shape;150;p3:notes"/>
+          <p:cNvPr id="156" name="Google Shape;156;p4:notes"/>
           <p:cNvSpPr>
             <a:spLocks noGrp="1" noRot="1" noChangeAspect="1"/>
           </p:cNvSpPr>
@@ -1685,7 +1671,7 @@
 </file>
 
 <file path=ppt/notesSlides/notesSlide7.xml><?xml version="1.0" encoding="utf-8"?>
-<p:notes xmlns:a="http://schemas.openxmlformats.org/drawingml/2006/main" xmlns:r="http://schemas.openxmlformats.org/officeDocument/2006/relationships" xmlns:p="http://schemas.openxmlformats.org/presentationml/2006/main" showMasterSp="0" showMasterPhAnim="0">
+<p:notes xmlns:a="http://schemas.openxmlformats.org/drawingml/2006/main" xmlns:r="http://schemas.openxmlformats.org/officeDocument/2006/relationships" xmlns:p="http://schemas.openxmlformats.org/presentationml/2006/main" showMasterPhAnim="0" showMasterSp="0">
   <p:cSld>
     <p:spTree>
       <p:nvGrpSpPr>
@@ -1735,7 +1721,6 @@
               </a:spcAft>
               <a:buNone/>
             </a:pPr>
-            <a:endParaRPr/>
           </a:p>
         </p:txBody>
       </p:sp>
@@ -1789,7 +1774,7 @@
 </file>
 
 <file path=ppt/notesSlides/notesSlide8.xml><?xml version="1.0" encoding="utf-8"?>
-<p:notes xmlns:a="http://schemas.openxmlformats.org/drawingml/2006/main" xmlns:r="http://schemas.openxmlformats.org/officeDocument/2006/relationships" xmlns:p="http://schemas.openxmlformats.org/presentationml/2006/main" showMasterSp="0" showMasterPhAnim="0">
+<p:notes xmlns:a="http://schemas.openxmlformats.org/drawingml/2006/main" xmlns:r="http://schemas.openxmlformats.org/officeDocument/2006/relationships" xmlns:p="http://schemas.openxmlformats.org/presentationml/2006/main" showMasterPhAnim="0" showMasterSp="0">
   <p:cSld>
     <p:spTree>
       <p:nvGrpSpPr>
@@ -1839,7 +1824,6 @@
               </a:spcAft>
               <a:buNone/>
             </a:pPr>
-            <a:endParaRPr/>
           </a:p>
         </p:txBody>
       </p:sp>
@@ -1893,7 +1877,7 @@
 </file>
 
 <file path=ppt/notesSlides/notesSlide9.xml><?xml version="1.0" encoding="utf-8"?>
-<p:notes xmlns:a="http://schemas.openxmlformats.org/drawingml/2006/main" xmlns:r="http://schemas.openxmlformats.org/officeDocument/2006/relationships" xmlns:p="http://schemas.openxmlformats.org/presentationml/2006/main" showMasterSp="0" showMasterPhAnim="0">
+<p:notes xmlns:a="http://schemas.openxmlformats.org/drawingml/2006/main" xmlns:r="http://schemas.openxmlformats.org/officeDocument/2006/relationships" xmlns:p="http://schemas.openxmlformats.org/presentationml/2006/main" showMasterPhAnim="0" showMasterSp="0">
   <p:cSld>
     <p:spTree>
       <p:nvGrpSpPr>
@@ -1943,7 +1927,6 @@
               </a:spcAft>
               <a:buNone/>
             </a:pPr>
-            <a:endParaRPr/>
           </a:p>
         </p:txBody>
       </p:sp>
@@ -1959,8 +1942,8 @@
         </p:nvSpPr>
         <p:spPr>
           <a:xfrm>
-            <a:off x="1143000" y="685800"/>
-            <a:ext cx="4572000" cy="3429000"/>
+            <a:off x="1143225" y="685800"/>
+            <a:ext cx="4572225" cy="3429000"/>
           </a:xfrm>
           <a:custGeom>
             <a:avLst/>
@@ -1997,7 +1980,7 @@
 </file>
 
 <file path=ppt/slideLayouts/slideLayout1.xml><?xml version="1.0" encoding="utf-8"?>
-<p:sldLayout xmlns:a="http://schemas.openxmlformats.org/drawingml/2006/main" xmlns:r="http://schemas.openxmlformats.org/officeDocument/2006/relationships" xmlns:p="http://schemas.openxmlformats.org/presentationml/2006/main" matchingName="Title slide" type="title">
+<p:sldLayout xmlns:a="http://schemas.openxmlformats.org/drawingml/2006/main" xmlns:r="http://schemas.openxmlformats.org/officeDocument/2006/relationships" xmlns:p="http://schemas.openxmlformats.org/presentationml/2006/main" type="title" matchingName="Title slide">
   <p:cSld name="TITLE">
     <p:spTree>
       <p:nvGrpSpPr>
@@ -2053,7 +2036,6 @@
               </a:spcAft>
               <a:buNone/>
             </a:pPr>
-            <a:endParaRPr/>
           </a:p>
         </p:txBody>
       </p:sp>
@@ -2111,7 +2093,6 @@
                 </a:spcAft>
                 <a:buNone/>
               </a:pPr>
-              <a:endParaRPr/>
             </a:p>
           </p:txBody>
         </p:sp>
@@ -2155,7 +2136,6 @@
                 </a:spcAft>
                 <a:buNone/>
               </a:pPr>
-              <a:endParaRPr/>
             </a:p>
           </p:txBody>
         </p:sp>
@@ -2197,7 +2177,6 @@
                 </a:spcAft>
                 <a:buNone/>
               </a:pPr>
-              <a:endParaRPr/>
             </a:p>
           </p:txBody>
         </p:sp>
@@ -2239,7 +2218,6 @@
                 </a:spcAft>
                 <a:buNone/>
               </a:pPr>
-              <a:endParaRPr/>
             </a:p>
           </p:txBody>
         </p:sp>
@@ -2368,9 +2346,7 @@
               <a:defRPr sz="4000"/>
             </a:lvl9pPr>
           </a:lstStyle>
-          <a:p>
-            <a:endParaRPr/>
-          </a:p>
+          <a:p/>
         </p:txBody>
       </p:sp>
       <p:sp>
@@ -2524,9 +2500,7 @@
               <a:defRPr sz="1300"/>
             </a:lvl9pPr>
           </a:lstStyle>
-          <a:p>
-            <a:endParaRPr/>
-          </a:p>
+          <a:p/>
         </p:txBody>
       </p:sp>
       <p:sp>
@@ -2602,7 +2576,6 @@
             </a:pPr>
             <a:fld id="{00000000-1234-1234-1234-123412341234}" type="slidenum">
               <a:rPr lang="en-US"/>
-              <a:t>‹#›</a:t>
             </a:fld>
             <a:endParaRPr lang="en-US"/>
           </a:p>
@@ -2688,7 +2661,6 @@
                 </a:spcAft>
                 <a:buNone/>
               </a:pPr>
-              <a:endParaRPr/>
             </a:p>
           </p:txBody>
         </p:sp>
@@ -2732,7 +2704,6 @@
                 </a:spcAft>
                 <a:buNone/>
               </a:pPr>
-              <a:endParaRPr/>
             </a:p>
           </p:txBody>
         </p:sp>
@@ -2776,7 +2747,6 @@
                 </a:spcAft>
                 <a:buNone/>
               </a:pPr>
-              <a:endParaRPr/>
             </a:p>
           </p:txBody>
         </p:sp>
@@ -2820,7 +2790,6 @@
                 </a:spcAft>
                 <a:buNone/>
               </a:pPr>
-              <a:endParaRPr/>
             </a:p>
           </p:txBody>
         </p:sp>
@@ -2864,7 +2833,6 @@
                 </a:spcAft>
                 <a:buNone/>
               </a:pPr>
-              <a:endParaRPr/>
             </a:p>
           </p:txBody>
         </p:sp>
@@ -2908,7 +2876,6 @@
                 </a:spcAft>
                 <a:buNone/>
               </a:pPr>
-              <a:endParaRPr/>
             </a:p>
           </p:txBody>
         </p:sp>
@@ -2952,7 +2919,6 @@
                 </a:spcAft>
                 <a:buNone/>
               </a:pPr>
-              <a:endParaRPr/>
             </a:p>
           </p:txBody>
         </p:sp>
@@ -2994,7 +2960,6 @@
                 </a:spcAft>
                 <a:buNone/>
               </a:pPr>
-              <a:endParaRPr/>
             </a:p>
           </p:txBody>
         </p:sp>
@@ -3038,7 +3003,6 @@
                 </a:spcAft>
                 <a:buNone/>
               </a:pPr>
-              <a:endParaRPr/>
             </a:p>
           </p:txBody>
         </p:sp>
@@ -3082,7 +3046,6 @@
                 </a:spcAft>
                 <a:buNone/>
               </a:pPr>
-              <a:endParaRPr/>
             </a:p>
           </p:txBody>
         </p:sp>
@@ -3126,7 +3089,6 @@
                 </a:spcAft>
                 <a:buNone/>
               </a:pPr>
-              <a:endParaRPr/>
             </a:p>
           </p:txBody>
         </p:sp>
@@ -3170,7 +3132,6 @@
                 </a:spcAft>
                 <a:buNone/>
               </a:pPr>
-              <a:endParaRPr/>
             </a:p>
           </p:txBody>
         </p:sp>
@@ -3214,7 +3175,6 @@
                 </a:spcAft>
                 <a:buNone/>
               </a:pPr>
-              <a:endParaRPr/>
             </a:p>
           </p:txBody>
         </p:sp>
@@ -3256,7 +3216,6 @@
                 </a:spcAft>
                 <a:buNone/>
               </a:pPr>
-              <a:endParaRPr/>
             </a:p>
           </p:txBody>
         </p:sp>
@@ -3300,7 +3259,6 @@
                 </a:spcAft>
                 <a:buNone/>
               </a:pPr>
-              <a:endParaRPr/>
             </a:p>
           </p:txBody>
         </p:sp>
@@ -3344,7 +3302,6 @@
                 </a:spcAft>
                 <a:buNone/>
               </a:pPr>
-              <a:endParaRPr/>
             </a:p>
           </p:txBody>
         </p:sp>
@@ -3388,7 +3345,6 @@
                 </a:spcAft>
                 <a:buNone/>
               </a:pPr>
-              <a:endParaRPr/>
             </a:p>
           </p:txBody>
         </p:sp>
@@ -3432,7 +3388,6 @@
                 </a:spcAft>
                 <a:buNone/>
               </a:pPr>
-              <a:endParaRPr/>
             </a:p>
           </p:txBody>
         </p:sp>
@@ -3692,9 +3647,7 @@
               <a:defRPr/>
             </a:lvl9pPr>
           </a:lstStyle>
-          <a:p>
-            <a:endParaRPr/>
-          </a:p>
+          <a:p/>
         </p:txBody>
       </p:sp>
       <p:sp>
@@ -3770,7 +3723,6 @@
             </a:pPr>
             <a:fld id="{00000000-1234-1234-1234-123412341234}" type="slidenum">
               <a:rPr lang="en-US"/>
-              <a:t>‹#›</a:t>
             </a:fld>
             <a:endParaRPr lang="en-US"/>
           </a:p>
@@ -3786,7 +3738,7 @@
 </file>
 
 <file path=ppt/slideLayouts/slideLayout11.xml><?xml version="1.0" encoding="utf-8"?>
-<p:sldLayout xmlns:a="http://schemas.openxmlformats.org/drawingml/2006/main" xmlns:r="http://schemas.openxmlformats.org/officeDocument/2006/relationships" xmlns:p="http://schemas.openxmlformats.org/presentationml/2006/main" matchingName="Blank" type="blank">
+<p:sldLayout xmlns:a="http://schemas.openxmlformats.org/drawingml/2006/main" xmlns:r="http://schemas.openxmlformats.org/officeDocument/2006/relationships" xmlns:p="http://schemas.openxmlformats.org/presentationml/2006/main" type="blank" matchingName="Blank">
   <p:cSld name="BLANK">
     <p:spTree>
       <p:nvGrpSpPr>
@@ -3875,7 +3827,6 @@
             </a:pPr>
             <a:fld id="{00000000-1234-1234-1234-123412341234}" type="slidenum">
               <a:rPr lang="en-US"/>
-              <a:t>‹#›</a:t>
             </a:fld>
             <a:endParaRPr lang="en-US"/>
           </a:p>
@@ -3891,7 +3842,7 @@
 </file>
 
 <file path=ppt/slideLayouts/slideLayout12.xml><?xml version="1.0" encoding="utf-8"?>
-<p:sldLayout xmlns:a="http://schemas.openxmlformats.org/drawingml/2006/main" xmlns:r="http://schemas.openxmlformats.org/officeDocument/2006/relationships" xmlns:p="http://schemas.openxmlformats.org/presentationml/2006/main" matchingName="Title and Content" type="obj">
+<p:sldLayout xmlns:a="http://schemas.openxmlformats.org/drawingml/2006/main" xmlns:r="http://schemas.openxmlformats.org/officeDocument/2006/relationships" xmlns:p="http://schemas.openxmlformats.org/presentationml/2006/main" type="obj" matchingName="Title and Content">
   <p:cSld name="OBJECT">
     <p:spTree>
       <p:nvGrpSpPr>
@@ -4038,9 +3989,7 @@
               <a:defRPr/>
             </a:lvl9pPr>
           </a:lstStyle>
-          <a:p>
-            <a:endParaRPr/>
-          </a:p>
+          <a:p/>
         </p:txBody>
       </p:sp>
       <p:sp>
@@ -4198,9 +4147,7 @@
               <a:defRPr/>
             </a:lvl9pPr>
           </a:lstStyle>
-          <a:p>
-            <a:endParaRPr/>
-          </a:p>
+          <a:p/>
         </p:txBody>
       </p:sp>
       <p:sp>
@@ -4331,9 +4278,7 @@
               <a:defRPr/>
             </a:lvl9pPr>
           </a:lstStyle>
-          <a:p>
-            <a:endParaRPr/>
-          </a:p>
+          <a:p/>
         </p:txBody>
       </p:sp>
       <p:sp>
@@ -4464,9 +4409,7 @@
               <a:defRPr/>
             </a:lvl9pPr>
           </a:lstStyle>
-          <a:p>
-            <a:endParaRPr/>
-          </a:p>
+          <a:p/>
         </p:txBody>
       </p:sp>
       <p:sp>
@@ -4573,7 +4516,6 @@
             </a:pPr>
             <a:fld id="{00000000-1234-1234-1234-123412341234}" type="slidenum">
               <a:rPr lang="en-US"/>
-              <a:t>‹#›</a:t>
             </a:fld>
             <a:endParaRPr lang="en-US"/>
           </a:p>
@@ -4589,7 +4531,7 @@
 </file>
 
 <file path=ppt/slideLayouts/slideLayout2.xml><?xml version="1.0" encoding="utf-8"?>
-<p:sldLayout xmlns:a="http://schemas.openxmlformats.org/drawingml/2006/main" xmlns:r="http://schemas.openxmlformats.org/officeDocument/2006/relationships" xmlns:p="http://schemas.openxmlformats.org/presentationml/2006/main" matchingName="Section header" type="secHead">
+<p:sldLayout xmlns:a="http://schemas.openxmlformats.org/drawingml/2006/main" xmlns:r="http://schemas.openxmlformats.org/officeDocument/2006/relationships" xmlns:p="http://schemas.openxmlformats.org/presentationml/2006/main" type="secHead" matchingName="Section header">
   <p:cSld name="SECTION_HEADER">
     <p:spTree>
       <p:nvGrpSpPr>
@@ -4659,7 +4601,6 @@
                 </a:spcAft>
                 <a:buNone/>
               </a:pPr>
-              <a:endParaRPr/>
             </a:p>
           </p:txBody>
         </p:sp>
@@ -4703,7 +4644,6 @@
                 </a:spcAft>
                 <a:buNone/>
               </a:pPr>
-              <a:endParaRPr/>
             </a:p>
           </p:txBody>
         </p:sp>
@@ -4747,7 +4687,6 @@
                 </a:spcAft>
                 <a:buNone/>
               </a:pPr>
-              <a:endParaRPr/>
             </a:p>
           </p:txBody>
         </p:sp>
@@ -4791,7 +4730,6 @@
                 </a:spcAft>
                 <a:buNone/>
               </a:pPr>
-              <a:endParaRPr/>
             </a:p>
           </p:txBody>
         </p:sp>
@@ -4835,7 +4773,6 @@
                 </a:spcAft>
                 <a:buNone/>
               </a:pPr>
-              <a:endParaRPr/>
             </a:p>
           </p:txBody>
         </p:sp>
@@ -4879,7 +4816,6 @@
                 </a:spcAft>
                 <a:buNone/>
               </a:pPr>
-              <a:endParaRPr/>
             </a:p>
           </p:txBody>
         </p:sp>
@@ -4923,7 +4859,6 @@
                 </a:spcAft>
                 <a:buNone/>
               </a:pPr>
-              <a:endParaRPr/>
             </a:p>
           </p:txBody>
         </p:sp>
@@ -4965,7 +4900,6 @@
                 </a:spcAft>
                 <a:buNone/>
               </a:pPr>
-              <a:endParaRPr/>
             </a:p>
           </p:txBody>
         </p:sp>
@@ -5009,7 +4943,6 @@
                 </a:spcAft>
                 <a:buNone/>
               </a:pPr>
-              <a:endParaRPr/>
             </a:p>
           </p:txBody>
         </p:sp>
@@ -5053,7 +4986,6 @@
                 </a:spcAft>
                 <a:buNone/>
               </a:pPr>
-              <a:endParaRPr/>
             </a:p>
           </p:txBody>
         </p:sp>
@@ -5097,7 +5029,6 @@
                 </a:spcAft>
                 <a:buNone/>
               </a:pPr>
-              <a:endParaRPr/>
             </a:p>
           </p:txBody>
         </p:sp>
@@ -5141,7 +5072,6 @@
                 </a:spcAft>
                 <a:buNone/>
               </a:pPr>
-              <a:endParaRPr/>
             </a:p>
           </p:txBody>
         </p:sp>
@@ -5185,7 +5115,6 @@
                 </a:spcAft>
                 <a:buNone/>
               </a:pPr>
-              <a:endParaRPr/>
             </a:p>
           </p:txBody>
         </p:sp>
@@ -5227,7 +5156,6 @@
                 </a:spcAft>
                 <a:buNone/>
               </a:pPr>
-              <a:endParaRPr/>
             </a:p>
           </p:txBody>
         </p:sp>
@@ -5271,7 +5199,6 @@
                 </a:spcAft>
                 <a:buNone/>
               </a:pPr>
-              <a:endParaRPr/>
             </a:p>
           </p:txBody>
         </p:sp>
@@ -5315,7 +5242,6 @@
                 </a:spcAft>
                 <a:buNone/>
               </a:pPr>
-              <a:endParaRPr/>
             </a:p>
           </p:txBody>
         </p:sp>
@@ -5359,7 +5285,6 @@
                 </a:spcAft>
                 <a:buNone/>
               </a:pPr>
-              <a:endParaRPr/>
             </a:p>
           </p:txBody>
         </p:sp>
@@ -5403,7 +5328,6 @@
                 </a:spcAft>
                 <a:buNone/>
               </a:pPr>
-              <a:endParaRPr/>
             </a:p>
           </p:txBody>
         </p:sp>
@@ -5532,9 +5456,7 @@
               <a:defRPr/>
             </a:lvl9pPr>
           </a:lstStyle>
-          <a:p>
-            <a:endParaRPr/>
-          </a:p>
+          <a:p/>
         </p:txBody>
       </p:sp>
       <p:sp>
@@ -5610,7 +5532,6 @@
             </a:pPr>
             <a:fld id="{00000000-1234-1234-1234-123412341234}" type="slidenum">
               <a:rPr lang="en-US"/>
-              <a:t>‹#›</a:t>
             </a:fld>
             <a:endParaRPr lang="en-US"/>
           </a:p>
@@ -5626,7 +5547,7 @@
 </file>
 
 <file path=ppt/slideLayouts/slideLayout3.xml><?xml version="1.0" encoding="utf-8"?>
-<p:sldLayout xmlns:a="http://schemas.openxmlformats.org/drawingml/2006/main" xmlns:r="http://schemas.openxmlformats.org/officeDocument/2006/relationships" xmlns:p="http://schemas.openxmlformats.org/presentationml/2006/main" matchingName="Title and body" type="tx">
+<p:sldLayout xmlns:a="http://schemas.openxmlformats.org/drawingml/2006/main" xmlns:r="http://schemas.openxmlformats.org/officeDocument/2006/relationships" xmlns:p="http://schemas.openxmlformats.org/presentationml/2006/main" type="tx" matchingName="Title and body">
   <p:cSld name="TITLE_AND_BODY">
     <p:spTree>
       <p:nvGrpSpPr>
@@ -5694,7 +5615,6 @@
                 </a:spcAft>
                 <a:buNone/>
               </a:pPr>
-              <a:endParaRPr/>
             </a:p>
           </p:txBody>
         </p:sp>
@@ -5736,7 +5656,6 @@
                 </a:spcAft>
                 <a:buNone/>
               </a:pPr>
-              <a:endParaRPr/>
             </a:p>
           </p:txBody>
         </p:sp>
@@ -5865,9 +5784,7 @@
               <a:defRPr sz="2400"/>
             </a:lvl9pPr>
           </a:lstStyle>
-          <a:p>
-            <a:endParaRPr/>
-          </a:p>
+          <a:p/>
         </p:txBody>
       </p:sp>
       <p:sp>
@@ -5994,9 +5911,7 @@
               <a:defRPr/>
             </a:lvl9pPr>
           </a:lstStyle>
-          <a:p>
-            <a:endParaRPr/>
-          </a:p>
+          <a:p/>
         </p:txBody>
       </p:sp>
       <p:sp>
@@ -6072,7 +5987,6 @@
             </a:pPr>
             <a:fld id="{00000000-1234-1234-1234-123412341234}" type="slidenum">
               <a:rPr lang="en-US"/>
-              <a:t>‹#›</a:t>
             </a:fld>
             <a:endParaRPr lang="en-US"/>
           </a:p>
@@ -6088,7 +6002,7 @@
 </file>
 
 <file path=ppt/slideLayouts/slideLayout4.xml><?xml version="1.0" encoding="utf-8"?>
-<p:sldLayout xmlns:a="http://schemas.openxmlformats.org/drawingml/2006/main" xmlns:r="http://schemas.openxmlformats.org/officeDocument/2006/relationships" xmlns:p="http://schemas.openxmlformats.org/presentationml/2006/main" matchingName="Title and two columns" type="twoColTx">
+<p:sldLayout xmlns:a="http://schemas.openxmlformats.org/drawingml/2006/main" xmlns:r="http://schemas.openxmlformats.org/officeDocument/2006/relationships" xmlns:p="http://schemas.openxmlformats.org/presentationml/2006/main" type="twoColTx" matchingName="Title and two columns">
   <p:cSld name="TITLE_AND_TWO_COLUMNS">
     <p:spTree>
       <p:nvGrpSpPr>
@@ -6156,7 +6070,6 @@
                 </a:spcAft>
                 <a:buNone/>
               </a:pPr>
-              <a:endParaRPr/>
             </a:p>
           </p:txBody>
         </p:sp>
@@ -6198,7 +6111,6 @@
                 </a:spcAft>
                 <a:buNone/>
               </a:pPr>
-              <a:endParaRPr/>
             </a:p>
           </p:txBody>
         </p:sp>
@@ -6327,9 +6239,7 @@
               <a:defRPr sz="2400"/>
             </a:lvl9pPr>
           </a:lstStyle>
-          <a:p>
-            <a:endParaRPr/>
-          </a:p>
+          <a:p/>
         </p:txBody>
       </p:sp>
       <p:sp>
@@ -6456,9 +6366,7 @@
               <a:defRPr/>
             </a:lvl9pPr>
           </a:lstStyle>
-          <a:p>
-            <a:endParaRPr/>
-          </a:p>
+          <a:p/>
         </p:txBody>
       </p:sp>
       <p:sp>
@@ -6585,9 +6493,7 @@
               <a:defRPr/>
             </a:lvl9pPr>
           </a:lstStyle>
-          <a:p>
-            <a:endParaRPr/>
-          </a:p>
+          <a:p/>
         </p:txBody>
       </p:sp>
       <p:sp>
@@ -6663,7 +6569,6 @@
             </a:pPr>
             <a:fld id="{00000000-1234-1234-1234-123412341234}" type="slidenum">
               <a:rPr lang="en-US"/>
-              <a:t>‹#›</a:t>
             </a:fld>
             <a:endParaRPr lang="en-US"/>
           </a:p>
@@ -6679,7 +6584,7 @@
 </file>
 
 <file path=ppt/slideLayouts/slideLayout5.xml><?xml version="1.0" encoding="utf-8"?>
-<p:sldLayout xmlns:a="http://schemas.openxmlformats.org/drawingml/2006/main" xmlns:r="http://schemas.openxmlformats.org/officeDocument/2006/relationships" xmlns:p="http://schemas.openxmlformats.org/presentationml/2006/main" matchingName="Title only" type="titleOnly">
+<p:sldLayout xmlns:a="http://schemas.openxmlformats.org/drawingml/2006/main" xmlns:r="http://schemas.openxmlformats.org/officeDocument/2006/relationships" xmlns:p="http://schemas.openxmlformats.org/presentationml/2006/main" type="titleOnly" matchingName="Title only">
   <p:cSld name="TITLE_ONLY">
     <p:spTree>
       <p:nvGrpSpPr>
@@ -6747,7 +6652,6 @@
                 </a:spcAft>
                 <a:buNone/>
               </a:pPr>
-              <a:endParaRPr/>
             </a:p>
           </p:txBody>
         </p:sp>
@@ -6789,7 +6693,6 @@
                 </a:spcAft>
                 <a:buNone/>
               </a:pPr>
-              <a:endParaRPr/>
             </a:p>
           </p:txBody>
         </p:sp>
@@ -6918,9 +6821,7 @@
               <a:defRPr sz="2400"/>
             </a:lvl9pPr>
           </a:lstStyle>
-          <a:p>
-            <a:endParaRPr/>
-          </a:p>
+          <a:p/>
         </p:txBody>
       </p:sp>
       <p:sp>
@@ -6996,7 +6897,6 @@
             </a:pPr>
             <a:fld id="{00000000-1234-1234-1234-123412341234}" type="slidenum">
               <a:rPr lang="en-US"/>
-              <a:t>‹#›</a:t>
             </a:fld>
             <a:endParaRPr lang="en-US"/>
           </a:p>
@@ -7080,7 +6980,6 @@
                 </a:spcAft>
                 <a:buNone/>
               </a:pPr>
-              <a:endParaRPr/>
             </a:p>
           </p:txBody>
         </p:sp>
@@ -7122,7 +7021,6 @@
                 </a:spcAft>
                 <a:buNone/>
               </a:pPr>
-              <a:endParaRPr/>
             </a:p>
           </p:txBody>
         </p:sp>
@@ -7251,9 +7149,7 @@
               <a:defRPr sz="2400"/>
             </a:lvl9pPr>
           </a:lstStyle>
-          <a:p>
-            <a:endParaRPr/>
-          </a:p>
+          <a:p/>
         </p:txBody>
       </p:sp>
       <p:sp>
@@ -7380,9 +7276,7 @@
               <a:defRPr/>
             </a:lvl9pPr>
           </a:lstStyle>
-          <a:p>
-            <a:endParaRPr/>
-          </a:p>
+          <a:p/>
         </p:txBody>
       </p:sp>
       <p:sp>
@@ -7458,7 +7352,6 @@
             </a:pPr>
             <a:fld id="{00000000-1234-1234-1234-123412341234}" type="slidenum">
               <a:rPr lang="en-US"/>
-              <a:t>‹#›</a:t>
             </a:fld>
             <a:endParaRPr lang="en-US"/>
           </a:p>
@@ -7544,7 +7437,6 @@
                 </a:spcAft>
                 <a:buNone/>
               </a:pPr>
-              <a:endParaRPr/>
             </a:p>
           </p:txBody>
         </p:sp>
@@ -7588,7 +7480,6 @@
                 </a:spcAft>
                 <a:buNone/>
               </a:pPr>
-              <a:endParaRPr/>
             </a:p>
           </p:txBody>
         </p:sp>
@@ -7632,7 +7523,6 @@
                 </a:spcAft>
                 <a:buNone/>
               </a:pPr>
-              <a:endParaRPr/>
             </a:p>
           </p:txBody>
         </p:sp>
@@ -7676,7 +7566,6 @@
                 </a:spcAft>
                 <a:buNone/>
               </a:pPr>
-              <a:endParaRPr/>
             </a:p>
           </p:txBody>
         </p:sp>
@@ -7720,7 +7609,6 @@
                 </a:spcAft>
                 <a:buNone/>
               </a:pPr>
-              <a:endParaRPr/>
             </a:p>
           </p:txBody>
         </p:sp>
@@ -7764,7 +7652,6 @@
                 </a:spcAft>
                 <a:buNone/>
               </a:pPr>
-              <a:endParaRPr/>
             </a:p>
           </p:txBody>
         </p:sp>
@@ -7808,7 +7695,6 @@
                 </a:spcAft>
                 <a:buNone/>
               </a:pPr>
-              <a:endParaRPr/>
             </a:p>
           </p:txBody>
         </p:sp>
@@ -7850,7 +7736,6 @@
                 </a:spcAft>
                 <a:buNone/>
               </a:pPr>
-              <a:endParaRPr/>
             </a:p>
           </p:txBody>
         </p:sp>
@@ -7894,7 +7779,6 @@
                 </a:spcAft>
                 <a:buNone/>
               </a:pPr>
-              <a:endParaRPr/>
             </a:p>
           </p:txBody>
         </p:sp>
@@ -7938,7 +7822,6 @@
                 </a:spcAft>
                 <a:buNone/>
               </a:pPr>
-              <a:endParaRPr/>
             </a:p>
           </p:txBody>
         </p:sp>
@@ -7982,7 +7865,6 @@
                 </a:spcAft>
                 <a:buNone/>
               </a:pPr>
-              <a:endParaRPr/>
             </a:p>
           </p:txBody>
         </p:sp>
@@ -8026,7 +7908,6 @@
                 </a:spcAft>
                 <a:buNone/>
               </a:pPr>
-              <a:endParaRPr/>
             </a:p>
           </p:txBody>
         </p:sp>
@@ -8070,7 +7951,6 @@
                 </a:spcAft>
                 <a:buNone/>
               </a:pPr>
-              <a:endParaRPr/>
             </a:p>
           </p:txBody>
         </p:sp>
@@ -8112,7 +7992,6 @@
                 </a:spcAft>
                 <a:buNone/>
               </a:pPr>
-              <a:endParaRPr/>
             </a:p>
           </p:txBody>
         </p:sp>
@@ -8156,7 +8035,6 @@
                 </a:spcAft>
                 <a:buNone/>
               </a:pPr>
-              <a:endParaRPr/>
             </a:p>
           </p:txBody>
         </p:sp>
@@ -8200,7 +8078,6 @@
                 </a:spcAft>
                 <a:buNone/>
               </a:pPr>
-              <a:endParaRPr/>
             </a:p>
           </p:txBody>
         </p:sp>
@@ -8244,7 +8121,6 @@
                 </a:spcAft>
                 <a:buNone/>
               </a:pPr>
-              <a:endParaRPr/>
             </a:p>
           </p:txBody>
         </p:sp>
@@ -8288,7 +8164,6 @@
                 </a:spcAft>
                 <a:buNone/>
               </a:pPr>
-              <a:endParaRPr/>
             </a:p>
           </p:txBody>
         </p:sp>
@@ -8417,9 +8292,7 @@
               <a:defRPr/>
             </a:lvl9pPr>
           </a:lstStyle>
-          <a:p>
-            <a:endParaRPr/>
-          </a:p>
+          <a:p/>
         </p:txBody>
       </p:sp>
       <p:sp>
@@ -8495,7 +8368,6 @@
             </a:pPr>
             <a:fld id="{00000000-1234-1234-1234-123412341234}" type="slidenum">
               <a:rPr lang="en-US"/>
-              <a:t>‹#›</a:t>
             </a:fld>
             <a:endParaRPr lang="en-US"/>
           </a:p>
@@ -8579,7 +8451,6 @@
                 </a:spcAft>
                 <a:buNone/>
               </a:pPr>
-              <a:endParaRPr/>
             </a:p>
           </p:txBody>
         </p:sp>
@@ -8621,7 +8492,6 @@
                 </a:spcAft>
                 <a:buNone/>
               </a:pPr>
-              <a:endParaRPr/>
             </a:p>
           </p:txBody>
         </p:sp>
@@ -8750,9 +8620,7 @@
               <a:defRPr sz="2400"/>
             </a:lvl9pPr>
           </a:lstStyle>
-          <a:p>
-            <a:endParaRPr/>
-          </a:p>
+          <a:p/>
         </p:txBody>
       </p:sp>
       <p:sp>
@@ -8906,9 +8774,7 @@
               <a:defRPr sz="1300"/>
             </a:lvl9pPr>
           </a:lstStyle>
-          <a:p>
-            <a:endParaRPr/>
-          </a:p>
+          <a:p/>
         </p:txBody>
       </p:sp>
       <p:sp>
@@ -9035,9 +8901,7 @@
               <a:defRPr/>
             </a:lvl9pPr>
           </a:lstStyle>
-          <a:p>
-            <a:endParaRPr/>
-          </a:p>
+          <a:p/>
         </p:txBody>
       </p:sp>
       <p:sp>
@@ -9113,7 +8977,6 @@
             </a:pPr>
             <a:fld id="{00000000-1234-1234-1234-123412341234}" type="slidenum">
               <a:rPr lang="en-US"/>
-              <a:t>‹#›</a:t>
             </a:fld>
             <a:endParaRPr lang="en-US"/>
           </a:p>
@@ -9199,7 +9062,6 @@
                 </a:spcAft>
                 <a:buNone/>
               </a:pPr>
-              <a:endParaRPr/>
             </a:p>
           </p:txBody>
         </p:sp>
@@ -9243,7 +9105,6 @@
                 </a:spcAft>
                 <a:buNone/>
               </a:pPr>
-              <a:endParaRPr/>
             </a:p>
           </p:txBody>
         </p:sp>
@@ -9287,9 +9148,7 @@
               <a:defRPr/>
             </a:lvl1pPr>
           </a:lstStyle>
-          <a:p>
-            <a:endParaRPr/>
-          </a:p>
+          <a:p/>
         </p:txBody>
       </p:sp>
       <p:sp>
@@ -9365,7 +9224,6 @@
             </a:pPr>
             <a:fld id="{00000000-1234-1234-1234-123412341234}" type="slidenum">
               <a:rPr lang="en-US"/>
-              <a:t>‹#›</a:t>
             </a:fld>
             <a:endParaRPr lang="en-US"/>
           </a:p>
@@ -9641,9 +9499,7 @@
               </a:defRPr>
             </a:lvl9pPr>
           </a:lstStyle>
-          <a:p>
-            <a:endParaRPr/>
-          </a:p>
+          <a:p/>
         </p:txBody>
       </p:sp>
       <p:sp>
@@ -9909,9 +9765,7 @@
               </a:defRPr>
             </a:lvl9pPr>
           </a:lstStyle>
-          <a:p>
-            <a:endParaRPr/>
-          </a:p>
+          <a:p/>
         </p:txBody>
       </p:sp>
       <p:sp>
@@ -10063,7 +9917,6 @@
             </a:pPr>
             <a:fld id="{00000000-1234-1234-1234-123412341234}" type="slidenum">
               <a:rPr lang="en-US"/>
-              <a:t>‹#›</a:t>
             </a:fld>
             <a:endParaRPr lang="en-US"/>
           </a:p>
@@ -10848,6 +10701,12 @@
               </a:rPr>
               <a:t>BU Events Planner</a:t>
             </a:r>
+            <a:endParaRPr lang="en-US" sz="4400" b="1">
+              <a:latin typeface="Calibri"/>
+              <a:ea typeface="Calibri"/>
+              <a:cs typeface="Calibri"/>
+              <a:sym typeface="Calibri"/>
+            </a:endParaRPr>
           </a:p>
         </p:txBody>
       </p:sp>
@@ -10927,7 +10786,6 @@
             </a:pPr>
             <a:fld id="{00000000-1234-1234-1234-123412341234}" type="slidenum">
               <a:rPr lang="en-US"/>
-              <a:t>1</a:t>
             </a:fld>
             <a:endParaRPr lang="en-US"/>
           </a:p>
@@ -10946,7 +10804,7 @@
   <p:cSld>
     <p:spTree>
       <p:nvGrpSpPr>
-        <p:cNvPr id="1" name="Shape 157"/>
+        <p:cNvPr id="1" name="Shape 151"/>
         <p:cNvGrpSpPr/>
         <p:nvPr/>
       </p:nvGrpSpPr>
@@ -10960,7 +10818,7 @@
       </p:grpSpPr>
       <p:sp>
         <p:nvSpPr>
-          <p:cNvPr id="158" name="Google Shape;158;p17"/>
+          <p:cNvPr id="152" name="Google Shape;152;p16"/>
           <p:cNvSpPr txBox="1">
             <a:spLocks noGrp="1"/>
           </p:cNvSpPr>
@@ -10970,7 +10828,7 @@
         </p:nvSpPr>
         <p:spPr>
           <a:xfrm>
-            <a:off x="457200" y="-317"/>
+            <a:off x="457200" y="274638"/>
             <a:ext cx="8229600" cy="1143000"/>
           </a:xfrm>
           <a:prstGeom prst="rect">
@@ -11008,14 +10866,20 @@
                 <a:cs typeface="Calibri"/>
                 <a:sym typeface="Calibri"/>
               </a:rPr>
-              <a:t>Database schema</a:t>
+              <a:t>Additional Features</a:t>
             </a:r>
+            <a:endParaRPr lang="en-US" sz="4400" b="1" dirty="0">
+              <a:latin typeface="Calibri"/>
+              <a:ea typeface="Calibri"/>
+              <a:cs typeface="Calibri"/>
+              <a:sym typeface="Calibri"/>
+            </a:endParaRPr>
           </a:p>
         </p:txBody>
       </p:sp>
       <p:sp>
         <p:nvSpPr>
-          <p:cNvPr id="159" name="Google Shape;159;p17"/>
+          <p:cNvPr id="153" name="Google Shape;153;p16"/>
           <p:cNvSpPr txBox="1">
             <a:spLocks noGrp="1"/>
           </p:cNvSpPr>
@@ -11025,8 +10889,8 @@
         </p:nvSpPr>
         <p:spPr>
           <a:xfrm>
-            <a:off x="387985" y="902335"/>
-            <a:ext cx="3760269" cy="5538470"/>
+            <a:off x="1443990" y="1668145"/>
+            <a:ext cx="7526655" cy="4446905"/>
           </a:xfrm>
           <a:prstGeom prst="rect">
             <a:avLst/>
@@ -11044,521 +10908,80 @@
           <a:p>
             <a:pPr marL="0" lvl="0" indent="0">
               <a:lnSpc>
-                <a:spcPct val="150000"/>
+                <a:spcPct val="200000"/>
               </a:lnSpc>
               <a:spcBef>
-                <a:spcPts val="640"/>
-              </a:spcBef>
-              <a:buClr>
-                <a:schemeClr val="lt1"/>
-              </a:buClr>
+                <a:spcPts val="0"/>
+              </a:spcBef>
               <a:buSzPts val="3200"/>
               <a:buNone/>
             </a:pPr>
             <a:r>
-              <a:rPr lang="en-US" sz="1000" dirty="0" err="1">
+              <a:rPr lang="en-US" sz="2800" dirty="0">
                 <a:latin typeface="Calibri"/>
                 <a:ea typeface="Calibri"/>
                 <a:cs typeface="Calibri"/>
                 <a:sym typeface="Calibri"/>
               </a:rPr>
-              <a:t>Firestore</a:t>
+              <a:t>1. </a:t>
             </a:r>
-            <a:endParaRPr lang="en-US" sz="1000" dirty="0">
-              <a:latin typeface="Calibri"/>
-              <a:ea typeface="Calibri"/>
-              <a:cs typeface="Calibri"/>
-              <a:sym typeface="Calibri"/>
-            </a:endParaRPr>
+            <a:r>
+              <a:rPr lang="en-US" sz="2800" dirty="0"/>
+              <a:t>Location Services</a:t>
+            </a:r>
+            <a:endParaRPr lang="en-US" sz="2800" dirty="0"/>
           </a:p>
           <a:p>
             <a:pPr marL="0" lvl="0" indent="0">
               <a:lnSpc>
-                <a:spcPct val="150000"/>
+                <a:spcPct val="200000"/>
               </a:lnSpc>
               <a:spcBef>
-                <a:spcPts val="640"/>
-              </a:spcBef>
-              <a:buClr>
-                <a:schemeClr val="lt1"/>
-              </a:buClr>
+                <a:spcPts val="0"/>
+              </a:spcBef>
               <a:buSzPts val="3200"/>
               <a:buNone/>
             </a:pPr>
             <a:r>
-              <a:rPr lang="en-US" sz="1000" dirty="0">
+              <a:rPr lang="en-US" sz="2800" dirty="0">
                 <a:latin typeface="Calibri"/>
                 <a:ea typeface="Calibri"/>
                 <a:cs typeface="Calibri"/>
                 <a:sym typeface="Calibri"/>
               </a:rPr>
-              <a:t>|</a:t>
+              <a:t>2. </a:t>
             </a:r>
+            <a:r>
+              <a:rPr lang="en-US" sz="2800" dirty="0"/>
+              <a:t>Dark Mode</a:t>
+            </a:r>
+            <a:endParaRPr lang="en-US" sz="2800" dirty="0"/>
           </a:p>
           <a:p>
             <a:pPr marL="0" lvl="0" indent="0">
               <a:lnSpc>
-                <a:spcPct val="150000"/>
+                <a:spcPct val="200000"/>
               </a:lnSpc>
               <a:spcBef>
-                <a:spcPts val="640"/>
-              </a:spcBef>
-              <a:buClr>
-                <a:schemeClr val="lt1"/>
-              </a:buClr>
+                <a:spcPts val="0"/>
+              </a:spcBef>
               <a:buSzPts val="3200"/>
               <a:buNone/>
             </a:pPr>
             <a:r>
-              <a:rPr lang="en-US" sz="1000" dirty="0">
+              <a:rPr lang="en-US" sz="2800" dirty="0">
                 <a:latin typeface="Calibri"/>
                 <a:ea typeface="Calibri"/>
                 <a:cs typeface="Calibri"/>
                 <a:sym typeface="Calibri"/>
               </a:rPr>
-              <a:t>|-- events (Collection)</a:t>
-            </a:r>
-          </a:p>
-          <a:p>
-            <a:pPr marL="0" lvl="0" indent="0">
-              <a:lnSpc>
-                <a:spcPct val="150000"/>
-              </a:lnSpc>
-              <a:spcBef>
-                <a:spcPts val="640"/>
-              </a:spcBef>
-              <a:buClr>
-                <a:schemeClr val="lt1"/>
-              </a:buClr>
-              <a:buSzPts val="3200"/>
-              <a:buNone/>
-            </a:pPr>
-            <a:r>
-              <a:rPr lang="en-US" sz="1000" dirty="0">
-                <a:latin typeface="Calibri"/>
-                <a:ea typeface="Calibri"/>
-                <a:cs typeface="Calibri"/>
-                <a:sym typeface="Calibri"/>
-              </a:rPr>
-              <a:t>|   |-- </a:t>
+              <a:t>3. </a:t>
             </a:r>
             <a:r>
-              <a:rPr lang="en-US" sz="1000" dirty="0" err="1">
-                <a:latin typeface="Calibri"/>
-                <a:ea typeface="Calibri"/>
-                <a:cs typeface="Calibri"/>
-                <a:sym typeface="Calibri"/>
-              </a:rPr>
-              <a:t>eventID</a:t>
+              <a:rPr lang="en-US" sz="2800" dirty="0"/>
+              <a:t>File Upload and Media Handling</a:t>
             </a:r>
-            <a:r>
-              <a:rPr lang="en-US" sz="1000" dirty="0">
-                <a:latin typeface="Calibri"/>
-                <a:ea typeface="Calibri"/>
-                <a:cs typeface="Calibri"/>
-                <a:sym typeface="Calibri"/>
-              </a:rPr>
-              <a:t> (Document)</a:t>
-            </a:r>
-          </a:p>
-          <a:p>
-            <a:pPr marL="0" lvl="0" indent="0">
-              <a:lnSpc>
-                <a:spcPct val="150000"/>
-              </a:lnSpc>
-              <a:spcBef>
-                <a:spcPts val="640"/>
-              </a:spcBef>
-              <a:buClr>
-                <a:schemeClr val="lt1"/>
-              </a:buClr>
-              <a:buSzPts val="3200"/>
-              <a:buNone/>
-            </a:pPr>
-            <a:r>
-              <a:rPr lang="en-US" sz="1000" dirty="0">
-                <a:latin typeface="Calibri"/>
-                <a:ea typeface="Calibri"/>
-                <a:cs typeface="Calibri"/>
-                <a:sym typeface="Calibri"/>
-              </a:rPr>
-              <a:t>|       |-- </a:t>
-            </a:r>
-            <a:r>
-              <a:rPr lang="en-US" sz="1000" dirty="0" err="1">
-                <a:latin typeface="Calibri"/>
-                <a:ea typeface="Calibri"/>
-                <a:cs typeface="Calibri"/>
-                <a:sym typeface="Calibri"/>
-              </a:rPr>
-              <a:t>eventTitle</a:t>
-            </a:r>
-            <a:r>
-              <a:rPr lang="en-US" sz="1000" dirty="0">
-                <a:latin typeface="Calibri"/>
-                <a:ea typeface="Calibri"/>
-                <a:cs typeface="Calibri"/>
-                <a:sym typeface="Calibri"/>
-              </a:rPr>
-              <a:t>: String</a:t>
-            </a:r>
-          </a:p>
-          <a:p>
-            <a:pPr marL="0" lvl="0" indent="0">
-              <a:lnSpc>
-                <a:spcPct val="150000"/>
-              </a:lnSpc>
-              <a:spcBef>
-                <a:spcPts val="640"/>
-              </a:spcBef>
-              <a:buClr>
-                <a:schemeClr val="lt1"/>
-              </a:buClr>
-              <a:buSzPts val="3200"/>
-              <a:buNone/>
-            </a:pPr>
-            <a:r>
-              <a:rPr lang="en-US" sz="1000" dirty="0">
-                <a:latin typeface="Calibri"/>
-                <a:ea typeface="Calibri"/>
-                <a:cs typeface="Calibri"/>
-                <a:sym typeface="Calibri"/>
-              </a:rPr>
-              <a:t>|       |-- </a:t>
-            </a:r>
-            <a:r>
-              <a:rPr lang="en-US" sz="1000" dirty="0" err="1">
-                <a:latin typeface="Calibri"/>
-                <a:ea typeface="Calibri"/>
-                <a:cs typeface="Calibri"/>
-                <a:sym typeface="Calibri"/>
-              </a:rPr>
-              <a:t>eventURL</a:t>
-            </a:r>
-            <a:r>
-              <a:rPr lang="en-US" sz="1000" dirty="0">
-                <a:latin typeface="Calibri"/>
-                <a:ea typeface="Calibri"/>
-                <a:cs typeface="Calibri"/>
-                <a:sym typeface="Calibri"/>
-              </a:rPr>
-              <a:t>: String</a:t>
-            </a:r>
-          </a:p>
-          <a:p>
-            <a:pPr marL="0" lvl="0" indent="0">
-              <a:lnSpc>
-                <a:spcPct val="150000"/>
-              </a:lnSpc>
-              <a:spcBef>
-                <a:spcPts val="640"/>
-              </a:spcBef>
-              <a:buClr>
-                <a:schemeClr val="lt1"/>
-              </a:buClr>
-              <a:buSzPts val="3200"/>
-              <a:buNone/>
-            </a:pPr>
-            <a:r>
-              <a:rPr lang="en-US" sz="1000" dirty="0">
-                <a:latin typeface="Calibri"/>
-                <a:ea typeface="Calibri"/>
-                <a:cs typeface="Calibri"/>
-                <a:sym typeface="Calibri"/>
-              </a:rPr>
-              <a:t>|       |-- </a:t>
-            </a:r>
-            <a:r>
-              <a:rPr lang="en-US" sz="1000" dirty="0" err="1">
-                <a:latin typeface="Calibri"/>
-                <a:ea typeface="Calibri"/>
-                <a:cs typeface="Calibri"/>
-                <a:sym typeface="Calibri"/>
-              </a:rPr>
-              <a:t>eventPhoto</a:t>
-            </a:r>
-            <a:r>
-              <a:rPr lang="en-US" sz="1000" dirty="0">
-                <a:latin typeface="Calibri"/>
-                <a:ea typeface="Calibri"/>
-                <a:cs typeface="Calibri"/>
-                <a:sym typeface="Calibri"/>
-              </a:rPr>
-              <a:t>: String</a:t>
-            </a:r>
-          </a:p>
-          <a:p>
-            <a:pPr marL="0" lvl="0" indent="0">
-              <a:lnSpc>
-                <a:spcPct val="150000"/>
-              </a:lnSpc>
-              <a:spcBef>
-                <a:spcPts val="640"/>
-              </a:spcBef>
-              <a:buClr>
-                <a:schemeClr val="lt1"/>
-              </a:buClr>
-              <a:buSzPts val="3200"/>
-              <a:buNone/>
-            </a:pPr>
-            <a:r>
-              <a:rPr lang="en-US" sz="1000" dirty="0">
-                <a:latin typeface="Calibri"/>
-                <a:ea typeface="Calibri"/>
-                <a:cs typeface="Calibri"/>
-                <a:sym typeface="Calibri"/>
-              </a:rPr>
-              <a:t>|       |-- </a:t>
-            </a:r>
-            <a:r>
-              <a:rPr lang="en-US" sz="1000" dirty="0" err="1">
-                <a:latin typeface="Calibri"/>
-                <a:ea typeface="Calibri"/>
-                <a:cs typeface="Calibri"/>
-                <a:sym typeface="Calibri"/>
-              </a:rPr>
-              <a:t>eventLocation</a:t>
-            </a:r>
-            <a:r>
-              <a:rPr lang="en-US" sz="1000" dirty="0">
-                <a:latin typeface="Calibri"/>
-                <a:ea typeface="Calibri"/>
-                <a:cs typeface="Calibri"/>
-                <a:sym typeface="Calibri"/>
-              </a:rPr>
-              <a:t>: String</a:t>
-            </a:r>
-          </a:p>
-          <a:p>
-            <a:pPr marL="0" lvl="0" indent="0">
-              <a:lnSpc>
-                <a:spcPct val="150000"/>
-              </a:lnSpc>
-              <a:spcBef>
-                <a:spcPts val="640"/>
-              </a:spcBef>
-              <a:buClr>
-                <a:schemeClr val="lt1"/>
-              </a:buClr>
-              <a:buSzPts val="3200"/>
-              <a:buNone/>
-            </a:pPr>
-            <a:r>
-              <a:rPr lang="en-US" sz="1000" dirty="0">
-                <a:latin typeface="Calibri"/>
-                <a:ea typeface="Calibri"/>
-                <a:cs typeface="Calibri"/>
-                <a:sym typeface="Calibri"/>
-              </a:rPr>
-              <a:t>|       |-- </a:t>
-            </a:r>
-            <a:r>
-              <a:rPr lang="en-US" sz="1000" dirty="0" err="1">
-                <a:latin typeface="Calibri"/>
-                <a:ea typeface="Calibri"/>
-                <a:cs typeface="Calibri"/>
-                <a:sym typeface="Calibri"/>
-              </a:rPr>
-              <a:t>eventStartTime</a:t>
-            </a:r>
-            <a:r>
-              <a:rPr lang="en-US" sz="1000" dirty="0">
-                <a:latin typeface="Calibri"/>
-                <a:ea typeface="Calibri"/>
-                <a:cs typeface="Calibri"/>
-                <a:sym typeface="Calibri"/>
-              </a:rPr>
-              <a:t>: Timestamp</a:t>
-            </a:r>
-          </a:p>
-          <a:p>
-            <a:pPr marL="0" lvl="0" indent="0">
-              <a:lnSpc>
-                <a:spcPct val="150000"/>
-              </a:lnSpc>
-              <a:spcBef>
-                <a:spcPts val="640"/>
-              </a:spcBef>
-              <a:buClr>
-                <a:schemeClr val="lt1"/>
-              </a:buClr>
-              <a:buSzPts val="3200"/>
-              <a:buNone/>
-            </a:pPr>
-            <a:r>
-              <a:rPr lang="en-US" sz="1000" dirty="0">
-                <a:latin typeface="Calibri"/>
-                <a:ea typeface="Calibri"/>
-                <a:cs typeface="Calibri"/>
-                <a:sym typeface="Calibri"/>
-              </a:rPr>
-              <a:t>|       |-- </a:t>
-            </a:r>
-            <a:r>
-              <a:rPr lang="en-US" sz="1000" dirty="0" err="1">
-                <a:latin typeface="Calibri"/>
-                <a:ea typeface="Calibri"/>
-                <a:cs typeface="Calibri"/>
-                <a:sym typeface="Calibri"/>
-              </a:rPr>
-              <a:t>eventEndTime</a:t>
-            </a:r>
-            <a:r>
-              <a:rPr lang="en-US" sz="1000" dirty="0">
-                <a:latin typeface="Calibri"/>
-                <a:ea typeface="Calibri"/>
-                <a:cs typeface="Calibri"/>
-                <a:sym typeface="Calibri"/>
-              </a:rPr>
-              <a:t>: Timestamp</a:t>
-            </a:r>
-          </a:p>
-          <a:p>
-            <a:pPr marL="0" lvl="0" indent="0">
-              <a:lnSpc>
-                <a:spcPct val="150000"/>
-              </a:lnSpc>
-              <a:spcBef>
-                <a:spcPts val="640"/>
-              </a:spcBef>
-              <a:buClr>
-                <a:schemeClr val="lt1"/>
-              </a:buClr>
-              <a:buSzPts val="3200"/>
-              <a:buNone/>
-            </a:pPr>
-            <a:r>
-              <a:rPr lang="en-US" sz="1000" dirty="0">
-                <a:latin typeface="Calibri"/>
-                <a:ea typeface="Calibri"/>
-                <a:cs typeface="Calibri"/>
-                <a:sym typeface="Calibri"/>
-              </a:rPr>
-              <a:t>|       |-- </a:t>
-            </a:r>
-            <a:r>
-              <a:rPr lang="en-US" sz="1000" dirty="0" err="1">
-                <a:latin typeface="Calibri"/>
-                <a:ea typeface="Calibri"/>
-                <a:cs typeface="Calibri"/>
-                <a:sym typeface="Calibri"/>
-              </a:rPr>
-              <a:t>eventDescription</a:t>
-            </a:r>
-            <a:r>
-              <a:rPr lang="en-US" sz="1000" dirty="0">
-                <a:latin typeface="Calibri"/>
-                <a:ea typeface="Calibri"/>
-                <a:cs typeface="Calibri"/>
-                <a:sym typeface="Calibri"/>
-              </a:rPr>
-              <a:t>: String</a:t>
-            </a:r>
-          </a:p>
-          <a:p>
-            <a:pPr marL="0" lvl="0" indent="0">
-              <a:lnSpc>
-                <a:spcPct val="150000"/>
-              </a:lnSpc>
-              <a:spcBef>
-                <a:spcPts val="640"/>
-              </a:spcBef>
-              <a:buClr>
-                <a:schemeClr val="lt1"/>
-              </a:buClr>
-              <a:buSzPts val="3200"/>
-              <a:buNone/>
-            </a:pPr>
-            <a:r>
-              <a:rPr lang="en-US" sz="1000" dirty="0">
-                <a:latin typeface="Calibri"/>
-                <a:ea typeface="Calibri"/>
-                <a:cs typeface="Calibri"/>
-                <a:sym typeface="Calibri"/>
-              </a:rPr>
-              <a:t>|       |-- </a:t>
-            </a:r>
-            <a:r>
-              <a:rPr lang="en-US" sz="1000" dirty="0" err="1">
-                <a:latin typeface="Calibri"/>
-                <a:ea typeface="Calibri"/>
-                <a:cs typeface="Calibri"/>
-                <a:sym typeface="Calibri"/>
-              </a:rPr>
-              <a:t>eventPoints</a:t>
-            </a:r>
-            <a:r>
-              <a:rPr lang="en-US" sz="1000" dirty="0">
-                <a:latin typeface="Calibri"/>
-                <a:ea typeface="Calibri"/>
-                <a:cs typeface="Calibri"/>
-                <a:sym typeface="Calibri"/>
-              </a:rPr>
-              <a:t>: Integer</a:t>
-            </a:r>
-          </a:p>
-          <a:p>
-            <a:pPr marL="0" lvl="0" indent="0">
-              <a:lnSpc>
-                <a:spcPct val="150000"/>
-              </a:lnSpc>
-              <a:spcBef>
-                <a:spcPts val="640"/>
-              </a:spcBef>
-              <a:buClr>
-                <a:schemeClr val="lt1"/>
-              </a:buClr>
-              <a:buSzPts val="3200"/>
-              <a:buNone/>
-            </a:pPr>
-            <a:r>
-              <a:rPr lang="en-US" sz="1000" dirty="0">
-                <a:latin typeface="Calibri"/>
-                <a:ea typeface="Calibri"/>
-                <a:cs typeface="Calibri"/>
-                <a:sym typeface="Calibri"/>
-              </a:rPr>
-              <a:t>|       |-- </a:t>
-            </a:r>
-            <a:r>
-              <a:rPr lang="en-US" sz="1000" dirty="0" err="1">
-                <a:latin typeface="Calibri"/>
-                <a:ea typeface="Calibri"/>
-                <a:cs typeface="Calibri"/>
-                <a:sym typeface="Calibri"/>
-              </a:rPr>
-              <a:t>savedUsers</a:t>
-            </a:r>
-            <a:r>
-              <a:rPr lang="en-US" sz="1000" dirty="0">
-                <a:latin typeface="Calibri"/>
-                <a:ea typeface="Calibri"/>
-                <a:cs typeface="Calibri"/>
-                <a:sym typeface="Calibri"/>
-              </a:rPr>
-              <a:t>: Array&lt;String&gt;</a:t>
-            </a:r>
-          </a:p>
-          <a:p>
-            <a:pPr marL="0" lvl="0" indent="0">
-              <a:lnSpc>
-                <a:spcPct val="150000"/>
-              </a:lnSpc>
-              <a:spcBef>
-                <a:spcPts val="640"/>
-              </a:spcBef>
-              <a:buClr>
-                <a:schemeClr val="lt1"/>
-              </a:buClr>
-              <a:buSzPts val="3200"/>
-              <a:buNone/>
-            </a:pPr>
-            <a:endParaRPr lang="en-US" sz="1000" dirty="0">
-              <a:latin typeface="Calibri"/>
-              <a:ea typeface="Calibri"/>
-              <a:cs typeface="Calibri"/>
-              <a:sym typeface="Calibri"/>
-            </a:endParaRPr>
+            <a:endParaRPr lang="en-US" sz="2800" dirty="0"/>
           </a:p>
         </p:txBody>
       </p:sp>
@@ -11588,620 +11011,8 @@
             </a:pPr>
             <a:fld id="{00000000-1234-1234-1234-123412341234}" type="slidenum">
               <a:rPr lang="en-US"/>
-              <a:t>10</a:t>
             </a:fld>
             <a:endParaRPr lang="en-US"/>
-          </a:p>
-        </p:txBody>
-      </p:sp>
-      <p:sp>
-        <p:nvSpPr>
-          <p:cNvPr id="3" name="TextBox 2"/>
-          <p:cNvSpPr txBox="1"/>
-          <p:nvPr/>
-        </p:nvSpPr>
-        <p:spPr>
-          <a:xfrm>
-            <a:off x="4680167" y="902335"/>
-            <a:ext cx="3474720" cy="4231928"/>
-          </a:xfrm>
-          <a:prstGeom prst="rect">
-            <a:avLst/>
-          </a:prstGeom>
-          <a:noFill/>
-        </p:spPr>
-        <p:txBody>
-          <a:bodyPr wrap="square" rtlCol="0">
-            <a:spAutoFit/>
-          </a:bodyPr>
-          <a:lstStyle/>
-          <a:p>
-            <a:pPr marL="0" lvl="0" indent="0">
-              <a:lnSpc>
-                <a:spcPct val="150000"/>
-              </a:lnSpc>
-              <a:spcBef>
-                <a:spcPts val="640"/>
-              </a:spcBef>
-              <a:buClr>
-                <a:schemeClr val="lt1"/>
-              </a:buClr>
-              <a:buSzPts val="3200"/>
-              <a:buNone/>
-            </a:pPr>
-            <a:endParaRPr lang="en-US" sz="1000" dirty="0">
-              <a:solidFill>
-                <a:schemeClr val="lt1"/>
-              </a:solidFill>
-              <a:latin typeface="Calibri"/>
-              <a:ea typeface="Calibri"/>
-              <a:cs typeface="Calibri"/>
-              <a:sym typeface="Calibri"/>
-            </a:endParaRPr>
-          </a:p>
-          <a:p>
-            <a:pPr marL="0" lvl="0" indent="0">
-              <a:lnSpc>
-                <a:spcPct val="150000"/>
-              </a:lnSpc>
-              <a:spcBef>
-                <a:spcPts val="640"/>
-              </a:spcBef>
-              <a:buClr>
-                <a:schemeClr val="lt1"/>
-              </a:buClr>
-              <a:buSzPts val="3200"/>
-              <a:buNone/>
-            </a:pPr>
-            <a:endParaRPr lang="en-US" sz="1000" dirty="0">
-              <a:solidFill>
-                <a:schemeClr val="lt1"/>
-              </a:solidFill>
-              <a:latin typeface="Calibri"/>
-              <a:ea typeface="Calibri"/>
-              <a:cs typeface="Calibri"/>
-              <a:sym typeface="Calibri"/>
-            </a:endParaRPr>
-          </a:p>
-          <a:p>
-            <a:pPr marL="0" lvl="0" indent="0">
-              <a:lnSpc>
-                <a:spcPct val="150000"/>
-              </a:lnSpc>
-              <a:spcBef>
-                <a:spcPts val="640"/>
-              </a:spcBef>
-              <a:buClr>
-                <a:schemeClr val="lt1"/>
-              </a:buClr>
-              <a:buSzPts val="3200"/>
-              <a:buNone/>
-            </a:pPr>
-            <a:r>
-              <a:rPr lang="en-US" sz="1000" dirty="0">
-                <a:solidFill>
-                  <a:schemeClr val="lt1"/>
-                </a:solidFill>
-                <a:latin typeface="Calibri"/>
-                <a:ea typeface="Calibri"/>
-                <a:cs typeface="Calibri"/>
-                <a:sym typeface="Calibri"/>
-              </a:rPr>
-              <a:t>|-- users (Collection)</a:t>
-            </a:r>
-          </a:p>
-          <a:p>
-            <a:pPr marL="0" lvl="0" indent="0">
-              <a:lnSpc>
-                <a:spcPct val="150000"/>
-              </a:lnSpc>
-              <a:spcBef>
-                <a:spcPts val="640"/>
-              </a:spcBef>
-              <a:buClr>
-                <a:schemeClr val="lt1"/>
-              </a:buClr>
-              <a:buSzPts val="3200"/>
-              <a:buNone/>
-            </a:pPr>
-            <a:r>
-              <a:rPr lang="en-US" sz="1000" dirty="0">
-                <a:solidFill>
-                  <a:schemeClr val="lt1"/>
-                </a:solidFill>
-                <a:latin typeface="Calibri"/>
-                <a:ea typeface="Calibri"/>
-                <a:cs typeface="Calibri"/>
-                <a:sym typeface="Calibri"/>
-              </a:rPr>
-              <a:t>|   |-- </a:t>
-            </a:r>
-            <a:r>
-              <a:rPr lang="en-US" sz="1000" dirty="0" err="1">
-                <a:solidFill>
-                  <a:schemeClr val="lt1"/>
-                </a:solidFill>
-                <a:latin typeface="Calibri"/>
-                <a:ea typeface="Calibri"/>
-                <a:cs typeface="Calibri"/>
-                <a:sym typeface="Calibri"/>
-              </a:rPr>
-              <a:t>userUID</a:t>
-            </a:r>
-            <a:r>
-              <a:rPr lang="en-US" sz="1000" dirty="0">
-                <a:solidFill>
-                  <a:schemeClr val="lt1"/>
-                </a:solidFill>
-                <a:latin typeface="Calibri"/>
-                <a:ea typeface="Calibri"/>
-                <a:cs typeface="Calibri"/>
-                <a:sym typeface="Calibri"/>
-              </a:rPr>
-              <a:t> (Document)</a:t>
-            </a:r>
-          </a:p>
-          <a:p>
-            <a:pPr marL="0" lvl="0" indent="0">
-              <a:lnSpc>
-                <a:spcPct val="150000"/>
-              </a:lnSpc>
-              <a:spcBef>
-                <a:spcPts val="640"/>
-              </a:spcBef>
-              <a:buClr>
-                <a:schemeClr val="lt1"/>
-              </a:buClr>
-              <a:buSzPts val="3200"/>
-              <a:buNone/>
-            </a:pPr>
-            <a:r>
-              <a:rPr lang="en-US" sz="1000" dirty="0">
-                <a:solidFill>
-                  <a:schemeClr val="lt1"/>
-                </a:solidFill>
-                <a:latin typeface="Calibri"/>
-                <a:ea typeface="Calibri"/>
-                <a:cs typeface="Calibri"/>
-                <a:sym typeface="Calibri"/>
-              </a:rPr>
-              <a:t>|       |-- </a:t>
-            </a:r>
-            <a:r>
-              <a:rPr lang="en-US" sz="1000" dirty="0" err="1">
-                <a:solidFill>
-                  <a:schemeClr val="lt1"/>
-                </a:solidFill>
-                <a:latin typeface="Calibri"/>
-                <a:ea typeface="Calibri"/>
-                <a:cs typeface="Calibri"/>
-                <a:sym typeface="Calibri"/>
-              </a:rPr>
-              <a:t>firstName</a:t>
-            </a:r>
-            <a:r>
-              <a:rPr lang="en-US" sz="1000" dirty="0">
-                <a:solidFill>
-                  <a:schemeClr val="lt1"/>
-                </a:solidFill>
-                <a:latin typeface="Calibri"/>
-                <a:ea typeface="Calibri"/>
-                <a:cs typeface="Calibri"/>
-                <a:sym typeface="Calibri"/>
-              </a:rPr>
-              <a:t>: String</a:t>
-            </a:r>
-          </a:p>
-          <a:p>
-            <a:pPr marL="0" lvl="0" indent="0">
-              <a:lnSpc>
-                <a:spcPct val="150000"/>
-              </a:lnSpc>
-              <a:spcBef>
-                <a:spcPts val="640"/>
-              </a:spcBef>
-              <a:buClr>
-                <a:schemeClr val="lt1"/>
-              </a:buClr>
-              <a:buSzPts val="3200"/>
-              <a:buNone/>
-            </a:pPr>
-            <a:r>
-              <a:rPr lang="en-US" sz="1000" dirty="0">
-                <a:solidFill>
-                  <a:schemeClr val="lt1"/>
-                </a:solidFill>
-                <a:latin typeface="Calibri"/>
-                <a:ea typeface="Calibri"/>
-                <a:cs typeface="Calibri"/>
-                <a:sym typeface="Calibri"/>
-              </a:rPr>
-              <a:t>|       |-- </a:t>
-            </a:r>
-            <a:r>
-              <a:rPr lang="en-US" sz="1000" dirty="0" err="1">
-                <a:solidFill>
-                  <a:schemeClr val="lt1"/>
-                </a:solidFill>
-                <a:latin typeface="Calibri"/>
-                <a:ea typeface="Calibri"/>
-                <a:cs typeface="Calibri"/>
-                <a:sym typeface="Calibri"/>
-              </a:rPr>
-              <a:t>lastName</a:t>
-            </a:r>
-            <a:r>
-              <a:rPr lang="en-US" sz="1000" dirty="0">
-                <a:solidFill>
-                  <a:schemeClr val="lt1"/>
-                </a:solidFill>
-                <a:latin typeface="Calibri"/>
-                <a:ea typeface="Calibri"/>
-                <a:cs typeface="Calibri"/>
-                <a:sym typeface="Calibri"/>
-              </a:rPr>
-              <a:t>: String</a:t>
-            </a:r>
-          </a:p>
-          <a:p>
-            <a:pPr marL="0" lvl="0" indent="0">
-              <a:lnSpc>
-                <a:spcPct val="150000"/>
-              </a:lnSpc>
-              <a:spcBef>
-                <a:spcPts val="640"/>
-              </a:spcBef>
-              <a:buClr>
-                <a:schemeClr val="lt1"/>
-              </a:buClr>
-              <a:buSzPts val="3200"/>
-              <a:buNone/>
-            </a:pPr>
-            <a:r>
-              <a:rPr lang="en-US" sz="1000" dirty="0">
-                <a:solidFill>
-                  <a:schemeClr val="lt1"/>
-                </a:solidFill>
-                <a:latin typeface="Calibri"/>
-                <a:ea typeface="Calibri"/>
-                <a:cs typeface="Calibri"/>
-                <a:sym typeface="Calibri"/>
-              </a:rPr>
-              <a:t>|       |-- </a:t>
-            </a:r>
-            <a:r>
-              <a:rPr lang="en-US" sz="1000" dirty="0" err="1">
-                <a:solidFill>
-                  <a:schemeClr val="lt1"/>
-                </a:solidFill>
-                <a:latin typeface="Calibri"/>
-                <a:ea typeface="Calibri"/>
-                <a:cs typeface="Calibri"/>
-                <a:sym typeface="Calibri"/>
-              </a:rPr>
-              <a:t>userProfileURL</a:t>
-            </a:r>
-            <a:r>
-              <a:rPr lang="en-US" sz="1000" dirty="0">
-                <a:solidFill>
-                  <a:schemeClr val="lt1"/>
-                </a:solidFill>
-                <a:latin typeface="Calibri"/>
-                <a:ea typeface="Calibri"/>
-                <a:cs typeface="Calibri"/>
-                <a:sym typeface="Calibri"/>
-              </a:rPr>
-              <a:t>: String</a:t>
-            </a:r>
-          </a:p>
-          <a:p>
-            <a:pPr marL="0" lvl="0" indent="0">
-              <a:lnSpc>
-                <a:spcPct val="150000"/>
-              </a:lnSpc>
-              <a:spcBef>
-                <a:spcPts val="640"/>
-              </a:spcBef>
-              <a:buClr>
-                <a:schemeClr val="lt1"/>
-              </a:buClr>
-              <a:buSzPts val="3200"/>
-              <a:buNone/>
-            </a:pPr>
-            <a:r>
-              <a:rPr lang="en-US" sz="1000" dirty="0">
-                <a:solidFill>
-                  <a:schemeClr val="lt1"/>
-                </a:solidFill>
-                <a:latin typeface="Calibri"/>
-                <a:ea typeface="Calibri"/>
-                <a:cs typeface="Calibri"/>
-                <a:sym typeface="Calibri"/>
-              </a:rPr>
-              <a:t>|       |-- </a:t>
-            </a:r>
-            <a:r>
-              <a:rPr lang="en-US" sz="1000" dirty="0" err="1">
-                <a:solidFill>
-                  <a:schemeClr val="lt1"/>
-                </a:solidFill>
-                <a:latin typeface="Calibri"/>
-                <a:ea typeface="Calibri"/>
-                <a:cs typeface="Calibri"/>
-                <a:sym typeface="Calibri"/>
-              </a:rPr>
-              <a:t>userBUID</a:t>
-            </a:r>
-            <a:r>
-              <a:rPr lang="en-US" sz="1000" dirty="0">
-                <a:solidFill>
-                  <a:schemeClr val="lt1"/>
-                </a:solidFill>
-                <a:latin typeface="Calibri"/>
-                <a:ea typeface="Calibri"/>
-                <a:cs typeface="Calibri"/>
-                <a:sym typeface="Calibri"/>
-              </a:rPr>
-              <a:t>: String</a:t>
-            </a:r>
-          </a:p>
-          <a:p>
-            <a:pPr marL="0" lvl="0" indent="0">
-              <a:lnSpc>
-                <a:spcPct val="150000"/>
-              </a:lnSpc>
-              <a:spcBef>
-                <a:spcPts val="640"/>
-              </a:spcBef>
-              <a:buClr>
-                <a:schemeClr val="lt1"/>
-              </a:buClr>
-              <a:buSzPts val="3200"/>
-              <a:buNone/>
-            </a:pPr>
-            <a:r>
-              <a:rPr lang="en-US" sz="1000" dirty="0">
-                <a:solidFill>
-                  <a:schemeClr val="lt1"/>
-                </a:solidFill>
-                <a:latin typeface="Calibri"/>
-                <a:ea typeface="Calibri"/>
-                <a:cs typeface="Calibri"/>
-                <a:sym typeface="Calibri"/>
-              </a:rPr>
-              <a:t>|       |-- </a:t>
-            </a:r>
-            <a:r>
-              <a:rPr lang="en-US" sz="1000" dirty="0" err="1">
-                <a:solidFill>
-                  <a:schemeClr val="lt1"/>
-                </a:solidFill>
-                <a:latin typeface="Calibri"/>
-                <a:ea typeface="Calibri"/>
-                <a:cs typeface="Calibri"/>
-                <a:sym typeface="Calibri"/>
-              </a:rPr>
-              <a:t>userEmail</a:t>
-            </a:r>
-            <a:r>
-              <a:rPr lang="en-US" sz="1000" dirty="0">
-                <a:solidFill>
-                  <a:schemeClr val="lt1"/>
-                </a:solidFill>
-                <a:latin typeface="Calibri"/>
-                <a:ea typeface="Calibri"/>
-                <a:cs typeface="Calibri"/>
-                <a:sym typeface="Calibri"/>
-              </a:rPr>
-              <a:t>: String</a:t>
-            </a:r>
-          </a:p>
-          <a:p>
-            <a:pPr marL="0" lvl="0" indent="0">
-              <a:lnSpc>
-                <a:spcPct val="150000"/>
-              </a:lnSpc>
-              <a:spcBef>
-                <a:spcPts val="640"/>
-              </a:spcBef>
-              <a:buClr>
-                <a:schemeClr val="lt1"/>
-              </a:buClr>
-              <a:buSzPts val="3200"/>
-              <a:buNone/>
-            </a:pPr>
-            <a:r>
-              <a:rPr lang="en-US" sz="1000" dirty="0">
-                <a:solidFill>
-                  <a:schemeClr val="lt1"/>
-                </a:solidFill>
-                <a:latin typeface="Calibri"/>
-                <a:ea typeface="Calibri"/>
-                <a:cs typeface="Calibri"/>
-                <a:sym typeface="Calibri"/>
-              </a:rPr>
-              <a:t>|       |-- </a:t>
-            </a:r>
-            <a:r>
-              <a:rPr lang="en-US" sz="1000" dirty="0" err="1">
-                <a:solidFill>
-                  <a:schemeClr val="lt1"/>
-                </a:solidFill>
-                <a:latin typeface="Calibri"/>
-                <a:ea typeface="Calibri"/>
-                <a:cs typeface="Calibri"/>
-                <a:sym typeface="Calibri"/>
-              </a:rPr>
-              <a:t>userSchool</a:t>
-            </a:r>
-            <a:r>
-              <a:rPr lang="en-US" sz="1000" dirty="0">
-                <a:solidFill>
-                  <a:schemeClr val="lt1"/>
-                </a:solidFill>
-                <a:latin typeface="Calibri"/>
-                <a:ea typeface="Calibri"/>
-                <a:cs typeface="Calibri"/>
-                <a:sym typeface="Calibri"/>
-              </a:rPr>
-              <a:t>: String</a:t>
-            </a:r>
-          </a:p>
-          <a:p>
-            <a:pPr marL="0" lvl="0" indent="0">
-              <a:lnSpc>
-                <a:spcPct val="150000"/>
-              </a:lnSpc>
-              <a:spcBef>
-                <a:spcPts val="640"/>
-              </a:spcBef>
-              <a:buClr>
-                <a:schemeClr val="lt1"/>
-              </a:buClr>
-              <a:buSzPts val="3200"/>
-              <a:buNone/>
-            </a:pPr>
-            <a:r>
-              <a:rPr lang="en-US" sz="1000" dirty="0">
-                <a:solidFill>
-                  <a:schemeClr val="lt1"/>
-                </a:solidFill>
-                <a:latin typeface="Calibri"/>
-                <a:ea typeface="Calibri"/>
-                <a:cs typeface="Calibri"/>
-                <a:sym typeface="Calibri"/>
-              </a:rPr>
-              <a:t>|       |-- </a:t>
-            </a:r>
-            <a:r>
-              <a:rPr lang="en-US" sz="1000" dirty="0" err="1">
-                <a:solidFill>
-                  <a:schemeClr val="lt1"/>
-                </a:solidFill>
-                <a:latin typeface="Calibri"/>
-                <a:ea typeface="Calibri"/>
-                <a:cs typeface="Calibri"/>
-                <a:sym typeface="Calibri"/>
-              </a:rPr>
-              <a:t>userYear</a:t>
-            </a:r>
-            <a:r>
-              <a:rPr lang="en-US" sz="1000" dirty="0">
-                <a:solidFill>
-                  <a:schemeClr val="lt1"/>
-                </a:solidFill>
-                <a:latin typeface="Calibri"/>
-                <a:ea typeface="Calibri"/>
-                <a:cs typeface="Calibri"/>
-                <a:sym typeface="Calibri"/>
-              </a:rPr>
-              <a:t>: String</a:t>
-            </a:r>
-          </a:p>
-          <a:p>
-            <a:pPr marL="0" lvl="0" indent="0">
-              <a:lnSpc>
-                <a:spcPct val="150000"/>
-              </a:lnSpc>
-              <a:spcBef>
-                <a:spcPts val="640"/>
-              </a:spcBef>
-              <a:buClr>
-                <a:schemeClr val="lt1"/>
-              </a:buClr>
-              <a:buSzPts val="3200"/>
-              <a:buNone/>
-            </a:pPr>
-            <a:r>
-              <a:rPr lang="en-US" sz="1000" dirty="0">
-                <a:solidFill>
-                  <a:schemeClr val="lt1"/>
-                </a:solidFill>
-                <a:latin typeface="Calibri"/>
-                <a:ea typeface="Calibri"/>
-                <a:cs typeface="Calibri"/>
-                <a:sym typeface="Calibri"/>
-              </a:rPr>
-              <a:t>|       |-- </a:t>
-            </a:r>
-            <a:r>
-              <a:rPr lang="en-US" sz="1000" dirty="0" err="1">
-                <a:solidFill>
-                  <a:schemeClr val="lt1"/>
-                </a:solidFill>
-                <a:latin typeface="Calibri"/>
-                <a:ea typeface="Calibri"/>
-                <a:cs typeface="Calibri"/>
-                <a:sym typeface="Calibri"/>
-              </a:rPr>
-              <a:t>userPoints</a:t>
-            </a:r>
-            <a:r>
-              <a:rPr lang="en-US" sz="1000" dirty="0">
-                <a:solidFill>
-                  <a:schemeClr val="lt1"/>
-                </a:solidFill>
-                <a:latin typeface="Calibri"/>
-                <a:ea typeface="Calibri"/>
-                <a:cs typeface="Calibri"/>
-                <a:sym typeface="Calibri"/>
-              </a:rPr>
-              <a:t>: Integer</a:t>
-            </a:r>
-          </a:p>
-          <a:p>
-            <a:pPr marL="0" indent="0">
-              <a:lnSpc>
-                <a:spcPct val="150000"/>
-              </a:lnSpc>
-              <a:spcBef>
-                <a:spcPts val="640"/>
-              </a:spcBef>
-              <a:buClr>
-                <a:schemeClr val="lt1"/>
-              </a:buClr>
-              <a:buSzPts val="3200"/>
-              <a:buNone/>
-            </a:pPr>
-            <a:r>
-              <a:rPr lang="en-US" sz="1000" dirty="0">
-                <a:solidFill>
-                  <a:schemeClr val="lt1"/>
-                </a:solidFill>
-                <a:latin typeface="Calibri"/>
-                <a:ea typeface="Calibri"/>
-                <a:cs typeface="Calibri"/>
-                <a:sym typeface="Calibri"/>
-              </a:rPr>
-              <a:t>|       |-- </a:t>
-            </a:r>
-            <a:r>
-              <a:rPr lang="en-US" sz="1000" dirty="0" err="1">
-                <a:solidFill>
-                  <a:schemeClr val="lt1"/>
-                </a:solidFill>
-                <a:latin typeface="Calibri"/>
-                <a:ea typeface="Calibri"/>
-                <a:cs typeface="Calibri"/>
-                <a:sym typeface="Calibri"/>
-              </a:rPr>
-              <a:t>userSavedEvents</a:t>
-            </a:r>
-            <a:r>
-              <a:rPr lang="en-US" sz="1000" dirty="0">
-                <a:solidFill>
-                  <a:schemeClr val="lt1"/>
-                </a:solidFill>
-                <a:latin typeface="Calibri"/>
-                <a:ea typeface="Calibri"/>
-                <a:cs typeface="Calibri"/>
-                <a:sym typeface="Calibri"/>
-              </a:rPr>
-              <a:t>: Map&lt;String, Boolean&gt;</a:t>
-            </a:r>
-          </a:p>
-          <a:p>
-            <a:endParaRPr lang="en-US" dirty="0"/>
           </a:p>
         </p:txBody>
       </p:sp>
@@ -12244,7 +11055,7 @@
                                           </p:stCondLst>
                                         </p:cTn>
                                         <p:tgtEl>
-                                          <p:spTgt spid="159"/>
+                                          <p:spTgt spid="153"/>
                                         </p:tgtEl>
                                         <p:attrNameLst>
                                           <p:attrName>style.visibility</p:attrName>
@@ -12258,7 +11069,7 @@
                                       <p:cBhvr>
                                         <p:cTn id="7" dur="100"/>
                                         <p:tgtEl>
-                                          <p:spTgt spid="159"/>
+                                          <p:spTgt spid="153"/>
                                         </p:tgtEl>
                                       </p:cBhvr>
                                     </p:animEffect>
@@ -12325,7 +11136,7 @@
         </p:nvSpPr>
         <p:spPr>
           <a:xfrm>
-            <a:off x="457200" y="274638"/>
+            <a:off x="608330" y="2613978"/>
             <a:ext cx="8229600" cy="1143000"/>
           </a:xfrm>
           <a:prstGeom prst="rect">
@@ -12357,91 +11168,20 @@
               <a:buNone/>
             </a:pPr>
             <a:r>
-              <a:rPr lang="en-US" sz="4400" b="1">
+              <a:rPr lang="en-US" altLang="zh-CN" sz="5400" b="1" dirty="0">
                 <a:latin typeface="Calibri"/>
                 <a:ea typeface="Calibri"/>
                 <a:cs typeface="Calibri"/>
                 <a:sym typeface="Calibri"/>
               </a:rPr>
-              <a:t>External Libraries and Tools</a:t>
+              <a:t>Demo Showcase</a:t>
             </a:r>
-          </a:p>
-        </p:txBody>
-      </p:sp>
-      <p:sp>
-        <p:nvSpPr>
-          <p:cNvPr id="159" name="Google Shape;159;p17"/>
-          <p:cNvSpPr txBox="1">
-            <a:spLocks noGrp="1"/>
-          </p:cNvSpPr>
-          <p:nvPr>
-            <p:ph type="body" idx="1"/>
-          </p:nvPr>
-        </p:nvSpPr>
-        <p:spPr>
-          <a:xfrm>
-            <a:off x="457200" y="1600200"/>
-            <a:ext cx="8353425" cy="2051050"/>
-          </a:xfrm>
-          <a:prstGeom prst="rect">
-            <a:avLst/>
-          </a:prstGeom>
-          <a:noFill/>
-          <a:ln>
-            <a:noFill/>
-          </a:ln>
-        </p:spPr>
-        <p:txBody>
-          <a:bodyPr spcFirstLastPara="1" wrap="square" lIns="91425" tIns="45700" rIns="91425" bIns="45700" anchor="t" anchorCtr="0">
-            <a:noAutofit/>
-          </a:bodyPr>
-          <a:lstStyle/>
-          <a:p>
-            <a:pPr marL="342900" lvl="0" indent="-139700" algn="l" rtl="0">
-              <a:lnSpc>
-                <a:spcPct val="150000"/>
-              </a:lnSpc>
-              <a:spcBef>
-                <a:spcPts val="0"/>
-              </a:spcBef>
-              <a:spcAft>
-                <a:spcPts val="0"/>
-              </a:spcAft>
-              <a:buClr>
-                <a:schemeClr val="dk1"/>
-              </a:buClr>
-              <a:buSzPts val="3200"/>
-              <a:buNone/>
-            </a:pPr>
-            <a:endParaRPr sz="1000"/>
-          </a:p>
-          <a:p>
-            <a:pPr lvl="0" indent="-457200" algn="l" rtl="0">
-              <a:lnSpc>
-                <a:spcPct val="150000"/>
-              </a:lnSpc>
-              <a:spcBef>
-                <a:spcPts val="640"/>
-              </a:spcBef>
-              <a:spcAft>
-                <a:spcPts val="0"/>
-              </a:spcAft>
-              <a:buClr>
-                <a:schemeClr val="lt1"/>
-              </a:buClr>
-              <a:buSzPts val="3200"/>
-              <a:buFont typeface="Arial" panose="020B0604020202090204" pitchFamily="34" charset="0"/>
-              <a:buChar char="•"/>
-            </a:pPr>
-            <a:r>
-              <a:rPr lang="en-US" sz="2400">
-                <a:latin typeface="Calibri"/>
-                <a:ea typeface="Calibri"/>
-                <a:cs typeface="Calibri"/>
-                <a:sym typeface="Calibri"/>
-              </a:rPr>
-              <a:t>Firebase Crashlytics: For real-time error and crash monitoring.</a:t>
-            </a:r>
+            <a:endParaRPr lang="en-US" altLang="zh-CN" sz="5400" b="1" dirty="0">
+              <a:latin typeface="Calibri"/>
+              <a:ea typeface="Calibri"/>
+              <a:cs typeface="Calibri"/>
+              <a:sym typeface="Calibri"/>
+            </a:endParaRPr>
           </a:p>
         </p:txBody>
       </p:sp>
@@ -12471,7 +11211,6 @@
             </a:pPr>
             <a:fld id="{00000000-1234-1234-1234-123412341234}" type="slidenum">
               <a:rPr lang="en-US"/>
-              <a:t>11</a:t>
             </a:fld>
             <a:endParaRPr lang="en-US"/>
           </a:p>
@@ -12482,89 +11221,6 @@
   <p:clrMapOvr>
     <a:masterClrMapping/>
   </p:clrMapOvr>
-  <p:timing>
-    <p:tnLst>
-      <p:par>
-        <p:cTn id="1" dur="indefinite" restart="never" nodeType="tmRoot">
-          <p:childTnLst>
-            <p:seq concurrent="1" nextAc="seek">
-              <p:cTn id="2" dur="indefinite" nodeType="mainSeq">
-                <p:childTnLst>
-                  <p:par>
-                    <p:cTn id="3" fill="hold">
-                      <p:stCondLst>
-                        <p:cond delay="indefinite"/>
-                      </p:stCondLst>
-                      <p:childTnLst>
-                        <p:par>
-                          <p:cTn id="4" fill="hold">
-                            <p:stCondLst>
-                              <p:cond delay="0"/>
-                            </p:stCondLst>
-                            <p:childTnLst>
-                              <p:par>
-                                <p:cTn id="5" presetID="10" presetClass="entr" presetSubtype="0" fill="hold" nodeType="clickEffect">
-                                  <p:stCondLst>
-                                    <p:cond delay="0"/>
-                                  </p:stCondLst>
-                                  <p:childTnLst>
-                                    <p:set>
-                                      <p:cBhvr>
-                                        <p:cTn id="6" dur="1" fill="hold">
-                                          <p:stCondLst>
-                                            <p:cond delay="0"/>
-                                          </p:stCondLst>
-                                        </p:cTn>
-                                        <p:tgtEl>
-                                          <p:spTgt spid="159"/>
-                                        </p:tgtEl>
-                                        <p:attrNameLst>
-                                          <p:attrName>style.visibility</p:attrName>
-                                        </p:attrNameLst>
-                                      </p:cBhvr>
-                                      <p:to>
-                                        <p:strVal val="visible"/>
-                                      </p:to>
-                                    </p:set>
-                                    <p:animEffect transition="in" filter="fade">
-                                      <p:cBhvr>
-                                        <p:cTn id="7" dur="100"/>
-                                        <p:tgtEl>
-                                          <p:spTgt spid="159"/>
-                                        </p:tgtEl>
-                                      </p:cBhvr>
-                                    </p:animEffect>
-                                  </p:childTnLst>
-                                </p:cTn>
-                              </p:par>
-                            </p:childTnLst>
-                          </p:cTn>
-                        </p:par>
-                      </p:childTnLst>
-                    </p:cTn>
-                  </p:par>
-                </p:childTnLst>
-              </p:cTn>
-              <p:prevCondLst>
-                <p:cond evt="onPrev" delay="0">
-                  <p:tgtEl>
-                    <p:sldTgt/>
-                  </p:tgtEl>
-                </p:cond>
-              </p:prevCondLst>
-              <p:nextCondLst>
-                <p:cond evt="onNext" delay="0">
-                  <p:tgtEl>
-                    <p:sldTgt/>
-                  </p:tgtEl>
-                </p:cond>
-              </p:nextCondLst>
-            </p:seq>
-          </p:childTnLst>
-        </p:cTn>
-      </p:par>
-    </p:tnLst>
-  </p:timing>
 </p:sld>
 </file>
 
@@ -12627,6 +11283,21 @@
               </a:rPr>
               <a:t>Thank You!</a:t>
             </a:r>
+            <a:endParaRPr b="1" i="0">
+              <a:ln w="9525" cap="flat" cmpd="sng">
+                <a:solidFill>
+                  <a:schemeClr val="dk2"/>
+                </a:solidFill>
+                <a:prstDash val="solid"/>
+                <a:round/>
+                <a:headEnd type="none" w="sm" len="sm"/>
+                <a:tailEnd type="none" w="sm" len="sm"/>
+              </a:ln>
+              <a:solidFill>
+                <a:srgbClr val="CFE2F3"/>
+              </a:solidFill>
+              <a:latin typeface="Times New Roman" panose="02020503050405090304"/>
+            </a:endParaRPr>
           </a:p>
         </p:txBody>
       </p:sp>
@@ -12656,7 +11327,6 @@
             </a:pPr>
             <a:fld id="{00000000-1234-1234-1234-123412341234}" type="slidenum">
               <a:rPr lang="en-US"/>
-              <a:t>12</a:t>
             </a:fld>
             <a:endParaRPr lang="en-US"/>
           </a:p>
@@ -12739,6 +11409,12 @@
               </a:rPr>
               <a:t>App Purpose</a:t>
             </a:r>
+            <a:endParaRPr lang="en-US" sz="4400" b="1">
+              <a:latin typeface="Calibri"/>
+              <a:ea typeface="Calibri"/>
+              <a:cs typeface="Calibri"/>
+              <a:sym typeface="Calibri"/>
+            </a:endParaRPr>
           </a:p>
         </p:txBody>
       </p:sp>
@@ -12815,6 +11491,12 @@
               </a:rPr>
               <a:t>This app is designed for Boston University students to easily browse and register for various campus events. </a:t>
             </a:r>
+            <a:endParaRPr lang="en-US" sz="2800">
+              <a:latin typeface="Calibri"/>
+              <a:ea typeface="Calibri"/>
+              <a:cs typeface="Calibri"/>
+              <a:sym typeface="Calibri"/>
+            </a:endParaRPr>
           </a:p>
           <a:p>
             <a:pPr marL="0" lvl="0" indent="0" algn="l" rtl="0">
@@ -12842,6 +11524,12 @@
               </a:rPr>
               <a:t>The app aims to help students stay informed about campus happenings, providing an accessible way to enhance their university experience by participating in events.</a:t>
             </a:r>
+            <a:endParaRPr lang="en-US" sz="2800">
+              <a:latin typeface="Calibri"/>
+              <a:ea typeface="Calibri"/>
+              <a:cs typeface="Calibri"/>
+              <a:sym typeface="Calibri"/>
+            </a:endParaRPr>
           </a:p>
         </p:txBody>
       </p:sp>
@@ -12871,7 +11559,6 @@
             </a:pPr>
             <a:fld id="{00000000-1234-1234-1234-123412341234}" type="slidenum">
               <a:rPr lang="en-US"/>
-              <a:t>2</a:t>
             </a:fld>
             <a:endParaRPr lang="en-US"/>
           </a:p>
@@ -13037,6 +11724,12 @@
               </a:rPr>
               <a:t> Onboarding Pages</a:t>
             </a:r>
+            <a:endParaRPr lang="en-US" sz="4400" b="1">
+              <a:latin typeface="Calibri"/>
+              <a:ea typeface="Calibri"/>
+              <a:cs typeface="Calibri"/>
+              <a:sym typeface="Calibri"/>
+            </a:endParaRPr>
           </a:p>
         </p:txBody>
       </p:sp>
@@ -13118,7 +11811,6 @@
             </a:pPr>
             <a:fld id="{00000000-1234-1234-1234-123412341234}" type="slidenum">
               <a:rPr lang="en-US"/>
-              <a:t>3</a:t>
             </a:fld>
             <a:endParaRPr lang="en-US"/>
           </a:p>
@@ -13133,7 +11825,7 @@
           <p:nvPr/>
         </p:nvPicPr>
         <p:blipFill>
-          <a:blip r:embed="rId3"/>
+          <a:blip r:embed="rId1"/>
           <a:stretch>
             <a:fillRect/>
           </a:stretch>
@@ -13334,7 +12026,6 @@
             </a:pPr>
             <a:fld id="{00000000-1234-1234-1234-123412341234}" type="slidenum">
               <a:rPr lang="en-US"/>
-              <a:t>4</a:t>
             </a:fld>
             <a:endParaRPr lang="en-US"/>
           </a:p>
@@ -13349,7 +12040,7 @@
           <p:nvPr/>
         </p:nvPicPr>
         <p:blipFill>
-          <a:blip r:embed="rId3"/>
+          <a:blip r:embed="rId1"/>
           <a:stretch>
             <a:fillRect/>
           </a:stretch>
@@ -13660,6 +12351,12 @@
               </a:rPr>
               <a:t> Onboarding Pages</a:t>
             </a:r>
+            <a:endParaRPr lang="en-US" sz="4400" b="1">
+              <a:latin typeface="Calibri"/>
+              <a:ea typeface="Calibri"/>
+              <a:cs typeface="Calibri"/>
+              <a:sym typeface="Calibri"/>
+            </a:endParaRPr>
           </a:p>
         </p:txBody>
       </p:sp>
@@ -13849,7 +12546,6 @@
             </a:pPr>
             <a:fld id="{00000000-1234-1234-1234-123412341234}" type="slidenum">
               <a:rPr lang="en-US"/>
-              <a:t>5</a:t>
             </a:fld>
             <a:endParaRPr lang="en-US"/>
           </a:p>
@@ -13864,7 +12560,7 @@
           <p:nvPr/>
         </p:nvPicPr>
         <p:blipFill>
-          <a:blip r:embed="rId3"/>
+          <a:blip r:embed="rId1"/>
           <a:stretch>
             <a:fillRect/>
           </a:stretch>
@@ -14175,6 +12871,12 @@
               </a:rPr>
               <a:t> Onboarding Pages</a:t>
             </a:r>
+            <a:endParaRPr lang="en-US" sz="4400" b="1">
+              <a:latin typeface="Calibri"/>
+              <a:ea typeface="Calibri"/>
+              <a:cs typeface="Calibri"/>
+              <a:sym typeface="Calibri"/>
+            </a:endParaRPr>
           </a:p>
         </p:txBody>
       </p:sp>
@@ -14274,7 +12976,7 @@
   <p:cSld>
     <p:spTree>
       <p:nvGrpSpPr>
-        <p:cNvPr id="1" name="Shape 151"/>
+        <p:cNvPr id="1" name="Shape 157"/>
         <p:cNvGrpSpPr/>
         <p:nvPr/>
       </p:nvGrpSpPr>
@@ -14288,7 +12990,7 @@
       </p:grpSpPr>
       <p:sp>
         <p:nvSpPr>
-          <p:cNvPr id="152" name="Google Shape;152;p16"/>
+          <p:cNvPr id="158" name="Google Shape;158;p17"/>
           <p:cNvSpPr txBox="1">
             <a:spLocks noGrp="1"/>
           </p:cNvSpPr>
@@ -14330,20 +13032,26 @@
               <a:buNone/>
             </a:pPr>
             <a:r>
-              <a:rPr lang="en-US" sz="4400" b="1" dirty="0">
+              <a:rPr lang="en-US" sz="4400" b="1">
                 <a:latin typeface="Calibri"/>
                 <a:ea typeface="Calibri"/>
                 <a:cs typeface="Calibri"/>
                 <a:sym typeface="Calibri"/>
               </a:rPr>
-              <a:t>Additional Features</a:t>
+              <a:t>APIs</a:t>
             </a:r>
+            <a:endParaRPr lang="en-US" sz="4400" b="1">
+              <a:latin typeface="Calibri"/>
+              <a:ea typeface="Calibri"/>
+              <a:cs typeface="Calibri"/>
+              <a:sym typeface="Calibri"/>
+            </a:endParaRPr>
           </a:p>
         </p:txBody>
       </p:sp>
       <p:sp>
         <p:nvSpPr>
-          <p:cNvPr id="153" name="Google Shape;153;p16"/>
+          <p:cNvPr id="159" name="Google Shape;159;p17"/>
           <p:cNvSpPr txBox="1">
             <a:spLocks noGrp="1"/>
           </p:cNvSpPr>
@@ -14353,8 +13061,8 @@
         </p:nvSpPr>
         <p:spPr>
           <a:xfrm>
-            <a:off x="1443990" y="1668145"/>
-            <a:ext cx="7526655" cy="4446905"/>
+            <a:off x="457200" y="1316990"/>
+            <a:ext cx="8353425" cy="4809490"/>
           </a:xfrm>
           <a:prstGeom prst="rect">
             <a:avLst/>
@@ -14370,79 +13078,198 @@
           </a:bodyPr>
           <a:lstStyle/>
           <a:p>
-            <a:pPr marL="0" lvl="0" indent="0">
+            <a:pPr marL="342900" lvl="0" indent="-139700" algn="l" rtl="0">
               <a:lnSpc>
-                <a:spcPct val="200000"/>
+                <a:spcPct val="150000"/>
               </a:lnSpc>
               <a:spcBef>
                 <a:spcPts val="0"/>
               </a:spcBef>
+              <a:spcAft>
+                <a:spcPts val="0"/>
+              </a:spcAft>
+              <a:buClr>
+                <a:schemeClr val="dk1"/>
+              </a:buClr>
               <a:buSzPts val="3200"/>
               <a:buNone/>
+            </a:pPr>
+            <a:endParaRPr sz="1000" dirty="0"/>
+          </a:p>
+          <a:p>
+            <a:pPr lvl="0" indent="-457200" algn="l" rtl="0">
+              <a:lnSpc>
+                <a:spcPct val="150000"/>
+              </a:lnSpc>
+              <a:spcBef>
+                <a:spcPts val="640"/>
+              </a:spcBef>
+              <a:spcAft>
+                <a:spcPts val="0"/>
+              </a:spcAft>
+              <a:buClr>
+                <a:schemeClr val="lt1"/>
+              </a:buClr>
+              <a:buSzPts val="3200"/>
+              <a:buFont typeface="Arial" panose="020B0604020202090204" pitchFamily="34" charset="0"/>
+              <a:buChar char="•"/>
             </a:pPr>
             <a:r>
-              <a:rPr lang="en-US" sz="2800" dirty="0">
+              <a:rPr lang="en-US" sz="2400" dirty="0">
                 <a:latin typeface="Calibri"/>
                 <a:ea typeface="Calibri"/>
                 <a:cs typeface="Calibri"/>
                 <a:sym typeface="Calibri"/>
               </a:rPr>
-              <a:t>1. </a:t>
+              <a:t>Firebase </a:t>
             </a:r>
             <a:r>
-              <a:rPr lang="en-US" sz="2800" dirty="0"/>
-              <a:t>Location Services</a:t>
-            </a:r>
-          </a:p>
-          <a:p>
-            <a:pPr marL="0" lvl="0" indent="0">
-              <a:lnSpc>
-                <a:spcPct val="200000"/>
-              </a:lnSpc>
-              <a:spcBef>
-                <a:spcPts val="0"/>
-              </a:spcBef>
-              <a:buSzPts val="3200"/>
-              <a:buNone/>
-            </a:pPr>
-            <a:r>
-              <a:rPr lang="en-US" sz="2800" dirty="0">
+              <a:rPr lang="en-US" sz="2400" dirty="0" err="1">
                 <a:latin typeface="Calibri"/>
                 <a:ea typeface="Calibri"/>
                 <a:cs typeface="Calibri"/>
                 <a:sym typeface="Calibri"/>
               </a:rPr>
-              <a:t>2. </a:t>
+              <a:t>Firestore</a:t>
             </a:r>
             <a:r>
-              <a:rPr lang="en-US" sz="2800" dirty="0"/>
-              <a:t>Dark Mode</a:t>
-            </a:r>
-          </a:p>
-          <a:p>
-            <a:pPr marL="0" lvl="0" indent="0">
-              <a:lnSpc>
-                <a:spcPct val="200000"/>
-              </a:lnSpc>
-              <a:spcBef>
-                <a:spcPts val="0"/>
-              </a:spcBef>
-              <a:buSzPts val="3200"/>
-              <a:buNone/>
-            </a:pPr>
-            <a:r>
-              <a:rPr lang="en-US" sz="2800" dirty="0">
+              <a:rPr lang="en-US" sz="2400" dirty="0">
                 <a:latin typeface="Calibri"/>
                 <a:ea typeface="Calibri"/>
                 <a:cs typeface="Calibri"/>
                 <a:sym typeface="Calibri"/>
               </a:rPr>
-              <a:t>3. </a:t>
+              <a:t>: To store event details and user registration history.</a:t>
+            </a:r>
+            <a:endParaRPr lang="en-US" sz="2400" dirty="0">
+              <a:latin typeface="Calibri"/>
+              <a:ea typeface="Calibri"/>
+              <a:cs typeface="Calibri"/>
+              <a:sym typeface="Calibri"/>
+            </a:endParaRPr>
+          </a:p>
+          <a:p>
+            <a:pPr lvl="0" indent="-457200" algn="l" rtl="0">
+              <a:lnSpc>
+                <a:spcPct val="150000"/>
+              </a:lnSpc>
+              <a:spcBef>
+                <a:spcPts val="640"/>
+              </a:spcBef>
+              <a:spcAft>
+                <a:spcPts val="0"/>
+              </a:spcAft>
+              <a:buClr>
+                <a:schemeClr val="lt1"/>
+              </a:buClr>
+              <a:buSzPts val="3200"/>
+              <a:buFont typeface="Arial" panose="020B0604020202090204" pitchFamily="34" charset="0"/>
+              <a:buChar char="•"/>
+            </a:pPr>
+            <a:r>
+              <a:rPr lang="en-US" sz="2400" dirty="0">
+                <a:latin typeface="Calibri"/>
+                <a:ea typeface="Calibri"/>
+                <a:cs typeface="Calibri"/>
+                <a:sym typeface="Calibri"/>
+              </a:rPr>
+              <a:t>Firebase Authentication: For user registration and login.</a:t>
+            </a:r>
+            <a:endParaRPr lang="en-US" sz="2400" dirty="0">
+              <a:latin typeface="Calibri"/>
+              <a:ea typeface="Calibri"/>
+              <a:cs typeface="Calibri"/>
+              <a:sym typeface="Calibri"/>
+            </a:endParaRPr>
+          </a:p>
+          <a:p>
+            <a:pPr lvl="0" indent="-457200">
+              <a:lnSpc>
+                <a:spcPct val="150000"/>
+              </a:lnSpc>
+              <a:spcBef>
+                <a:spcPts val="640"/>
+              </a:spcBef>
+              <a:buClr>
+                <a:schemeClr val="lt1"/>
+              </a:buClr>
+              <a:buSzPts val="3200"/>
+              <a:buFont typeface="Arial" panose="020B0604020202090204" pitchFamily="34" charset="0"/>
+              <a:buChar char="•"/>
+            </a:pPr>
+            <a:r>
+              <a:rPr lang="en-US" sz="2400" dirty="0"/>
+              <a:t>Google Maps Geolocation API</a:t>
+            </a:r>
+            <a:endParaRPr lang="en-US" sz="2400" dirty="0"/>
+          </a:p>
+          <a:p>
+            <a:pPr lvl="0" indent="-457200">
+              <a:lnSpc>
+                <a:spcPct val="150000"/>
+              </a:lnSpc>
+              <a:spcBef>
+                <a:spcPts val="640"/>
+              </a:spcBef>
+              <a:buClr>
+                <a:schemeClr val="lt1"/>
+              </a:buClr>
+              <a:buSzPts val="3200"/>
+              <a:buFont typeface="Arial" panose="020B0604020202090204" pitchFamily="34" charset="0"/>
+              <a:buChar char="•"/>
+            </a:pPr>
+            <a:r>
+              <a:rPr lang="en-US" sz="2400" dirty="0"/>
+              <a:t>Camera API</a:t>
+            </a:r>
+            <a:endParaRPr lang="en-US" sz="2400" dirty="0"/>
+          </a:p>
+          <a:p>
+            <a:pPr lvl="0" indent="-457200">
+              <a:lnSpc>
+                <a:spcPct val="150000"/>
+              </a:lnSpc>
+              <a:spcBef>
+                <a:spcPts val="640"/>
+              </a:spcBef>
+              <a:buClr>
+                <a:schemeClr val="lt1"/>
+              </a:buClr>
+              <a:buSzPts val="3200"/>
+              <a:buFont typeface="Arial" panose="020B0604020202090204" pitchFamily="34" charset="0"/>
+              <a:buChar char="•"/>
+            </a:pPr>
+            <a:r>
+              <a:rPr lang="en-US" sz="2400" dirty="0" err="1"/>
+              <a:t>MediaStore</a:t>
             </a:r>
             <a:r>
-              <a:rPr lang="en-US" sz="2800" dirty="0"/>
-              <a:t>File Upload and Media Handling</a:t>
+              <a:rPr lang="en-US" sz="2400" dirty="0"/>
+              <a:t> API</a:t>
             </a:r>
+            <a:endParaRPr lang="en-US" sz="2400" dirty="0"/>
+          </a:p>
+          <a:p>
+            <a:pPr lvl="0" indent="-457200">
+              <a:lnSpc>
+                <a:spcPct val="150000"/>
+              </a:lnSpc>
+              <a:spcBef>
+                <a:spcPts val="640"/>
+              </a:spcBef>
+              <a:buClr>
+                <a:schemeClr val="lt1"/>
+              </a:buClr>
+              <a:buSzPts val="3200"/>
+              <a:buFont typeface="Arial" panose="020B0604020202090204" pitchFamily="34" charset="0"/>
+              <a:buChar char="•"/>
+            </a:pPr>
+            <a:endParaRPr lang="en-US" sz="2400" dirty="0">
+              <a:latin typeface="Calibri"/>
+              <a:ea typeface="Calibri"/>
+              <a:cs typeface="Calibri"/>
+              <a:sym typeface="Calibri"/>
+            </a:endParaRPr>
           </a:p>
         </p:txBody>
       </p:sp>
@@ -14472,7 +13299,6 @@
             </a:pPr>
             <a:fld id="{00000000-1234-1234-1234-123412341234}" type="slidenum">
               <a:rPr lang="en-US"/>
-              <a:t>6</a:t>
             </a:fld>
             <a:endParaRPr lang="en-US"/>
           </a:p>
@@ -14517,7 +13343,7 @@
                                           </p:stCondLst>
                                         </p:cTn>
                                         <p:tgtEl>
-                                          <p:spTgt spid="153"/>
+                                          <p:spTgt spid="159"/>
                                         </p:tgtEl>
                                         <p:attrNameLst>
                                           <p:attrName>style.visibility</p:attrName>
@@ -14531,7 +13357,7 @@
                                       <p:cBhvr>
                                         <p:cTn id="7" dur="100"/>
                                         <p:tgtEl>
-                                          <p:spTgt spid="153"/>
+                                          <p:spTgt spid="159"/>
                                         </p:tgtEl>
                                       </p:cBhvr>
                                     </p:animEffect>
@@ -14598,7 +13424,7 @@
         </p:nvSpPr>
         <p:spPr>
           <a:xfrm>
-            <a:off x="608330" y="2613978"/>
+            <a:off x="457200" y="274638"/>
             <a:ext cx="8229600" cy="1143000"/>
           </a:xfrm>
           <a:prstGeom prst="rect">
@@ -14630,14 +13456,20 @@
               <a:buNone/>
             </a:pPr>
             <a:r>
-              <a:rPr lang="en-US" altLang="zh-CN" sz="5400" b="1" dirty="0">
+              <a:rPr lang="en-US" altLang="zh-CN" sz="4400" b="1" dirty="0">
                 <a:latin typeface="Calibri"/>
                 <a:ea typeface="Calibri"/>
                 <a:cs typeface="Calibri"/>
                 <a:sym typeface="Calibri"/>
               </a:rPr>
-              <a:t>Demo Showcase</a:t>
+              <a:t>Device sensor</a:t>
             </a:r>
+            <a:endParaRPr lang="en-US" sz="4400" b="1" dirty="0">
+              <a:latin typeface="Calibri"/>
+              <a:ea typeface="Calibri"/>
+              <a:cs typeface="Calibri"/>
+              <a:sym typeface="Calibri"/>
+            </a:endParaRPr>
           </a:p>
         </p:txBody>
       </p:sp>
@@ -14667,9 +13499,210 @@
             </a:pPr>
             <a:fld id="{00000000-1234-1234-1234-123412341234}" type="slidenum">
               <a:rPr lang="en-US"/>
-              <a:t>7</a:t>
             </a:fld>
             <a:endParaRPr lang="en-US"/>
+          </a:p>
+        </p:txBody>
+      </p:sp>
+      <p:sp>
+        <p:nvSpPr>
+          <p:cNvPr id="7" name="Rectangle 5"/>
+          <p:cNvSpPr>
+            <a:spLocks noGrp="1" noChangeArrowheads="1"/>
+          </p:cNvSpPr>
+          <p:nvPr>
+            <p:ph type="body" idx="1"/>
+          </p:nvPr>
+        </p:nvSpPr>
+        <p:spPr bwMode="auto">
+          <a:xfrm>
+            <a:off x="608857" y="2462445"/>
+            <a:ext cx="3530476" cy="1815882"/>
+          </a:xfrm>
+          <a:prstGeom prst="rect">
+            <a:avLst/>
+          </a:prstGeom>
+          <a:noFill/>
+          <a:ln>
+            <a:noFill/>
+          </a:ln>
+          <a:effectLst/>
+          <a:extLst>
+            <a:ext uri="{909E8E84-426E-40DD-AFC4-6F175D3DCCD1}">
+              <a14:hiddenFill xmlns:a14="http://schemas.microsoft.com/office/drawing/2010/main">
+                <a:solidFill>
+                  <a:schemeClr val="accent1"/>
+                </a:solidFill>
+              </a14:hiddenFill>
+            </a:ext>
+            <a:ext uri="{91240B29-F687-4F45-9708-019B960494DF}">
+              <a14:hiddenLine xmlns:a14="http://schemas.microsoft.com/office/drawing/2010/main" w="9525">
+                <a:solidFill>
+                  <a:schemeClr val="tx1"/>
+                </a:solidFill>
+                <a:miter lim="800000"/>
+                <a:headEnd/>
+                <a:tailEnd/>
+              </a14:hiddenLine>
+            </a:ext>
+            <a:ext uri="{AF507438-7753-43E0-B8FC-AC1667EBCBE1}">
+              <a14:hiddenEffects xmlns:a14="http://schemas.microsoft.com/office/drawing/2010/main">
+                <a:effectLst>
+                  <a:outerShdw dist="35921" dir="2700000" algn="ctr" rotWithShape="0">
+                    <a:schemeClr val="bg2"/>
+                  </a:outerShdw>
+                </a:effectLst>
+              </a14:hiddenEffects>
+            </a:ext>
+          </a:extLst>
+        </p:spPr>
+        <p:txBody>
+          <a:bodyPr vert="horz" wrap="square" lIns="91440" tIns="45720" rIns="91440" bIns="45720" numCol="1" anchor="ctr" anchorCtr="0" compatLnSpc="1">
+            <a:spAutoFit/>
+          </a:bodyPr>
+          <a:lstStyle/>
+          <a:p>
+            <a:pPr marL="0" marR="0" lvl="0" indent="0" algn="l" defTabSz="914400" rtl="0" eaLnBrk="0" fontAlgn="base" latinLnBrk="0" hangingPunct="0">
+              <a:lnSpc>
+                <a:spcPct val="100000"/>
+              </a:lnSpc>
+              <a:spcBef>
+                <a:spcPct val="0"/>
+              </a:spcBef>
+              <a:spcAft>
+                <a:spcPct val="0"/>
+              </a:spcAft>
+              <a:buClrTx/>
+              <a:buSzTx/>
+              <a:buFontTx/>
+              <a:buChar char="•"/>
+            </a:pPr>
+            <a:r>
+              <a:rPr kumimoji="0" lang="en-US" altLang="en-US" sz="2800" b="1" i="0" u="none" strike="noStrike" cap="none" normalizeH="0" baseline="0" dirty="0">
+                <a:ln>
+                  <a:noFill/>
+                </a:ln>
+                <a:solidFill>
+                  <a:schemeClr val="bg1"/>
+                </a:solidFill>
+                <a:effectLst/>
+                <a:latin typeface="Arial" panose="020B0604020202090204" pitchFamily="34" charset="0"/>
+              </a:rPr>
+              <a:t>GPS </a:t>
+            </a:r>
+            <a:endParaRPr kumimoji="0" lang="en-US" altLang="en-US" sz="2800" b="1" i="0" u="none" strike="noStrike" cap="none" normalizeH="0" baseline="0" dirty="0">
+              <a:ln>
+                <a:noFill/>
+              </a:ln>
+              <a:solidFill>
+                <a:schemeClr val="bg1"/>
+              </a:solidFill>
+              <a:effectLst/>
+              <a:latin typeface="Arial" panose="020B0604020202090204" pitchFamily="34" charset="0"/>
+            </a:endParaRPr>
+          </a:p>
+          <a:p>
+            <a:pPr marL="0" marR="0" lvl="0" indent="0" algn="l" defTabSz="914400" rtl="0" eaLnBrk="0" fontAlgn="base" latinLnBrk="0" hangingPunct="0">
+              <a:lnSpc>
+                <a:spcPct val="100000"/>
+              </a:lnSpc>
+              <a:spcBef>
+                <a:spcPct val="0"/>
+              </a:spcBef>
+              <a:spcAft>
+                <a:spcPct val="0"/>
+              </a:spcAft>
+              <a:buClrTx/>
+              <a:buSzTx/>
+              <a:buFontTx/>
+              <a:buChar char="•"/>
+            </a:pPr>
+            <a:endParaRPr lang="en-US" altLang="en-US" sz="2800" b="1" dirty="0">
+              <a:solidFill>
+                <a:schemeClr val="bg1"/>
+              </a:solidFill>
+              <a:latin typeface="Arial" panose="020B0604020202090204" pitchFamily="34" charset="0"/>
+            </a:endParaRPr>
+          </a:p>
+          <a:p>
+            <a:pPr marL="0" marR="0" lvl="0" indent="0" algn="l" defTabSz="914400" rtl="0" eaLnBrk="0" fontAlgn="base" latinLnBrk="0" hangingPunct="0">
+              <a:lnSpc>
+                <a:spcPct val="100000"/>
+              </a:lnSpc>
+              <a:spcBef>
+                <a:spcPct val="0"/>
+              </a:spcBef>
+              <a:spcAft>
+                <a:spcPct val="0"/>
+              </a:spcAft>
+              <a:buClrTx/>
+              <a:buSzTx/>
+              <a:buFontTx/>
+              <a:buChar char="•"/>
+            </a:pPr>
+            <a:endParaRPr kumimoji="0" lang="en-US" altLang="en-US" sz="2800" b="0" i="0" u="none" strike="noStrike" cap="none" normalizeH="0" baseline="0" dirty="0">
+              <a:ln>
+                <a:noFill/>
+              </a:ln>
+              <a:solidFill>
+                <a:schemeClr val="bg1"/>
+              </a:solidFill>
+              <a:effectLst/>
+              <a:latin typeface="Arial" panose="020B0604020202090204" pitchFamily="34" charset="0"/>
+            </a:endParaRPr>
+          </a:p>
+          <a:p>
+            <a:pPr marL="0" marR="0" lvl="0" indent="0" algn="l" defTabSz="914400" rtl="0" eaLnBrk="0" fontAlgn="base" latinLnBrk="0" hangingPunct="0">
+              <a:lnSpc>
+                <a:spcPct val="100000"/>
+              </a:lnSpc>
+              <a:spcBef>
+                <a:spcPct val="0"/>
+              </a:spcBef>
+              <a:spcAft>
+                <a:spcPct val="0"/>
+              </a:spcAft>
+              <a:buClrTx/>
+              <a:buSzTx/>
+              <a:buFontTx/>
+              <a:buChar char="•"/>
+            </a:pPr>
+            <a:r>
+              <a:rPr kumimoji="0" lang="en-US" altLang="en-US" sz="2800" b="1" i="0" u="none" strike="noStrike" cap="none" normalizeH="0" baseline="0" dirty="0">
+                <a:ln>
+                  <a:noFill/>
+                </a:ln>
+                <a:solidFill>
+                  <a:schemeClr val="bg1"/>
+                </a:solidFill>
+                <a:effectLst/>
+                <a:latin typeface="Arial" panose="020B0604020202090204" pitchFamily="34" charset="0"/>
+              </a:rPr>
+              <a:t>Camera</a:t>
+            </a:r>
+            <a:r>
+              <a:rPr kumimoji="0" lang="en-US" altLang="en-US" sz="2800" b="0" i="0" u="none" strike="noStrike" cap="none" normalizeH="0" baseline="0" dirty="0">
+                <a:ln>
+                  <a:noFill/>
+                </a:ln>
+                <a:solidFill>
+                  <a:schemeClr val="bg1"/>
+                </a:solidFill>
+                <a:effectLst/>
+                <a:latin typeface="Arial" panose="020B0604020202090204" pitchFamily="34" charset="0"/>
+              </a:rPr>
+              <a:t> </a:t>
+            </a:r>
+            <a:endParaRPr kumimoji="0" lang="en-US" altLang="en-US" sz="2800" b="0" i="0" u="none" strike="noStrike" cap="none" normalizeH="0" baseline="0" dirty="0">
+              <a:ln>
+                <a:noFill/>
+              </a:ln>
+              <a:solidFill>
+                <a:schemeClr val="bg1"/>
+              </a:solidFill>
+              <a:effectLst/>
+              <a:latin typeface="Arial" panose="020B0604020202090204" pitchFamily="34" charset="0"/>
+            </a:endParaRPr>
           </a:p>
         </p:txBody>
       </p:sp>
@@ -14710,7 +13743,7 @@
         </p:nvSpPr>
         <p:spPr>
           <a:xfrm>
-            <a:off x="457200" y="274638"/>
+            <a:off x="457200" y="-317"/>
             <a:ext cx="8229600" cy="1143000"/>
           </a:xfrm>
           <a:prstGeom prst="rect">
@@ -14742,14 +13775,20 @@
               <a:buNone/>
             </a:pPr>
             <a:r>
-              <a:rPr lang="en-US" sz="4400" b="1">
+              <a:rPr lang="en-US" sz="4400" b="1" dirty="0">
                 <a:latin typeface="Calibri"/>
                 <a:ea typeface="Calibri"/>
                 <a:cs typeface="Calibri"/>
                 <a:sym typeface="Calibri"/>
               </a:rPr>
-              <a:t>APIs</a:t>
+              <a:t>Database schema</a:t>
             </a:r>
+            <a:endParaRPr lang="en-US" sz="4400" b="1" dirty="0">
+              <a:latin typeface="Calibri"/>
+              <a:ea typeface="Calibri"/>
+              <a:cs typeface="Calibri"/>
+              <a:sym typeface="Calibri"/>
+            </a:endParaRPr>
           </a:p>
         </p:txBody>
       </p:sp>
@@ -14765,8 +13804,8 @@
         </p:nvSpPr>
         <p:spPr>
           <a:xfrm>
-            <a:off x="457200" y="1316990"/>
-            <a:ext cx="8353425" cy="4809490"/>
+            <a:off x="387985" y="902335"/>
+            <a:ext cx="3760269" cy="5538470"/>
           </a:xfrm>
           <a:prstGeom prst="rect">
             <a:avLst/>
@@ -14782,53 +13821,21 @@
           </a:bodyPr>
           <a:lstStyle/>
           <a:p>
-            <a:pPr marL="342900" lvl="0" indent="-139700" algn="l" rtl="0">
+            <a:pPr marL="0" lvl="0" indent="0">
               <a:lnSpc>
                 <a:spcPct val="150000"/>
               </a:lnSpc>
               <a:spcBef>
-                <a:spcPts val="0"/>
-              </a:spcBef>
-              <a:spcAft>
-                <a:spcPts val="0"/>
-              </a:spcAft>
-              <a:buClr>
-                <a:schemeClr val="dk1"/>
-              </a:buClr>
-              <a:buSzPts val="3200"/>
-              <a:buNone/>
-            </a:pPr>
-            <a:endParaRPr sz="1000" dirty="0"/>
-          </a:p>
-          <a:p>
-            <a:pPr lvl="0" indent="-457200" algn="l" rtl="0">
-              <a:lnSpc>
-                <a:spcPct val="150000"/>
-              </a:lnSpc>
-              <a:spcBef>
                 <a:spcPts val="640"/>
               </a:spcBef>
-              <a:spcAft>
-                <a:spcPts val="0"/>
-              </a:spcAft>
               <a:buClr>
                 <a:schemeClr val="lt1"/>
               </a:buClr>
               <a:buSzPts val="3200"/>
-              <a:buFont typeface="Arial" panose="020B0604020202090204" pitchFamily="34" charset="0"/>
-              <a:buChar char="•"/>
+              <a:buNone/>
             </a:pPr>
             <a:r>
-              <a:rPr lang="en-US" sz="2400" dirty="0">
-                <a:latin typeface="Calibri"/>
-                <a:ea typeface="Calibri"/>
-                <a:cs typeface="Calibri"/>
-                <a:sym typeface="Calibri"/>
-              </a:rPr>
-              <a:t>Firebase </a:t>
-            </a:r>
-            <a:r>
-              <a:rPr lang="en-US" sz="2400" dirty="0" err="1">
+              <a:rPr lang="en-US" sz="1000" dirty="0" err="1">
                 <a:latin typeface="Calibri"/>
                 <a:ea typeface="Calibri"/>
                 <a:cs typeface="Calibri"/>
@@ -14836,46 +13843,75 @@
               </a:rPr>
               <a:t>Firestore</a:t>
             </a:r>
+            <a:endParaRPr lang="en-US" sz="1000" dirty="0">
+              <a:latin typeface="Calibri"/>
+              <a:ea typeface="Calibri"/>
+              <a:cs typeface="Calibri"/>
+              <a:sym typeface="Calibri"/>
+            </a:endParaRPr>
+          </a:p>
+          <a:p>
+            <a:pPr marL="0" lvl="0" indent="0">
+              <a:lnSpc>
+                <a:spcPct val="150000"/>
+              </a:lnSpc>
+              <a:spcBef>
+                <a:spcPts val="640"/>
+              </a:spcBef>
+              <a:buClr>
+                <a:schemeClr val="lt1"/>
+              </a:buClr>
+              <a:buSzPts val="3200"/>
+              <a:buNone/>
+            </a:pPr>
             <a:r>
-              <a:rPr lang="en-US" sz="2400" dirty="0">
+              <a:rPr lang="en-US" sz="1000" dirty="0">
                 <a:latin typeface="Calibri"/>
                 <a:ea typeface="Calibri"/>
                 <a:cs typeface="Calibri"/>
                 <a:sym typeface="Calibri"/>
               </a:rPr>
-              <a:t>: To store event details and user registration history.</a:t>
+              <a:t>|</a:t>
             </a:r>
+            <a:endParaRPr lang="en-US" sz="1000" dirty="0">
+              <a:latin typeface="Calibri"/>
+              <a:ea typeface="Calibri"/>
+              <a:cs typeface="Calibri"/>
+              <a:sym typeface="Calibri"/>
+            </a:endParaRPr>
           </a:p>
           <a:p>
-            <a:pPr lvl="0" indent="-457200" algn="l" rtl="0">
+            <a:pPr marL="0" lvl="0" indent="0">
               <a:lnSpc>
                 <a:spcPct val="150000"/>
               </a:lnSpc>
               <a:spcBef>
                 <a:spcPts val="640"/>
               </a:spcBef>
-              <a:spcAft>
-                <a:spcPts val="0"/>
-              </a:spcAft>
               <a:buClr>
                 <a:schemeClr val="lt1"/>
               </a:buClr>
               <a:buSzPts val="3200"/>
-              <a:buFont typeface="Arial" panose="020B0604020202090204" pitchFamily="34" charset="0"/>
-              <a:buChar char="•"/>
+              <a:buNone/>
             </a:pPr>
             <a:r>
-              <a:rPr lang="en-US" sz="2400" dirty="0">
+              <a:rPr lang="en-US" sz="1000" dirty="0">
                 <a:latin typeface="Calibri"/>
                 <a:ea typeface="Calibri"/>
                 <a:cs typeface="Calibri"/>
                 <a:sym typeface="Calibri"/>
               </a:rPr>
-              <a:t>Firebase Authentication: For user registration and login.</a:t>
+              <a:t>|-- events (Collection)</a:t>
             </a:r>
+            <a:endParaRPr lang="en-US" sz="1000" dirty="0">
+              <a:latin typeface="Calibri"/>
+              <a:ea typeface="Calibri"/>
+              <a:cs typeface="Calibri"/>
+              <a:sym typeface="Calibri"/>
+            </a:endParaRPr>
           </a:p>
           <a:p>
-            <a:pPr lvl="0" indent="-457200">
+            <a:pPr marL="0" lvl="0" indent="0">
               <a:lnSpc>
                 <a:spcPct val="150000"/>
               </a:lnSpc>
@@ -14886,16 +13922,44 @@
                 <a:schemeClr val="lt1"/>
               </a:buClr>
               <a:buSzPts val="3200"/>
-              <a:buFont typeface="Arial" panose="020B0604020202090204" pitchFamily="34" charset="0"/>
-              <a:buChar char="•"/>
+              <a:buNone/>
             </a:pPr>
             <a:r>
-              <a:rPr lang="en-US" sz="2400" dirty="0"/>
-              <a:t>Google Maps Geolocation API</a:t>
+              <a:rPr lang="en-US" sz="1000" dirty="0">
+                <a:latin typeface="Calibri"/>
+                <a:ea typeface="Calibri"/>
+                <a:cs typeface="Calibri"/>
+                <a:sym typeface="Calibri"/>
+              </a:rPr>
+              <a:t>|   |-- </a:t>
             </a:r>
+            <a:r>
+              <a:rPr lang="en-US" sz="1000" dirty="0" err="1">
+                <a:latin typeface="Calibri"/>
+                <a:ea typeface="Calibri"/>
+                <a:cs typeface="Calibri"/>
+                <a:sym typeface="Calibri"/>
+              </a:rPr>
+              <a:t>eventID</a:t>
+            </a:r>
+            <a:r>
+              <a:rPr lang="en-US" sz="1000" dirty="0">
+                <a:latin typeface="Calibri"/>
+                <a:ea typeface="Calibri"/>
+                <a:cs typeface="Calibri"/>
+                <a:sym typeface="Calibri"/>
+              </a:rPr>
+              <a:t> (Document)</a:t>
+            </a:r>
+            <a:endParaRPr lang="en-US" sz="1000" dirty="0">
+              <a:latin typeface="Calibri"/>
+              <a:ea typeface="Calibri"/>
+              <a:cs typeface="Calibri"/>
+              <a:sym typeface="Calibri"/>
+            </a:endParaRPr>
           </a:p>
           <a:p>
-            <a:pPr lvl="0" indent="-457200">
+            <a:pPr marL="0" lvl="0" indent="0">
               <a:lnSpc>
                 <a:spcPct val="150000"/>
               </a:lnSpc>
@@ -14906,16 +13970,44 @@
                 <a:schemeClr val="lt1"/>
               </a:buClr>
               <a:buSzPts val="3200"/>
-              <a:buFont typeface="Arial" panose="020B0604020202090204" pitchFamily="34" charset="0"/>
-              <a:buChar char="•"/>
+              <a:buNone/>
             </a:pPr>
             <a:r>
-              <a:rPr lang="en-US" sz="2400" dirty="0"/>
-              <a:t>Camera API</a:t>
+              <a:rPr lang="en-US" sz="1000" dirty="0">
+                <a:latin typeface="Calibri"/>
+                <a:ea typeface="Calibri"/>
+                <a:cs typeface="Calibri"/>
+                <a:sym typeface="Calibri"/>
+              </a:rPr>
+              <a:t>|       |-- </a:t>
             </a:r>
+            <a:r>
+              <a:rPr lang="en-US" sz="1000" dirty="0" err="1">
+                <a:latin typeface="Calibri"/>
+                <a:ea typeface="Calibri"/>
+                <a:cs typeface="Calibri"/>
+                <a:sym typeface="Calibri"/>
+              </a:rPr>
+              <a:t>eventTitle</a:t>
+            </a:r>
+            <a:r>
+              <a:rPr lang="en-US" sz="1000" dirty="0">
+                <a:latin typeface="Calibri"/>
+                <a:ea typeface="Calibri"/>
+                <a:cs typeface="Calibri"/>
+                <a:sym typeface="Calibri"/>
+              </a:rPr>
+              <a:t>: String</a:t>
+            </a:r>
+            <a:endParaRPr lang="en-US" sz="1000" dirty="0">
+              <a:latin typeface="Calibri"/>
+              <a:ea typeface="Calibri"/>
+              <a:cs typeface="Calibri"/>
+              <a:sym typeface="Calibri"/>
+            </a:endParaRPr>
           </a:p>
           <a:p>
-            <a:pPr lvl="0" indent="-457200">
+            <a:pPr marL="0" lvl="0" indent="0">
               <a:lnSpc>
                 <a:spcPct val="150000"/>
               </a:lnSpc>
@@ -14926,20 +14018,44 @@
                 <a:schemeClr val="lt1"/>
               </a:buClr>
               <a:buSzPts val="3200"/>
-              <a:buFont typeface="Arial" panose="020B0604020202090204" pitchFamily="34" charset="0"/>
-              <a:buChar char="•"/>
+              <a:buNone/>
             </a:pPr>
             <a:r>
-              <a:rPr lang="en-US" sz="2400" dirty="0" err="1"/>
-              <a:t>MediaStore</a:t>
+              <a:rPr lang="en-US" sz="1000" dirty="0">
+                <a:latin typeface="Calibri"/>
+                <a:ea typeface="Calibri"/>
+                <a:cs typeface="Calibri"/>
+                <a:sym typeface="Calibri"/>
+              </a:rPr>
+              <a:t>|       |-- </a:t>
             </a:r>
             <a:r>
-              <a:rPr lang="en-US" sz="2400" dirty="0"/>
-              <a:t> API</a:t>
+              <a:rPr lang="en-US" sz="1000" dirty="0" err="1">
+                <a:latin typeface="Calibri"/>
+                <a:ea typeface="Calibri"/>
+                <a:cs typeface="Calibri"/>
+                <a:sym typeface="Calibri"/>
+              </a:rPr>
+              <a:t>eventURL</a:t>
             </a:r>
+            <a:r>
+              <a:rPr lang="en-US" sz="1000" dirty="0">
+                <a:latin typeface="Calibri"/>
+                <a:ea typeface="Calibri"/>
+                <a:cs typeface="Calibri"/>
+                <a:sym typeface="Calibri"/>
+              </a:rPr>
+              <a:t>: String</a:t>
+            </a:r>
+            <a:endParaRPr lang="en-US" sz="1000" dirty="0">
+              <a:latin typeface="Calibri"/>
+              <a:ea typeface="Calibri"/>
+              <a:cs typeface="Calibri"/>
+              <a:sym typeface="Calibri"/>
+            </a:endParaRPr>
           </a:p>
           <a:p>
-            <a:pPr lvl="0" indent="-457200">
+            <a:pPr marL="0" lvl="0" indent="0">
               <a:lnSpc>
                 <a:spcPct val="150000"/>
               </a:lnSpc>
@@ -14950,10 +14066,345 @@
                 <a:schemeClr val="lt1"/>
               </a:buClr>
               <a:buSzPts val="3200"/>
-              <a:buFont typeface="Arial" panose="020B0604020202090204" pitchFamily="34" charset="0"/>
-              <a:buChar char="•"/>
+              <a:buNone/>
             </a:pPr>
-            <a:endParaRPr lang="en-US" sz="2400" dirty="0">
+            <a:r>
+              <a:rPr lang="en-US" sz="1000" dirty="0">
+                <a:latin typeface="Calibri"/>
+                <a:ea typeface="Calibri"/>
+                <a:cs typeface="Calibri"/>
+                <a:sym typeface="Calibri"/>
+              </a:rPr>
+              <a:t>|       |-- </a:t>
+            </a:r>
+            <a:r>
+              <a:rPr lang="en-US" sz="1000" dirty="0" err="1">
+                <a:latin typeface="Calibri"/>
+                <a:ea typeface="Calibri"/>
+                <a:cs typeface="Calibri"/>
+                <a:sym typeface="Calibri"/>
+              </a:rPr>
+              <a:t>eventPhoto</a:t>
+            </a:r>
+            <a:r>
+              <a:rPr lang="en-US" sz="1000" dirty="0">
+                <a:latin typeface="Calibri"/>
+                <a:ea typeface="Calibri"/>
+                <a:cs typeface="Calibri"/>
+                <a:sym typeface="Calibri"/>
+              </a:rPr>
+              <a:t>: String</a:t>
+            </a:r>
+            <a:endParaRPr lang="en-US" sz="1000" dirty="0">
+              <a:latin typeface="Calibri"/>
+              <a:ea typeface="Calibri"/>
+              <a:cs typeface="Calibri"/>
+              <a:sym typeface="Calibri"/>
+            </a:endParaRPr>
+          </a:p>
+          <a:p>
+            <a:pPr marL="0" lvl="0" indent="0">
+              <a:lnSpc>
+                <a:spcPct val="150000"/>
+              </a:lnSpc>
+              <a:spcBef>
+                <a:spcPts val="640"/>
+              </a:spcBef>
+              <a:buClr>
+                <a:schemeClr val="lt1"/>
+              </a:buClr>
+              <a:buSzPts val="3200"/>
+              <a:buNone/>
+            </a:pPr>
+            <a:r>
+              <a:rPr lang="en-US" sz="1000" dirty="0">
+                <a:latin typeface="Calibri"/>
+                <a:ea typeface="Calibri"/>
+                <a:cs typeface="Calibri"/>
+                <a:sym typeface="Calibri"/>
+              </a:rPr>
+              <a:t>|       |-- </a:t>
+            </a:r>
+            <a:r>
+              <a:rPr lang="en-US" sz="1000" dirty="0" err="1">
+                <a:latin typeface="Calibri"/>
+                <a:ea typeface="Calibri"/>
+                <a:cs typeface="Calibri"/>
+                <a:sym typeface="Calibri"/>
+              </a:rPr>
+              <a:t>eventLocation</a:t>
+            </a:r>
+            <a:r>
+              <a:rPr lang="en-US" sz="1000" dirty="0">
+                <a:latin typeface="Calibri"/>
+                <a:ea typeface="Calibri"/>
+                <a:cs typeface="Calibri"/>
+                <a:sym typeface="Calibri"/>
+              </a:rPr>
+              <a:t>: String</a:t>
+            </a:r>
+            <a:endParaRPr lang="en-US" sz="1000" dirty="0">
+              <a:latin typeface="Calibri"/>
+              <a:ea typeface="Calibri"/>
+              <a:cs typeface="Calibri"/>
+              <a:sym typeface="Calibri"/>
+            </a:endParaRPr>
+          </a:p>
+          <a:p>
+            <a:pPr marL="0" lvl="0" indent="0">
+              <a:lnSpc>
+                <a:spcPct val="150000"/>
+              </a:lnSpc>
+              <a:spcBef>
+                <a:spcPts val="640"/>
+              </a:spcBef>
+              <a:buClr>
+                <a:schemeClr val="lt1"/>
+              </a:buClr>
+              <a:buSzPts val="3200"/>
+              <a:buNone/>
+            </a:pPr>
+            <a:r>
+              <a:rPr lang="en-US" sz="1000" dirty="0">
+                <a:latin typeface="Calibri"/>
+                <a:ea typeface="Calibri"/>
+                <a:cs typeface="Calibri"/>
+                <a:sym typeface="Calibri"/>
+              </a:rPr>
+              <a:t>|       |-- </a:t>
+            </a:r>
+            <a:r>
+              <a:rPr lang="en-US" sz="1000" dirty="0" err="1">
+                <a:latin typeface="Calibri"/>
+                <a:ea typeface="Calibri"/>
+                <a:cs typeface="Calibri"/>
+                <a:sym typeface="Calibri"/>
+              </a:rPr>
+              <a:t>eventStartTime</a:t>
+            </a:r>
+            <a:r>
+              <a:rPr lang="en-US" sz="1000" dirty="0">
+                <a:latin typeface="Calibri"/>
+                <a:ea typeface="Calibri"/>
+                <a:cs typeface="Calibri"/>
+                <a:sym typeface="Calibri"/>
+              </a:rPr>
+              <a:t>: Timestamp</a:t>
+            </a:r>
+            <a:endParaRPr lang="en-US" sz="1000" dirty="0">
+              <a:latin typeface="Calibri"/>
+              <a:ea typeface="Calibri"/>
+              <a:cs typeface="Calibri"/>
+              <a:sym typeface="Calibri"/>
+            </a:endParaRPr>
+          </a:p>
+          <a:p>
+            <a:pPr marL="0" lvl="0" indent="0">
+              <a:lnSpc>
+                <a:spcPct val="150000"/>
+              </a:lnSpc>
+              <a:spcBef>
+                <a:spcPts val="640"/>
+              </a:spcBef>
+              <a:buClr>
+                <a:schemeClr val="lt1"/>
+              </a:buClr>
+              <a:buSzPts val="3200"/>
+              <a:buNone/>
+            </a:pPr>
+            <a:r>
+              <a:rPr lang="en-US" sz="1000" dirty="0">
+                <a:latin typeface="Calibri"/>
+                <a:ea typeface="Calibri"/>
+                <a:cs typeface="Calibri"/>
+                <a:sym typeface="Calibri"/>
+              </a:rPr>
+              <a:t>|       |-- </a:t>
+            </a:r>
+            <a:r>
+              <a:rPr lang="en-US" sz="1000" dirty="0" err="1">
+                <a:latin typeface="Calibri"/>
+                <a:ea typeface="Calibri"/>
+                <a:cs typeface="Calibri"/>
+                <a:sym typeface="Calibri"/>
+              </a:rPr>
+              <a:t>eventEndTime</a:t>
+            </a:r>
+            <a:r>
+              <a:rPr lang="en-US" sz="1000" dirty="0">
+                <a:latin typeface="Calibri"/>
+                <a:ea typeface="Calibri"/>
+                <a:cs typeface="Calibri"/>
+                <a:sym typeface="Calibri"/>
+              </a:rPr>
+              <a:t>: Timestamp</a:t>
+            </a:r>
+            <a:endParaRPr lang="en-US" sz="1000" dirty="0">
+              <a:latin typeface="Calibri"/>
+              <a:ea typeface="Calibri"/>
+              <a:cs typeface="Calibri"/>
+              <a:sym typeface="Calibri"/>
+            </a:endParaRPr>
+          </a:p>
+          <a:p>
+            <a:pPr marL="0" lvl="0" indent="0">
+              <a:lnSpc>
+                <a:spcPct val="150000"/>
+              </a:lnSpc>
+              <a:spcBef>
+                <a:spcPts val="640"/>
+              </a:spcBef>
+              <a:buClr>
+                <a:schemeClr val="lt1"/>
+              </a:buClr>
+              <a:buSzPts val="3200"/>
+              <a:buNone/>
+            </a:pPr>
+            <a:r>
+              <a:rPr lang="en-US" sz="1000" dirty="0">
+                <a:latin typeface="Calibri"/>
+                <a:ea typeface="Calibri"/>
+                <a:cs typeface="Calibri"/>
+                <a:sym typeface="Calibri"/>
+              </a:rPr>
+              <a:t>|       |-- </a:t>
+            </a:r>
+            <a:r>
+              <a:rPr lang="en-US" sz="1000" dirty="0" err="1">
+                <a:latin typeface="Calibri"/>
+                <a:ea typeface="Calibri"/>
+                <a:cs typeface="Calibri"/>
+                <a:sym typeface="Calibri"/>
+              </a:rPr>
+              <a:t>eventDescription</a:t>
+            </a:r>
+            <a:r>
+              <a:rPr lang="en-US" sz="1000" dirty="0">
+                <a:latin typeface="Calibri"/>
+                <a:ea typeface="Calibri"/>
+                <a:cs typeface="Calibri"/>
+                <a:sym typeface="Calibri"/>
+              </a:rPr>
+              <a:t>: String</a:t>
+            </a:r>
+            <a:endParaRPr lang="en-US" sz="1000" dirty="0">
+              <a:latin typeface="Calibri"/>
+              <a:ea typeface="Calibri"/>
+              <a:cs typeface="Calibri"/>
+              <a:sym typeface="Calibri"/>
+            </a:endParaRPr>
+          </a:p>
+          <a:p>
+            <a:pPr marL="0" lvl="0" indent="0">
+              <a:lnSpc>
+                <a:spcPct val="150000"/>
+              </a:lnSpc>
+              <a:spcBef>
+                <a:spcPts val="640"/>
+              </a:spcBef>
+              <a:buClr>
+                <a:schemeClr val="lt1"/>
+              </a:buClr>
+              <a:buSzPts val="3200"/>
+              <a:buNone/>
+            </a:pPr>
+            <a:r>
+              <a:rPr lang="en-US" sz="1000" dirty="0">
+                <a:latin typeface="Calibri"/>
+                <a:ea typeface="Calibri"/>
+                <a:cs typeface="Calibri"/>
+                <a:sym typeface="Calibri"/>
+              </a:rPr>
+              <a:t>|       |-- </a:t>
+            </a:r>
+            <a:r>
+              <a:rPr lang="en-US" sz="1000" dirty="0" err="1">
+                <a:latin typeface="Calibri"/>
+                <a:ea typeface="Calibri"/>
+                <a:cs typeface="Calibri"/>
+                <a:sym typeface="Calibri"/>
+              </a:rPr>
+              <a:t>eventPoints</a:t>
+            </a:r>
+            <a:r>
+              <a:rPr lang="en-US" sz="1000" dirty="0">
+                <a:latin typeface="Calibri"/>
+                <a:ea typeface="Calibri"/>
+                <a:cs typeface="Calibri"/>
+                <a:sym typeface="Calibri"/>
+              </a:rPr>
+              <a:t>: Integer</a:t>
+            </a:r>
+            <a:endParaRPr lang="en-US" sz="1000" dirty="0">
+              <a:latin typeface="Calibri"/>
+              <a:ea typeface="Calibri"/>
+              <a:cs typeface="Calibri"/>
+              <a:sym typeface="Calibri"/>
+            </a:endParaRPr>
+          </a:p>
+          <a:p>
+            <a:pPr marL="0" lvl="0" indent="0">
+              <a:lnSpc>
+                <a:spcPct val="150000"/>
+              </a:lnSpc>
+              <a:spcBef>
+                <a:spcPts val="640"/>
+              </a:spcBef>
+              <a:buClr>
+                <a:schemeClr val="lt1"/>
+              </a:buClr>
+              <a:buSzPts val="3200"/>
+              <a:buNone/>
+            </a:pPr>
+            <a:r>
+              <a:rPr lang="en-US" sz="1000" dirty="0">
+                <a:latin typeface="Calibri"/>
+                <a:ea typeface="Calibri"/>
+                <a:cs typeface="Calibri"/>
+                <a:sym typeface="Calibri"/>
+              </a:rPr>
+              <a:t>|       |-- </a:t>
+            </a:r>
+            <a:r>
+              <a:rPr lang="en-US" sz="1000" dirty="0" err="1">
+                <a:latin typeface="Calibri"/>
+                <a:ea typeface="Calibri"/>
+                <a:cs typeface="Calibri"/>
+                <a:sym typeface="Calibri"/>
+              </a:rPr>
+              <a:t>savedUsers</a:t>
+            </a:r>
+            <a:r>
+              <a:rPr lang="en-US" sz="1000" dirty="0">
+                <a:latin typeface="Calibri"/>
+                <a:ea typeface="Calibri"/>
+                <a:cs typeface="Calibri"/>
+                <a:sym typeface="Calibri"/>
+              </a:rPr>
+              <a:t>: Array&lt;String&gt;</a:t>
+            </a:r>
+            <a:endParaRPr lang="en-US" sz="1000" dirty="0">
+              <a:latin typeface="Calibri"/>
+              <a:ea typeface="Calibri"/>
+              <a:cs typeface="Calibri"/>
+              <a:sym typeface="Calibri"/>
+            </a:endParaRPr>
+          </a:p>
+          <a:p>
+            <a:pPr marL="0" lvl="0" indent="0">
+              <a:lnSpc>
+                <a:spcPct val="150000"/>
+              </a:lnSpc>
+              <a:spcBef>
+                <a:spcPts val="640"/>
+              </a:spcBef>
+              <a:buClr>
+                <a:schemeClr val="lt1"/>
+              </a:buClr>
+              <a:buSzPts val="3200"/>
+              <a:buNone/>
+            </a:pPr>
+            <a:endParaRPr lang="en-US" sz="1000" dirty="0">
               <a:latin typeface="Calibri"/>
               <a:ea typeface="Calibri"/>
               <a:cs typeface="Calibri"/>
@@ -14988,9 +14439,718 @@
             </a:pPr>
             <a:fld id="{00000000-1234-1234-1234-123412341234}" type="slidenum">
               <a:rPr lang="en-US"/>
-              <a:t>8</a:t>
             </a:fld>
             <a:endParaRPr lang="en-US"/>
+          </a:p>
+        </p:txBody>
+      </p:sp>
+      <p:sp>
+        <p:nvSpPr>
+          <p:cNvPr id="3" name="TextBox 2"/>
+          <p:cNvSpPr txBox="1"/>
+          <p:nvPr/>
+        </p:nvSpPr>
+        <p:spPr>
+          <a:xfrm>
+            <a:off x="4680167" y="902335"/>
+            <a:ext cx="3474720" cy="4231928"/>
+          </a:xfrm>
+          <a:prstGeom prst="rect">
+            <a:avLst/>
+          </a:prstGeom>
+          <a:noFill/>
+        </p:spPr>
+        <p:txBody>
+          <a:bodyPr wrap="square" rtlCol="0">
+            <a:spAutoFit/>
+          </a:bodyPr>
+          <a:lstStyle/>
+          <a:p>
+            <a:pPr marL="0" lvl="0" indent="0">
+              <a:lnSpc>
+                <a:spcPct val="150000"/>
+              </a:lnSpc>
+              <a:spcBef>
+                <a:spcPts val="640"/>
+              </a:spcBef>
+              <a:buClr>
+                <a:schemeClr val="lt1"/>
+              </a:buClr>
+              <a:buSzPts val="3200"/>
+              <a:buNone/>
+            </a:pPr>
+            <a:endParaRPr lang="en-US" sz="1000" dirty="0">
+              <a:solidFill>
+                <a:schemeClr val="lt1"/>
+              </a:solidFill>
+              <a:latin typeface="Calibri"/>
+              <a:ea typeface="Calibri"/>
+              <a:cs typeface="Calibri"/>
+              <a:sym typeface="Calibri"/>
+            </a:endParaRPr>
+          </a:p>
+          <a:p>
+            <a:pPr marL="0" lvl="0" indent="0">
+              <a:lnSpc>
+                <a:spcPct val="150000"/>
+              </a:lnSpc>
+              <a:spcBef>
+                <a:spcPts val="640"/>
+              </a:spcBef>
+              <a:buClr>
+                <a:schemeClr val="lt1"/>
+              </a:buClr>
+              <a:buSzPts val="3200"/>
+              <a:buNone/>
+            </a:pPr>
+            <a:endParaRPr lang="en-US" sz="1000" dirty="0">
+              <a:solidFill>
+                <a:schemeClr val="lt1"/>
+              </a:solidFill>
+              <a:latin typeface="Calibri"/>
+              <a:ea typeface="Calibri"/>
+              <a:cs typeface="Calibri"/>
+              <a:sym typeface="Calibri"/>
+            </a:endParaRPr>
+          </a:p>
+          <a:p>
+            <a:pPr marL="0" lvl="0" indent="0">
+              <a:lnSpc>
+                <a:spcPct val="150000"/>
+              </a:lnSpc>
+              <a:spcBef>
+                <a:spcPts val="640"/>
+              </a:spcBef>
+              <a:buClr>
+                <a:schemeClr val="lt1"/>
+              </a:buClr>
+              <a:buSzPts val="3200"/>
+              <a:buNone/>
+            </a:pPr>
+            <a:r>
+              <a:rPr lang="en-US" sz="1000" dirty="0">
+                <a:solidFill>
+                  <a:schemeClr val="lt1"/>
+                </a:solidFill>
+                <a:latin typeface="Calibri"/>
+                <a:ea typeface="Calibri"/>
+                <a:cs typeface="Calibri"/>
+                <a:sym typeface="Calibri"/>
+              </a:rPr>
+              <a:t>|-- users (Collection)</a:t>
+            </a:r>
+            <a:endParaRPr lang="en-US" sz="1000" dirty="0">
+              <a:solidFill>
+                <a:schemeClr val="lt1"/>
+              </a:solidFill>
+              <a:latin typeface="Calibri"/>
+              <a:ea typeface="Calibri"/>
+              <a:cs typeface="Calibri"/>
+              <a:sym typeface="Calibri"/>
+            </a:endParaRPr>
+          </a:p>
+          <a:p>
+            <a:pPr marL="0" lvl="0" indent="0">
+              <a:lnSpc>
+                <a:spcPct val="150000"/>
+              </a:lnSpc>
+              <a:spcBef>
+                <a:spcPts val="640"/>
+              </a:spcBef>
+              <a:buClr>
+                <a:schemeClr val="lt1"/>
+              </a:buClr>
+              <a:buSzPts val="3200"/>
+              <a:buNone/>
+            </a:pPr>
+            <a:r>
+              <a:rPr lang="en-US" sz="1000" dirty="0">
+                <a:solidFill>
+                  <a:schemeClr val="lt1"/>
+                </a:solidFill>
+                <a:latin typeface="Calibri"/>
+                <a:ea typeface="Calibri"/>
+                <a:cs typeface="Calibri"/>
+                <a:sym typeface="Calibri"/>
+              </a:rPr>
+              <a:t>|   |-- </a:t>
+            </a:r>
+            <a:r>
+              <a:rPr lang="en-US" sz="1000" dirty="0" err="1">
+                <a:solidFill>
+                  <a:schemeClr val="lt1"/>
+                </a:solidFill>
+                <a:latin typeface="Calibri"/>
+                <a:ea typeface="Calibri"/>
+                <a:cs typeface="Calibri"/>
+                <a:sym typeface="Calibri"/>
+              </a:rPr>
+              <a:t>userUID</a:t>
+            </a:r>
+            <a:r>
+              <a:rPr lang="en-US" sz="1000" dirty="0">
+                <a:solidFill>
+                  <a:schemeClr val="lt1"/>
+                </a:solidFill>
+                <a:latin typeface="Calibri"/>
+                <a:ea typeface="Calibri"/>
+                <a:cs typeface="Calibri"/>
+                <a:sym typeface="Calibri"/>
+              </a:rPr>
+              <a:t> (Document)</a:t>
+            </a:r>
+            <a:endParaRPr lang="en-US" sz="1000" dirty="0">
+              <a:solidFill>
+                <a:schemeClr val="lt1"/>
+              </a:solidFill>
+              <a:latin typeface="Calibri"/>
+              <a:ea typeface="Calibri"/>
+              <a:cs typeface="Calibri"/>
+              <a:sym typeface="Calibri"/>
+            </a:endParaRPr>
+          </a:p>
+          <a:p>
+            <a:pPr marL="0" lvl="0" indent="0">
+              <a:lnSpc>
+                <a:spcPct val="150000"/>
+              </a:lnSpc>
+              <a:spcBef>
+                <a:spcPts val="640"/>
+              </a:spcBef>
+              <a:buClr>
+                <a:schemeClr val="lt1"/>
+              </a:buClr>
+              <a:buSzPts val="3200"/>
+              <a:buNone/>
+            </a:pPr>
+            <a:r>
+              <a:rPr lang="en-US" sz="1000" dirty="0">
+                <a:solidFill>
+                  <a:schemeClr val="lt1"/>
+                </a:solidFill>
+                <a:latin typeface="Calibri"/>
+                <a:ea typeface="Calibri"/>
+                <a:cs typeface="Calibri"/>
+                <a:sym typeface="Calibri"/>
+              </a:rPr>
+              <a:t>|       |-- </a:t>
+            </a:r>
+            <a:r>
+              <a:rPr lang="en-US" sz="1000" dirty="0" err="1">
+                <a:solidFill>
+                  <a:schemeClr val="lt1"/>
+                </a:solidFill>
+                <a:latin typeface="Calibri"/>
+                <a:ea typeface="Calibri"/>
+                <a:cs typeface="Calibri"/>
+                <a:sym typeface="Calibri"/>
+              </a:rPr>
+              <a:t>firstName</a:t>
+            </a:r>
+            <a:r>
+              <a:rPr lang="en-US" sz="1000" dirty="0">
+                <a:solidFill>
+                  <a:schemeClr val="lt1"/>
+                </a:solidFill>
+                <a:latin typeface="Calibri"/>
+                <a:ea typeface="Calibri"/>
+                <a:cs typeface="Calibri"/>
+                <a:sym typeface="Calibri"/>
+              </a:rPr>
+              <a:t>: String</a:t>
+            </a:r>
+            <a:endParaRPr lang="en-US" sz="1000" dirty="0">
+              <a:solidFill>
+                <a:schemeClr val="lt1"/>
+              </a:solidFill>
+              <a:latin typeface="Calibri"/>
+              <a:ea typeface="Calibri"/>
+              <a:cs typeface="Calibri"/>
+              <a:sym typeface="Calibri"/>
+            </a:endParaRPr>
+          </a:p>
+          <a:p>
+            <a:pPr marL="0" lvl="0" indent="0">
+              <a:lnSpc>
+                <a:spcPct val="150000"/>
+              </a:lnSpc>
+              <a:spcBef>
+                <a:spcPts val="640"/>
+              </a:spcBef>
+              <a:buClr>
+                <a:schemeClr val="lt1"/>
+              </a:buClr>
+              <a:buSzPts val="3200"/>
+              <a:buNone/>
+            </a:pPr>
+            <a:r>
+              <a:rPr lang="en-US" sz="1000" dirty="0">
+                <a:solidFill>
+                  <a:schemeClr val="lt1"/>
+                </a:solidFill>
+                <a:latin typeface="Calibri"/>
+                <a:ea typeface="Calibri"/>
+                <a:cs typeface="Calibri"/>
+                <a:sym typeface="Calibri"/>
+              </a:rPr>
+              <a:t>|       |-- </a:t>
+            </a:r>
+            <a:r>
+              <a:rPr lang="en-US" sz="1000" dirty="0" err="1">
+                <a:solidFill>
+                  <a:schemeClr val="lt1"/>
+                </a:solidFill>
+                <a:latin typeface="Calibri"/>
+                <a:ea typeface="Calibri"/>
+                <a:cs typeface="Calibri"/>
+                <a:sym typeface="Calibri"/>
+              </a:rPr>
+              <a:t>lastName</a:t>
+            </a:r>
+            <a:r>
+              <a:rPr lang="en-US" sz="1000" dirty="0">
+                <a:solidFill>
+                  <a:schemeClr val="lt1"/>
+                </a:solidFill>
+                <a:latin typeface="Calibri"/>
+                <a:ea typeface="Calibri"/>
+                <a:cs typeface="Calibri"/>
+                <a:sym typeface="Calibri"/>
+              </a:rPr>
+              <a:t>: String</a:t>
+            </a:r>
+            <a:endParaRPr lang="en-US" sz="1000" dirty="0">
+              <a:solidFill>
+                <a:schemeClr val="lt1"/>
+              </a:solidFill>
+              <a:latin typeface="Calibri"/>
+              <a:ea typeface="Calibri"/>
+              <a:cs typeface="Calibri"/>
+              <a:sym typeface="Calibri"/>
+            </a:endParaRPr>
+          </a:p>
+          <a:p>
+            <a:pPr marL="0" lvl="0" indent="0">
+              <a:lnSpc>
+                <a:spcPct val="150000"/>
+              </a:lnSpc>
+              <a:spcBef>
+                <a:spcPts val="640"/>
+              </a:spcBef>
+              <a:buClr>
+                <a:schemeClr val="lt1"/>
+              </a:buClr>
+              <a:buSzPts val="3200"/>
+              <a:buNone/>
+            </a:pPr>
+            <a:r>
+              <a:rPr lang="en-US" sz="1000" dirty="0">
+                <a:solidFill>
+                  <a:schemeClr val="lt1"/>
+                </a:solidFill>
+                <a:latin typeface="Calibri"/>
+                <a:ea typeface="Calibri"/>
+                <a:cs typeface="Calibri"/>
+                <a:sym typeface="Calibri"/>
+              </a:rPr>
+              <a:t>|       |-- </a:t>
+            </a:r>
+            <a:r>
+              <a:rPr lang="en-US" sz="1000" dirty="0" err="1">
+                <a:solidFill>
+                  <a:schemeClr val="lt1"/>
+                </a:solidFill>
+                <a:latin typeface="Calibri"/>
+                <a:ea typeface="Calibri"/>
+                <a:cs typeface="Calibri"/>
+                <a:sym typeface="Calibri"/>
+              </a:rPr>
+              <a:t>userProfileURL</a:t>
+            </a:r>
+            <a:r>
+              <a:rPr lang="en-US" sz="1000" dirty="0">
+                <a:solidFill>
+                  <a:schemeClr val="lt1"/>
+                </a:solidFill>
+                <a:latin typeface="Calibri"/>
+                <a:ea typeface="Calibri"/>
+                <a:cs typeface="Calibri"/>
+                <a:sym typeface="Calibri"/>
+              </a:rPr>
+              <a:t>: String</a:t>
+            </a:r>
+            <a:endParaRPr lang="en-US" sz="1000" dirty="0">
+              <a:solidFill>
+                <a:schemeClr val="lt1"/>
+              </a:solidFill>
+              <a:latin typeface="Calibri"/>
+              <a:ea typeface="Calibri"/>
+              <a:cs typeface="Calibri"/>
+              <a:sym typeface="Calibri"/>
+            </a:endParaRPr>
+          </a:p>
+          <a:p>
+            <a:pPr marL="0" lvl="0" indent="0">
+              <a:lnSpc>
+                <a:spcPct val="150000"/>
+              </a:lnSpc>
+              <a:spcBef>
+                <a:spcPts val="640"/>
+              </a:spcBef>
+              <a:buClr>
+                <a:schemeClr val="lt1"/>
+              </a:buClr>
+              <a:buSzPts val="3200"/>
+              <a:buNone/>
+            </a:pPr>
+            <a:r>
+              <a:rPr lang="en-US" sz="1000" dirty="0">
+                <a:solidFill>
+                  <a:schemeClr val="lt1"/>
+                </a:solidFill>
+                <a:latin typeface="Calibri"/>
+                <a:ea typeface="Calibri"/>
+                <a:cs typeface="Calibri"/>
+                <a:sym typeface="Calibri"/>
+              </a:rPr>
+              <a:t>|       |-- </a:t>
+            </a:r>
+            <a:r>
+              <a:rPr lang="en-US" sz="1000" dirty="0" err="1">
+                <a:solidFill>
+                  <a:schemeClr val="lt1"/>
+                </a:solidFill>
+                <a:latin typeface="Calibri"/>
+                <a:ea typeface="Calibri"/>
+                <a:cs typeface="Calibri"/>
+                <a:sym typeface="Calibri"/>
+              </a:rPr>
+              <a:t>userBUID</a:t>
+            </a:r>
+            <a:r>
+              <a:rPr lang="en-US" sz="1000" dirty="0">
+                <a:solidFill>
+                  <a:schemeClr val="lt1"/>
+                </a:solidFill>
+                <a:latin typeface="Calibri"/>
+                <a:ea typeface="Calibri"/>
+                <a:cs typeface="Calibri"/>
+                <a:sym typeface="Calibri"/>
+              </a:rPr>
+              <a:t>: String</a:t>
+            </a:r>
+            <a:endParaRPr lang="en-US" sz="1000" dirty="0">
+              <a:solidFill>
+                <a:schemeClr val="lt1"/>
+              </a:solidFill>
+              <a:latin typeface="Calibri"/>
+              <a:ea typeface="Calibri"/>
+              <a:cs typeface="Calibri"/>
+              <a:sym typeface="Calibri"/>
+            </a:endParaRPr>
+          </a:p>
+          <a:p>
+            <a:pPr marL="0" lvl="0" indent="0">
+              <a:lnSpc>
+                <a:spcPct val="150000"/>
+              </a:lnSpc>
+              <a:spcBef>
+                <a:spcPts val="640"/>
+              </a:spcBef>
+              <a:buClr>
+                <a:schemeClr val="lt1"/>
+              </a:buClr>
+              <a:buSzPts val="3200"/>
+              <a:buNone/>
+            </a:pPr>
+            <a:r>
+              <a:rPr lang="en-US" sz="1000" dirty="0">
+                <a:solidFill>
+                  <a:schemeClr val="lt1"/>
+                </a:solidFill>
+                <a:latin typeface="Calibri"/>
+                <a:ea typeface="Calibri"/>
+                <a:cs typeface="Calibri"/>
+                <a:sym typeface="Calibri"/>
+              </a:rPr>
+              <a:t>|       |-- </a:t>
+            </a:r>
+            <a:r>
+              <a:rPr lang="en-US" sz="1000" dirty="0" err="1">
+                <a:solidFill>
+                  <a:schemeClr val="lt1"/>
+                </a:solidFill>
+                <a:latin typeface="Calibri"/>
+                <a:ea typeface="Calibri"/>
+                <a:cs typeface="Calibri"/>
+                <a:sym typeface="Calibri"/>
+              </a:rPr>
+              <a:t>userEmail</a:t>
+            </a:r>
+            <a:r>
+              <a:rPr lang="en-US" sz="1000" dirty="0">
+                <a:solidFill>
+                  <a:schemeClr val="lt1"/>
+                </a:solidFill>
+                <a:latin typeface="Calibri"/>
+                <a:ea typeface="Calibri"/>
+                <a:cs typeface="Calibri"/>
+                <a:sym typeface="Calibri"/>
+              </a:rPr>
+              <a:t>: String</a:t>
+            </a:r>
+            <a:endParaRPr lang="en-US" sz="1000" dirty="0">
+              <a:solidFill>
+                <a:schemeClr val="lt1"/>
+              </a:solidFill>
+              <a:latin typeface="Calibri"/>
+              <a:ea typeface="Calibri"/>
+              <a:cs typeface="Calibri"/>
+              <a:sym typeface="Calibri"/>
+            </a:endParaRPr>
+          </a:p>
+          <a:p>
+            <a:pPr marL="0" lvl="0" indent="0">
+              <a:lnSpc>
+                <a:spcPct val="150000"/>
+              </a:lnSpc>
+              <a:spcBef>
+                <a:spcPts val="640"/>
+              </a:spcBef>
+              <a:buClr>
+                <a:schemeClr val="lt1"/>
+              </a:buClr>
+              <a:buSzPts val="3200"/>
+              <a:buNone/>
+            </a:pPr>
+            <a:r>
+              <a:rPr lang="en-US" sz="1000" dirty="0">
+                <a:solidFill>
+                  <a:schemeClr val="lt1"/>
+                </a:solidFill>
+                <a:latin typeface="Calibri"/>
+                <a:ea typeface="Calibri"/>
+                <a:cs typeface="Calibri"/>
+                <a:sym typeface="Calibri"/>
+              </a:rPr>
+              <a:t>|       |-- </a:t>
+            </a:r>
+            <a:r>
+              <a:rPr lang="en-US" sz="1000" dirty="0" err="1">
+                <a:solidFill>
+                  <a:schemeClr val="lt1"/>
+                </a:solidFill>
+                <a:latin typeface="Calibri"/>
+                <a:ea typeface="Calibri"/>
+                <a:cs typeface="Calibri"/>
+                <a:sym typeface="Calibri"/>
+              </a:rPr>
+              <a:t>userSchool</a:t>
+            </a:r>
+            <a:r>
+              <a:rPr lang="en-US" sz="1000" dirty="0">
+                <a:solidFill>
+                  <a:schemeClr val="lt1"/>
+                </a:solidFill>
+                <a:latin typeface="Calibri"/>
+                <a:ea typeface="Calibri"/>
+                <a:cs typeface="Calibri"/>
+                <a:sym typeface="Calibri"/>
+              </a:rPr>
+              <a:t>: String</a:t>
+            </a:r>
+            <a:endParaRPr lang="en-US" sz="1000" dirty="0">
+              <a:solidFill>
+                <a:schemeClr val="lt1"/>
+              </a:solidFill>
+              <a:latin typeface="Calibri"/>
+              <a:ea typeface="Calibri"/>
+              <a:cs typeface="Calibri"/>
+              <a:sym typeface="Calibri"/>
+            </a:endParaRPr>
+          </a:p>
+          <a:p>
+            <a:pPr marL="0" lvl="0" indent="0">
+              <a:lnSpc>
+                <a:spcPct val="150000"/>
+              </a:lnSpc>
+              <a:spcBef>
+                <a:spcPts val="640"/>
+              </a:spcBef>
+              <a:buClr>
+                <a:schemeClr val="lt1"/>
+              </a:buClr>
+              <a:buSzPts val="3200"/>
+              <a:buNone/>
+            </a:pPr>
+            <a:r>
+              <a:rPr lang="en-US" sz="1000" dirty="0">
+                <a:solidFill>
+                  <a:schemeClr val="lt1"/>
+                </a:solidFill>
+                <a:latin typeface="Calibri"/>
+                <a:ea typeface="Calibri"/>
+                <a:cs typeface="Calibri"/>
+                <a:sym typeface="Calibri"/>
+              </a:rPr>
+              <a:t>|       |-- </a:t>
+            </a:r>
+            <a:r>
+              <a:rPr lang="en-US" sz="1000" dirty="0" err="1">
+                <a:solidFill>
+                  <a:schemeClr val="lt1"/>
+                </a:solidFill>
+                <a:latin typeface="Calibri"/>
+                <a:ea typeface="Calibri"/>
+                <a:cs typeface="Calibri"/>
+                <a:sym typeface="Calibri"/>
+              </a:rPr>
+              <a:t>userYear</a:t>
+            </a:r>
+            <a:r>
+              <a:rPr lang="en-US" sz="1000" dirty="0">
+                <a:solidFill>
+                  <a:schemeClr val="lt1"/>
+                </a:solidFill>
+                <a:latin typeface="Calibri"/>
+                <a:ea typeface="Calibri"/>
+                <a:cs typeface="Calibri"/>
+                <a:sym typeface="Calibri"/>
+              </a:rPr>
+              <a:t>: String</a:t>
+            </a:r>
+            <a:endParaRPr lang="en-US" sz="1000" dirty="0">
+              <a:solidFill>
+                <a:schemeClr val="lt1"/>
+              </a:solidFill>
+              <a:latin typeface="Calibri"/>
+              <a:ea typeface="Calibri"/>
+              <a:cs typeface="Calibri"/>
+              <a:sym typeface="Calibri"/>
+            </a:endParaRPr>
+          </a:p>
+          <a:p>
+            <a:pPr marL="0" lvl="0" indent="0">
+              <a:lnSpc>
+                <a:spcPct val="150000"/>
+              </a:lnSpc>
+              <a:spcBef>
+                <a:spcPts val="640"/>
+              </a:spcBef>
+              <a:buClr>
+                <a:schemeClr val="lt1"/>
+              </a:buClr>
+              <a:buSzPts val="3200"/>
+              <a:buNone/>
+            </a:pPr>
+            <a:r>
+              <a:rPr lang="en-US" sz="1000" dirty="0">
+                <a:solidFill>
+                  <a:schemeClr val="lt1"/>
+                </a:solidFill>
+                <a:latin typeface="Calibri"/>
+                <a:ea typeface="Calibri"/>
+                <a:cs typeface="Calibri"/>
+                <a:sym typeface="Calibri"/>
+              </a:rPr>
+              <a:t>|       |-- </a:t>
+            </a:r>
+            <a:r>
+              <a:rPr lang="en-US" sz="1000" dirty="0" err="1">
+                <a:solidFill>
+                  <a:schemeClr val="lt1"/>
+                </a:solidFill>
+                <a:latin typeface="Calibri"/>
+                <a:ea typeface="Calibri"/>
+                <a:cs typeface="Calibri"/>
+                <a:sym typeface="Calibri"/>
+              </a:rPr>
+              <a:t>userPoints</a:t>
+            </a:r>
+            <a:r>
+              <a:rPr lang="en-US" sz="1000" dirty="0">
+                <a:solidFill>
+                  <a:schemeClr val="lt1"/>
+                </a:solidFill>
+                <a:latin typeface="Calibri"/>
+                <a:ea typeface="Calibri"/>
+                <a:cs typeface="Calibri"/>
+                <a:sym typeface="Calibri"/>
+              </a:rPr>
+              <a:t>: Integer</a:t>
+            </a:r>
+            <a:endParaRPr lang="en-US" sz="1000" dirty="0">
+              <a:solidFill>
+                <a:schemeClr val="lt1"/>
+              </a:solidFill>
+              <a:latin typeface="Calibri"/>
+              <a:ea typeface="Calibri"/>
+              <a:cs typeface="Calibri"/>
+              <a:sym typeface="Calibri"/>
+            </a:endParaRPr>
+          </a:p>
+          <a:p>
+            <a:pPr marL="0" indent="0">
+              <a:lnSpc>
+                <a:spcPct val="150000"/>
+              </a:lnSpc>
+              <a:spcBef>
+                <a:spcPts val="640"/>
+              </a:spcBef>
+              <a:buClr>
+                <a:schemeClr val="lt1"/>
+              </a:buClr>
+              <a:buSzPts val="3200"/>
+              <a:buNone/>
+            </a:pPr>
+            <a:r>
+              <a:rPr lang="en-US" sz="1000" dirty="0">
+                <a:solidFill>
+                  <a:schemeClr val="lt1"/>
+                </a:solidFill>
+                <a:latin typeface="Calibri"/>
+                <a:ea typeface="Calibri"/>
+                <a:cs typeface="Calibri"/>
+                <a:sym typeface="Calibri"/>
+              </a:rPr>
+              <a:t>|       |-- </a:t>
+            </a:r>
+            <a:r>
+              <a:rPr lang="en-US" sz="1000" dirty="0" err="1">
+                <a:solidFill>
+                  <a:schemeClr val="lt1"/>
+                </a:solidFill>
+                <a:latin typeface="Calibri"/>
+                <a:ea typeface="Calibri"/>
+                <a:cs typeface="Calibri"/>
+                <a:sym typeface="Calibri"/>
+              </a:rPr>
+              <a:t>userSavedEvents</a:t>
+            </a:r>
+            <a:r>
+              <a:rPr lang="en-US" sz="1000" dirty="0">
+                <a:solidFill>
+                  <a:schemeClr val="lt1"/>
+                </a:solidFill>
+                <a:latin typeface="Calibri"/>
+                <a:ea typeface="Calibri"/>
+                <a:cs typeface="Calibri"/>
+                <a:sym typeface="Calibri"/>
+              </a:rPr>
+              <a:t>: Map&lt;String, Boolean&gt;</a:t>
+            </a:r>
+            <a:endParaRPr lang="en-US" sz="1000" dirty="0">
+              <a:solidFill>
+                <a:schemeClr val="lt1"/>
+              </a:solidFill>
+              <a:latin typeface="Calibri"/>
+              <a:ea typeface="Calibri"/>
+              <a:cs typeface="Calibri"/>
+              <a:sym typeface="Calibri"/>
+            </a:endParaRPr>
+          </a:p>
+          <a:p>
+            <a:endParaRPr lang="en-US" dirty="0"/>
           </a:p>
         </p:txBody>
       </p:sp>
@@ -15146,15 +15306,98 @@
               <a:buNone/>
             </a:pPr>
             <a:r>
-              <a:rPr lang="en-US" altLang="zh-CN" sz="4400" b="1" dirty="0">
+              <a:rPr lang="en-US" sz="4400" b="1">
                 <a:latin typeface="Calibri"/>
                 <a:ea typeface="Calibri"/>
                 <a:cs typeface="Calibri"/>
                 <a:sym typeface="Calibri"/>
               </a:rPr>
-              <a:t>Device sensor</a:t>
+              <a:t>External Libraries and Tools</a:t>
             </a:r>
-            <a:endParaRPr lang="en-US" sz="4400" b="1" dirty="0">
+            <a:endParaRPr lang="en-US" sz="4400" b="1">
+              <a:latin typeface="Calibri"/>
+              <a:ea typeface="Calibri"/>
+              <a:cs typeface="Calibri"/>
+              <a:sym typeface="Calibri"/>
+            </a:endParaRPr>
+          </a:p>
+        </p:txBody>
+      </p:sp>
+      <p:sp>
+        <p:nvSpPr>
+          <p:cNvPr id="159" name="Google Shape;159;p17"/>
+          <p:cNvSpPr txBox="1">
+            <a:spLocks noGrp="1"/>
+          </p:cNvSpPr>
+          <p:nvPr>
+            <p:ph type="body" idx="1"/>
+          </p:nvPr>
+        </p:nvSpPr>
+        <p:spPr>
+          <a:xfrm>
+            <a:off x="457200" y="1600200"/>
+            <a:ext cx="8353425" cy="2051050"/>
+          </a:xfrm>
+          <a:prstGeom prst="rect">
+            <a:avLst/>
+          </a:prstGeom>
+          <a:noFill/>
+          <a:ln>
+            <a:noFill/>
+          </a:ln>
+        </p:spPr>
+        <p:txBody>
+          <a:bodyPr spcFirstLastPara="1" wrap="square" lIns="91425" tIns="45700" rIns="91425" bIns="45700" anchor="t" anchorCtr="0">
+            <a:noAutofit/>
+          </a:bodyPr>
+          <a:lstStyle/>
+          <a:p>
+            <a:pPr marL="342900" lvl="0" indent="-139700" algn="l" rtl="0">
+              <a:lnSpc>
+                <a:spcPct val="150000"/>
+              </a:lnSpc>
+              <a:spcBef>
+                <a:spcPts val="0"/>
+              </a:spcBef>
+              <a:spcAft>
+                <a:spcPts val="0"/>
+              </a:spcAft>
+              <a:buClr>
+                <a:schemeClr val="dk1"/>
+              </a:buClr>
+              <a:buSzPts val="3200"/>
+              <a:buNone/>
+            </a:pPr>
+            <a:endParaRPr sz="1000"/>
+          </a:p>
+          <a:p>
+            <a:pPr lvl="0" indent="-457200" algn="l" rtl="0">
+              <a:lnSpc>
+                <a:spcPct val="150000"/>
+              </a:lnSpc>
+              <a:spcBef>
+                <a:spcPts val="640"/>
+              </a:spcBef>
+              <a:spcAft>
+                <a:spcPts val="0"/>
+              </a:spcAft>
+              <a:buClr>
+                <a:schemeClr val="lt1"/>
+              </a:buClr>
+              <a:buSzPts val="3200"/>
+              <a:buFont typeface="Arial" panose="020B0604020202090204" pitchFamily="34" charset="0"/>
+              <a:buChar char="•"/>
+            </a:pPr>
+            <a:r>
+              <a:rPr lang="en-US" sz="2400">
+                <a:latin typeface="Calibri"/>
+                <a:ea typeface="Calibri"/>
+                <a:cs typeface="Calibri"/>
+                <a:sym typeface="Calibri"/>
+              </a:rPr>
+              <a:t>Firebase Crashlytics: For real-time error and crash monitoring.</a:t>
+            </a:r>
+            <a:endParaRPr lang="en-US" sz="2400">
               <a:latin typeface="Calibri"/>
               <a:ea typeface="Calibri"/>
               <a:cs typeface="Calibri"/>
@@ -15189,191 +15432,8 @@
             </a:pPr>
             <a:fld id="{00000000-1234-1234-1234-123412341234}" type="slidenum">
               <a:rPr lang="en-US"/>
-              <a:t>9</a:t>
             </a:fld>
             <a:endParaRPr lang="en-US"/>
-          </a:p>
-        </p:txBody>
-      </p:sp>
-      <p:sp>
-        <p:nvSpPr>
-          <p:cNvPr id="7" name="Rectangle 5"/>
-          <p:cNvSpPr>
-            <a:spLocks noGrp="1" noChangeArrowheads="1"/>
-          </p:cNvSpPr>
-          <p:nvPr>
-            <p:ph type="body" idx="1"/>
-          </p:nvPr>
-        </p:nvSpPr>
-        <p:spPr bwMode="auto">
-          <a:xfrm>
-            <a:off x="608857" y="2462445"/>
-            <a:ext cx="3530476" cy="1815882"/>
-          </a:xfrm>
-          <a:prstGeom prst="rect">
-            <a:avLst/>
-          </a:prstGeom>
-          <a:noFill/>
-          <a:ln>
-            <a:noFill/>
-          </a:ln>
-          <a:effectLst/>
-          <a:extLst>
-            <a:ext uri="{909E8E84-426E-40DD-AFC4-6F175D3DCCD1}">
-              <a14:hiddenFill xmlns:a14="http://schemas.microsoft.com/office/drawing/2010/main">
-                <a:solidFill>
-                  <a:schemeClr val="accent1"/>
-                </a:solidFill>
-              </a14:hiddenFill>
-            </a:ext>
-            <a:ext uri="{91240B29-F687-4F45-9708-019B960494DF}">
-              <a14:hiddenLine xmlns:a14="http://schemas.microsoft.com/office/drawing/2010/main" w="9525">
-                <a:solidFill>
-                  <a:schemeClr val="tx1"/>
-                </a:solidFill>
-                <a:miter lim="800000"/>
-                <a:headEnd/>
-                <a:tailEnd/>
-              </a14:hiddenLine>
-            </a:ext>
-            <a:ext uri="{AF507438-7753-43E0-B8FC-AC1667EBCBE1}">
-              <a14:hiddenEffects xmlns:a14="http://schemas.microsoft.com/office/drawing/2010/main">
-                <a:effectLst>
-                  <a:outerShdw dist="35921" dir="2700000" algn="ctr" rotWithShape="0">
-                    <a:schemeClr val="bg2"/>
-                  </a:outerShdw>
-                </a:effectLst>
-              </a14:hiddenEffects>
-            </a:ext>
-          </a:extLst>
-        </p:spPr>
-        <p:txBody>
-          <a:bodyPr vert="horz" wrap="square" lIns="91440" tIns="45720" rIns="91440" bIns="45720" numCol="1" anchor="ctr" anchorCtr="0" compatLnSpc="1">
-            <a:spAutoFit/>
-          </a:bodyPr>
-          <a:lstStyle/>
-          <a:p>
-            <a:pPr marL="0" marR="0" lvl="0" indent="0" algn="l" defTabSz="914400" rtl="0" eaLnBrk="0" fontAlgn="base" latinLnBrk="0" hangingPunct="0">
-              <a:lnSpc>
-                <a:spcPct val="100000"/>
-              </a:lnSpc>
-              <a:spcBef>
-                <a:spcPct val="0"/>
-              </a:spcBef>
-              <a:spcAft>
-                <a:spcPct val="0"/>
-              </a:spcAft>
-              <a:buClrTx/>
-              <a:buSzTx/>
-              <a:buFontTx/>
-              <a:buChar char="•"/>
-            </a:pPr>
-            <a:r>
-              <a:rPr kumimoji="0" lang="en-US" altLang="en-US" sz="2800" b="1" i="0" u="none" strike="noStrike" cap="none" normalizeH="0" baseline="0" dirty="0">
-                <a:ln>
-                  <a:noFill/>
-                </a:ln>
-                <a:solidFill>
-                  <a:schemeClr val="bg1"/>
-                </a:solidFill>
-                <a:effectLst/>
-                <a:latin typeface="Arial" panose="020B0604020202090204" pitchFamily="34" charset="0"/>
-              </a:rPr>
-              <a:t>GPS </a:t>
-            </a:r>
-          </a:p>
-          <a:p>
-            <a:pPr marL="0" marR="0" lvl="0" indent="0" algn="l" defTabSz="914400" rtl="0" eaLnBrk="0" fontAlgn="base" latinLnBrk="0" hangingPunct="0">
-              <a:lnSpc>
-                <a:spcPct val="100000"/>
-              </a:lnSpc>
-              <a:spcBef>
-                <a:spcPct val="0"/>
-              </a:spcBef>
-              <a:spcAft>
-                <a:spcPct val="0"/>
-              </a:spcAft>
-              <a:buClrTx/>
-              <a:buSzTx/>
-              <a:buFontTx/>
-              <a:buChar char="•"/>
-            </a:pPr>
-            <a:endParaRPr lang="en-US" altLang="en-US" sz="2800" b="1" dirty="0">
-              <a:solidFill>
-                <a:schemeClr val="bg1"/>
-              </a:solidFill>
-              <a:latin typeface="Arial" panose="020B0604020202090204" pitchFamily="34" charset="0"/>
-            </a:endParaRPr>
-          </a:p>
-          <a:p>
-            <a:pPr marL="0" marR="0" lvl="0" indent="0" algn="l" defTabSz="914400" rtl="0" eaLnBrk="0" fontAlgn="base" latinLnBrk="0" hangingPunct="0">
-              <a:lnSpc>
-                <a:spcPct val="100000"/>
-              </a:lnSpc>
-              <a:spcBef>
-                <a:spcPct val="0"/>
-              </a:spcBef>
-              <a:spcAft>
-                <a:spcPct val="0"/>
-              </a:spcAft>
-              <a:buClrTx/>
-              <a:buSzTx/>
-              <a:buFontTx/>
-              <a:buChar char="•"/>
-            </a:pPr>
-            <a:endParaRPr kumimoji="0" lang="en-US" altLang="en-US" sz="2800" b="0" i="0" u="none" strike="noStrike" cap="none" normalizeH="0" baseline="0" dirty="0">
-              <a:ln>
-                <a:noFill/>
-              </a:ln>
-              <a:solidFill>
-                <a:schemeClr val="bg1"/>
-              </a:solidFill>
-              <a:effectLst/>
-              <a:latin typeface="Arial" panose="020B0604020202090204" pitchFamily="34" charset="0"/>
-            </a:endParaRPr>
-          </a:p>
-          <a:p>
-            <a:pPr marL="0" marR="0" lvl="0" indent="0" algn="l" defTabSz="914400" rtl="0" eaLnBrk="0" fontAlgn="base" latinLnBrk="0" hangingPunct="0">
-              <a:lnSpc>
-                <a:spcPct val="100000"/>
-              </a:lnSpc>
-              <a:spcBef>
-                <a:spcPct val="0"/>
-              </a:spcBef>
-              <a:spcAft>
-                <a:spcPct val="0"/>
-              </a:spcAft>
-              <a:buClrTx/>
-              <a:buSzTx/>
-              <a:buFontTx/>
-              <a:buChar char="•"/>
-            </a:pPr>
-            <a:r>
-              <a:rPr kumimoji="0" lang="en-US" altLang="en-US" sz="2800" b="1" i="0" u="none" strike="noStrike" cap="none" normalizeH="0" baseline="0" dirty="0">
-                <a:ln>
-                  <a:noFill/>
-                </a:ln>
-                <a:solidFill>
-                  <a:schemeClr val="bg1"/>
-                </a:solidFill>
-                <a:effectLst/>
-                <a:latin typeface="Arial" panose="020B0604020202090204" pitchFamily="34" charset="0"/>
-              </a:rPr>
-              <a:t>Camera</a:t>
-            </a:r>
-            <a:r>
-              <a:rPr kumimoji="0" lang="en-US" altLang="en-US" sz="2800" b="0" i="0" u="none" strike="noStrike" cap="none" normalizeH="0" baseline="0" dirty="0">
-                <a:ln>
-                  <a:noFill/>
-                </a:ln>
-                <a:solidFill>
-                  <a:schemeClr val="bg1"/>
-                </a:solidFill>
-                <a:effectLst/>
-                <a:latin typeface="Arial" panose="020B0604020202090204" pitchFamily="34" charset="0"/>
-              </a:rPr>
-              <a:t> </a:t>
-            </a:r>
           </a:p>
         </p:txBody>
       </p:sp>
@@ -15382,6 +15442,89 @@
   <p:clrMapOvr>
     <a:masterClrMapping/>
   </p:clrMapOvr>
+  <p:timing>
+    <p:tnLst>
+      <p:par>
+        <p:cTn id="1" dur="indefinite" restart="never" nodeType="tmRoot">
+          <p:childTnLst>
+            <p:seq concurrent="1" nextAc="seek">
+              <p:cTn id="2" dur="indefinite" nodeType="mainSeq">
+                <p:childTnLst>
+                  <p:par>
+                    <p:cTn id="3" fill="hold">
+                      <p:stCondLst>
+                        <p:cond delay="indefinite"/>
+                      </p:stCondLst>
+                      <p:childTnLst>
+                        <p:par>
+                          <p:cTn id="4" fill="hold">
+                            <p:stCondLst>
+                              <p:cond delay="0"/>
+                            </p:stCondLst>
+                            <p:childTnLst>
+                              <p:par>
+                                <p:cTn id="5" presetID="10" presetClass="entr" presetSubtype="0" fill="hold" nodeType="clickEffect">
+                                  <p:stCondLst>
+                                    <p:cond delay="0"/>
+                                  </p:stCondLst>
+                                  <p:childTnLst>
+                                    <p:set>
+                                      <p:cBhvr>
+                                        <p:cTn id="6" dur="1" fill="hold">
+                                          <p:stCondLst>
+                                            <p:cond delay="0"/>
+                                          </p:stCondLst>
+                                        </p:cTn>
+                                        <p:tgtEl>
+                                          <p:spTgt spid="159"/>
+                                        </p:tgtEl>
+                                        <p:attrNameLst>
+                                          <p:attrName>style.visibility</p:attrName>
+                                        </p:attrNameLst>
+                                      </p:cBhvr>
+                                      <p:to>
+                                        <p:strVal val="visible"/>
+                                      </p:to>
+                                    </p:set>
+                                    <p:animEffect transition="in" filter="fade">
+                                      <p:cBhvr>
+                                        <p:cTn id="7" dur="100"/>
+                                        <p:tgtEl>
+                                          <p:spTgt spid="159"/>
+                                        </p:tgtEl>
+                                      </p:cBhvr>
+                                    </p:animEffect>
+                                  </p:childTnLst>
+                                </p:cTn>
+                              </p:par>
+                            </p:childTnLst>
+                          </p:cTn>
+                        </p:par>
+                      </p:childTnLst>
+                    </p:cTn>
+                  </p:par>
+                </p:childTnLst>
+              </p:cTn>
+              <p:prevCondLst>
+                <p:cond evt="onPrev" delay="0">
+                  <p:tgtEl>
+                    <p:sldTgt/>
+                  </p:tgtEl>
+                </p:cond>
+              </p:prevCondLst>
+              <p:nextCondLst>
+                <p:cond evt="onNext" delay="0">
+                  <p:tgtEl>
+                    <p:sldTgt/>
+                  </p:tgtEl>
+                </p:cond>
+              </p:nextCondLst>
+            </p:seq>
+          </p:childTnLst>
+        </p:cTn>
+      </p:par>
+    </p:tnLst>
+  </p:timing>
 </p:sld>
 </file>
 
@@ -15661,8 +15804,6 @@
       </a:bgFillStyleLst>
     </a:fmtScheme>
   </a:themeElements>
-  <a:objectDefaults/>
-  <a:extraClrSchemeLst/>
   <a:extLst>
     <a:ext uri="{05A4C25C-085E-4340-85A3-A5531E510DB2}">
       <thm15:themeFamily xmlns:thm15="http://schemas.microsoft.com/office/thememl/2012/main" name="Office Theme" id="{62F939B6-93AF-4DB8-9C6B-D6C7DFDC589F}" vid="{4A3C46E8-61CC-4603-A589-7422A47A8E4A}"/>
@@ -15947,8 +16088,6 @@
       </a:bgFillStyleLst>
     </a:fmtScheme>
   </a:themeElements>
-  <a:objectDefaults/>
-  <a:extraClrSchemeLst/>
   <a:extLst>
     <a:ext uri="{05A4C25C-085E-4340-85A3-A5531E510DB2}">
       <thm15:themeFamily xmlns:thm15="http://schemas.microsoft.com/office/thememl/2012/main" name="Office Theme" id="{62F939B6-93AF-4DB8-9C6B-D6C7DFDC589F}" vid="{4A3C46E8-61CC-4603-A589-7422A47A8E4A}"/>

--- a/Sprint_1_PRE.pptx
+++ b/Sprint_1_PRE.pptx
@@ -15214,6 +15214,41 @@
                                   </p:childTnLst>
                                 </p:cTn>
                               </p:par>
+                              <p:par>
+                                <p:cTn id="8" presetID="10" presetClass="entr" presetSubtype="0" fill="hold" grpId="0" nodeType="withEffect">
+                                  <p:stCondLst>
+                                    <p:cond delay="0"/>
+                                  </p:stCondLst>
+                                  <p:childTnLst>
+                                    <p:set>
+                                      <p:cBhvr>
+                                        <p:cTn id="9" dur="100" fill="hold">
+                                          <p:stCondLst>
+                                            <p:cond delay="0"/>
+                                          </p:stCondLst>
+                                        </p:cTn>
+                                        <p:tgtEl>
+                                          <p:spTgt spid="3"/>
+                                        </p:tgtEl>
+                                        <p:attrNameLst>
+                                          <p:attrName>style.visibility</p:attrName>
+                                        </p:attrNameLst>
+                                      </p:cBhvr>
+                                      <p:to>
+                                        <p:strVal val="visible"/>
+                                      </p:to>
+                                    </p:set>
+                                    <p:animEffect transition="in" filter="fade">
+                                      <p:cBhvr>
+                                        <p:cTn id="10" dur="100"/>
+                                        <p:tgtEl>
+                                          <p:spTgt spid="3"/>
+                                        </p:tgtEl>
+                                      </p:cBhvr>
+                                    </p:animEffect>
+                                  </p:childTnLst>
+                                </p:cTn>
+                              </p:par>
                             </p:childTnLst>
                           </p:cTn>
                         </p:par>
@@ -15241,6 +15276,10 @@
         </p:cTn>
       </p:par>
     </p:tnLst>
+    <p:bldLst>
+      <p:bldP spid="3" grpId="0"/>
+      <p:bldP spid="3" grpId="1"/>
+    </p:bldLst>
   </p:timing>
 </p:sld>
 </file>

--- a/Sprint_1_PRE.pptx
+++ b/Sprint_1_PRE.pptx
@@ -19,18 +19,19 @@
     <p:sldId id="287" r:id="rId12"/>
     <p:sldId id="258" r:id="rId13"/>
     <p:sldId id="290" r:id="rId14"/>
-    <p:sldId id="273" r:id="rId15"/>
+    <p:sldId id="292" r:id="rId15"/>
+    <p:sldId id="273" r:id="rId16"/>
   </p:sldIdLst>
   <p:sldSz cx="9144000" cy="6858000" type="screen4x3"/>
   <p:notesSz cx="6858000" cy="9144000"/>
   <p:embeddedFontLst>
     <p:embeddedFont>
       <p:font typeface="Montserrat"/>
-      <p:regular r:id="rId19"/>
+      <p:regular r:id="rId20"/>
     </p:embeddedFont>
     <p:embeddedFont>
       <p:font typeface="Lato"/>
-      <p:regular r:id="rId20"/>
+      <p:regular r:id="rId21"/>
     </p:embeddedFont>
   </p:embeddedFontLst>
   <p:defaultTextStyle>
@@ -270,7 +271,7 @@
             <a:srgbClr val="A4A3A4"/>
           </p15:clr>
         </p15:guide>
-        <p15:guide id="2" pos="2919" userDrawn="1">
+        <p15:guide id="2" pos="2880" userDrawn="1">
           <p15:clr>
             <a:srgbClr val="A4A3A4"/>
           </p15:clr>
@@ -1030,6 +1031,109 @@
 </file>
 
 <file path=ppt/notesSlides/notesSlide12.xml><?xml version="1.0" encoding="utf-8"?>
+<p:notes xmlns:a="http://schemas.openxmlformats.org/drawingml/2006/main" xmlns:r="http://schemas.openxmlformats.org/officeDocument/2006/relationships" xmlns:p="http://schemas.openxmlformats.org/presentationml/2006/main" showMasterPhAnim="0" showMasterSp="0">
+  <p:cSld>
+    <p:spTree>
+      <p:nvGrpSpPr>
+        <p:cNvPr id="1" name="Shape 148"/>
+        <p:cNvGrpSpPr/>
+        <p:nvPr/>
+      </p:nvGrpSpPr>
+      <p:grpSpPr>
+        <a:xfrm>
+          <a:off x="0" y="0"/>
+          <a:ext cx="0" cy="0"/>
+          <a:chOff x="0" y="0"/>
+          <a:chExt cx="0" cy="0"/>
+        </a:xfrm>
+      </p:grpSpPr>
+      <p:sp>
+        <p:nvSpPr>
+          <p:cNvPr id="149" name="Google Shape;149;p3:notes"/>
+          <p:cNvSpPr txBox="1">
+            <a:spLocks noGrp="1"/>
+          </p:cNvSpPr>
+          <p:nvPr>
+            <p:ph type="body" idx="1"/>
+          </p:nvPr>
+        </p:nvSpPr>
+        <p:spPr>
+          <a:xfrm>
+            <a:off x="685800" y="4343400"/>
+            <a:ext cx="5486400" cy="4114800"/>
+          </a:xfrm>
+          <a:prstGeom prst="rect">
+            <a:avLst/>
+          </a:prstGeom>
+        </p:spPr>
+        <p:txBody>
+          <a:bodyPr spcFirstLastPara="1" wrap="square" lIns="91425" tIns="91425" rIns="91425" bIns="91425" anchor="t" anchorCtr="0">
+            <a:noAutofit/>
+          </a:bodyPr>
+          <a:lstStyle/>
+          <a:p>
+            <a:pPr marL="0" lvl="0" indent="0" algn="l" rtl="0">
+              <a:spcBef>
+                <a:spcPts val="0"/>
+              </a:spcBef>
+              <a:spcAft>
+                <a:spcPts val="0"/>
+              </a:spcAft>
+              <a:buNone/>
+            </a:pPr>
+          </a:p>
+        </p:txBody>
+      </p:sp>
+      <p:sp>
+        <p:nvSpPr>
+          <p:cNvPr id="150" name="Google Shape;150;p3:notes"/>
+          <p:cNvSpPr>
+            <a:spLocks noGrp="1" noRot="1" noChangeAspect="1"/>
+          </p:cNvSpPr>
+          <p:nvPr>
+            <p:ph type="sldImg" idx="2"/>
+          </p:nvPr>
+        </p:nvSpPr>
+        <p:spPr>
+          <a:xfrm>
+            <a:off x="1143000" y="685800"/>
+            <a:ext cx="4572000" cy="3429000"/>
+          </a:xfrm>
+          <a:custGeom>
+            <a:avLst/>
+            <a:gdLst/>
+            <a:ahLst/>
+            <a:cxnLst/>
+            <a:rect l="l" t="t" r="r" b="b"/>
+            <a:pathLst>
+              <a:path w="120000" h="120000" extrusionOk="0">
+                <a:moveTo>
+                  <a:pt x="0" y="0"/>
+                </a:moveTo>
+                <a:lnTo>
+                  <a:pt x="120000" y="0"/>
+                </a:lnTo>
+                <a:lnTo>
+                  <a:pt x="120000" y="120000"/>
+                </a:lnTo>
+                <a:lnTo>
+                  <a:pt x="0" y="120000"/>
+                </a:lnTo>
+                <a:close/>
+              </a:path>
+            </a:pathLst>
+          </a:custGeom>
+        </p:spPr>
+      </p:sp>
+    </p:spTree>
+  </p:cSld>
+  <p:clrMapOvr>
+    <a:masterClrMapping/>
+  </p:clrMapOvr>
+</p:notes>
+</file>
+
+<file path=ppt/notesSlides/notesSlide13.xml><?xml version="1.0" encoding="utf-8"?>
 <p:notes xmlns:a="http://schemas.openxmlformats.org/drawingml/2006/main" xmlns:r="http://schemas.openxmlformats.org/officeDocument/2006/relationships" xmlns:p="http://schemas.openxmlformats.org/presentationml/2006/main" showMasterPhAnim="0" showMasterSp="0">
   <p:cSld>
     <p:spTree>
@@ -11229,6 +11333,339 @@
   <p:cSld>
     <p:spTree>
       <p:nvGrpSpPr>
+        <p:cNvPr id="1" name="Shape 151"/>
+        <p:cNvGrpSpPr/>
+        <p:nvPr/>
+      </p:nvGrpSpPr>
+      <p:grpSpPr>
+        <a:xfrm>
+          <a:off x="0" y="0"/>
+          <a:ext cx="0" cy="0"/>
+          <a:chOff x="0" y="0"/>
+          <a:chExt cx="0" cy="0"/>
+        </a:xfrm>
+      </p:grpSpPr>
+      <p:sp>
+        <p:nvSpPr>
+          <p:cNvPr id="152" name="Google Shape;152;p16"/>
+          <p:cNvSpPr txBox="1">
+            <a:spLocks noGrp="1"/>
+          </p:cNvSpPr>
+          <p:nvPr>
+            <p:ph type="title"/>
+          </p:nvPr>
+        </p:nvSpPr>
+        <p:spPr>
+          <a:xfrm>
+            <a:off x="457200" y="274638"/>
+            <a:ext cx="8229600" cy="1143000"/>
+          </a:xfrm>
+          <a:prstGeom prst="rect">
+            <a:avLst/>
+          </a:prstGeom>
+          <a:noFill/>
+          <a:ln>
+            <a:noFill/>
+          </a:ln>
+        </p:spPr>
+        <p:txBody>
+          <a:bodyPr spcFirstLastPara="1" wrap="square" lIns="91425" tIns="45700" rIns="91425" bIns="45700" anchor="ctr" anchorCtr="0">
+            <a:normAutofit/>
+          </a:bodyPr>
+          <a:lstStyle/>
+          <a:p>
+            <a:pPr marL="0" lvl="0" indent="0" algn="ctr" rtl="0">
+              <a:spcBef>
+                <a:spcPts val="0"/>
+              </a:spcBef>
+              <a:spcAft>
+                <a:spcPts val="0"/>
+              </a:spcAft>
+              <a:buClr>
+                <a:schemeClr val="dk1"/>
+              </a:buClr>
+              <a:buSzPct val="100000"/>
+              <a:buFont typeface="Calibri"/>
+              <a:buNone/>
+            </a:pPr>
+            <a:r>
+              <a:rPr lang="en-US" sz="4400" b="1" dirty="0">
+                <a:latin typeface="Calibri"/>
+                <a:ea typeface="Calibri"/>
+                <a:cs typeface="Calibri"/>
+                <a:sym typeface="Calibri"/>
+              </a:rPr>
+              <a:t>Accomplishments</a:t>
+            </a:r>
+            <a:endParaRPr lang="en-US" sz="4400" b="1" dirty="0">
+              <a:latin typeface="Calibri"/>
+              <a:ea typeface="Calibri"/>
+              <a:cs typeface="Calibri"/>
+              <a:sym typeface="Calibri"/>
+            </a:endParaRPr>
+          </a:p>
+        </p:txBody>
+      </p:sp>
+      <p:sp>
+        <p:nvSpPr>
+          <p:cNvPr id="153" name="Google Shape;153;p16"/>
+          <p:cNvSpPr txBox="1">
+            <a:spLocks noGrp="1"/>
+          </p:cNvSpPr>
+          <p:nvPr>
+            <p:ph type="body" idx="1"/>
+          </p:nvPr>
+        </p:nvSpPr>
+        <p:spPr>
+          <a:xfrm>
+            <a:off x="1443990" y="1668145"/>
+            <a:ext cx="7526655" cy="4446905"/>
+          </a:xfrm>
+          <a:prstGeom prst="rect">
+            <a:avLst/>
+          </a:prstGeom>
+          <a:noFill/>
+          <a:ln>
+            <a:noFill/>
+          </a:ln>
+        </p:spPr>
+        <p:txBody>
+          <a:bodyPr spcFirstLastPara="1" wrap="square" lIns="91425" tIns="45700" rIns="91425" bIns="45700" anchor="t" anchorCtr="0">
+            <a:noAutofit/>
+          </a:bodyPr>
+          <a:lstStyle/>
+          <a:p>
+            <a:pPr marL="0" lvl="0" indent="0">
+              <a:lnSpc>
+                <a:spcPct val="200000"/>
+              </a:lnSpc>
+              <a:spcBef>
+                <a:spcPts val="0"/>
+              </a:spcBef>
+              <a:buSzPts val="3200"/>
+              <a:buNone/>
+            </a:pPr>
+            <a:r>
+              <a:rPr lang="en-US" sz="2800" dirty="0">
+                <a:latin typeface="Calibri"/>
+                <a:ea typeface="Calibri"/>
+                <a:cs typeface="Calibri"/>
+                <a:sym typeface="Calibri"/>
+              </a:rPr>
+              <a:t>1. </a:t>
+            </a:r>
+            <a:r>
+              <a:rPr lang="en-US" sz="2800" dirty="0"/>
+              <a:t>Yuchen -&gt; Demo and Firebase</a:t>
+            </a:r>
+            <a:endParaRPr lang="en-US" sz="2800" dirty="0"/>
+          </a:p>
+          <a:p>
+            <a:pPr marL="0" lvl="0" indent="0">
+              <a:lnSpc>
+                <a:spcPct val="200000"/>
+              </a:lnSpc>
+              <a:spcBef>
+                <a:spcPts val="0"/>
+              </a:spcBef>
+              <a:buSzPts val="3200"/>
+              <a:buNone/>
+            </a:pPr>
+            <a:r>
+              <a:rPr lang="en-US" sz="2800" dirty="0">
+                <a:latin typeface="Calibri"/>
+                <a:ea typeface="Calibri"/>
+                <a:cs typeface="Calibri"/>
+                <a:sym typeface="Calibri"/>
+              </a:rPr>
+              <a:t>2. </a:t>
+            </a:r>
+            <a:r>
+              <a:rPr lang="en-US" sz="2800" dirty="0"/>
+              <a:t>Zihan -&gt; Database Schema and APIs</a:t>
+            </a:r>
+            <a:endParaRPr lang="en-US" sz="2800" dirty="0"/>
+          </a:p>
+          <a:p>
+            <a:pPr marL="0" lvl="0" indent="0">
+              <a:lnSpc>
+                <a:spcPct val="200000"/>
+              </a:lnSpc>
+              <a:spcBef>
+                <a:spcPts val="0"/>
+              </a:spcBef>
+              <a:buSzPts val="3200"/>
+              <a:buNone/>
+            </a:pPr>
+            <a:r>
+              <a:rPr lang="en-US" sz="2800" dirty="0">
+                <a:latin typeface="Calibri"/>
+                <a:ea typeface="Calibri"/>
+                <a:cs typeface="Calibri"/>
+                <a:sym typeface="Calibri"/>
+              </a:rPr>
+              <a:t>3. </a:t>
+            </a:r>
+            <a:r>
+              <a:rPr lang="en-US" sz="2800" dirty="0"/>
+              <a:t>Jialong -&gt; </a:t>
+            </a:r>
+            <a:r>
+              <a:rPr lang="en-US" sz="2800" dirty="0">
+                <a:sym typeface="+mn-ea"/>
+              </a:rPr>
+              <a:t>Demo and Firebase</a:t>
+            </a:r>
+            <a:endParaRPr lang="en-US" sz="2800" dirty="0">
+              <a:sym typeface="+mn-ea"/>
+            </a:endParaRPr>
+          </a:p>
+          <a:p>
+            <a:pPr marL="0" lvl="0" indent="0">
+              <a:lnSpc>
+                <a:spcPct val="200000"/>
+              </a:lnSpc>
+              <a:spcBef>
+                <a:spcPts val="0"/>
+              </a:spcBef>
+              <a:buSzPts val="3200"/>
+              <a:buNone/>
+            </a:pPr>
+            <a:r>
+              <a:rPr lang="en-US" sz="2800" dirty="0"/>
+              <a:t>All -&gt; Figma UI design</a:t>
+            </a:r>
+            <a:endParaRPr lang="en-US" sz="2800" dirty="0"/>
+          </a:p>
+        </p:txBody>
+      </p:sp>
+      <p:sp>
+        <p:nvSpPr>
+          <p:cNvPr id="2" name="Slide Number Placeholder 1"/>
+          <p:cNvSpPr>
+            <a:spLocks noGrp="1"/>
+          </p:cNvSpPr>
+          <p:nvPr>
+            <p:ph type="sldNum" idx="12"/>
+          </p:nvPr>
+        </p:nvSpPr>
+        <p:spPr/>
+        <p:txBody>
+          <a:bodyPr/>
+          <a:lstStyle/>
+          <a:p>
+            <a:pPr marL="0" lvl="0" indent="0" algn="r" rtl="0">
+              <a:spcBef>
+                <a:spcPts val="0"/>
+              </a:spcBef>
+              <a:spcAft>
+                <a:spcPts val="0"/>
+              </a:spcAft>
+              <a:buNone/>
+            </a:pPr>
+            <a:fld id="{00000000-1234-1234-1234-123412341234}" type="slidenum">
+              <a:rPr lang="en-US"/>
+            </a:fld>
+            <a:endParaRPr lang="en-US"/>
+          </a:p>
+        </p:txBody>
+      </p:sp>
+    </p:spTree>
+  </p:cSld>
+  <p:clrMapOvr>
+    <a:masterClrMapping/>
+  </p:clrMapOvr>
+  <p:timing>
+    <p:tnLst>
+      <p:par>
+        <p:cTn id="1" dur="indefinite" restart="never" nodeType="tmRoot">
+          <p:childTnLst>
+            <p:seq concurrent="1" nextAc="seek">
+              <p:cTn id="2" dur="indefinite" nodeType="mainSeq">
+                <p:childTnLst>
+                  <p:par>
+                    <p:cTn id="3" fill="hold">
+                      <p:stCondLst>
+                        <p:cond delay="indefinite"/>
+                      </p:stCondLst>
+                      <p:childTnLst>
+                        <p:par>
+                          <p:cTn id="4" fill="hold">
+                            <p:stCondLst>
+                              <p:cond delay="0"/>
+                            </p:stCondLst>
+                            <p:childTnLst>
+                              <p:par>
+                                <p:cTn id="5" presetID="10" presetClass="entr" presetSubtype="0" fill="hold" nodeType="clickEffect">
+                                  <p:stCondLst>
+                                    <p:cond delay="0"/>
+                                  </p:stCondLst>
+                                  <p:childTnLst>
+                                    <p:set>
+                                      <p:cBhvr>
+                                        <p:cTn id="6" dur="1" fill="hold">
+                                          <p:stCondLst>
+                                            <p:cond delay="0"/>
+                                          </p:stCondLst>
+                                        </p:cTn>
+                                        <p:tgtEl>
+                                          <p:spTgt spid="153"/>
+                                        </p:tgtEl>
+                                        <p:attrNameLst>
+                                          <p:attrName>style.visibility</p:attrName>
+                                        </p:attrNameLst>
+                                      </p:cBhvr>
+                                      <p:to>
+                                        <p:strVal val="visible"/>
+                                      </p:to>
+                                    </p:set>
+                                    <p:animEffect transition="in" filter="fade">
+                                      <p:cBhvr>
+                                        <p:cTn id="7" dur="100"/>
+                                        <p:tgtEl>
+                                          <p:spTgt spid="153"/>
+                                        </p:tgtEl>
+                                      </p:cBhvr>
+                                    </p:animEffect>
+                                  </p:childTnLst>
+                                </p:cTn>
+                              </p:par>
+                            </p:childTnLst>
+                          </p:cTn>
+                        </p:par>
+                      </p:childTnLst>
+                    </p:cTn>
+                  </p:par>
+                </p:childTnLst>
+              </p:cTn>
+              <p:prevCondLst>
+                <p:cond evt="onPrev" delay="0">
+                  <p:tgtEl>
+                    <p:sldTgt/>
+                  </p:tgtEl>
+                </p:cond>
+              </p:prevCondLst>
+              <p:nextCondLst>
+                <p:cond evt="onNext" delay="0">
+                  <p:tgtEl>
+                    <p:sldTgt/>
+                  </p:tgtEl>
+                </p:cond>
+              </p:nextCondLst>
+            </p:seq>
+          </p:childTnLst>
+        </p:cTn>
+      </p:par>
+    </p:tnLst>
+  </p:timing>
+</p:sld>
+</file>
+
+<file path=ppt/slides/slide13.xml><?xml version="1.0" encoding="utf-8"?>
+<p:sld xmlns:a="http://schemas.openxmlformats.org/drawingml/2006/main" xmlns:r="http://schemas.openxmlformats.org/officeDocument/2006/relationships" xmlns:p="http://schemas.openxmlformats.org/presentationml/2006/main">
+  <p:cSld>
+    <p:spTree>
+      <p:nvGrpSpPr>
         <p:cNvPr id="1" name="Shape 257"/>
         <p:cNvGrpSpPr/>
         <p:nvPr/>

--- a/Sprint_1_PRE.pptx
+++ b/Sprint_1_PRE.pptx
@@ -11418,7 +11418,7 @@
         </p:nvSpPr>
         <p:spPr>
           <a:xfrm>
-            <a:off x="1443990" y="1668145"/>
+            <a:off x="1080770" y="1668145"/>
             <a:ext cx="7526655" cy="4446905"/>
           </a:xfrm>
           <a:prstGeom prst="rect">
@@ -11446,41 +11446,6 @@
               <a:buNone/>
             </a:pPr>
             <a:r>
-              <a:rPr lang="en-US" sz="2800" dirty="0">
-                <a:latin typeface="Calibri"/>
-                <a:ea typeface="Calibri"/>
-                <a:cs typeface="Calibri"/>
-                <a:sym typeface="Calibri"/>
-              </a:rPr>
-              <a:t>1. </a:t>
-            </a:r>
-            <a:r>
-              <a:rPr lang="en-US" sz="2800" dirty="0"/>
-              <a:t>Yuchen -&gt; Demo and Firebase</a:t>
-            </a:r>
-            <a:endParaRPr lang="en-US" sz="2800" dirty="0"/>
-          </a:p>
-          <a:p>
-            <a:pPr marL="0" lvl="0" indent="0">
-              <a:lnSpc>
-                <a:spcPct val="200000"/>
-              </a:lnSpc>
-              <a:spcBef>
-                <a:spcPts val="0"/>
-              </a:spcBef>
-              <a:buSzPts val="3200"/>
-              <a:buNone/>
-            </a:pPr>
-            <a:r>
-              <a:rPr lang="en-US" sz="2800" dirty="0">
-                <a:latin typeface="Calibri"/>
-                <a:ea typeface="Calibri"/>
-                <a:cs typeface="Calibri"/>
-                <a:sym typeface="Calibri"/>
-              </a:rPr>
-              <a:t>2. </a:t>
-            </a:r>
-            <a:r>
               <a:rPr lang="en-US" sz="2800" dirty="0"/>
               <a:t>Zihan -&gt; Database Schema and APIs</a:t>
             </a:r>
@@ -11499,26 +11464,11 @@
             </a:pPr>
             <a:r>
               <a:rPr lang="en-US" sz="2800" dirty="0">
-                <a:latin typeface="Calibri"/>
-                <a:ea typeface="Calibri"/>
-                <a:cs typeface="Calibri"/>
-                <a:sym typeface="Calibri"/>
-              </a:rPr>
-              <a:t>3. </a:t>
-            </a:r>
-            <a:r>
-              <a:rPr lang="en-US" sz="2800" dirty="0"/>
-              <a:t>Jialong -&gt; </a:t>
-            </a:r>
-            <a:r>
-              <a:rPr lang="en-US" sz="2800" dirty="0">
                 <a:sym typeface="+mn-ea"/>
               </a:rPr>
-              <a:t>Demo and Firebase</a:t>
+              <a:t>Yuchen and Jialong -&gt; Demo and Firebase</a:t>
             </a:r>
-            <a:endParaRPr lang="en-US" sz="2800" dirty="0">
-              <a:sym typeface="+mn-ea"/>
-            </a:endParaRPr>
+            <a:endParaRPr lang="en-US" sz="2800" dirty="0"/>
           </a:p>
           <a:p>
             <a:pPr marL="0" lvl="0" indent="0">

--- a/Sprint_1_PRE.pptx
+++ b/Sprint_1_PRE.pptx
@@ -14222,7 +14222,7 @@
               <a:buNone/>
             </a:pPr>
             <a:r>
-              <a:rPr lang="en-US" sz="1000" dirty="0" err="1">
+              <a:rPr lang="en-US" sz="1400" dirty="0" err="1">
                 <a:latin typeface="Calibri"/>
                 <a:ea typeface="Calibri"/>
                 <a:cs typeface="Calibri"/>
@@ -14230,7 +14230,7 @@
               </a:rPr>
               <a:t>Firestore</a:t>
             </a:r>
-            <a:endParaRPr lang="en-US" sz="1000" dirty="0">
+            <a:endParaRPr lang="en-US" sz="1400" dirty="0">
               <a:latin typeface="Calibri"/>
               <a:ea typeface="Calibri"/>
               <a:cs typeface="Calibri"/>
@@ -14252,7 +14252,7 @@
               <a:buNone/>
             </a:pPr>
             <a:r>
-              <a:rPr lang="en-US" sz="1000" dirty="0">
+              <a:rPr lang="en-US" sz="1400" dirty="0">
                 <a:latin typeface="Calibri"/>
                 <a:ea typeface="Calibri"/>
                 <a:cs typeface="Calibri"/>
@@ -14260,7 +14260,7 @@
               </a:rPr>
               <a:t>|</a:t>
             </a:r>
-            <a:endParaRPr lang="en-US" sz="1000" dirty="0">
+            <a:endParaRPr lang="en-US" sz="1400" dirty="0">
               <a:latin typeface="Calibri"/>
               <a:ea typeface="Calibri"/>
               <a:cs typeface="Calibri"/>
@@ -14282,7 +14282,7 @@
               <a:buNone/>
             </a:pPr>
             <a:r>
-              <a:rPr lang="en-US" sz="1000" dirty="0">
+              <a:rPr lang="en-US" sz="1400" dirty="0">
                 <a:latin typeface="Calibri"/>
                 <a:ea typeface="Calibri"/>
                 <a:cs typeface="Calibri"/>
@@ -14290,7 +14290,7 @@
               </a:rPr>
               <a:t>|-- events (Collection)</a:t>
             </a:r>
-            <a:endParaRPr lang="en-US" sz="1000" dirty="0">
+            <a:endParaRPr lang="en-US" sz="1400" dirty="0">
               <a:latin typeface="Calibri"/>
               <a:ea typeface="Calibri"/>
               <a:cs typeface="Calibri"/>
@@ -14312,7 +14312,7 @@
               <a:buNone/>
             </a:pPr>
             <a:r>
-              <a:rPr lang="en-US" sz="1000" dirty="0">
+              <a:rPr lang="en-US" sz="1400" dirty="0">
                 <a:latin typeface="Calibri"/>
                 <a:ea typeface="Calibri"/>
                 <a:cs typeface="Calibri"/>
@@ -14321,7 +14321,7 @@
               <a:t>|   |-- </a:t>
             </a:r>
             <a:r>
-              <a:rPr lang="en-US" sz="1000" dirty="0" err="1">
+              <a:rPr lang="en-US" sz="1400" dirty="0" err="1">
                 <a:latin typeface="Calibri"/>
                 <a:ea typeface="Calibri"/>
                 <a:cs typeface="Calibri"/>
@@ -14330,7 +14330,7 @@
               <a:t>eventID</a:t>
             </a:r>
             <a:r>
-              <a:rPr lang="en-US" sz="1000" dirty="0">
+              <a:rPr lang="en-US" sz="1400" dirty="0">
                 <a:latin typeface="Calibri"/>
                 <a:ea typeface="Calibri"/>
                 <a:cs typeface="Calibri"/>
@@ -14338,7 +14338,7 @@
               </a:rPr>
               <a:t> (Document)</a:t>
             </a:r>
-            <a:endParaRPr lang="en-US" sz="1000" dirty="0">
+            <a:endParaRPr lang="en-US" sz="1400" dirty="0">
               <a:latin typeface="Calibri"/>
               <a:ea typeface="Calibri"/>
               <a:cs typeface="Calibri"/>
@@ -14360,7 +14360,7 @@
               <a:buNone/>
             </a:pPr>
             <a:r>
-              <a:rPr lang="en-US" sz="1000" dirty="0">
+              <a:rPr lang="en-US" sz="1400" dirty="0">
                 <a:latin typeface="Calibri"/>
                 <a:ea typeface="Calibri"/>
                 <a:cs typeface="Calibri"/>
@@ -14369,7 +14369,7 @@
               <a:t>|       |-- </a:t>
             </a:r>
             <a:r>
-              <a:rPr lang="en-US" sz="1000" dirty="0" err="1">
+              <a:rPr lang="en-US" sz="1400" dirty="0" err="1">
                 <a:latin typeface="Calibri"/>
                 <a:ea typeface="Calibri"/>
                 <a:cs typeface="Calibri"/>
@@ -14378,7 +14378,7 @@
               <a:t>eventTitle</a:t>
             </a:r>
             <a:r>
-              <a:rPr lang="en-US" sz="1000" dirty="0">
+              <a:rPr lang="en-US" sz="1400" dirty="0">
                 <a:latin typeface="Calibri"/>
                 <a:ea typeface="Calibri"/>
                 <a:cs typeface="Calibri"/>
@@ -14386,7 +14386,7 @@
               </a:rPr>
               <a:t>: String</a:t>
             </a:r>
-            <a:endParaRPr lang="en-US" sz="1000" dirty="0">
+            <a:endParaRPr lang="en-US" sz="1400" dirty="0">
               <a:latin typeface="Calibri"/>
               <a:ea typeface="Calibri"/>
               <a:cs typeface="Calibri"/>
@@ -14408,7 +14408,7 @@
               <a:buNone/>
             </a:pPr>
             <a:r>
-              <a:rPr lang="en-US" sz="1000" dirty="0">
+              <a:rPr lang="en-US" sz="1400" dirty="0">
                 <a:latin typeface="Calibri"/>
                 <a:ea typeface="Calibri"/>
                 <a:cs typeface="Calibri"/>
@@ -14417,7 +14417,7 @@
               <a:t>|       |-- </a:t>
             </a:r>
             <a:r>
-              <a:rPr lang="en-US" sz="1000" dirty="0" err="1">
+              <a:rPr lang="en-US" sz="1400" dirty="0" err="1">
                 <a:latin typeface="Calibri"/>
                 <a:ea typeface="Calibri"/>
                 <a:cs typeface="Calibri"/>
@@ -14426,7 +14426,7 @@
               <a:t>eventURL</a:t>
             </a:r>
             <a:r>
-              <a:rPr lang="en-US" sz="1000" dirty="0">
+              <a:rPr lang="en-US" sz="1400" dirty="0">
                 <a:latin typeface="Calibri"/>
                 <a:ea typeface="Calibri"/>
                 <a:cs typeface="Calibri"/>
@@ -14434,7 +14434,7 @@
               </a:rPr>
               <a:t>: String</a:t>
             </a:r>
-            <a:endParaRPr lang="en-US" sz="1000" dirty="0">
+            <a:endParaRPr lang="en-US" sz="1400" dirty="0">
               <a:latin typeface="Calibri"/>
               <a:ea typeface="Calibri"/>
               <a:cs typeface="Calibri"/>
@@ -14456,7 +14456,7 @@
               <a:buNone/>
             </a:pPr>
             <a:r>
-              <a:rPr lang="en-US" sz="1000" dirty="0">
+              <a:rPr lang="en-US" sz="1400" dirty="0">
                 <a:latin typeface="Calibri"/>
                 <a:ea typeface="Calibri"/>
                 <a:cs typeface="Calibri"/>
@@ -14465,7 +14465,7 @@
               <a:t>|       |-- </a:t>
             </a:r>
             <a:r>
-              <a:rPr lang="en-US" sz="1000" dirty="0" err="1">
+              <a:rPr lang="en-US" sz="1400" dirty="0" err="1">
                 <a:latin typeface="Calibri"/>
                 <a:ea typeface="Calibri"/>
                 <a:cs typeface="Calibri"/>
@@ -14474,7 +14474,7 @@
               <a:t>eventPhoto</a:t>
             </a:r>
             <a:r>
-              <a:rPr lang="en-US" sz="1000" dirty="0">
+              <a:rPr lang="en-US" sz="1400" dirty="0">
                 <a:latin typeface="Calibri"/>
                 <a:ea typeface="Calibri"/>
                 <a:cs typeface="Calibri"/>
@@ -14482,7 +14482,7 @@
               </a:rPr>
               <a:t>: String</a:t>
             </a:r>
-            <a:endParaRPr lang="en-US" sz="1000" dirty="0">
+            <a:endParaRPr lang="en-US" sz="1400" dirty="0">
               <a:latin typeface="Calibri"/>
               <a:ea typeface="Calibri"/>
               <a:cs typeface="Calibri"/>
@@ -14504,7 +14504,7 @@
               <a:buNone/>
             </a:pPr>
             <a:r>
-              <a:rPr lang="en-US" sz="1000" dirty="0">
+              <a:rPr lang="en-US" sz="1400" dirty="0">
                 <a:latin typeface="Calibri"/>
                 <a:ea typeface="Calibri"/>
                 <a:cs typeface="Calibri"/>
@@ -14513,7 +14513,7 @@
               <a:t>|       |-- </a:t>
             </a:r>
             <a:r>
-              <a:rPr lang="en-US" sz="1000" dirty="0" err="1">
+              <a:rPr lang="en-US" sz="1400" dirty="0" err="1">
                 <a:latin typeface="Calibri"/>
                 <a:ea typeface="Calibri"/>
                 <a:cs typeface="Calibri"/>
@@ -14522,7 +14522,7 @@
               <a:t>eventLocation</a:t>
             </a:r>
             <a:r>
-              <a:rPr lang="en-US" sz="1000" dirty="0">
+              <a:rPr lang="en-US" sz="1400" dirty="0">
                 <a:latin typeface="Calibri"/>
                 <a:ea typeface="Calibri"/>
                 <a:cs typeface="Calibri"/>
@@ -14530,7 +14530,7 @@
               </a:rPr>
               <a:t>: String</a:t>
             </a:r>
-            <a:endParaRPr lang="en-US" sz="1000" dirty="0">
+            <a:endParaRPr lang="en-US" sz="1400" dirty="0">
               <a:latin typeface="Calibri"/>
               <a:ea typeface="Calibri"/>
               <a:cs typeface="Calibri"/>
@@ -14552,7 +14552,7 @@
               <a:buNone/>
             </a:pPr>
             <a:r>
-              <a:rPr lang="en-US" sz="1000" dirty="0">
+              <a:rPr lang="en-US" sz="1400" dirty="0">
                 <a:latin typeface="Calibri"/>
                 <a:ea typeface="Calibri"/>
                 <a:cs typeface="Calibri"/>
@@ -14561,7 +14561,7 @@
               <a:t>|       |-- </a:t>
             </a:r>
             <a:r>
-              <a:rPr lang="en-US" sz="1000" dirty="0" err="1">
+              <a:rPr lang="en-US" sz="1400" dirty="0" err="1">
                 <a:latin typeface="Calibri"/>
                 <a:ea typeface="Calibri"/>
                 <a:cs typeface="Calibri"/>
@@ -14570,7 +14570,7 @@
               <a:t>eventStartTime</a:t>
             </a:r>
             <a:r>
-              <a:rPr lang="en-US" sz="1000" dirty="0">
+              <a:rPr lang="en-US" sz="1400" dirty="0">
                 <a:latin typeface="Calibri"/>
                 <a:ea typeface="Calibri"/>
                 <a:cs typeface="Calibri"/>
@@ -14578,7 +14578,7 @@
               </a:rPr>
               <a:t>: Timestamp</a:t>
             </a:r>
-            <a:endParaRPr lang="en-US" sz="1000" dirty="0">
+            <a:endParaRPr lang="en-US" sz="1400" dirty="0">
               <a:latin typeface="Calibri"/>
               <a:ea typeface="Calibri"/>
               <a:cs typeface="Calibri"/>
@@ -14600,7 +14600,7 @@
               <a:buNone/>
             </a:pPr>
             <a:r>
-              <a:rPr lang="en-US" sz="1000" dirty="0">
+              <a:rPr lang="en-US" sz="1400" dirty="0">
                 <a:latin typeface="Calibri"/>
                 <a:ea typeface="Calibri"/>
                 <a:cs typeface="Calibri"/>
@@ -14609,7 +14609,7 @@
               <a:t>|       |-- </a:t>
             </a:r>
             <a:r>
-              <a:rPr lang="en-US" sz="1000" dirty="0" err="1">
+              <a:rPr lang="en-US" sz="1400" dirty="0" err="1">
                 <a:latin typeface="Calibri"/>
                 <a:ea typeface="Calibri"/>
                 <a:cs typeface="Calibri"/>
@@ -14618,7 +14618,7 @@
               <a:t>eventEndTime</a:t>
             </a:r>
             <a:r>
-              <a:rPr lang="en-US" sz="1000" dirty="0">
+              <a:rPr lang="en-US" sz="1400" dirty="0">
                 <a:latin typeface="Calibri"/>
                 <a:ea typeface="Calibri"/>
                 <a:cs typeface="Calibri"/>
@@ -14626,7 +14626,7 @@
               </a:rPr>
               <a:t>: Timestamp</a:t>
             </a:r>
-            <a:endParaRPr lang="en-US" sz="1000" dirty="0">
+            <a:endParaRPr lang="en-US" sz="1400" dirty="0">
               <a:latin typeface="Calibri"/>
               <a:ea typeface="Calibri"/>
               <a:cs typeface="Calibri"/>
@@ -14648,7 +14648,7 @@
               <a:buNone/>
             </a:pPr>
             <a:r>
-              <a:rPr lang="en-US" sz="1000" dirty="0">
+              <a:rPr lang="en-US" sz="1400" dirty="0">
                 <a:latin typeface="Calibri"/>
                 <a:ea typeface="Calibri"/>
                 <a:cs typeface="Calibri"/>
@@ -14657,7 +14657,7 @@
               <a:t>|       |-- </a:t>
             </a:r>
             <a:r>
-              <a:rPr lang="en-US" sz="1000" dirty="0" err="1">
+              <a:rPr lang="en-US" sz="1400" dirty="0" err="1">
                 <a:latin typeface="Calibri"/>
                 <a:ea typeface="Calibri"/>
                 <a:cs typeface="Calibri"/>
@@ -14666,7 +14666,7 @@
               <a:t>eventDescription</a:t>
             </a:r>
             <a:r>
-              <a:rPr lang="en-US" sz="1000" dirty="0">
+              <a:rPr lang="en-US" sz="1400" dirty="0">
                 <a:latin typeface="Calibri"/>
                 <a:ea typeface="Calibri"/>
                 <a:cs typeface="Calibri"/>
@@ -14674,7 +14674,7 @@
               </a:rPr>
               <a:t>: String</a:t>
             </a:r>
-            <a:endParaRPr lang="en-US" sz="1000" dirty="0">
+            <a:endParaRPr lang="en-US" sz="1400" dirty="0">
               <a:latin typeface="Calibri"/>
               <a:ea typeface="Calibri"/>
               <a:cs typeface="Calibri"/>
@@ -14696,7 +14696,7 @@
               <a:buNone/>
             </a:pPr>
             <a:r>
-              <a:rPr lang="en-US" sz="1000" dirty="0">
+              <a:rPr lang="en-US" sz="1400" dirty="0">
                 <a:latin typeface="Calibri"/>
                 <a:ea typeface="Calibri"/>
                 <a:cs typeface="Calibri"/>
@@ -14705,7 +14705,7 @@
               <a:t>|       |-- </a:t>
             </a:r>
             <a:r>
-              <a:rPr lang="en-US" sz="1000" dirty="0" err="1">
+              <a:rPr lang="en-US" sz="1400" dirty="0" err="1">
                 <a:latin typeface="Calibri"/>
                 <a:ea typeface="Calibri"/>
                 <a:cs typeface="Calibri"/>
@@ -14714,7 +14714,7 @@
               <a:t>eventPoints</a:t>
             </a:r>
             <a:r>
-              <a:rPr lang="en-US" sz="1000" dirty="0">
+              <a:rPr lang="en-US" sz="1400" dirty="0">
                 <a:latin typeface="Calibri"/>
                 <a:ea typeface="Calibri"/>
                 <a:cs typeface="Calibri"/>
@@ -14722,7 +14722,7 @@
               </a:rPr>
               <a:t>: Integer</a:t>
             </a:r>
-            <a:endParaRPr lang="en-US" sz="1000" dirty="0">
+            <a:endParaRPr lang="en-US" sz="1400" dirty="0">
               <a:latin typeface="Calibri"/>
               <a:ea typeface="Calibri"/>
               <a:cs typeface="Calibri"/>
@@ -14744,7 +14744,7 @@
               <a:buNone/>
             </a:pPr>
             <a:r>
-              <a:rPr lang="en-US" sz="1000" dirty="0">
+              <a:rPr lang="en-US" sz="1400" dirty="0">
                 <a:latin typeface="Calibri"/>
                 <a:ea typeface="Calibri"/>
                 <a:cs typeface="Calibri"/>
@@ -14753,7 +14753,7 @@
               <a:t>|       |-- </a:t>
             </a:r>
             <a:r>
-              <a:rPr lang="en-US" sz="1000" dirty="0" err="1">
+              <a:rPr lang="en-US" sz="1400" dirty="0" err="1">
                 <a:latin typeface="Calibri"/>
                 <a:ea typeface="Calibri"/>
                 <a:cs typeface="Calibri"/>
@@ -14762,7 +14762,7 @@
               <a:t>savedUsers</a:t>
             </a:r>
             <a:r>
-              <a:rPr lang="en-US" sz="1000" dirty="0">
+              <a:rPr lang="en-US" sz="1400" dirty="0">
                 <a:latin typeface="Calibri"/>
                 <a:ea typeface="Calibri"/>
                 <a:cs typeface="Calibri"/>
@@ -14770,7 +14770,7 @@
               </a:rPr>
               <a:t>: Array&lt;String&gt;</a:t>
             </a:r>
-            <a:endParaRPr lang="en-US" sz="1000" dirty="0">
+            <a:endParaRPr lang="en-US" sz="1400" dirty="0">
               <a:latin typeface="Calibri"/>
               <a:ea typeface="Calibri"/>
               <a:cs typeface="Calibri"/>
@@ -14791,7 +14791,7 @@
               <a:buSzPts val="3200"/>
               <a:buNone/>
             </a:pPr>
-            <a:endParaRPr lang="en-US" sz="1000" dirty="0">
+            <a:endParaRPr lang="en-US" sz="1400" dirty="0">
               <a:latin typeface="Calibri"/>
               <a:ea typeface="Calibri"/>
               <a:cs typeface="Calibri"/>
@@ -14839,8 +14839,8 @@
         </p:nvSpPr>
         <p:spPr>
           <a:xfrm>
-            <a:off x="4680167" y="902335"/>
-            <a:ext cx="3474720" cy="4231928"/>
+            <a:off x="4536440" y="1268730"/>
+            <a:ext cx="4150360" cy="5087620"/>
           </a:xfrm>
           <a:prstGeom prst="rect">
             <a:avLst/>
@@ -14866,7 +14866,7 @@
               <a:buSzPts val="3200"/>
               <a:buNone/>
             </a:pPr>
-            <a:endParaRPr lang="en-US" sz="1000" dirty="0">
+            <a:endParaRPr lang="en-US" dirty="0">
               <a:solidFill>
                 <a:schemeClr val="lt1"/>
               </a:solidFill>
@@ -14890,7 +14890,19 @@
               <a:buSzPts val="3200"/>
               <a:buNone/>
             </a:pPr>
-            <a:endParaRPr lang="en-US" sz="1000" dirty="0">
+            <a:r>
+              <a:rPr lang="en-US" dirty="0">
+                <a:solidFill>
+                  <a:schemeClr val="lt1"/>
+                </a:solidFill>
+                <a:latin typeface="Calibri"/>
+                <a:ea typeface="Calibri"/>
+                <a:cs typeface="Calibri"/>
+                <a:sym typeface="Calibri"/>
+              </a:rPr>
+              <a:t>|-- users (Collection)</a:t>
+            </a:r>
+            <a:endParaRPr lang="en-US" dirty="0">
               <a:solidFill>
                 <a:schemeClr val="lt1"/>
               </a:solidFill>
@@ -14915,7 +14927,7 @@
               <a:buNone/>
             </a:pPr>
             <a:r>
-              <a:rPr lang="en-US" sz="1000" dirty="0">
+              <a:rPr lang="en-US" dirty="0">
                 <a:solidFill>
                   <a:schemeClr val="lt1"/>
                 </a:solidFill>
@@ -14924,9 +14936,33 @@
                 <a:cs typeface="Calibri"/>
                 <a:sym typeface="Calibri"/>
               </a:rPr>
-              <a:t>|-- users (Collection)</a:t>
+              <a:t>|   |-- </a:t>
             </a:r>
-            <a:endParaRPr lang="en-US" sz="1000" dirty="0">
+            <a:r>
+              <a:rPr lang="en-US" dirty="0" err="1">
+                <a:solidFill>
+                  <a:schemeClr val="lt1"/>
+                </a:solidFill>
+                <a:latin typeface="Calibri"/>
+                <a:ea typeface="Calibri"/>
+                <a:cs typeface="Calibri"/>
+                <a:sym typeface="Calibri"/>
+              </a:rPr>
+              <a:t>userUID</a:t>
+            </a:r>
+            <a:r>
+              <a:rPr lang="en-US" dirty="0">
+                <a:solidFill>
+                  <a:schemeClr val="lt1"/>
+                </a:solidFill>
+                <a:latin typeface="Calibri"/>
+                <a:ea typeface="Calibri"/>
+                <a:cs typeface="Calibri"/>
+                <a:sym typeface="Calibri"/>
+              </a:rPr>
+              <a:t> (Document)</a:t>
+            </a:r>
+            <a:endParaRPr lang="en-US" dirty="0">
               <a:solidFill>
                 <a:schemeClr val="lt1"/>
               </a:solidFill>
@@ -14951,7 +14987,7 @@
               <a:buNone/>
             </a:pPr>
             <a:r>
-              <a:rPr lang="en-US" sz="1000" dirty="0">
+              <a:rPr lang="en-US" dirty="0">
                 <a:solidFill>
                   <a:schemeClr val="lt1"/>
                 </a:solidFill>
@@ -14960,10 +14996,10 @@
                 <a:cs typeface="Calibri"/>
                 <a:sym typeface="Calibri"/>
               </a:rPr>
-              <a:t>|   |-- </a:t>
+              <a:t>|       |-- </a:t>
             </a:r>
             <a:r>
-              <a:rPr lang="en-US" sz="1000" dirty="0" err="1">
+              <a:rPr lang="en-US" dirty="0" err="1">
                 <a:solidFill>
                   <a:schemeClr val="lt1"/>
                 </a:solidFill>
@@ -14972,10 +15008,10 @@
                 <a:cs typeface="Calibri"/>
                 <a:sym typeface="Calibri"/>
               </a:rPr>
-              <a:t>userUID</a:t>
+              <a:t>firstName</a:t>
             </a:r>
             <a:r>
-              <a:rPr lang="en-US" sz="1000" dirty="0">
+              <a:rPr lang="en-US" dirty="0">
                 <a:solidFill>
                   <a:schemeClr val="lt1"/>
                 </a:solidFill>
@@ -14984,9 +15020,9 @@
                 <a:cs typeface="Calibri"/>
                 <a:sym typeface="Calibri"/>
               </a:rPr>
-              <a:t> (Document)</a:t>
+              <a:t>: String</a:t>
             </a:r>
-            <a:endParaRPr lang="en-US" sz="1000" dirty="0">
+            <a:endParaRPr lang="en-US" dirty="0">
               <a:solidFill>
                 <a:schemeClr val="lt1"/>
               </a:solidFill>
@@ -15011,7 +15047,7 @@
               <a:buNone/>
             </a:pPr>
             <a:r>
-              <a:rPr lang="en-US" sz="1000" dirty="0">
+              <a:rPr lang="en-US" dirty="0">
                 <a:solidFill>
                   <a:schemeClr val="lt1"/>
                 </a:solidFill>
@@ -15023,7 +15059,7 @@
               <a:t>|       |-- </a:t>
             </a:r>
             <a:r>
-              <a:rPr lang="en-US" sz="1000" dirty="0" err="1">
+              <a:rPr lang="en-US" dirty="0" err="1">
                 <a:solidFill>
                   <a:schemeClr val="lt1"/>
                 </a:solidFill>
@@ -15032,10 +15068,10 @@
                 <a:cs typeface="Calibri"/>
                 <a:sym typeface="Calibri"/>
               </a:rPr>
-              <a:t>firstName</a:t>
+              <a:t>lastName</a:t>
             </a:r>
             <a:r>
-              <a:rPr lang="en-US" sz="1000" dirty="0">
+              <a:rPr lang="en-US" dirty="0">
                 <a:solidFill>
                   <a:schemeClr val="lt1"/>
                 </a:solidFill>
@@ -15046,7 +15082,7 @@
               </a:rPr>
               <a:t>: String</a:t>
             </a:r>
-            <a:endParaRPr lang="en-US" sz="1000" dirty="0">
+            <a:endParaRPr lang="en-US" dirty="0">
               <a:solidFill>
                 <a:schemeClr val="lt1"/>
               </a:solidFill>
@@ -15071,7 +15107,7 @@
               <a:buNone/>
             </a:pPr>
             <a:r>
-              <a:rPr lang="en-US" sz="1000" dirty="0">
+              <a:rPr lang="en-US" dirty="0">
                 <a:solidFill>
                   <a:schemeClr val="lt1"/>
                 </a:solidFill>
@@ -15083,7 +15119,7 @@
               <a:t>|       |-- </a:t>
             </a:r>
             <a:r>
-              <a:rPr lang="en-US" sz="1000" dirty="0" err="1">
+              <a:rPr lang="en-US" dirty="0" err="1">
                 <a:solidFill>
                   <a:schemeClr val="lt1"/>
                 </a:solidFill>
@@ -15092,10 +15128,10 @@
                 <a:cs typeface="Calibri"/>
                 <a:sym typeface="Calibri"/>
               </a:rPr>
-              <a:t>lastName</a:t>
+              <a:t>userProfileURL</a:t>
             </a:r>
             <a:r>
-              <a:rPr lang="en-US" sz="1000" dirty="0">
+              <a:rPr lang="en-US" dirty="0">
                 <a:solidFill>
                   <a:schemeClr val="lt1"/>
                 </a:solidFill>
@@ -15106,7 +15142,7 @@
               </a:rPr>
               <a:t>: String</a:t>
             </a:r>
-            <a:endParaRPr lang="en-US" sz="1000" dirty="0">
+            <a:endParaRPr lang="en-US" dirty="0">
               <a:solidFill>
                 <a:schemeClr val="lt1"/>
               </a:solidFill>
@@ -15131,7 +15167,7 @@
               <a:buNone/>
             </a:pPr>
             <a:r>
-              <a:rPr lang="en-US" sz="1000" dirty="0">
+              <a:rPr lang="en-US" dirty="0">
                 <a:solidFill>
                   <a:schemeClr val="lt1"/>
                 </a:solidFill>
@@ -15143,7 +15179,7 @@
               <a:t>|       |-- </a:t>
             </a:r>
             <a:r>
-              <a:rPr lang="en-US" sz="1000" dirty="0" err="1">
+              <a:rPr lang="en-US" dirty="0" err="1">
                 <a:solidFill>
                   <a:schemeClr val="lt1"/>
                 </a:solidFill>
@@ -15152,10 +15188,10 @@
                 <a:cs typeface="Calibri"/>
                 <a:sym typeface="Calibri"/>
               </a:rPr>
-              <a:t>userProfileURL</a:t>
+              <a:t>userBUID</a:t>
             </a:r>
             <a:r>
-              <a:rPr lang="en-US" sz="1000" dirty="0">
+              <a:rPr lang="en-US" dirty="0">
                 <a:solidFill>
                   <a:schemeClr val="lt1"/>
                 </a:solidFill>
@@ -15166,7 +15202,7 @@
               </a:rPr>
               <a:t>: String</a:t>
             </a:r>
-            <a:endParaRPr lang="en-US" sz="1000" dirty="0">
+            <a:endParaRPr lang="en-US" dirty="0">
               <a:solidFill>
                 <a:schemeClr val="lt1"/>
               </a:solidFill>
@@ -15191,7 +15227,7 @@
               <a:buNone/>
             </a:pPr>
             <a:r>
-              <a:rPr lang="en-US" sz="1000" dirty="0">
+              <a:rPr lang="en-US" dirty="0">
                 <a:solidFill>
                   <a:schemeClr val="lt1"/>
                 </a:solidFill>
@@ -15203,7 +15239,7 @@
               <a:t>|       |-- </a:t>
             </a:r>
             <a:r>
-              <a:rPr lang="en-US" sz="1000" dirty="0" err="1">
+              <a:rPr lang="en-US" dirty="0" err="1">
                 <a:solidFill>
                   <a:schemeClr val="lt1"/>
                 </a:solidFill>
@@ -15212,10 +15248,10 @@
                 <a:cs typeface="Calibri"/>
                 <a:sym typeface="Calibri"/>
               </a:rPr>
-              <a:t>userBUID</a:t>
+              <a:t>userEmail</a:t>
             </a:r>
             <a:r>
-              <a:rPr lang="en-US" sz="1000" dirty="0">
+              <a:rPr lang="en-US" dirty="0">
                 <a:solidFill>
                   <a:schemeClr val="lt1"/>
                 </a:solidFill>
@@ -15226,7 +15262,7 @@
               </a:rPr>
               <a:t>: String</a:t>
             </a:r>
-            <a:endParaRPr lang="en-US" sz="1000" dirty="0">
+            <a:endParaRPr lang="en-US" dirty="0">
               <a:solidFill>
                 <a:schemeClr val="lt1"/>
               </a:solidFill>
@@ -15251,7 +15287,7 @@
               <a:buNone/>
             </a:pPr>
             <a:r>
-              <a:rPr lang="en-US" sz="1000" dirty="0">
+              <a:rPr lang="en-US" dirty="0">
                 <a:solidFill>
                   <a:schemeClr val="lt1"/>
                 </a:solidFill>
@@ -15263,7 +15299,7 @@
               <a:t>|       |-- </a:t>
             </a:r>
             <a:r>
-              <a:rPr lang="en-US" sz="1000" dirty="0" err="1">
+              <a:rPr lang="en-US" dirty="0" err="1">
                 <a:solidFill>
                   <a:schemeClr val="lt1"/>
                 </a:solidFill>
@@ -15272,10 +15308,10 @@
                 <a:cs typeface="Calibri"/>
                 <a:sym typeface="Calibri"/>
               </a:rPr>
-              <a:t>userEmail</a:t>
+              <a:t>userSchool</a:t>
             </a:r>
             <a:r>
-              <a:rPr lang="en-US" sz="1000" dirty="0">
+              <a:rPr lang="en-US" dirty="0">
                 <a:solidFill>
                   <a:schemeClr val="lt1"/>
                 </a:solidFill>
@@ -15286,7 +15322,7 @@
               </a:rPr>
               <a:t>: String</a:t>
             </a:r>
-            <a:endParaRPr lang="en-US" sz="1000" dirty="0">
+            <a:endParaRPr lang="en-US" dirty="0">
               <a:solidFill>
                 <a:schemeClr val="lt1"/>
               </a:solidFill>
@@ -15311,7 +15347,7 @@
               <a:buNone/>
             </a:pPr>
             <a:r>
-              <a:rPr lang="en-US" sz="1000" dirty="0">
+              <a:rPr lang="en-US" dirty="0">
                 <a:solidFill>
                   <a:schemeClr val="lt1"/>
                 </a:solidFill>
@@ -15323,7 +15359,7 @@
               <a:t>|       |-- </a:t>
             </a:r>
             <a:r>
-              <a:rPr lang="en-US" sz="1000" dirty="0" err="1">
+              <a:rPr lang="en-US" dirty="0" err="1">
                 <a:solidFill>
                   <a:schemeClr val="lt1"/>
                 </a:solidFill>
@@ -15332,10 +15368,10 @@
                 <a:cs typeface="Calibri"/>
                 <a:sym typeface="Calibri"/>
               </a:rPr>
-              <a:t>userSchool</a:t>
+              <a:t>userYear</a:t>
             </a:r>
             <a:r>
-              <a:rPr lang="en-US" sz="1000" dirty="0">
+              <a:rPr lang="en-US" dirty="0">
                 <a:solidFill>
                   <a:schemeClr val="lt1"/>
                 </a:solidFill>
@@ -15346,7 +15382,7 @@
               </a:rPr>
               <a:t>: String</a:t>
             </a:r>
-            <a:endParaRPr lang="en-US" sz="1000" dirty="0">
+            <a:endParaRPr lang="en-US" dirty="0">
               <a:solidFill>
                 <a:schemeClr val="lt1"/>
               </a:solidFill>
@@ -15371,7 +15407,7 @@
               <a:buNone/>
             </a:pPr>
             <a:r>
-              <a:rPr lang="en-US" sz="1000" dirty="0">
+              <a:rPr lang="en-US" dirty="0">
                 <a:solidFill>
                   <a:schemeClr val="lt1"/>
                 </a:solidFill>
@@ -15383,67 +15419,7 @@
               <a:t>|       |-- </a:t>
             </a:r>
             <a:r>
-              <a:rPr lang="en-US" sz="1000" dirty="0" err="1">
-                <a:solidFill>
-                  <a:schemeClr val="lt1"/>
-                </a:solidFill>
-                <a:latin typeface="Calibri"/>
-                <a:ea typeface="Calibri"/>
-                <a:cs typeface="Calibri"/>
-                <a:sym typeface="Calibri"/>
-              </a:rPr>
-              <a:t>userYear</a:t>
-            </a:r>
-            <a:r>
-              <a:rPr lang="en-US" sz="1000" dirty="0">
-                <a:solidFill>
-                  <a:schemeClr val="lt1"/>
-                </a:solidFill>
-                <a:latin typeface="Calibri"/>
-                <a:ea typeface="Calibri"/>
-                <a:cs typeface="Calibri"/>
-                <a:sym typeface="Calibri"/>
-              </a:rPr>
-              <a:t>: String</a:t>
-            </a:r>
-            <a:endParaRPr lang="en-US" sz="1000" dirty="0">
-              <a:solidFill>
-                <a:schemeClr val="lt1"/>
-              </a:solidFill>
-              <a:latin typeface="Calibri"/>
-              <a:ea typeface="Calibri"/>
-              <a:cs typeface="Calibri"/>
-              <a:sym typeface="Calibri"/>
-            </a:endParaRPr>
-          </a:p>
-          <a:p>
-            <a:pPr marL="0" lvl="0" indent="0">
-              <a:lnSpc>
-                <a:spcPct val="150000"/>
-              </a:lnSpc>
-              <a:spcBef>
-                <a:spcPts val="640"/>
-              </a:spcBef>
-              <a:buClr>
-                <a:schemeClr val="lt1"/>
-              </a:buClr>
-              <a:buSzPts val="3200"/>
-              <a:buNone/>
-            </a:pPr>
-            <a:r>
-              <a:rPr lang="en-US" sz="1000" dirty="0">
-                <a:solidFill>
-                  <a:schemeClr val="lt1"/>
-                </a:solidFill>
-                <a:latin typeface="Calibri"/>
-                <a:ea typeface="Calibri"/>
-                <a:cs typeface="Calibri"/>
-                <a:sym typeface="Calibri"/>
-              </a:rPr>
-              <a:t>|       |-- </a:t>
-            </a:r>
-            <a:r>
-              <a:rPr lang="en-US" sz="1000" dirty="0" err="1">
+              <a:rPr lang="en-US" dirty="0" err="1">
                 <a:solidFill>
                   <a:schemeClr val="lt1"/>
                 </a:solidFill>
@@ -15455,7 +15431,7 @@
               <a:t>userPoints</a:t>
             </a:r>
             <a:r>
-              <a:rPr lang="en-US" sz="1000" dirty="0">
+              <a:rPr lang="en-US" dirty="0">
                 <a:solidFill>
                   <a:schemeClr val="lt1"/>
                 </a:solidFill>
@@ -15466,7 +15442,7 @@
               </a:rPr>
               <a:t>: Integer</a:t>
             </a:r>
-            <a:endParaRPr lang="en-US" sz="1000" dirty="0">
+            <a:endParaRPr lang="en-US" dirty="0">
               <a:solidFill>
                 <a:schemeClr val="lt1"/>
               </a:solidFill>
@@ -15491,7 +15467,7 @@
               <a:buNone/>
             </a:pPr>
             <a:r>
-              <a:rPr lang="en-US" sz="1000" dirty="0">
+              <a:rPr lang="en-US" dirty="0">
                 <a:solidFill>
                   <a:schemeClr val="lt1"/>
                 </a:solidFill>
@@ -15503,7 +15479,7 @@
               <a:t>|       |-- </a:t>
             </a:r>
             <a:r>
-              <a:rPr lang="en-US" sz="1000" dirty="0" err="1">
+              <a:rPr lang="en-US" dirty="0" err="1">
                 <a:solidFill>
                   <a:schemeClr val="lt1"/>
                 </a:solidFill>
@@ -15515,7 +15491,7 @@
               <a:t>userSavedEvents</a:t>
             </a:r>
             <a:r>
-              <a:rPr lang="en-US" sz="1000" dirty="0">
+              <a:rPr lang="en-US" dirty="0">
                 <a:solidFill>
                   <a:schemeClr val="lt1"/>
                 </a:solidFill>
@@ -15526,7 +15502,7 @@
               </a:rPr>
               <a:t>: Map&lt;String, Boolean&gt;</a:t>
             </a:r>
-            <a:endParaRPr lang="en-US" sz="1000" dirty="0">
+            <a:endParaRPr lang="en-US" dirty="0">
               <a:solidFill>
                 <a:schemeClr val="lt1"/>
               </a:solidFill>
@@ -15537,7 +15513,15 @@
             </a:endParaRPr>
           </a:p>
           <a:p>
-            <a:endParaRPr lang="en-US" dirty="0"/>
+            <a:endParaRPr lang="en-US" dirty="0">
+              <a:solidFill>
+                <a:schemeClr val="lt1"/>
+              </a:solidFill>
+              <a:latin typeface="Calibri"/>
+              <a:ea typeface="Calibri"/>
+              <a:cs typeface="Calibri"/>
+              <a:sym typeface="Calibri"/>
+            </a:endParaRPr>
           </a:p>
         </p:txBody>
       </p:sp>

--- a/Sprint_1_PRE.pptx
+++ b/Sprint_1_PRE.pptx
@@ -16,22 +16,21 @@
     <p:sldId id="275" r:id="rId9"/>
     <p:sldId id="286" r:id="rId10"/>
     <p:sldId id="274" r:id="rId11"/>
-    <p:sldId id="287" r:id="rId12"/>
-    <p:sldId id="258" r:id="rId13"/>
-    <p:sldId id="290" r:id="rId14"/>
-    <p:sldId id="292" r:id="rId15"/>
-    <p:sldId id="273" r:id="rId16"/>
+    <p:sldId id="258" r:id="rId12"/>
+    <p:sldId id="290" r:id="rId13"/>
+    <p:sldId id="292" r:id="rId14"/>
+    <p:sldId id="273" r:id="rId15"/>
   </p:sldIdLst>
   <p:sldSz cx="9144000" cy="6858000" type="screen4x3"/>
   <p:notesSz cx="6858000" cy="9144000"/>
   <p:embeddedFontLst>
     <p:embeddedFont>
       <p:font typeface="Montserrat"/>
-      <p:regular r:id="rId20"/>
+      <p:regular r:id="rId19"/>
     </p:embeddedFont>
     <p:embeddedFont>
       <p:font typeface="Lato"/>
-      <p:regular r:id="rId21"/>
+      <p:regular r:id="rId20"/>
     </p:embeddedFont>
   </p:embeddedFontLst>
   <p:defaultTextStyle>
@@ -829,6 +828,109 @@
   <p:cSld>
     <p:spTree>
       <p:nvGrpSpPr>
+        <p:cNvPr id="1" name="Shape 154"/>
+        <p:cNvGrpSpPr/>
+        <p:nvPr/>
+      </p:nvGrpSpPr>
+      <p:grpSpPr>
+        <a:xfrm>
+          <a:off x="0" y="0"/>
+          <a:ext cx="0" cy="0"/>
+          <a:chOff x="0" y="0"/>
+          <a:chExt cx="0" cy="0"/>
+        </a:xfrm>
+      </p:grpSpPr>
+      <p:sp>
+        <p:nvSpPr>
+          <p:cNvPr id="155" name="Google Shape;155;p4:notes"/>
+          <p:cNvSpPr txBox="1">
+            <a:spLocks noGrp="1"/>
+          </p:cNvSpPr>
+          <p:nvPr>
+            <p:ph type="body" idx="1"/>
+          </p:nvPr>
+        </p:nvSpPr>
+        <p:spPr>
+          <a:xfrm>
+            <a:off x="685800" y="4343400"/>
+            <a:ext cx="5486400" cy="4114800"/>
+          </a:xfrm>
+          <a:prstGeom prst="rect">
+            <a:avLst/>
+          </a:prstGeom>
+        </p:spPr>
+        <p:txBody>
+          <a:bodyPr spcFirstLastPara="1" wrap="square" lIns="91425" tIns="91425" rIns="91425" bIns="91425" anchor="t" anchorCtr="0">
+            <a:noAutofit/>
+          </a:bodyPr>
+          <a:lstStyle/>
+          <a:p>
+            <a:pPr marL="0" lvl="0" indent="0" algn="l" rtl="0">
+              <a:spcBef>
+                <a:spcPts val="0"/>
+              </a:spcBef>
+              <a:spcAft>
+                <a:spcPts val="0"/>
+              </a:spcAft>
+              <a:buNone/>
+            </a:pPr>
+          </a:p>
+        </p:txBody>
+      </p:sp>
+      <p:sp>
+        <p:nvSpPr>
+          <p:cNvPr id="156" name="Google Shape;156;p4:notes"/>
+          <p:cNvSpPr>
+            <a:spLocks noGrp="1" noRot="1" noChangeAspect="1"/>
+          </p:cNvSpPr>
+          <p:nvPr>
+            <p:ph type="sldImg" idx="2"/>
+          </p:nvPr>
+        </p:nvSpPr>
+        <p:spPr>
+          <a:xfrm>
+            <a:off x="1143000" y="685800"/>
+            <a:ext cx="4572000" cy="3429000"/>
+          </a:xfrm>
+          <a:custGeom>
+            <a:avLst/>
+            <a:gdLst/>
+            <a:ahLst/>
+            <a:cxnLst/>
+            <a:rect l="l" t="t" r="r" b="b"/>
+            <a:pathLst>
+              <a:path w="120000" h="120000" extrusionOk="0">
+                <a:moveTo>
+                  <a:pt x="0" y="0"/>
+                </a:moveTo>
+                <a:lnTo>
+                  <a:pt x="120000" y="0"/>
+                </a:lnTo>
+                <a:lnTo>
+                  <a:pt x="120000" y="120000"/>
+                </a:lnTo>
+                <a:lnTo>
+                  <a:pt x="0" y="120000"/>
+                </a:lnTo>
+                <a:close/>
+              </a:path>
+            </a:pathLst>
+          </a:custGeom>
+        </p:spPr>
+      </p:sp>
+    </p:spTree>
+  </p:cSld>
+  <p:clrMapOvr>
+    <a:masterClrMapping/>
+  </p:clrMapOvr>
+</p:notes>
+</file>
+
+<file path=ppt/notesSlides/notesSlide11.xml><?xml version="1.0" encoding="utf-8"?>
+<p:notes xmlns:a="http://schemas.openxmlformats.org/drawingml/2006/main" xmlns:r="http://schemas.openxmlformats.org/officeDocument/2006/relationships" xmlns:p="http://schemas.openxmlformats.org/presentationml/2006/main" showMasterPhAnim="0" showMasterSp="0">
+  <p:cSld>
+    <p:spTree>
+      <p:nvGrpSpPr>
         <p:cNvPr id="1" name="Shape 148"/>
         <p:cNvGrpSpPr/>
         <p:nvPr/>
@@ -927,213 +1029,7 @@
 </p:notes>
 </file>
 
-<file path=ppt/notesSlides/notesSlide11.xml><?xml version="1.0" encoding="utf-8"?>
-<p:notes xmlns:a="http://schemas.openxmlformats.org/drawingml/2006/main" xmlns:r="http://schemas.openxmlformats.org/officeDocument/2006/relationships" xmlns:p="http://schemas.openxmlformats.org/presentationml/2006/main" showMasterPhAnim="0" showMasterSp="0">
-  <p:cSld>
-    <p:spTree>
-      <p:nvGrpSpPr>
-        <p:cNvPr id="1" name="Shape 154"/>
-        <p:cNvGrpSpPr/>
-        <p:nvPr/>
-      </p:nvGrpSpPr>
-      <p:grpSpPr>
-        <a:xfrm>
-          <a:off x="0" y="0"/>
-          <a:ext cx="0" cy="0"/>
-          <a:chOff x="0" y="0"/>
-          <a:chExt cx="0" cy="0"/>
-        </a:xfrm>
-      </p:grpSpPr>
-      <p:sp>
-        <p:nvSpPr>
-          <p:cNvPr id="155" name="Google Shape;155;p4:notes"/>
-          <p:cNvSpPr txBox="1">
-            <a:spLocks noGrp="1"/>
-          </p:cNvSpPr>
-          <p:nvPr>
-            <p:ph type="body" idx="1"/>
-          </p:nvPr>
-        </p:nvSpPr>
-        <p:spPr>
-          <a:xfrm>
-            <a:off x="685800" y="4343400"/>
-            <a:ext cx="5486400" cy="4114800"/>
-          </a:xfrm>
-          <a:prstGeom prst="rect">
-            <a:avLst/>
-          </a:prstGeom>
-        </p:spPr>
-        <p:txBody>
-          <a:bodyPr spcFirstLastPara="1" wrap="square" lIns="91425" tIns="91425" rIns="91425" bIns="91425" anchor="t" anchorCtr="0">
-            <a:noAutofit/>
-          </a:bodyPr>
-          <a:lstStyle/>
-          <a:p>
-            <a:pPr marL="0" lvl="0" indent="0" algn="l" rtl="0">
-              <a:spcBef>
-                <a:spcPts val="0"/>
-              </a:spcBef>
-              <a:spcAft>
-                <a:spcPts val="0"/>
-              </a:spcAft>
-              <a:buNone/>
-            </a:pPr>
-          </a:p>
-        </p:txBody>
-      </p:sp>
-      <p:sp>
-        <p:nvSpPr>
-          <p:cNvPr id="156" name="Google Shape;156;p4:notes"/>
-          <p:cNvSpPr>
-            <a:spLocks noGrp="1" noRot="1" noChangeAspect="1"/>
-          </p:cNvSpPr>
-          <p:nvPr>
-            <p:ph type="sldImg" idx="2"/>
-          </p:nvPr>
-        </p:nvSpPr>
-        <p:spPr>
-          <a:xfrm>
-            <a:off x="1143000" y="685800"/>
-            <a:ext cx="4572000" cy="3429000"/>
-          </a:xfrm>
-          <a:custGeom>
-            <a:avLst/>
-            <a:gdLst/>
-            <a:ahLst/>
-            <a:cxnLst/>
-            <a:rect l="l" t="t" r="r" b="b"/>
-            <a:pathLst>
-              <a:path w="120000" h="120000" extrusionOk="0">
-                <a:moveTo>
-                  <a:pt x="0" y="0"/>
-                </a:moveTo>
-                <a:lnTo>
-                  <a:pt x="120000" y="0"/>
-                </a:lnTo>
-                <a:lnTo>
-                  <a:pt x="120000" y="120000"/>
-                </a:lnTo>
-                <a:lnTo>
-                  <a:pt x="0" y="120000"/>
-                </a:lnTo>
-                <a:close/>
-              </a:path>
-            </a:pathLst>
-          </a:custGeom>
-        </p:spPr>
-      </p:sp>
-    </p:spTree>
-  </p:cSld>
-  <p:clrMapOvr>
-    <a:masterClrMapping/>
-  </p:clrMapOvr>
-</p:notes>
-</file>
-
 <file path=ppt/notesSlides/notesSlide12.xml><?xml version="1.0" encoding="utf-8"?>
-<p:notes xmlns:a="http://schemas.openxmlformats.org/drawingml/2006/main" xmlns:r="http://schemas.openxmlformats.org/officeDocument/2006/relationships" xmlns:p="http://schemas.openxmlformats.org/presentationml/2006/main" showMasterPhAnim="0" showMasterSp="0">
-  <p:cSld>
-    <p:spTree>
-      <p:nvGrpSpPr>
-        <p:cNvPr id="1" name="Shape 148"/>
-        <p:cNvGrpSpPr/>
-        <p:nvPr/>
-      </p:nvGrpSpPr>
-      <p:grpSpPr>
-        <a:xfrm>
-          <a:off x="0" y="0"/>
-          <a:ext cx="0" cy="0"/>
-          <a:chOff x="0" y="0"/>
-          <a:chExt cx="0" cy="0"/>
-        </a:xfrm>
-      </p:grpSpPr>
-      <p:sp>
-        <p:nvSpPr>
-          <p:cNvPr id="149" name="Google Shape;149;p3:notes"/>
-          <p:cNvSpPr txBox="1">
-            <a:spLocks noGrp="1"/>
-          </p:cNvSpPr>
-          <p:nvPr>
-            <p:ph type="body" idx="1"/>
-          </p:nvPr>
-        </p:nvSpPr>
-        <p:spPr>
-          <a:xfrm>
-            <a:off x="685800" y="4343400"/>
-            <a:ext cx="5486400" cy="4114800"/>
-          </a:xfrm>
-          <a:prstGeom prst="rect">
-            <a:avLst/>
-          </a:prstGeom>
-        </p:spPr>
-        <p:txBody>
-          <a:bodyPr spcFirstLastPara="1" wrap="square" lIns="91425" tIns="91425" rIns="91425" bIns="91425" anchor="t" anchorCtr="0">
-            <a:noAutofit/>
-          </a:bodyPr>
-          <a:lstStyle/>
-          <a:p>
-            <a:pPr marL="0" lvl="0" indent="0" algn="l" rtl="0">
-              <a:spcBef>
-                <a:spcPts val="0"/>
-              </a:spcBef>
-              <a:spcAft>
-                <a:spcPts val="0"/>
-              </a:spcAft>
-              <a:buNone/>
-            </a:pPr>
-          </a:p>
-        </p:txBody>
-      </p:sp>
-      <p:sp>
-        <p:nvSpPr>
-          <p:cNvPr id="150" name="Google Shape;150;p3:notes"/>
-          <p:cNvSpPr>
-            <a:spLocks noGrp="1" noRot="1" noChangeAspect="1"/>
-          </p:cNvSpPr>
-          <p:nvPr>
-            <p:ph type="sldImg" idx="2"/>
-          </p:nvPr>
-        </p:nvSpPr>
-        <p:spPr>
-          <a:xfrm>
-            <a:off x="1143000" y="685800"/>
-            <a:ext cx="4572000" cy="3429000"/>
-          </a:xfrm>
-          <a:custGeom>
-            <a:avLst/>
-            <a:gdLst/>
-            <a:ahLst/>
-            <a:cxnLst/>
-            <a:rect l="l" t="t" r="r" b="b"/>
-            <a:pathLst>
-              <a:path w="120000" h="120000" extrusionOk="0">
-                <a:moveTo>
-                  <a:pt x="0" y="0"/>
-                </a:moveTo>
-                <a:lnTo>
-                  <a:pt x="120000" y="0"/>
-                </a:lnTo>
-                <a:lnTo>
-                  <a:pt x="120000" y="120000"/>
-                </a:lnTo>
-                <a:lnTo>
-                  <a:pt x="0" y="120000"/>
-                </a:lnTo>
-                <a:close/>
-              </a:path>
-            </a:pathLst>
-          </a:custGeom>
-        </p:spPr>
-      </p:sp>
-    </p:spTree>
-  </p:cSld>
-  <p:clrMapOvr>
-    <a:masterClrMapping/>
-  </p:clrMapOvr>
-</p:notes>
-</file>
-
-<file path=ppt/notesSlides/notesSlide13.xml><?xml version="1.0" encoding="utf-8"?>
 <p:notes xmlns:a="http://schemas.openxmlformats.org/drawingml/2006/main" xmlns:r="http://schemas.openxmlformats.org/officeDocument/2006/relationships" xmlns:p="http://schemas.openxmlformats.org/presentationml/2006/main" showMasterPhAnim="0" showMasterSp="0">
   <p:cSld>
     <p:spTree>
@@ -1985,7 +1881,7 @@
   <p:cSld>
     <p:spTree>
       <p:nvGrpSpPr>
-        <p:cNvPr id="1" name="Shape 154"/>
+        <p:cNvPr id="1" name="Shape 148"/>
         <p:cNvGrpSpPr/>
         <p:nvPr/>
       </p:nvGrpSpPr>
@@ -1999,7 +1895,7 @@
       </p:grpSpPr>
       <p:sp>
         <p:nvSpPr>
-          <p:cNvPr id="155" name="Google Shape;155;p4:notes"/>
+          <p:cNvPr id="149" name="Google Shape;149;p3:notes"/>
           <p:cNvSpPr txBox="1">
             <a:spLocks noGrp="1"/>
           </p:cNvSpPr>
@@ -2036,7 +1932,7 @@
       </p:sp>
       <p:sp>
         <p:nvSpPr>
-          <p:cNvPr id="156" name="Google Shape;156;p4:notes"/>
+          <p:cNvPr id="150" name="Google Shape;150;p3:notes"/>
           <p:cNvSpPr>
             <a:spLocks noGrp="1" noRot="1" noChangeAspect="1"/>
           </p:cNvSpPr>
@@ -2046,8 +1942,8 @@
         </p:nvSpPr>
         <p:spPr>
           <a:xfrm>
-            <a:off x="1143225" y="685800"/>
-            <a:ext cx="4572225" cy="3429000"/>
+            <a:off x="1143000" y="685800"/>
+            <a:ext cx="4572000" cy="3429000"/>
           </a:xfrm>
           <a:custGeom>
             <a:avLst/>
@@ -10908,6 +10804,123 @@
   <p:cSld>
     <p:spTree>
       <p:nvGrpSpPr>
+        <p:cNvPr id="1" name="Shape 157"/>
+        <p:cNvGrpSpPr/>
+        <p:nvPr/>
+      </p:nvGrpSpPr>
+      <p:grpSpPr>
+        <a:xfrm>
+          <a:off x="0" y="0"/>
+          <a:ext cx="0" cy="0"/>
+          <a:chOff x="0" y="0"/>
+          <a:chExt cx="0" cy="0"/>
+        </a:xfrm>
+      </p:grpSpPr>
+      <p:sp>
+        <p:nvSpPr>
+          <p:cNvPr id="158" name="Google Shape;158;p17"/>
+          <p:cNvSpPr txBox="1">
+            <a:spLocks noGrp="1"/>
+          </p:cNvSpPr>
+          <p:nvPr>
+            <p:ph type="title"/>
+          </p:nvPr>
+        </p:nvSpPr>
+        <p:spPr>
+          <a:xfrm>
+            <a:off x="608330" y="2613978"/>
+            <a:ext cx="8229600" cy="1143000"/>
+          </a:xfrm>
+          <a:prstGeom prst="rect">
+            <a:avLst/>
+          </a:prstGeom>
+          <a:noFill/>
+          <a:ln>
+            <a:noFill/>
+          </a:ln>
+        </p:spPr>
+        <p:txBody>
+          <a:bodyPr spcFirstLastPara="1" wrap="square" lIns="91425" tIns="45700" rIns="91425" bIns="45700" anchor="ctr" anchorCtr="0">
+            <a:normAutofit/>
+          </a:bodyPr>
+          <a:lstStyle/>
+          <a:p>
+            <a:pPr marL="0" lvl="0" indent="0" algn="ctr" rtl="0">
+              <a:spcBef>
+                <a:spcPts val="0"/>
+              </a:spcBef>
+              <a:spcAft>
+                <a:spcPts val="0"/>
+              </a:spcAft>
+              <a:buClr>
+                <a:schemeClr val="dk1"/>
+              </a:buClr>
+              <a:buSzPct val="100000"/>
+              <a:buFont typeface="Calibri"/>
+              <a:buNone/>
+            </a:pPr>
+            <a:r>
+              <a:rPr lang="en-US" altLang="zh-CN" sz="5400" b="1" dirty="0">
+                <a:latin typeface="Calibri"/>
+                <a:ea typeface="Calibri"/>
+                <a:cs typeface="Calibri"/>
+                <a:sym typeface="Calibri"/>
+              </a:rPr>
+              <a:t>Demo Showcase</a:t>
+            </a:r>
+            <a:endParaRPr lang="en-US" altLang="zh-CN" sz="5400" b="1" dirty="0">
+              <a:latin typeface="Calibri"/>
+              <a:ea typeface="Calibri"/>
+              <a:cs typeface="Calibri"/>
+              <a:sym typeface="Calibri"/>
+            </a:endParaRPr>
+          </a:p>
+        </p:txBody>
+      </p:sp>
+      <p:sp>
+        <p:nvSpPr>
+          <p:cNvPr id="2" name="Slide Number Placeholder 1"/>
+          <p:cNvSpPr>
+            <a:spLocks noGrp="1"/>
+          </p:cNvSpPr>
+          <p:nvPr>
+            <p:ph type="sldNum" idx="12"/>
+          </p:nvPr>
+        </p:nvSpPr>
+        <p:spPr/>
+        <p:txBody>
+          <a:bodyPr/>
+          <a:lstStyle/>
+          <a:p>
+            <a:pPr marL="0" lvl="0" indent="0" algn="r" rtl="0">
+              <a:spcBef>
+                <a:spcPts val="0"/>
+              </a:spcBef>
+              <a:spcAft>
+                <a:spcPts val="0"/>
+              </a:spcAft>
+              <a:buNone/>
+            </a:pPr>
+            <a:fld id="{00000000-1234-1234-1234-123412341234}" type="slidenum">
+              <a:rPr lang="en-US"/>
+            </a:fld>
+            <a:endParaRPr lang="en-US"/>
+          </a:p>
+        </p:txBody>
+      </p:sp>
+    </p:spTree>
+  </p:cSld>
+  <p:clrMapOvr>
+    <a:masterClrMapping/>
+  </p:clrMapOvr>
+</p:sld>
+</file>
+
+<file path=ppt/slides/slide11.xml><?xml version="1.0" encoding="utf-8"?>
+<p:sld xmlns:a="http://schemas.openxmlformats.org/drawingml/2006/main" xmlns:r="http://schemas.openxmlformats.org/officeDocument/2006/relationships" xmlns:p="http://schemas.openxmlformats.org/presentationml/2006/main">
+  <p:cSld>
+    <p:spTree>
+      <p:nvGrpSpPr>
         <p:cNvPr id="1" name="Shape 151"/>
         <p:cNvGrpSpPr/>
         <p:nvPr/>
@@ -10970,7 +10983,7 @@
                 <a:cs typeface="Calibri"/>
                 <a:sym typeface="Calibri"/>
               </a:rPr>
-              <a:t>Additional Features</a:t>
+              <a:t>Accomplishments</a:t>
             </a:r>
             <a:endParaRPr lang="en-US" sz="4400" b="1" dirty="0">
               <a:latin typeface="Calibri"/>
@@ -10993,7 +11006,7 @@
         </p:nvSpPr>
         <p:spPr>
           <a:xfrm>
-            <a:off x="1443990" y="1668145"/>
+            <a:off x="1080770" y="1668145"/>
             <a:ext cx="7526655" cy="4446905"/>
           </a:xfrm>
           <a:prstGeom prst="rect">
@@ -11021,17 +11034,8 @@
               <a:buNone/>
             </a:pPr>
             <a:r>
-              <a:rPr lang="en-US" sz="2800" dirty="0">
-                <a:latin typeface="Calibri"/>
-                <a:ea typeface="Calibri"/>
-                <a:cs typeface="Calibri"/>
-                <a:sym typeface="Calibri"/>
-              </a:rPr>
-              <a:t>1. </a:t>
-            </a:r>
-            <a:r>
               <a:rPr lang="en-US" sz="2800" dirty="0"/>
-              <a:t>Location Services</a:t>
+              <a:t>Zihan -&gt; Database Schema and APIs</a:t>
             </a:r>
             <a:endParaRPr lang="en-US" sz="2800" dirty="0"/>
           </a:p>
@@ -11048,16 +11052,9 @@
             </a:pPr>
             <a:r>
               <a:rPr lang="en-US" sz="2800" dirty="0">
-                <a:latin typeface="Calibri"/>
-                <a:ea typeface="Calibri"/>
-                <a:cs typeface="Calibri"/>
-                <a:sym typeface="Calibri"/>
+                <a:sym typeface="+mn-ea"/>
               </a:rPr>
-              <a:t>2. </a:t>
-            </a:r>
-            <a:r>
-              <a:rPr lang="en-US" sz="2800" dirty="0"/>
-              <a:t>Dark Mode</a:t>
+              <a:t>Yuchen and Jialong -&gt; Demo and Firebase</a:t>
             </a:r>
             <a:endParaRPr lang="en-US" sz="2800" dirty="0"/>
           </a:p>
@@ -11073,17 +11070,8 @@
               <a:buNone/>
             </a:pPr>
             <a:r>
-              <a:rPr lang="en-US" sz="2800" dirty="0">
-                <a:latin typeface="Calibri"/>
-                <a:ea typeface="Calibri"/>
-                <a:cs typeface="Calibri"/>
-                <a:sym typeface="Calibri"/>
-              </a:rPr>
-              <a:t>3. </a:t>
-            </a:r>
-            <a:r>
               <a:rPr lang="en-US" sz="2800" dirty="0"/>
-              <a:t>File Upload and Media Handling</a:t>
+              <a:t>All -&gt; Figma UI design</a:t>
             </a:r>
             <a:endParaRPr lang="en-US" sz="2800" dirty="0"/>
           </a:p>
@@ -11211,407 +11199,7 @@
 </p:sld>
 </file>
 
-<file path=ppt/slides/slide11.xml><?xml version="1.0" encoding="utf-8"?>
-<p:sld xmlns:a="http://schemas.openxmlformats.org/drawingml/2006/main" xmlns:r="http://schemas.openxmlformats.org/officeDocument/2006/relationships" xmlns:p="http://schemas.openxmlformats.org/presentationml/2006/main">
-  <p:cSld>
-    <p:spTree>
-      <p:nvGrpSpPr>
-        <p:cNvPr id="1" name="Shape 157"/>
-        <p:cNvGrpSpPr/>
-        <p:nvPr/>
-      </p:nvGrpSpPr>
-      <p:grpSpPr>
-        <a:xfrm>
-          <a:off x="0" y="0"/>
-          <a:ext cx="0" cy="0"/>
-          <a:chOff x="0" y="0"/>
-          <a:chExt cx="0" cy="0"/>
-        </a:xfrm>
-      </p:grpSpPr>
-      <p:sp>
-        <p:nvSpPr>
-          <p:cNvPr id="158" name="Google Shape;158;p17"/>
-          <p:cNvSpPr txBox="1">
-            <a:spLocks noGrp="1"/>
-          </p:cNvSpPr>
-          <p:nvPr>
-            <p:ph type="title"/>
-          </p:nvPr>
-        </p:nvSpPr>
-        <p:spPr>
-          <a:xfrm>
-            <a:off x="608330" y="2613978"/>
-            <a:ext cx="8229600" cy="1143000"/>
-          </a:xfrm>
-          <a:prstGeom prst="rect">
-            <a:avLst/>
-          </a:prstGeom>
-          <a:noFill/>
-          <a:ln>
-            <a:noFill/>
-          </a:ln>
-        </p:spPr>
-        <p:txBody>
-          <a:bodyPr spcFirstLastPara="1" wrap="square" lIns="91425" tIns="45700" rIns="91425" bIns="45700" anchor="ctr" anchorCtr="0">
-            <a:normAutofit/>
-          </a:bodyPr>
-          <a:lstStyle/>
-          <a:p>
-            <a:pPr marL="0" lvl="0" indent="0" algn="ctr" rtl="0">
-              <a:spcBef>
-                <a:spcPts val="0"/>
-              </a:spcBef>
-              <a:spcAft>
-                <a:spcPts val="0"/>
-              </a:spcAft>
-              <a:buClr>
-                <a:schemeClr val="dk1"/>
-              </a:buClr>
-              <a:buSzPct val="100000"/>
-              <a:buFont typeface="Calibri"/>
-              <a:buNone/>
-            </a:pPr>
-            <a:r>
-              <a:rPr lang="en-US" altLang="zh-CN" sz="5400" b="1" dirty="0">
-                <a:latin typeface="Calibri"/>
-                <a:ea typeface="Calibri"/>
-                <a:cs typeface="Calibri"/>
-                <a:sym typeface="Calibri"/>
-              </a:rPr>
-              <a:t>Demo Showcase</a:t>
-            </a:r>
-            <a:endParaRPr lang="en-US" altLang="zh-CN" sz="5400" b="1" dirty="0">
-              <a:latin typeface="Calibri"/>
-              <a:ea typeface="Calibri"/>
-              <a:cs typeface="Calibri"/>
-              <a:sym typeface="Calibri"/>
-            </a:endParaRPr>
-          </a:p>
-        </p:txBody>
-      </p:sp>
-      <p:sp>
-        <p:nvSpPr>
-          <p:cNvPr id="2" name="Slide Number Placeholder 1"/>
-          <p:cNvSpPr>
-            <a:spLocks noGrp="1"/>
-          </p:cNvSpPr>
-          <p:nvPr>
-            <p:ph type="sldNum" idx="12"/>
-          </p:nvPr>
-        </p:nvSpPr>
-        <p:spPr/>
-        <p:txBody>
-          <a:bodyPr/>
-          <a:lstStyle/>
-          <a:p>
-            <a:pPr marL="0" lvl="0" indent="0" algn="r" rtl="0">
-              <a:spcBef>
-                <a:spcPts val="0"/>
-              </a:spcBef>
-              <a:spcAft>
-                <a:spcPts val="0"/>
-              </a:spcAft>
-              <a:buNone/>
-            </a:pPr>
-            <a:fld id="{00000000-1234-1234-1234-123412341234}" type="slidenum">
-              <a:rPr lang="en-US"/>
-            </a:fld>
-            <a:endParaRPr lang="en-US"/>
-          </a:p>
-        </p:txBody>
-      </p:sp>
-    </p:spTree>
-  </p:cSld>
-  <p:clrMapOvr>
-    <a:masterClrMapping/>
-  </p:clrMapOvr>
-</p:sld>
-</file>
-
 <file path=ppt/slides/slide12.xml><?xml version="1.0" encoding="utf-8"?>
-<p:sld xmlns:a="http://schemas.openxmlformats.org/drawingml/2006/main" xmlns:r="http://schemas.openxmlformats.org/officeDocument/2006/relationships" xmlns:p="http://schemas.openxmlformats.org/presentationml/2006/main">
-  <p:cSld>
-    <p:spTree>
-      <p:nvGrpSpPr>
-        <p:cNvPr id="1" name="Shape 151"/>
-        <p:cNvGrpSpPr/>
-        <p:nvPr/>
-      </p:nvGrpSpPr>
-      <p:grpSpPr>
-        <a:xfrm>
-          <a:off x="0" y="0"/>
-          <a:ext cx="0" cy="0"/>
-          <a:chOff x="0" y="0"/>
-          <a:chExt cx="0" cy="0"/>
-        </a:xfrm>
-      </p:grpSpPr>
-      <p:sp>
-        <p:nvSpPr>
-          <p:cNvPr id="152" name="Google Shape;152;p16"/>
-          <p:cNvSpPr txBox="1">
-            <a:spLocks noGrp="1"/>
-          </p:cNvSpPr>
-          <p:nvPr>
-            <p:ph type="title"/>
-          </p:nvPr>
-        </p:nvSpPr>
-        <p:spPr>
-          <a:xfrm>
-            <a:off x="457200" y="274638"/>
-            <a:ext cx="8229600" cy="1143000"/>
-          </a:xfrm>
-          <a:prstGeom prst="rect">
-            <a:avLst/>
-          </a:prstGeom>
-          <a:noFill/>
-          <a:ln>
-            <a:noFill/>
-          </a:ln>
-        </p:spPr>
-        <p:txBody>
-          <a:bodyPr spcFirstLastPara="1" wrap="square" lIns="91425" tIns="45700" rIns="91425" bIns="45700" anchor="ctr" anchorCtr="0">
-            <a:normAutofit/>
-          </a:bodyPr>
-          <a:lstStyle/>
-          <a:p>
-            <a:pPr marL="0" lvl="0" indent="0" algn="ctr" rtl="0">
-              <a:spcBef>
-                <a:spcPts val="0"/>
-              </a:spcBef>
-              <a:spcAft>
-                <a:spcPts val="0"/>
-              </a:spcAft>
-              <a:buClr>
-                <a:schemeClr val="dk1"/>
-              </a:buClr>
-              <a:buSzPct val="100000"/>
-              <a:buFont typeface="Calibri"/>
-              <a:buNone/>
-            </a:pPr>
-            <a:r>
-              <a:rPr lang="en-US" sz="4400" b="1" dirty="0">
-                <a:latin typeface="Calibri"/>
-                <a:ea typeface="Calibri"/>
-                <a:cs typeface="Calibri"/>
-                <a:sym typeface="Calibri"/>
-              </a:rPr>
-              <a:t>Accomplishments</a:t>
-            </a:r>
-            <a:endParaRPr lang="en-US" sz="4400" b="1" dirty="0">
-              <a:latin typeface="Calibri"/>
-              <a:ea typeface="Calibri"/>
-              <a:cs typeface="Calibri"/>
-              <a:sym typeface="Calibri"/>
-            </a:endParaRPr>
-          </a:p>
-        </p:txBody>
-      </p:sp>
-      <p:sp>
-        <p:nvSpPr>
-          <p:cNvPr id="153" name="Google Shape;153;p16"/>
-          <p:cNvSpPr txBox="1">
-            <a:spLocks noGrp="1"/>
-          </p:cNvSpPr>
-          <p:nvPr>
-            <p:ph type="body" idx="1"/>
-          </p:nvPr>
-        </p:nvSpPr>
-        <p:spPr>
-          <a:xfrm>
-            <a:off x="1080770" y="1668145"/>
-            <a:ext cx="7526655" cy="4446905"/>
-          </a:xfrm>
-          <a:prstGeom prst="rect">
-            <a:avLst/>
-          </a:prstGeom>
-          <a:noFill/>
-          <a:ln>
-            <a:noFill/>
-          </a:ln>
-        </p:spPr>
-        <p:txBody>
-          <a:bodyPr spcFirstLastPara="1" wrap="square" lIns="91425" tIns="45700" rIns="91425" bIns="45700" anchor="t" anchorCtr="0">
-            <a:noAutofit/>
-          </a:bodyPr>
-          <a:lstStyle/>
-          <a:p>
-            <a:pPr marL="0" lvl="0" indent="0">
-              <a:lnSpc>
-                <a:spcPct val="200000"/>
-              </a:lnSpc>
-              <a:spcBef>
-                <a:spcPts val="0"/>
-              </a:spcBef>
-              <a:buSzPts val="3200"/>
-              <a:buNone/>
-            </a:pPr>
-            <a:r>
-              <a:rPr lang="en-US" sz="2800" dirty="0"/>
-              <a:t>Zihan -&gt; Database Schema and APIs</a:t>
-            </a:r>
-            <a:endParaRPr lang="en-US" sz="2800" dirty="0"/>
-          </a:p>
-          <a:p>
-            <a:pPr marL="0" lvl="0" indent="0">
-              <a:lnSpc>
-                <a:spcPct val="200000"/>
-              </a:lnSpc>
-              <a:spcBef>
-                <a:spcPts val="0"/>
-              </a:spcBef>
-              <a:buSzPts val="3200"/>
-              <a:buNone/>
-            </a:pPr>
-            <a:r>
-              <a:rPr lang="en-US" sz="2800" dirty="0">
-                <a:sym typeface="+mn-ea"/>
-              </a:rPr>
-              <a:t>Yuchen and Jialong -&gt; Demo and Firebase</a:t>
-            </a:r>
-            <a:endParaRPr lang="en-US" sz="2800" dirty="0"/>
-          </a:p>
-          <a:p>
-            <a:pPr marL="0" lvl="0" indent="0">
-              <a:lnSpc>
-                <a:spcPct val="200000"/>
-              </a:lnSpc>
-              <a:spcBef>
-                <a:spcPts val="0"/>
-              </a:spcBef>
-              <a:buSzPts val="3200"/>
-              <a:buNone/>
-            </a:pPr>
-            <a:r>
-              <a:rPr lang="en-US" sz="2800" dirty="0"/>
-              <a:t>All -&gt; Figma UI design</a:t>
-            </a:r>
-            <a:endParaRPr lang="en-US" sz="2800" dirty="0"/>
-          </a:p>
-        </p:txBody>
-      </p:sp>
-      <p:sp>
-        <p:nvSpPr>
-          <p:cNvPr id="2" name="Slide Number Placeholder 1"/>
-          <p:cNvSpPr>
-            <a:spLocks noGrp="1"/>
-          </p:cNvSpPr>
-          <p:nvPr>
-            <p:ph type="sldNum" idx="12"/>
-          </p:nvPr>
-        </p:nvSpPr>
-        <p:spPr/>
-        <p:txBody>
-          <a:bodyPr/>
-          <a:lstStyle/>
-          <a:p>
-            <a:pPr marL="0" lvl="0" indent="0" algn="r" rtl="0">
-              <a:spcBef>
-                <a:spcPts val="0"/>
-              </a:spcBef>
-              <a:spcAft>
-                <a:spcPts val="0"/>
-              </a:spcAft>
-              <a:buNone/>
-            </a:pPr>
-            <a:fld id="{00000000-1234-1234-1234-123412341234}" type="slidenum">
-              <a:rPr lang="en-US"/>
-            </a:fld>
-            <a:endParaRPr lang="en-US"/>
-          </a:p>
-        </p:txBody>
-      </p:sp>
-    </p:spTree>
-  </p:cSld>
-  <p:clrMapOvr>
-    <a:masterClrMapping/>
-  </p:clrMapOvr>
-  <p:timing>
-    <p:tnLst>
-      <p:par>
-        <p:cTn id="1" dur="indefinite" restart="never" nodeType="tmRoot">
-          <p:childTnLst>
-            <p:seq concurrent="1" nextAc="seek">
-              <p:cTn id="2" dur="indefinite" nodeType="mainSeq">
-                <p:childTnLst>
-                  <p:par>
-                    <p:cTn id="3" fill="hold">
-                      <p:stCondLst>
-                        <p:cond delay="indefinite"/>
-                      </p:stCondLst>
-                      <p:childTnLst>
-                        <p:par>
-                          <p:cTn id="4" fill="hold">
-                            <p:stCondLst>
-                              <p:cond delay="0"/>
-                            </p:stCondLst>
-                            <p:childTnLst>
-                              <p:par>
-                                <p:cTn id="5" presetID="10" presetClass="entr" presetSubtype="0" fill="hold" nodeType="clickEffect">
-                                  <p:stCondLst>
-                                    <p:cond delay="0"/>
-                                  </p:stCondLst>
-                                  <p:childTnLst>
-                                    <p:set>
-                                      <p:cBhvr>
-                                        <p:cTn id="6" dur="1" fill="hold">
-                                          <p:stCondLst>
-                                            <p:cond delay="0"/>
-                                          </p:stCondLst>
-                                        </p:cTn>
-                                        <p:tgtEl>
-                                          <p:spTgt spid="153"/>
-                                        </p:tgtEl>
-                                        <p:attrNameLst>
-                                          <p:attrName>style.visibility</p:attrName>
-                                        </p:attrNameLst>
-                                      </p:cBhvr>
-                                      <p:to>
-                                        <p:strVal val="visible"/>
-                                      </p:to>
-                                    </p:set>
-                                    <p:animEffect transition="in" filter="fade">
-                                      <p:cBhvr>
-                                        <p:cTn id="7" dur="100"/>
-                                        <p:tgtEl>
-                                          <p:spTgt spid="153"/>
-                                        </p:tgtEl>
-                                      </p:cBhvr>
-                                    </p:animEffect>
-                                  </p:childTnLst>
-                                </p:cTn>
-                              </p:par>
-                            </p:childTnLst>
-                          </p:cTn>
-                        </p:par>
-                      </p:childTnLst>
-                    </p:cTn>
-                  </p:par>
-                </p:childTnLst>
-              </p:cTn>
-              <p:prevCondLst>
-                <p:cond evt="onPrev" delay="0">
-                  <p:tgtEl>
-                    <p:sldTgt/>
-                  </p:tgtEl>
-                </p:cond>
-              </p:prevCondLst>
-              <p:nextCondLst>
-                <p:cond evt="onNext" delay="0">
-                  <p:tgtEl>
-                    <p:sldTgt/>
-                  </p:tgtEl>
-                </p:cond>
-              </p:nextCondLst>
-            </p:seq>
-          </p:childTnLst>
-        </p:cTn>
-      </p:par>
-    </p:tnLst>
-  </p:timing>
-</p:sld>
-</file>
-
-<file path=ppt/slides/slide13.xml><?xml version="1.0" encoding="utf-8"?>
 <p:sld xmlns:a="http://schemas.openxmlformats.org/drawingml/2006/main" xmlns:r="http://schemas.openxmlformats.org/officeDocument/2006/relationships" xmlns:p="http://schemas.openxmlformats.org/presentationml/2006/main">
   <p:cSld>
     <p:spTree>
@@ -15660,7 +15248,7 @@
   <p:cSld>
     <p:spTree>
       <p:nvGrpSpPr>
-        <p:cNvPr id="1" name="Shape 157"/>
+        <p:cNvPr id="1" name="Shape 151"/>
         <p:cNvGrpSpPr/>
         <p:nvPr/>
       </p:nvGrpSpPr>
@@ -15674,7 +15262,7 @@
       </p:grpSpPr>
       <p:sp>
         <p:nvSpPr>
-          <p:cNvPr id="158" name="Google Shape;158;p17"/>
+          <p:cNvPr id="152" name="Google Shape;152;p16"/>
           <p:cNvSpPr txBox="1">
             <a:spLocks noGrp="1"/>
           </p:cNvSpPr>
@@ -15716,15 +15304,15 @@
               <a:buNone/>
             </a:pPr>
             <a:r>
-              <a:rPr lang="en-US" sz="4400" b="1">
+              <a:rPr lang="en-US" sz="4400" b="1" dirty="0">
                 <a:latin typeface="Calibri"/>
                 <a:ea typeface="Calibri"/>
                 <a:cs typeface="Calibri"/>
                 <a:sym typeface="Calibri"/>
               </a:rPr>
-              <a:t>External Libraries and Tools</a:t>
+              <a:t>Additional Features</a:t>
             </a:r>
-            <a:endParaRPr lang="en-US" sz="4400" b="1">
+            <a:endParaRPr lang="en-US" sz="4400" b="1" dirty="0">
               <a:latin typeface="Calibri"/>
               <a:ea typeface="Calibri"/>
               <a:cs typeface="Calibri"/>
@@ -15735,7 +15323,7 @@
       </p:sp>
       <p:sp>
         <p:nvSpPr>
-          <p:cNvPr id="159" name="Google Shape;159;p17"/>
+          <p:cNvPr id="153" name="Google Shape;153;p16"/>
           <p:cNvSpPr txBox="1">
             <a:spLocks noGrp="1"/>
           </p:cNvSpPr>
@@ -15745,8 +15333,8 @@
         </p:nvSpPr>
         <p:spPr>
           <a:xfrm>
-            <a:off x="457200" y="1600200"/>
-            <a:ext cx="8353425" cy="2051050"/>
+            <a:off x="1443990" y="1668145"/>
+            <a:ext cx="7526655" cy="4446905"/>
           </a:xfrm>
           <a:prstGeom prst="rect">
             <a:avLst/>
@@ -15762,57 +15350,82 @@
           </a:bodyPr>
           <a:lstStyle/>
           <a:p>
-            <a:pPr marL="342900" lvl="0" indent="-139700" algn="l" rtl="0">
+            <a:pPr marL="0" lvl="0" indent="0">
               <a:lnSpc>
-                <a:spcPct val="150000"/>
+                <a:spcPct val="200000"/>
               </a:lnSpc>
               <a:spcBef>
                 <a:spcPts val="0"/>
               </a:spcBef>
-              <a:spcAft>
-                <a:spcPts val="0"/>
-              </a:spcAft>
-              <a:buClr>
-                <a:schemeClr val="dk1"/>
-              </a:buClr>
               <a:buSzPts val="3200"/>
               <a:buNone/>
-            </a:pPr>
-            <a:endParaRPr sz="1000"/>
-          </a:p>
-          <a:p>
-            <a:pPr lvl="0" indent="-457200" algn="l" rtl="0">
-              <a:lnSpc>
-                <a:spcPct val="150000"/>
-              </a:lnSpc>
-              <a:spcBef>
-                <a:spcPts val="640"/>
-              </a:spcBef>
-              <a:spcAft>
-                <a:spcPts val="0"/>
-              </a:spcAft>
-              <a:buClr>
-                <a:schemeClr val="lt1"/>
-              </a:buClr>
-              <a:buSzPts val="3200"/>
-              <a:buFont typeface="Arial" panose="020B0604020202090204" pitchFamily="34" charset="0"/>
-              <a:buChar char="•"/>
             </a:pPr>
             <a:r>
-              <a:rPr lang="en-US" sz="2400">
+              <a:rPr lang="en-US" sz="2800" dirty="0">
                 <a:latin typeface="Calibri"/>
                 <a:ea typeface="Calibri"/>
                 <a:cs typeface="Calibri"/>
                 <a:sym typeface="Calibri"/>
               </a:rPr>
-              <a:t>Firebase Crashlytics: For real-time error and crash monitoring.</a:t>
+              <a:t>1. </a:t>
             </a:r>
-            <a:endParaRPr lang="en-US" sz="2400">
-              <a:latin typeface="Calibri"/>
-              <a:ea typeface="Calibri"/>
-              <a:cs typeface="Calibri"/>
-              <a:sym typeface="Calibri"/>
-            </a:endParaRPr>
+            <a:r>
+              <a:rPr lang="en-US" sz="2800" dirty="0"/>
+              <a:t>Location Services</a:t>
+            </a:r>
+            <a:endParaRPr lang="en-US" sz="2800" dirty="0"/>
+          </a:p>
+          <a:p>
+            <a:pPr marL="0" lvl="0" indent="0">
+              <a:lnSpc>
+                <a:spcPct val="200000"/>
+              </a:lnSpc>
+              <a:spcBef>
+                <a:spcPts val="0"/>
+              </a:spcBef>
+              <a:buSzPts val="3200"/>
+              <a:buNone/>
+            </a:pPr>
+            <a:r>
+              <a:rPr lang="en-US" sz="2800" dirty="0">
+                <a:latin typeface="Calibri"/>
+                <a:ea typeface="Calibri"/>
+                <a:cs typeface="Calibri"/>
+                <a:sym typeface="Calibri"/>
+              </a:rPr>
+              <a:t>2. </a:t>
+            </a:r>
+            <a:r>
+              <a:rPr lang="en-US" sz="2800" dirty="0"/>
+              <a:t>Dark Mode</a:t>
+            </a:r>
+            <a:endParaRPr lang="en-US" sz="2800" dirty="0"/>
+          </a:p>
+          <a:p>
+            <a:pPr marL="0" lvl="0" indent="0">
+              <a:lnSpc>
+                <a:spcPct val="200000"/>
+              </a:lnSpc>
+              <a:spcBef>
+                <a:spcPts val="0"/>
+              </a:spcBef>
+              <a:buSzPts val="3200"/>
+              <a:buNone/>
+            </a:pPr>
+            <a:r>
+              <a:rPr lang="en-US" sz="2800" dirty="0">
+                <a:latin typeface="Calibri"/>
+                <a:ea typeface="Calibri"/>
+                <a:cs typeface="Calibri"/>
+                <a:sym typeface="Calibri"/>
+              </a:rPr>
+              <a:t>3. </a:t>
+            </a:r>
+            <a:r>
+              <a:rPr lang="en-US" sz="2800" dirty="0"/>
+              <a:t>File Upload and Media Handling</a:t>
+            </a:r>
+            <a:endParaRPr lang="en-US" sz="2800" dirty="0"/>
           </a:p>
         </p:txBody>
       </p:sp>
@@ -15886,7 +15499,7 @@
                                           </p:stCondLst>
                                         </p:cTn>
                                         <p:tgtEl>
-                                          <p:spTgt spid="159"/>
+                                          <p:spTgt spid="153"/>
                                         </p:tgtEl>
                                         <p:attrNameLst>
                                           <p:attrName>style.visibility</p:attrName>
@@ -15900,7 +15513,7 @@
                                       <p:cBhvr>
                                         <p:cTn id="7" dur="100"/>
                                         <p:tgtEl>
-                                          <p:spTgt spid="159"/>
+                                          <p:spTgt spid="153"/>
                                         </p:tgtEl>
                                       </p:cBhvr>
                                     </p:animEffect>

--- a/Sprint_1_PRE.pptx
+++ b/Sprint_1_PRE.pptx
@@ -270,7 +270,7 @@
             <a:srgbClr val="A4A3A4"/>
           </p15:clr>
         </p15:guide>
-        <p15:guide id="2" pos="2880" userDrawn="1">
+        <p15:guide id="2" pos="2858" userDrawn="1">
           <p15:clr>
             <a:srgbClr val="A4A3A4"/>
           </p15:clr>
@@ -13816,9 +13816,9 @@
                 <a:cs typeface="Calibri"/>
                 <a:sym typeface="Calibri"/>
               </a:rPr>
-              <a:t>Firestore</a:t>
+              <a:t>Firebase</a:t>
             </a:r>
-            <a:endParaRPr lang="en-US" sz="1400" dirty="0">
+            <a:endParaRPr lang="en-US" sz="1400" dirty="0" err="1">
               <a:latin typeface="Calibri"/>
               <a:ea typeface="Calibri"/>
               <a:cs typeface="Calibri"/>

--- a/Sprint_1_PRE.pptx
+++ b/Sprint_1_PRE.pptx
@@ -13105,7 +13105,7 @@
                 <a:cs typeface="Calibri"/>
                 <a:sym typeface="Calibri"/>
               </a:rPr>
-              <a:t>Firestore</a:t>
+              <a:t>Realtime Database</a:t>
             </a:r>
             <a:r>
               <a:rPr lang="en-US" sz="2400" dirty="0">
@@ -13114,7 +13114,7 @@
                 <a:cs typeface="Calibri"/>
                 <a:sym typeface="Calibri"/>
               </a:rPr>
-              <a:t>: To store event details and user registration history.</a:t>
+              <a:t>: To store event details and users’ information.</a:t>
             </a:r>
             <a:endParaRPr lang="en-US" sz="2400" dirty="0">
               <a:latin typeface="Calibri"/>

--- a/Sprint_1_PRE.pptx
+++ b/Sprint_1_PRE.pptx
@@ -14299,54 +14299,6 @@
                 <a:cs typeface="Calibri"/>
                 <a:sym typeface="Calibri"/>
               </a:rPr>
-              <a:t>eventPoints</a:t>
-            </a:r>
-            <a:r>
-              <a:rPr lang="en-US" sz="1400" dirty="0">
-                <a:latin typeface="Calibri"/>
-                <a:ea typeface="Calibri"/>
-                <a:cs typeface="Calibri"/>
-                <a:sym typeface="Calibri"/>
-              </a:rPr>
-              <a:t>: Integer</a:t>
-            </a:r>
-            <a:endParaRPr lang="en-US" sz="1400" dirty="0">
-              <a:latin typeface="Calibri"/>
-              <a:ea typeface="Calibri"/>
-              <a:cs typeface="Calibri"/>
-              <a:sym typeface="Calibri"/>
-            </a:endParaRPr>
-          </a:p>
-          <a:p>
-            <a:pPr marL="0" lvl="0" indent="0">
-              <a:lnSpc>
-                <a:spcPct val="150000"/>
-              </a:lnSpc>
-              <a:spcBef>
-                <a:spcPts val="640"/>
-              </a:spcBef>
-              <a:buClr>
-                <a:schemeClr val="lt1"/>
-              </a:buClr>
-              <a:buSzPts val="3200"/>
-              <a:buNone/>
-            </a:pPr>
-            <a:r>
-              <a:rPr lang="en-US" sz="1400" dirty="0">
-                <a:latin typeface="Calibri"/>
-                <a:ea typeface="Calibri"/>
-                <a:cs typeface="Calibri"/>
-                <a:sym typeface="Calibri"/>
-              </a:rPr>
-              <a:t>|       |-- </a:t>
-            </a:r>
-            <a:r>
-              <a:rPr lang="en-US" sz="1400" dirty="0" err="1">
-                <a:latin typeface="Calibri"/>
-                <a:ea typeface="Calibri"/>
-                <a:cs typeface="Calibri"/>
-                <a:sym typeface="Calibri"/>
-              </a:rPr>
               <a:t>savedUsers</a:t>
             </a:r>
             <a:r>
@@ -14428,7 +14380,7 @@
         <p:spPr>
           <a:xfrm>
             <a:off x="4536440" y="1268730"/>
-            <a:ext cx="4150360" cy="5087620"/>
+            <a:ext cx="4150360" cy="4682490"/>
           </a:xfrm>
           <a:prstGeom prst="rect">
             <a:avLst/>
@@ -14969,66 +14921,6 @@
                 <a:sym typeface="Calibri"/>
               </a:rPr>
               <a:t>: String</a:t>
-            </a:r>
-            <a:endParaRPr lang="en-US" dirty="0">
-              <a:solidFill>
-                <a:schemeClr val="lt1"/>
-              </a:solidFill>
-              <a:latin typeface="Calibri"/>
-              <a:ea typeface="Calibri"/>
-              <a:cs typeface="Calibri"/>
-              <a:sym typeface="Calibri"/>
-            </a:endParaRPr>
-          </a:p>
-          <a:p>
-            <a:pPr marL="0" lvl="0" indent="0">
-              <a:lnSpc>
-                <a:spcPct val="150000"/>
-              </a:lnSpc>
-              <a:spcBef>
-                <a:spcPts val="640"/>
-              </a:spcBef>
-              <a:buClr>
-                <a:schemeClr val="lt1"/>
-              </a:buClr>
-              <a:buSzPts val="3200"/>
-              <a:buNone/>
-            </a:pPr>
-            <a:r>
-              <a:rPr lang="en-US" dirty="0">
-                <a:solidFill>
-                  <a:schemeClr val="lt1"/>
-                </a:solidFill>
-                <a:latin typeface="Calibri"/>
-                <a:ea typeface="Calibri"/>
-                <a:cs typeface="Calibri"/>
-                <a:sym typeface="Calibri"/>
-              </a:rPr>
-              <a:t>|       |-- </a:t>
-            </a:r>
-            <a:r>
-              <a:rPr lang="en-US" dirty="0" err="1">
-                <a:solidFill>
-                  <a:schemeClr val="lt1"/>
-                </a:solidFill>
-                <a:latin typeface="Calibri"/>
-                <a:ea typeface="Calibri"/>
-                <a:cs typeface="Calibri"/>
-                <a:sym typeface="Calibri"/>
-              </a:rPr>
-              <a:t>userPoints</a:t>
-            </a:r>
-            <a:r>
-              <a:rPr lang="en-US" dirty="0">
-                <a:solidFill>
-                  <a:schemeClr val="lt1"/>
-                </a:solidFill>
-                <a:latin typeface="Calibri"/>
-                <a:ea typeface="Calibri"/>
-                <a:cs typeface="Calibri"/>
-                <a:sym typeface="Calibri"/>
-              </a:rPr>
-              <a:t>: Integer</a:t>
             </a:r>
             <a:endParaRPr lang="en-US" dirty="0">
               <a:solidFill>

--- a/Sprint_1_PRE.pptx
+++ b/Sprint_1_PRE.pptx
@@ -14980,7 +14980,31 @@
                 <a:cs typeface="Calibri"/>
                 <a:sym typeface="Calibri"/>
               </a:rPr>
-              <a:t>: Map&lt;String, Boolean&gt;</a:t>
+              <a:t>: </a:t>
+            </a:r>
+            <a:r>
+              <a:rPr lang="en-US" dirty="0">
+                <a:solidFill>
+                  <a:schemeClr val="bg1"/>
+                </a:solidFill>
+                <a:latin typeface="Calibri"/>
+                <a:ea typeface="Calibri"/>
+                <a:cs typeface="Calibri"/>
+                <a:sym typeface="Calibri"/>
+              </a:rPr>
+              <a:t>Array</a:t>
+            </a:r>
+            <a:r>
+              <a:rPr lang="en-US" dirty="0">
+                <a:solidFill>
+                  <a:schemeClr val="lt1"/>
+                </a:solidFill>
+                <a:latin typeface="Calibri"/>
+                <a:ea typeface="Calibri"/>
+                <a:cs typeface="Calibri"/>
+                <a:sym typeface="Calibri"/>
+              </a:rPr>
+              <a:t>&lt;String&gt;</a:t>
             </a:r>
             <a:endParaRPr lang="en-US" dirty="0">
               <a:solidFill>
